--- a/etc/레벨디자인.pptx
+++ b/etc/레벨디자인.pptx
@@ -4,11 +4,19 @@
   <p:sldMasterIdLst>
     <p:sldMasterId id="2147483648" r:id="rId1"/>
   </p:sldMasterIdLst>
+  <p:notesMasterIdLst>
+    <p:notesMasterId r:id="rId2"/>
+  </p:notesMasterIdLst>
   <p:sldIdLst>
-    <p:sldId id="256" r:id="rId2"/>
-    <p:sldId id="258" r:id="rId3"/>
-    <p:sldId id="259" r:id="rId4"/>
-    <p:sldId id="260" r:id="rId5"/>
+    <p:sldId id="264" r:id="rId3"/>
+    <p:sldId id="256" r:id="rId4"/>
+    <p:sldId id="258" r:id="rId5"/>
+    <p:sldId id="260" r:id="rId6"/>
+    <p:sldId id="259" r:id="rId7"/>
+    <p:sldId id="261" r:id="rId8"/>
+    <p:sldId id="262" r:id="rId9"/>
+    <p:sldId id="263" r:id="rId10"/>
+    <p:sldId id="265" r:id="rId11"/>
   </p:sldIdLst>
   <p:sldSz cx="12192000" cy="6858000"/>
   <p:notesSz cx="6858000" cy="9144000"/>
@@ -108,6 +116,477 @@
     </a:lvl9pPr>
   </p:defaultTextStyle>
 </p:presentation>
+</file>
+
+<file path=ppt/notesMasters/notesMaster1.xml><?xml version="1.0" encoding="utf-8"?>
+<p:notesMaster xmlns:r="http://schemas.openxmlformats.org/officeDocument/2006/relationships" xmlns:c="http://schemas.openxmlformats.org/drawingml/2006/chart" xmlns:a="http://schemas.openxmlformats.org/drawingml/2006/main" xmlns:dgm="http://schemas.openxmlformats.org/drawingml/2006/diagram" xmlns:dsp="http://schemas.microsoft.com/office/drawing/2008/diagram" xmlns:p="http://schemas.openxmlformats.org/presentationml/2006/main">
+  <p:cSld>
+    <p:bg>
+      <p:bgRef idx="1001">
+        <a:schemeClr val="bg1"/>
+      </p:bgRef>
+    </p:bg>
+    <p:spTree>
+      <p:nvGrpSpPr>
+        <p:cNvPr id="1" name=""/>
+        <p:cNvGrpSpPr/>
+        <p:nvPr/>
+      </p:nvGrpSpPr>
+      <p:grpSpPr>
+        <a:xfrm>
+          <a:off x="0" y="0"/>
+          <a:ext cx="0" cy="0"/>
+          <a:chOff x="0" y="0"/>
+          <a:chExt cx="0" cy="0"/>
+        </a:xfrm>
+      </p:grpSpPr>
+      <p:sp>
+        <p:nvSpPr>
+          <p:cNvPr id="2" name="머리글 개체 틀 1"/>
+          <p:cNvSpPr>
+            <a:spLocks noGrp="1"/>
+          </p:cNvSpPr>
+          <p:nvPr>
+            <p:ph type="hdr" sz="quarter" idx="0"/>
+          </p:nvPr>
+        </p:nvSpPr>
+        <p:spPr>
+          <a:xfrm>
+            <a:off x="0" y="0"/>
+            <a:ext cx="2971800" cy="457200"/>
+          </a:xfrm>
+          <a:prstGeom prst="rect">
+            <a:avLst/>
+          </a:prstGeom>
+        </p:spPr>
+        <p:txBody>
+          <a:bodyPr vert="horz" lIns="91440" tIns="45720" rIns="91440" bIns="45720" rtlCol="0"/>
+          <a:lstStyle>
+            <a:lvl1pPr algn="l">
+              <a:defRPr sz="1200"/>
+            </a:lvl1pPr>
+          </a:lstStyle>
+          <a:p>
+            <a:pPr lvl="0"/>
+            <a:endParaRPr lang="ko-KR" altLang="en-US"/>
+          </a:p>
+        </p:txBody>
+      </p:sp>
+      <p:sp>
+        <p:nvSpPr>
+          <p:cNvPr id="3" name="날짜 개체 틀 2"/>
+          <p:cNvSpPr>
+            <a:spLocks noGrp="1"/>
+          </p:cNvSpPr>
+          <p:nvPr>
+            <p:ph type="dt" idx="1"/>
+          </p:nvPr>
+        </p:nvSpPr>
+        <p:spPr>
+          <a:xfrm>
+            <a:off x="3884613" y="0"/>
+            <a:ext cx="2971800" cy="457200"/>
+          </a:xfrm>
+          <a:prstGeom prst="rect">
+            <a:avLst/>
+          </a:prstGeom>
+        </p:spPr>
+        <p:txBody>
+          <a:bodyPr vert="horz" lIns="91440" tIns="45720" rIns="91440" bIns="45720" rtlCol="0"/>
+          <a:lstStyle>
+            <a:lvl1pPr algn="r">
+              <a:defRPr sz="1200"/>
+            </a:lvl1pPr>
+          </a:lstStyle>
+          <a:p>
+            <a:pPr lvl="0"/>
+            <a:fld id="{E2B2BC9D-A816-4D0A-858B-1D023B3A8ACA}" type="datetime1">
+              <a:rPr lang="ko-KR" altLang="en-US" smtClean="0"/>
+              <a:pPr/>
+              <a:t>2009-03-26</a:t>
+            </a:fld>
+            <a:endParaRPr lang="ko-KR" altLang="en-US"/>
+          </a:p>
+        </p:txBody>
+      </p:sp>
+      <p:sp>
+        <p:nvSpPr>
+          <p:cNvPr id="4" name="슬라이드 이미지 개체 틀 3"/>
+          <p:cNvSpPr>
+            <a:spLocks noGrp="1" noRot="1" noChangeAspect="1" noTextEdit="1"/>
+          </p:cNvSpPr>
+          <p:nvPr>
+            <p:ph type="sldImg" idx="2"/>
+          </p:nvPr>
+        </p:nvSpPr>
+        <p:spPr>
+          <a:xfrm>
+            <a:off x="381000" y="685800"/>
+            <a:ext cx="6096000" cy="3429000"/>
+          </a:xfrm>
+          <a:prstGeom prst="rect">
+            <a:avLst/>
+          </a:prstGeom>
+          <a:noFill/>
+          <a:ln w="12700">
+            <a:solidFill>
+              <a:prstClr val="black"/>
+            </a:solidFill>
+          </a:ln>
+        </p:spPr>
+        <p:txBody>
+          <a:bodyPr vert="horz" lIns="91440" tIns="45720" rIns="91440" bIns="45720" rtlCol="0" anchor="ctr"/>
+          <a:lstStyle/>
+          <a:p>
+            <a:pPr lvl="0"/>
+            <a:endParaRPr lang="ko-KR" altLang="en-US"/>
+          </a:p>
+        </p:txBody>
+      </p:sp>
+      <p:sp>
+        <p:nvSpPr>
+          <p:cNvPr id="5" name="슬라이드 노트 개체 틀 4"/>
+          <p:cNvSpPr>
+            <a:spLocks noGrp="1"/>
+          </p:cNvSpPr>
+          <p:nvPr>
+            <p:ph type="body" sz="quarter" idx="3"/>
+          </p:nvPr>
+        </p:nvSpPr>
+        <p:spPr>
+          <a:xfrm>
+            <a:off x="685800" y="4343400"/>
+            <a:ext cx="5486400" cy="4114800"/>
+          </a:xfrm>
+          <a:prstGeom prst="rect">
+            <a:avLst/>
+          </a:prstGeom>
+        </p:spPr>
+        <p:txBody>
+          <a:bodyPr vert="horz" lIns="91440" tIns="45720" rIns="91440" bIns="45720">
+            <a:noAutofit/>
+          </a:bodyPr>
+          <a:lstStyle/>
+          <a:p>
+            <a:pPr lvl="0">
+              <a:defRPr/>
+            </a:pPr>
+            <a:r>
+              <a:rPr lang="ko-KR" altLang="en-US"/>
+              <a:t>마스터 텍스트 스타일을 편집합니다</a:t>
+            </a:r>
+            <a:endParaRPr lang="ko-KR" altLang="en-US"/>
+          </a:p>
+          <a:p>
+            <a:pPr lvl="1">
+              <a:defRPr/>
+            </a:pPr>
+            <a:r>
+              <a:rPr lang="ko-KR" altLang="en-US"/>
+              <a:t>둘째 수준</a:t>
+            </a:r>
+            <a:endParaRPr lang="ko-KR" altLang="en-US"/>
+          </a:p>
+          <a:p>
+            <a:pPr lvl="2">
+              <a:defRPr/>
+            </a:pPr>
+            <a:r>
+              <a:rPr lang="ko-KR" altLang="en-US"/>
+              <a:t>셋째 수준</a:t>
+            </a:r>
+            <a:endParaRPr lang="ko-KR" altLang="en-US"/>
+          </a:p>
+          <a:p>
+            <a:pPr lvl="3">
+              <a:defRPr/>
+            </a:pPr>
+            <a:r>
+              <a:rPr lang="ko-KR" altLang="en-US"/>
+              <a:t>넷째 수준</a:t>
+            </a:r>
+            <a:endParaRPr lang="ko-KR" altLang="en-US"/>
+          </a:p>
+          <a:p>
+            <a:pPr lvl="4">
+              <a:defRPr/>
+            </a:pPr>
+            <a:r>
+              <a:rPr lang="ko-KR" altLang="en-US"/>
+              <a:t>다섯째 수준</a:t>
+            </a:r>
+            <a:endParaRPr lang="ko-KR" altLang="en-US"/>
+          </a:p>
+        </p:txBody>
+      </p:sp>
+      <p:sp>
+        <p:nvSpPr>
+          <p:cNvPr id="6" name="바닥글 개체 틀 5"/>
+          <p:cNvSpPr>
+            <a:spLocks noGrp="1"/>
+          </p:cNvSpPr>
+          <p:nvPr>
+            <p:ph type="ftr" sz="quarter" idx="4"/>
+          </p:nvPr>
+        </p:nvSpPr>
+        <p:spPr>
+          <a:xfrm>
+            <a:off x="0" y="8685213"/>
+            <a:ext cx="2971800" cy="457200"/>
+          </a:xfrm>
+          <a:prstGeom prst="rect">
+            <a:avLst/>
+          </a:prstGeom>
+        </p:spPr>
+        <p:txBody>
+          <a:bodyPr vert="horz" lIns="91440" tIns="45720" rIns="91440" bIns="45720" rtlCol="0" anchor="b"/>
+          <a:lstStyle>
+            <a:lvl1pPr algn="l">
+              <a:defRPr sz="1200"/>
+            </a:lvl1pPr>
+          </a:lstStyle>
+          <a:p>
+            <a:pPr lvl="0"/>
+            <a:endParaRPr lang="ko-KR" altLang="en-US"/>
+          </a:p>
+        </p:txBody>
+      </p:sp>
+      <p:sp>
+        <p:nvSpPr>
+          <p:cNvPr id="7" name="슬라이드 번호 개체 틀 6"/>
+          <p:cNvSpPr>
+            <a:spLocks noGrp="1"/>
+          </p:cNvSpPr>
+          <p:nvPr>
+            <p:ph type="sldNum" sz="quarter" idx="5"/>
+          </p:nvPr>
+        </p:nvSpPr>
+        <p:spPr>
+          <a:xfrm>
+            <a:off x="3884613" y="8685213"/>
+            <a:ext cx="2971800" cy="457200"/>
+          </a:xfrm>
+          <a:prstGeom prst="rect">
+            <a:avLst/>
+          </a:prstGeom>
+        </p:spPr>
+        <p:txBody>
+          <a:bodyPr vert="horz" lIns="91440" tIns="45720" rIns="91440" bIns="45720" rtlCol="0" anchor="b"/>
+          <a:lstStyle>
+            <a:lvl1pPr algn="r">
+              <a:defRPr sz="1200"/>
+            </a:lvl1pPr>
+          </a:lstStyle>
+          <a:p>
+            <a:pPr lvl="0"/>
+            <a:fld id="{09F4262C-968C-4EE9-8164-CE16364706B3}" type="slidenum">
+              <a:rPr lang="ko-KR" altLang="en-US" smtClean="0"/>
+              <a:pPr/>
+              <a:t>‹#›</a:t>
+            </a:fld>
+            <a:endParaRPr lang="ko-KR" altLang="en-US"/>
+          </a:p>
+        </p:txBody>
+      </p:sp>
+    </p:spTree>
+    <p:extLst>
+      <p:ext uri="{BB962C8B-B14F-4D97-AF65-F5344CB8AC3E}">
+        <p14:creationId xmlns:p14="http://schemas.microsoft.com/office/powerpoint/2010/main" val="2910435020"/>
+      </p:ext>
+    </p:extLst>
+  </p:cSld>
+  <p:clrMap bg1="lt1" tx1="dk1" bg2="lt2" tx2="dk2" accent1="accent1" accent2="accent2" accent3="accent3" accent4="accent4" accent5="accent5" accent6="accent6" hlink="hlink" folHlink="folHlink"/>
+  <p:hf hdr="0" ftr="0" dt="0"/>
+  <p:notesStyle>
+    <a:lvl1pPr marL="0" algn="l" defTabSz="914400" rtl="0" eaLnBrk="1" latinLnBrk="1" hangingPunct="1">
+      <a:defRPr sz="1200" kern="1200">
+        <a:solidFill>
+          <a:schemeClr val="tx1"/>
+        </a:solidFill>
+        <a:latin typeface="+mj-lt"/>
+        <a:ea typeface="+mj-ea"/>
+        <a:cs typeface="+mj-cs"/>
+      </a:defRPr>
+    </a:lvl1pPr>
+    <a:lvl2pPr marL="457200" algn="l" defTabSz="914400" rtl="0" eaLnBrk="1" latinLnBrk="1" hangingPunct="1">
+      <a:defRPr sz="1200" kern="1200">
+        <a:solidFill>
+          <a:schemeClr val="tx1"/>
+        </a:solidFill>
+        <a:latin typeface="+mj-lt"/>
+        <a:ea typeface="+mj-ea"/>
+        <a:cs typeface="+mj-cs"/>
+      </a:defRPr>
+    </a:lvl2pPr>
+    <a:lvl3pPr marL="914400" algn="l" defTabSz="914400" rtl="0" eaLnBrk="1" latinLnBrk="1" hangingPunct="1">
+      <a:defRPr sz="1200" kern="1200">
+        <a:solidFill>
+          <a:schemeClr val="tx1"/>
+        </a:solidFill>
+        <a:latin typeface="+mj-lt"/>
+        <a:ea typeface="+mj-ea"/>
+        <a:cs typeface="+mj-cs"/>
+      </a:defRPr>
+    </a:lvl3pPr>
+    <a:lvl4pPr marL="1371600" algn="l" defTabSz="914400" rtl="0" eaLnBrk="1" latinLnBrk="1" hangingPunct="1">
+      <a:defRPr sz="1200" kern="1200">
+        <a:solidFill>
+          <a:schemeClr val="tx1"/>
+        </a:solidFill>
+        <a:latin typeface="+mj-lt"/>
+        <a:ea typeface="+mj-ea"/>
+        <a:cs typeface="+mj-cs"/>
+      </a:defRPr>
+    </a:lvl4pPr>
+    <a:lvl5pPr marL="1828800" algn="l" defTabSz="914400" rtl="0" eaLnBrk="1" latinLnBrk="1" hangingPunct="1">
+      <a:defRPr sz="1200" kern="1200">
+        <a:solidFill>
+          <a:schemeClr val="tx1"/>
+        </a:solidFill>
+        <a:latin typeface="+mj-lt"/>
+        <a:ea typeface="+mj-ea"/>
+        <a:cs typeface="+mj-cs"/>
+      </a:defRPr>
+    </a:lvl5pPr>
+    <a:lvl6pPr marL="2286000" algn="l" defTabSz="914400" rtl="0" eaLnBrk="1" latinLnBrk="1" hangingPunct="1">
+      <a:defRPr sz="1200" kern="1200">
+        <a:solidFill>
+          <a:schemeClr val="tx1"/>
+        </a:solidFill>
+        <a:latin typeface="+mj-lt"/>
+        <a:ea typeface="+mj-ea"/>
+        <a:cs typeface="+mj-cs"/>
+      </a:defRPr>
+    </a:lvl6pPr>
+    <a:lvl7pPr marL="2743200" algn="l" defTabSz="914400" rtl="0" eaLnBrk="1" latinLnBrk="1" hangingPunct="1">
+      <a:defRPr sz="1200" kern="1200">
+        <a:solidFill>
+          <a:schemeClr val="tx1"/>
+        </a:solidFill>
+        <a:latin typeface="+mj-lt"/>
+        <a:ea typeface="+mj-ea"/>
+        <a:cs typeface="+mj-cs"/>
+      </a:defRPr>
+    </a:lvl7pPr>
+    <a:lvl8pPr marL="3200400" algn="l" defTabSz="914400" rtl="0" eaLnBrk="1" latinLnBrk="1" hangingPunct="1">
+      <a:defRPr sz="1200" kern="1200">
+        <a:solidFill>
+          <a:schemeClr val="tx1"/>
+        </a:solidFill>
+        <a:latin typeface="+mj-lt"/>
+        <a:ea typeface="+mj-ea"/>
+        <a:cs typeface="+mj-cs"/>
+      </a:defRPr>
+    </a:lvl8pPr>
+    <a:lvl9pPr marL="3657600" algn="l" defTabSz="914400" rtl="0" eaLnBrk="1" latinLnBrk="1" hangingPunct="1">
+      <a:defRPr sz="1200" kern="1200">
+        <a:solidFill>
+          <a:schemeClr val="tx1"/>
+        </a:solidFill>
+        <a:latin typeface="+mj-lt"/>
+        <a:ea typeface="+mj-ea"/>
+        <a:cs typeface="+mj-cs"/>
+      </a:defRPr>
+    </a:lvl9pPr>
+  </p:notesStyle>
+</p:notesMaster>
+</file>
+
+<file path=ppt/notesSlides/notesSlide1.xml><?xml version="1.0" encoding="utf-8"?>
+<p:notes xmlns:r="http://schemas.openxmlformats.org/officeDocument/2006/relationships" xmlns:c="http://schemas.openxmlformats.org/drawingml/2006/chart" xmlns:a="http://schemas.openxmlformats.org/drawingml/2006/main" xmlns:dgm="http://schemas.openxmlformats.org/drawingml/2006/diagram" xmlns:dsp="http://schemas.microsoft.com/office/drawing/2008/diagram" xmlns:p="http://schemas.openxmlformats.org/presentationml/2006/main">
+  <p:cSld>
+    <p:spTree>
+      <p:nvGrpSpPr>
+        <p:cNvPr id="1" name=""/>
+        <p:cNvGrpSpPr/>
+        <p:nvPr/>
+      </p:nvGrpSpPr>
+      <p:grpSpPr>
+        <a:xfrm>
+          <a:off x="0" y="0"/>
+          <a:ext cx="0" cy="0"/>
+          <a:chOff x="0" y="0"/>
+          <a:chExt cx="0" cy="0"/>
+        </a:xfrm>
+      </p:grpSpPr>
+      <p:sp>
+        <p:nvSpPr>
+          <p:cNvPr id="2" name="슬라이드 이미지 개체 틀 3"/>
+          <p:cNvSpPr>
+            <a:spLocks noGrp="1" noRot="1" noChangeAspect="1" noTextEdit="1"/>
+          </p:cNvSpPr>
+          <p:nvPr>
+            <p:ph type="sldImg" idx="2"/>
+          </p:nvPr>
+        </p:nvSpPr>
+        <p:spPr/>
+        <p:txBody>
+          <a:bodyPr/>
+          <a:p>
+            <a:endParaRPr lang="ko-KR" altLang="en-US"/>
+          </a:p>
+        </p:txBody>
+      </p:sp>
+      <p:sp>
+        <p:nvSpPr>
+          <p:cNvPr id="3" name="슬라이드 노트 개체 틀 4"/>
+          <p:cNvSpPr>
+            <a:spLocks noGrp="1"/>
+          </p:cNvSpPr>
+          <p:nvPr>
+            <p:ph type="body" sz="quarter" idx="3"/>
+          </p:nvPr>
+        </p:nvSpPr>
+        <p:spPr/>
+        <p:txBody>
+          <a:bodyPr/>
+          <a:p>
+            <a:pPr lvl="0">
+              <a:defRPr/>
+            </a:pPr>
+            <a:r>
+              <a:rPr lang="ko-KR" altLang="en-US"/>
+              <a:t/>
+            </a:r>
+            <a:endParaRPr lang="ko-KR" altLang="en-US"/>
+          </a:p>
+        </p:txBody>
+      </p:sp>
+      <p:sp>
+        <p:nvSpPr>
+          <p:cNvPr id="4" name="슬라이드 번호 개체 틀 6"/>
+          <p:cNvSpPr>
+            <a:spLocks noGrp="1"/>
+          </p:cNvSpPr>
+          <p:nvPr>
+            <p:ph type="sldNum" sz="quarter" idx="5"/>
+          </p:nvPr>
+        </p:nvSpPr>
+        <p:spPr/>
+        <p:txBody>
+          <a:bodyPr/>
+          <a:p>
+            <a:pPr lvl="0"/>
+            <a:fld id="{09F4262C-968C-4EE9-8164-CE16364706B3}" type="slidenum">
+              <a:rPr lang="ko-KR" altLang="en-US" smtClean="0"/>
+              <a:pPr/>
+              <a:t>3</a:t>
+            </a:fld>
+            <a:endParaRPr lang="ko-KR" altLang="en-US"/>
+          </a:p>
+        </p:txBody>
+      </p:sp>
+    </p:spTree>
+    <p:extLst>
+      <p:ext uri="{BB962C8B-B14F-4D97-AF65-F5344CB8AC3E}">
+        <p14:creationId xmlns:p14="http://schemas.microsoft.com/office/powerpoint/2010/main" val="1232604906"/>
+      </p:ext>
+    </p:extLst>
+  </p:cSld>
+  <p:clrMapOvr>
+    <a:masterClrMapping/>
+  </p:clrMapOvr>
+</p:notes>
 </file>
 
 <file path=ppt/slideLayouts/slideLayout1.xml><?xml version="1.0" encoding="utf-8"?>
@@ -3253,6 +3732,93 @@
           <a:chExt cx="0" cy="0"/>
         </a:xfrm>
       </p:grpSpPr>
+      <p:sp>
+        <p:nvSpPr>
+          <p:cNvPr id="4" name="가로 글상자 3"/>
+          <p:cNvSpPr txBox="1"/>
+          <p:nvPr/>
+        </p:nvSpPr>
+        <p:spPr>
+          <a:xfrm>
+            <a:off x="2318385" y="666750"/>
+            <a:ext cx="1440181" cy="360045"/>
+          </a:xfrm>
+          <a:prstGeom prst="rect">
+            <a:avLst/>
+          </a:prstGeom>
+        </p:spPr>
+        <p:txBody>
+          <a:bodyPr wrap="square">
+            <a:spAutoFit/>
+          </a:bodyPr>
+          <a:p>
+            <a:pPr lvl="0" algn="ctr">
+              <a:defRPr/>
+            </a:pPr>
+            <a:r>
+              <a:rPr lang="ko-KR" altLang="en-US">
+                <a:ln w="9525">
+                  <a:solidFill>
+                    <a:schemeClr val="lt1"/>
+                  </a:solidFill>
+                </a:ln>
+                <a:solidFill>
+                  <a:schemeClr val="dk1"/>
+                </a:solidFill>
+              </a:rPr>
+              <a:t>→</a:t>
+            </a:r>
+            <a:r>
+              <a:rPr lang="ko-KR" altLang="en-US" b="0">
+                <a:ln w="9525">
+                  <a:solidFill>
+                    <a:schemeClr val="lt1"/>
+                  </a:solidFill>
+                </a:ln>
+                <a:solidFill>
+                  <a:schemeClr val="dk1"/>
+                </a:solidFill>
+              </a:rPr>
+              <a:t>←↑↓</a:t>
+            </a:r>
+            <a:endParaRPr lang="ko-KR" altLang="en-US" b="0">
+              <a:solidFill>
+                <a:schemeClr val="dk1"/>
+              </a:solidFill>
+            </a:endParaRPr>
+          </a:p>
+        </p:txBody>
+      </p:sp>
+    </p:spTree>
+    <p:extLst>
+      <p:ext uri="{BB962C8B-B14F-4D97-AF65-F5344CB8AC3E}">
+        <p14:creationId xmlns:p14="http://schemas.microsoft.com/office/powerpoint/2010/main" val="1831749050"/>
+      </p:ext>
+    </p:extLst>
+  </p:cSld>
+  <p:clrMapOvr>
+    <a:masterClrMapping/>
+  </p:clrMapOvr>
+</p:sld>
+</file>
+
+<file path=ppt/slides/slide2.xml><?xml version="1.0" encoding="utf-8"?>
+<p:sld xmlns:r="http://schemas.openxmlformats.org/officeDocument/2006/relationships" xmlns:c="http://schemas.openxmlformats.org/drawingml/2006/chart" xmlns:a="http://schemas.openxmlformats.org/drawingml/2006/main" xmlns:dgm="http://schemas.openxmlformats.org/drawingml/2006/diagram" xmlns:dsp="http://schemas.microsoft.com/office/drawing/2008/diagram" xmlns:p="http://schemas.openxmlformats.org/presentationml/2006/main">
+  <p:cSld>
+    <p:spTree>
+      <p:nvGrpSpPr>
+        <p:cNvPr id="1" name=""/>
+        <p:cNvGrpSpPr/>
+        <p:nvPr/>
+      </p:nvGrpSpPr>
+      <p:grpSpPr>
+        <a:xfrm>
+          <a:off x="0" y="0"/>
+          <a:ext cx="0" cy="0"/>
+          <a:chOff x="0" y="0"/>
+          <a:chExt cx="0" cy="0"/>
+        </a:xfrm>
+      </p:grpSpPr>
       <p:cxnSp>
         <p:nvCxnSpPr>
           <p:cNvPr id="7" name="선 6"/>
@@ -6768,7 +7334,7 @@
 </p:sld>
 </file>
 
-<file path=ppt/slides/slide2.xml><?xml version="1.0" encoding="utf-8"?>
+<file path=ppt/slides/slide3.xml><?xml version="1.0" encoding="utf-8"?>
 <p:sld xmlns:r="http://schemas.openxmlformats.org/officeDocument/2006/relationships" xmlns:c="http://schemas.openxmlformats.org/drawingml/2006/chart" xmlns:a="http://schemas.openxmlformats.org/drawingml/2006/main" xmlns:dgm="http://schemas.openxmlformats.org/drawingml/2006/diagram" xmlns:dsp="http://schemas.microsoft.com/office/drawing/2008/diagram" xmlns:p="http://schemas.openxmlformats.org/presentationml/2006/main">
   <p:cSld>
     <p:spTree>
@@ -8396,7 +8962,7 @@
         <p:spPr>
           <a:xfrm>
             <a:off x="9619226" y="2816543"/>
-            <a:ext cx="2161046" cy="543877"/>
+            <a:ext cx="2161046" cy="1001077"/>
           </a:xfrm>
           <a:prstGeom prst="rect">
             <a:avLst/>
@@ -8415,6 +8981,28 @@
               <a:t>1-2</a:t>
             </a:r>
             <a:endParaRPr lang="en-US" altLang="ko-KR" sz="1500"/>
+          </a:p>
+          <a:p>
+            <a:pPr lvl="0">
+              <a:defRPr/>
+            </a:pPr>
+            <a:r>
+              <a:rPr lang="en-US" altLang="ko-KR" sz="1500"/>
+              <a:t>4x4 </a:t>
+            </a:r>
+            <a:r>
+              <a:rPr lang="ko-KR" altLang="en-US" sz="1500"/>
+              <a:t>크기의 좌</a:t>
+            </a:r>
+            <a:r>
+              <a:rPr lang="en-US" altLang="ko-KR" sz="1500"/>
+              <a:t>,</a:t>
+            </a:r>
+            <a:r>
+              <a:rPr lang="ko-KR" altLang="en-US" sz="1500"/>
+              <a:t>우 방향으로만 구성된 레벨</a:t>
+            </a:r>
+            <a:endParaRPr lang="ko-KR" altLang="en-US" sz="1500"/>
           </a:p>
           <a:p>
             <a:pPr lvl="0">
@@ -10611,7 +11199,3733 @@
 </p:sld>
 </file>
 
-<file path=ppt/slides/slide3.xml><?xml version="1.0" encoding="utf-8"?>
+<file path=ppt/slides/slide4.xml><?xml version="1.0" encoding="utf-8"?>
+<p:sld xmlns:r="http://schemas.openxmlformats.org/officeDocument/2006/relationships" xmlns:c="http://schemas.openxmlformats.org/drawingml/2006/chart" xmlns:a="http://schemas.openxmlformats.org/drawingml/2006/main" xmlns:dgm="http://schemas.openxmlformats.org/drawingml/2006/diagram" xmlns:dsp="http://schemas.microsoft.com/office/drawing/2008/diagram" xmlns:p="http://schemas.openxmlformats.org/presentationml/2006/main">
+  <p:cSld>
+    <p:spTree>
+      <p:nvGrpSpPr>
+        <p:cNvPr id="1" name=""/>
+        <p:cNvGrpSpPr/>
+        <p:nvPr/>
+      </p:nvGrpSpPr>
+      <p:grpSpPr>
+        <a:xfrm>
+          <a:off x="0" y="0"/>
+          <a:ext cx="0" cy="0"/>
+          <a:chOff x="0" y="0"/>
+          <a:chExt cx="0" cy="0"/>
+        </a:xfrm>
+      </p:grpSpPr>
+      <p:cxnSp>
+        <p:nvCxnSpPr>
+          <p:cNvPr id="7" name="선 6"/>
+          <p:cNvCxnSpPr/>
+          <p:nvPr/>
+        </p:nvCxnSpPr>
+        <p:spPr>
+          <a:xfrm rot="16200000" flipH="1">
+            <a:off x="2959958" y="4573018"/>
+            <a:ext cx="3834537" cy="33"/>
+          </a:xfrm>
+          <a:prstGeom prst="line">
+            <a:avLst/>
+          </a:prstGeom>
+          <a:ln>
+            <a:solidFill>
+              <a:schemeClr val="dk1"/>
+            </a:solidFill>
+          </a:ln>
+        </p:spPr>
+        <p:style>
+          <a:lnRef idx="1">
+            <a:schemeClr val="accent1"/>
+          </a:lnRef>
+          <a:fillRef idx="0">
+            <a:schemeClr val="accent1"/>
+          </a:fillRef>
+          <a:effectRef idx="0">
+            <a:schemeClr val="accent1"/>
+          </a:effectRef>
+          <a:fontRef idx="minor">
+            <a:schemeClr val="tx1"/>
+          </a:fontRef>
+        </p:style>
+      </p:cxnSp>
+      <p:cxnSp>
+        <p:nvCxnSpPr>
+          <p:cNvPr id="8" name="선 7"/>
+          <p:cNvCxnSpPr/>
+          <p:nvPr/>
+        </p:nvCxnSpPr>
+        <p:spPr>
+          <a:xfrm>
+            <a:off x="306115" y="2655733"/>
+            <a:ext cx="11579769" cy="0"/>
+          </a:xfrm>
+          <a:prstGeom prst="line">
+            <a:avLst/>
+          </a:prstGeom>
+          <a:ln>
+            <a:solidFill>
+              <a:schemeClr val="dk1"/>
+            </a:solidFill>
+          </a:ln>
+        </p:spPr>
+        <p:style>
+          <a:lnRef idx="1">
+            <a:schemeClr val="accent1"/>
+          </a:lnRef>
+          <a:fillRef idx="0">
+            <a:schemeClr val="accent1"/>
+          </a:fillRef>
+          <a:effectRef idx="0">
+            <a:schemeClr val="accent1"/>
+          </a:effectRef>
+          <a:fontRef idx="minor">
+            <a:schemeClr val="tx1"/>
+          </a:fontRef>
+        </p:style>
+      </p:cxnSp>
+      <p:cxnSp>
+        <p:nvCxnSpPr>
+          <p:cNvPr id="17" name="선 16"/>
+          <p:cNvCxnSpPr/>
+          <p:nvPr/>
+        </p:nvCxnSpPr>
+        <p:spPr>
+          <a:xfrm rot="16200000" flipH="1">
+            <a:off x="-830793" y="1317202"/>
+            <a:ext cx="2274807" cy="989"/>
+          </a:xfrm>
+          <a:prstGeom prst="line">
+            <a:avLst/>
+          </a:prstGeom>
+          <a:ln>
+            <a:solidFill>
+              <a:schemeClr val="dk1"/>
+            </a:solidFill>
+          </a:ln>
+        </p:spPr>
+        <p:style>
+          <a:lnRef idx="1">
+            <a:schemeClr val="accent1"/>
+          </a:lnRef>
+          <a:fillRef idx="0">
+            <a:schemeClr val="accent1"/>
+          </a:fillRef>
+          <a:effectRef idx="0">
+            <a:schemeClr val="accent1"/>
+          </a:effectRef>
+          <a:fontRef idx="minor">
+            <a:schemeClr val="tx1"/>
+          </a:fontRef>
+        </p:style>
+      </p:cxnSp>
+      <p:cxnSp>
+        <p:nvCxnSpPr>
+          <p:cNvPr id="18" name="선 17"/>
+          <p:cNvCxnSpPr/>
+          <p:nvPr/>
+        </p:nvCxnSpPr>
+        <p:spPr>
+          <a:xfrm rot="16200000" flipH="1">
+            <a:off x="10749483" y="1317694"/>
+            <a:ext cx="2274806" cy="7"/>
+          </a:xfrm>
+          <a:prstGeom prst="line">
+            <a:avLst/>
+          </a:prstGeom>
+          <a:ln>
+            <a:solidFill>
+              <a:schemeClr val="dk1"/>
+            </a:solidFill>
+          </a:ln>
+        </p:spPr>
+        <p:style>
+          <a:lnRef idx="1">
+            <a:schemeClr val="accent1"/>
+          </a:lnRef>
+          <a:fillRef idx="0">
+            <a:schemeClr val="accent1"/>
+          </a:fillRef>
+          <a:effectRef idx="0">
+            <a:schemeClr val="accent1"/>
+          </a:effectRef>
+          <a:fontRef idx="minor">
+            <a:schemeClr val="tx1"/>
+          </a:fontRef>
+        </p:style>
+      </p:cxnSp>
+      <p:graphicFrame>
+        <p:nvGraphicFramePr>
+          <p:cNvPr id="19" name="표 18"/>
+          <p:cNvGraphicFramePr>
+            <a:graphicFrameLocks noGrp="1"/>
+          </p:cNvGraphicFramePr>
+          <p:nvPr/>
+        </p:nvGraphicFramePr>
+        <p:xfrm>
+          <a:off x="1093861" y="518278"/>
+          <a:ext cx="10004278" cy="1598839"/>
+        </p:xfrm>
+        <a:graphic>
+          <a:graphicData uri="http://schemas.openxmlformats.org/drawingml/2006/table">
+            <a:tbl>
+              <a:tblPr firstRow="1" bandRow="1">
+                <a:tableStyleId>{01A66EDD-3DAB-4C5B-A090-DC80EC1FD486}</a:tableStyleId>
+              </a:tblPr>
+              <a:tblGrid>
+                <a:gridCol w="1429726"/>
+                <a:gridCol w="1429726"/>
+                <a:gridCol w="1429726"/>
+                <a:gridCol w="1429726"/>
+                <a:gridCol w="1428456"/>
+                <a:gridCol w="1428456"/>
+                <a:gridCol w="1428456"/>
+              </a:tblGrid>
+              <a:tr h="1598839">
+                <a:tc>
+                  <a:txBody>
+                    <a:bodyPr vert="horz" wrap="square" lIns="91440" tIns="45720" rIns="91440" bIns="45720" anchor="ctr" anchorCtr="0">
+                      <a:spAutoFit/>
+                    </a:bodyPr>
+                    <a:p>
+                      <a:pPr lvl="0" algn="ctr">
+                        <a:defRPr/>
+                      </a:pPr>
+                      <a:r>
+                        <a:rPr lang="en-US" altLang="ko-KR" sz="5000" u="sng">
+                          <a:solidFill>
+                            <a:schemeClr val="tx1"/>
+                          </a:solidFill>
+                        </a:rPr>
+                        <a:t>P</a:t>
+                      </a:r>
+                      <a:endParaRPr lang="en-US" altLang="ko-KR" sz="5000" u="sng">
+                        <a:solidFill>
+                          <a:schemeClr val="tx1"/>
+                        </a:solidFill>
+                      </a:endParaRPr>
+                    </a:p>
+                  </a:txBody>
+                  <a:tcPr marL="91440" marR="91440" anchor="ctr">
+                    <a:lnL w="12700" cap="flat" cmpd="sng" algn="ctr">
+                      <a:solidFill>
+                        <a:schemeClr val="tx1"/>
+                      </a:solidFill>
+                      <a:prstDash val="solid"/>
+                      <a:round/>
+                      <a:headEnd w="med" len="med"/>
+                      <a:tailEnd w="med" len="med"/>
+                    </a:lnL>
+                    <a:lnR w="12700" cap="flat" cmpd="sng" algn="ctr">
+                      <a:solidFill>
+                        <a:schemeClr val="tx1"/>
+                      </a:solidFill>
+                      <a:prstDash val="solid"/>
+                      <a:round/>
+                      <a:headEnd w="med" len="med"/>
+                      <a:tailEnd w="med" len="med"/>
+                    </a:lnR>
+                    <a:lnT w="12700" cap="flat" cmpd="sng" algn="ctr">
+                      <a:solidFill>
+                        <a:schemeClr val="tx1"/>
+                      </a:solidFill>
+                      <a:prstDash val="solid"/>
+                      <a:round/>
+                      <a:headEnd w="med" len="med"/>
+                      <a:tailEnd w="med" len="med"/>
+                    </a:lnT>
+                    <a:lnB w="12700" cap="flat" cmpd="sng" algn="ctr">
+                      <a:solidFill>
+                        <a:schemeClr val="tx1"/>
+                      </a:solidFill>
+                      <a:prstDash val="solid"/>
+                      <a:round/>
+                      <a:headEnd w="med" len="med"/>
+                      <a:tailEnd w="med" len="med"/>
+                    </a:lnB>
+                    <a:solidFill>
+                      <a:schemeClr val="lt1"/>
+                    </a:solidFill>
+                  </a:tcPr>
+                </a:tc>
+                <a:tc>
+                  <a:txBody>
+                    <a:bodyPr vert="horz" wrap="square" lIns="91440" tIns="45720" rIns="91440" bIns="45720" anchor="ctr" anchorCtr="0">
+                      <a:spAutoFit/>
+                    </a:bodyPr>
+                    <a:p>
+                      <a:pPr lvl="0" algn="ctr">
+                        <a:defRPr/>
+                      </a:pPr>
+                      <a:r>
+                        <a:rPr lang="en-US" altLang="ko-KR" sz="5000">
+                          <a:solidFill>
+                            <a:schemeClr val="tx1"/>
+                          </a:solidFill>
+                        </a:rPr>
+                        <a:t>_</a:t>
+                      </a:r>
+                      <a:endParaRPr lang="en-US" altLang="ko-KR" sz="5000">
+                        <a:solidFill>
+                          <a:schemeClr val="tx1"/>
+                        </a:solidFill>
+                      </a:endParaRPr>
+                    </a:p>
+                  </a:txBody>
+                  <a:tcPr marL="91440" marR="91440" anchor="ctr">
+                    <a:lnL w="12700" cap="flat" cmpd="sng" algn="ctr">
+                      <a:solidFill>
+                        <a:schemeClr val="tx1"/>
+                      </a:solidFill>
+                      <a:prstDash val="solid"/>
+                      <a:round/>
+                      <a:headEnd w="med" len="med"/>
+                      <a:tailEnd w="med" len="med"/>
+                    </a:lnL>
+                    <a:lnR w="12700" cap="flat" cmpd="sng" algn="ctr">
+                      <a:solidFill>
+                        <a:schemeClr val="tx1"/>
+                      </a:solidFill>
+                      <a:prstDash val="solid"/>
+                      <a:round/>
+                      <a:headEnd w="med" len="med"/>
+                      <a:tailEnd w="med" len="med"/>
+                    </a:lnR>
+                    <a:lnT w="12700" cap="flat" cmpd="sng" algn="ctr">
+                      <a:solidFill>
+                        <a:schemeClr val="tx1"/>
+                      </a:solidFill>
+                      <a:prstDash val="solid"/>
+                      <a:round/>
+                      <a:headEnd w="med" len="med"/>
+                      <a:tailEnd w="med" len="med"/>
+                    </a:lnT>
+                    <a:lnB w="12700" cap="flat" cmpd="sng" algn="ctr">
+                      <a:solidFill>
+                        <a:schemeClr val="tx1"/>
+                      </a:solidFill>
+                      <a:prstDash val="solid"/>
+                      <a:round/>
+                      <a:headEnd w="med" len="med"/>
+                      <a:tailEnd w="med" len="med"/>
+                    </a:lnB>
+                    <a:solidFill>
+                      <a:schemeClr val="lt1"/>
+                    </a:solidFill>
+                  </a:tcPr>
+                </a:tc>
+                <a:tc>
+                  <a:txBody>
+                    <a:bodyPr vert="horz" wrap="square" lIns="91440" tIns="45720" rIns="91440" bIns="45720" anchor="ctr" anchorCtr="0">
+                      <a:spAutoFit/>
+                    </a:bodyPr>
+                    <a:p>
+                      <a:pPr lvl="0" algn="ctr">
+                        <a:defRPr/>
+                      </a:pPr>
+                      <a:r>
+                        <a:rPr lang="en-US" altLang="ko-KR" sz="5000">
+                          <a:solidFill>
+                            <a:schemeClr val="tx1"/>
+                          </a:solidFill>
+                        </a:rPr>
+                        <a:t>_</a:t>
+                      </a:r>
+                      <a:endParaRPr lang="en-US" altLang="ko-KR" sz="5000">
+                        <a:solidFill>
+                          <a:schemeClr val="tx1"/>
+                        </a:solidFill>
+                      </a:endParaRPr>
+                    </a:p>
+                  </a:txBody>
+                  <a:tcPr marL="91440" marR="91440" anchor="ctr">
+                    <a:lnL w="12700" cap="flat" cmpd="sng" algn="ctr">
+                      <a:solidFill>
+                        <a:schemeClr val="tx1"/>
+                      </a:solidFill>
+                      <a:prstDash val="solid"/>
+                      <a:round/>
+                      <a:headEnd w="med" len="med"/>
+                      <a:tailEnd w="med" len="med"/>
+                    </a:lnL>
+                    <a:lnR w="12700" cap="flat" cmpd="sng" algn="ctr">
+                      <a:solidFill>
+                        <a:schemeClr val="tx1"/>
+                      </a:solidFill>
+                      <a:prstDash val="solid"/>
+                      <a:round/>
+                      <a:headEnd w="med" len="med"/>
+                      <a:tailEnd w="med" len="med"/>
+                    </a:lnR>
+                    <a:lnT w="12700" cap="flat" cmpd="sng" algn="ctr">
+                      <a:solidFill>
+                        <a:schemeClr val="tx1"/>
+                      </a:solidFill>
+                      <a:prstDash val="solid"/>
+                      <a:round/>
+                      <a:headEnd w="med" len="med"/>
+                      <a:tailEnd w="med" len="med"/>
+                    </a:lnT>
+                    <a:lnB w="12700" cap="flat" cmpd="sng" algn="ctr">
+                      <a:solidFill>
+                        <a:schemeClr val="tx1"/>
+                      </a:solidFill>
+                      <a:prstDash val="solid"/>
+                      <a:round/>
+                      <a:headEnd w="med" len="med"/>
+                      <a:tailEnd w="med" len="med"/>
+                    </a:lnB>
+                    <a:solidFill>
+                      <a:schemeClr val="lt1"/>
+                    </a:solidFill>
+                  </a:tcPr>
+                </a:tc>
+                <a:tc>
+                  <a:txBody>
+                    <a:bodyPr vert="horz" wrap="square" lIns="91440" tIns="45720" rIns="91440" bIns="45720" anchor="ctr" anchorCtr="0">
+                      <a:spAutoFit/>
+                    </a:bodyPr>
+                    <a:p>
+                      <a:pPr lvl="0" algn="ctr">
+                        <a:defRPr/>
+                      </a:pPr>
+                      <a:r>
+                        <a:rPr lang="en-US" altLang="ko-KR" sz="5000" u="sng">
+                          <a:solidFill>
+                            <a:schemeClr val="tx1"/>
+                          </a:solidFill>
+                        </a:rPr>
+                        <a:t>_</a:t>
+                      </a:r>
+                      <a:endParaRPr lang="en-US" altLang="ko-KR" sz="5000" u="sng">
+                        <a:solidFill>
+                          <a:schemeClr val="tx1"/>
+                        </a:solidFill>
+                      </a:endParaRPr>
+                    </a:p>
+                  </a:txBody>
+                  <a:tcPr marL="91440" marR="91440" anchor="ctr">
+                    <a:lnL w="12700" cap="flat" cmpd="sng" algn="ctr">
+                      <a:solidFill>
+                        <a:schemeClr val="tx1"/>
+                      </a:solidFill>
+                      <a:prstDash val="solid"/>
+                      <a:round/>
+                      <a:headEnd w="med" len="med"/>
+                      <a:tailEnd w="med" len="med"/>
+                    </a:lnL>
+                    <a:lnR w="12700" cap="flat" cmpd="sng" algn="ctr">
+                      <a:solidFill>
+                        <a:schemeClr val="tx1"/>
+                      </a:solidFill>
+                      <a:prstDash val="solid"/>
+                      <a:round/>
+                      <a:headEnd w="med" len="med"/>
+                      <a:tailEnd w="med" len="med"/>
+                    </a:lnR>
+                    <a:lnT w="12700" cap="flat" cmpd="sng" algn="ctr">
+                      <a:solidFill>
+                        <a:schemeClr val="tx1"/>
+                      </a:solidFill>
+                      <a:prstDash val="solid"/>
+                      <a:round/>
+                      <a:headEnd w="med" len="med"/>
+                      <a:tailEnd w="med" len="med"/>
+                    </a:lnT>
+                    <a:lnB w="12700" cap="flat" cmpd="sng" algn="ctr">
+                      <a:solidFill>
+                        <a:schemeClr val="tx1"/>
+                      </a:solidFill>
+                      <a:prstDash val="solid"/>
+                      <a:round/>
+                      <a:headEnd w="med" len="med"/>
+                      <a:tailEnd w="med" len="med"/>
+                    </a:lnB>
+                    <a:solidFill>
+                      <a:schemeClr val="lt1"/>
+                    </a:solidFill>
+                  </a:tcPr>
+                </a:tc>
+                <a:tc>
+                  <a:txBody>
+                    <a:bodyPr vert="horz" wrap="square" lIns="91440" tIns="45720" rIns="91440" bIns="45720" anchor="ctr" anchorCtr="0">
+                      <a:spAutoFit/>
+                    </a:bodyPr>
+                    <a:p>
+                      <a:pPr lvl="0" algn="ctr">
+                        <a:defRPr/>
+                      </a:pPr>
+                      <a:r>
+                        <a:rPr lang="en-US" altLang="ko-KR" sz="5000" u="sng">
+                          <a:solidFill>
+                            <a:schemeClr val="tx1"/>
+                          </a:solidFill>
+                        </a:rPr>
+                        <a:t>G</a:t>
+                      </a:r>
+                      <a:endParaRPr lang="en-US" altLang="ko-KR" sz="5000" u="sng">
+                        <a:solidFill>
+                          <a:schemeClr val="tx1"/>
+                        </a:solidFill>
+                      </a:endParaRPr>
+                    </a:p>
+                  </a:txBody>
+                  <a:tcPr marL="91440" marR="91440" anchor="ctr">
+                    <a:lnL w="12700" cap="flat" cmpd="sng" algn="ctr">
+                      <a:solidFill>
+                        <a:schemeClr val="tx1"/>
+                      </a:solidFill>
+                      <a:prstDash val="solid"/>
+                      <a:round/>
+                      <a:headEnd w="med" len="med"/>
+                      <a:tailEnd w="med" len="med"/>
+                    </a:lnL>
+                    <a:lnR w="12700" cap="flat" cmpd="sng" algn="ctr">
+                      <a:solidFill>
+                        <a:schemeClr val="tx1"/>
+                      </a:solidFill>
+                      <a:prstDash val="solid"/>
+                      <a:round/>
+                      <a:headEnd w="med" len="med"/>
+                      <a:tailEnd w="med" len="med"/>
+                    </a:lnR>
+                    <a:lnT w="12700" cap="flat" cmpd="sng" algn="ctr">
+                      <a:solidFill>
+                        <a:schemeClr val="tx1"/>
+                      </a:solidFill>
+                      <a:prstDash val="solid"/>
+                      <a:round/>
+                      <a:headEnd w="med" len="med"/>
+                      <a:tailEnd w="med" len="med"/>
+                    </a:lnT>
+                    <a:lnB w="12700" cap="flat" cmpd="sng" algn="ctr">
+                      <a:solidFill>
+                        <a:schemeClr val="tx1"/>
+                      </a:solidFill>
+                      <a:prstDash val="solid"/>
+                      <a:round/>
+                      <a:headEnd w="med" len="med"/>
+                      <a:tailEnd w="med" len="med"/>
+                    </a:lnB>
+                    <a:solidFill>
+                      <a:schemeClr val="lt1"/>
+                    </a:solidFill>
+                  </a:tcPr>
+                </a:tc>
+                <a:tc>
+                  <a:txBody>
+                    <a:bodyPr vert="horz" wrap="square" lIns="91440" tIns="45720" rIns="91440" bIns="45720" anchor="ctr" anchorCtr="0">
+                      <a:spAutoFit/>
+                    </a:bodyPr>
+                    <a:p>
+                      <a:pPr lvl="0" algn="ctr">
+                        <a:defRPr/>
+                      </a:pPr>
+                      <a:r>
+                        <a:rPr lang="en-US" altLang="ko-KR" sz="5000" u="sng">
+                          <a:solidFill>
+                            <a:schemeClr val="tx1"/>
+                          </a:solidFill>
+                        </a:rPr>
+                        <a:t>_</a:t>
+                      </a:r>
+                      <a:endParaRPr lang="en-US" altLang="ko-KR" sz="5000" u="sng">
+                        <a:solidFill>
+                          <a:schemeClr val="tx1"/>
+                        </a:solidFill>
+                      </a:endParaRPr>
+                    </a:p>
+                  </a:txBody>
+                  <a:tcPr marL="91440" marR="91440" anchor="ctr">
+                    <a:lnL w="12700" cap="flat" cmpd="sng" algn="ctr">
+                      <a:solidFill>
+                        <a:schemeClr val="tx1"/>
+                      </a:solidFill>
+                      <a:prstDash val="solid"/>
+                      <a:round/>
+                      <a:headEnd w="med" len="med"/>
+                      <a:tailEnd w="med" len="med"/>
+                    </a:lnL>
+                    <a:lnR w="12700" cap="flat" cmpd="sng" algn="ctr">
+                      <a:solidFill>
+                        <a:schemeClr val="tx1"/>
+                      </a:solidFill>
+                      <a:prstDash val="solid"/>
+                      <a:round/>
+                      <a:headEnd w="med" len="med"/>
+                      <a:tailEnd w="med" len="med"/>
+                    </a:lnR>
+                    <a:lnT w="12700" cap="flat" cmpd="sng" algn="ctr">
+                      <a:solidFill>
+                        <a:schemeClr val="tx1"/>
+                      </a:solidFill>
+                      <a:prstDash val="solid"/>
+                      <a:round/>
+                      <a:headEnd w="med" len="med"/>
+                      <a:tailEnd w="med" len="med"/>
+                    </a:lnT>
+                    <a:lnB w="12700" cap="flat" cmpd="sng" algn="ctr">
+                      <a:solidFill>
+                        <a:schemeClr val="tx1"/>
+                      </a:solidFill>
+                      <a:prstDash val="solid"/>
+                      <a:round/>
+                      <a:headEnd w="med" len="med"/>
+                      <a:tailEnd w="med" len="med"/>
+                    </a:lnB>
+                    <a:solidFill>
+                      <a:schemeClr val="lt1"/>
+                    </a:solidFill>
+                  </a:tcPr>
+                </a:tc>
+                <a:tc>
+                  <a:txBody>
+                    <a:bodyPr vert="horz" wrap="square" lIns="91440" tIns="45720" rIns="91440" bIns="45720" anchor="ctr" anchorCtr="0">
+                      <a:spAutoFit/>
+                    </a:bodyPr>
+                    <a:p>
+                      <a:pPr lvl="0" algn="ctr">
+                        <a:defRPr/>
+                      </a:pPr>
+                      <a:r>
+                        <a:rPr lang="en-US" altLang="ko-KR" sz="5000" u="sng">
+                          <a:solidFill>
+                            <a:schemeClr val="tx1"/>
+                          </a:solidFill>
+                        </a:rPr>
+                        <a:t>_</a:t>
+                      </a:r>
+                      <a:endParaRPr lang="en-US" altLang="ko-KR" sz="5000" u="sng">
+                        <a:solidFill>
+                          <a:schemeClr val="tx1"/>
+                        </a:solidFill>
+                      </a:endParaRPr>
+                    </a:p>
+                  </a:txBody>
+                  <a:tcPr marL="91440" marR="91440" anchor="ctr">
+                    <a:lnL w="12700" cap="flat" cmpd="sng" algn="ctr">
+                      <a:solidFill>
+                        <a:schemeClr val="tx1"/>
+                      </a:solidFill>
+                      <a:prstDash val="solid"/>
+                      <a:round/>
+                      <a:headEnd w="med" len="med"/>
+                      <a:tailEnd w="med" len="med"/>
+                    </a:lnL>
+                    <a:lnR w="12700" cap="flat" cmpd="sng" algn="ctr">
+                      <a:solidFill>
+                        <a:schemeClr val="tx1"/>
+                      </a:solidFill>
+                      <a:prstDash val="solid"/>
+                      <a:round/>
+                      <a:headEnd w="med" len="med"/>
+                      <a:tailEnd w="med" len="med"/>
+                    </a:lnR>
+                    <a:lnT w="12700" cap="flat" cmpd="sng" algn="ctr">
+                      <a:solidFill>
+                        <a:schemeClr val="tx1"/>
+                      </a:solidFill>
+                      <a:prstDash val="solid"/>
+                      <a:round/>
+                      <a:headEnd w="med" len="med"/>
+                      <a:tailEnd w="med" len="med"/>
+                    </a:lnT>
+                    <a:lnB w="12700" cap="flat" cmpd="sng" algn="ctr">
+                      <a:solidFill>
+                        <a:schemeClr val="tx1"/>
+                      </a:solidFill>
+                      <a:prstDash val="solid"/>
+                      <a:round/>
+                      <a:headEnd w="med" len="med"/>
+                      <a:tailEnd w="med" len="med"/>
+                    </a:lnB>
+                    <a:solidFill>
+                      <a:schemeClr val="lt1"/>
+                    </a:solidFill>
+                  </a:tcPr>
+                </a:tc>
+              </a:tr>
+            </a:tbl>
+          </a:graphicData>
+        </a:graphic>
+      </p:graphicFrame>
+      <p:cxnSp>
+        <p:nvCxnSpPr>
+          <p:cNvPr id="20" name="선 19"/>
+          <p:cNvCxnSpPr/>
+          <p:nvPr/>
+        </p:nvCxnSpPr>
+        <p:spPr>
+          <a:xfrm rot="16200000" flipH="1">
+            <a:off x="-1610671" y="4572520"/>
+            <a:ext cx="3834556" cy="983"/>
+          </a:xfrm>
+          <a:prstGeom prst="line">
+            <a:avLst/>
+          </a:prstGeom>
+          <a:ln>
+            <a:solidFill>
+              <a:schemeClr val="dk1"/>
+            </a:solidFill>
+          </a:ln>
+        </p:spPr>
+        <p:style>
+          <a:lnRef idx="1">
+            <a:schemeClr val="accent1"/>
+          </a:lnRef>
+          <a:fillRef idx="0">
+            <a:schemeClr val="accent1"/>
+          </a:fillRef>
+          <a:effectRef idx="0">
+            <a:schemeClr val="accent1"/>
+          </a:effectRef>
+          <a:fontRef idx="minor">
+            <a:schemeClr val="tx1"/>
+          </a:fontRef>
+        </p:style>
+      </p:cxnSp>
+      <p:cxnSp>
+        <p:nvCxnSpPr>
+          <p:cNvPr id="21" name="선 20"/>
+          <p:cNvCxnSpPr/>
+          <p:nvPr/>
+        </p:nvCxnSpPr>
+        <p:spPr>
+          <a:xfrm rot="16200000" flipH="1">
+            <a:off x="9969108" y="4572509"/>
+            <a:ext cx="3834556" cy="1005"/>
+          </a:xfrm>
+          <a:prstGeom prst="line">
+            <a:avLst/>
+          </a:prstGeom>
+          <a:ln>
+            <a:solidFill>
+              <a:schemeClr val="dk1"/>
+            </a:solidFill>
+          </a:ln>
+        </p:spPr>
+        <p:style>
+          <a:lnRef idx="1">
+            <a:schemeClr val="accent1"/>
+          </a:lnRef>
+          <a:fillRef idx="0">
+            <a:schemeClr val="accent1"/>
+          </a:fillRef>
+          <a:effectRef idx="0">
+            <a:schemeClr val="accent1"/>
+          </a:effectRef>
+          <a:fontRef idx="minor">
+            <a:schemeClr val="tx1"/>
+          </a:fontRef>
+        </p:style>
+      </p:cxnSp>
+      <p:cxnSp>
+        <p:nvCxnSpPr>
+          <p:cNvPr id="23" name="선 22"/>
+          <p:cNvCxnSpPr/>
+          <p:nvPr/>
+        </p:nvCxnSpPr>
+        <p:spPr>
+          <a:xfrm rot="10800000">
+            <a:off x="307105" y="6490288"/>
+            <a:ext cx="11579754" cy="13"/>
+          </a:xfrm>
+          <a:prstGeom prst="line">
+            <a:avLst/>
+          </a:prstGeom>
+          <a:ln>
+            <a:solidFill>
+              <a:schemeClr val="dk1"/>
+            </a:solidFill>
+          </a:ln>
+        </p:spPr>
+        <p:style>
+          <a:lnRef idx="1">
+            <a:schemeClr val="accent1"/>
+          </a:lnRef>
+          <a:fillRef idx="0">
+            <a:schemeClr val="accent1"/>
+          </a:fillRef>
+          <a:effectRef idx="0">
+            <a:schemeClr val="accent1"/>
+          </a:effectRef>
+          <a:fontRef idx="minor">
+            <a:schemeClr val="tx1"/>
+          </a:fontRef>
+        </p:style>
+      </p:cxnSp>
+      <p:cxnSp>
+        <p:nvCxnSpPr>
+          <p:cNvPr id="25" name="선 24"/>
+          <p:cNvCxnSpPr/>
+          <p:nvPr/>
+        </p:nvCxnSpPr>
+        <p:spPr>
+          <a:xfrm rot="16200000" flipH="1">
+            <a:off x="7548965" y="4572995"/>
+            <a:ext cx="3834553" cy="32"/>
+          </a:xfrm>
+          <a:prstGeom prst="line">
+            <a:avLst/>
+          </a:prstGeom>
+          <a:ln>
+            <a:solidFill>
+              <a:schemeClr val="dk1"/>
+            </a:solidFill>
+          </a:ln>
+        </p:spPr>
+        <p:style>
+          <a:lnRef idx="1">
+            <a:schemeClr val="accent1"/>
+          </a:lnRef>
+          <a:fillRef idx="0">
+            <a:schemeClr val="accent1"/>
+          </a:fillRef>
+          <a:effectRef idx="0">
+            <a:schemeClr val="accent1"/>
+          </a:effectRef>
+          <a:fontRef idx="minor">
+            <a:schemeClr val="tx1"/>
+          </a:fontRef>
+        </p:style>
+      </p:cxnSp>
+      <p:sp>
+        <p:nvSpPr>
+          <p:cNvPr id="27" name="가로 글상자 26"/>
+          <p:cNvSpPr txBox="1"/>
+          <p:nvPr/>
+        </p:nvSpPr>
+        <p:spPr>
+          <a:xfrm>
+            <a:off x="9619226" y="2816543"/>
+            <a:ext cx="2161046" cy="543877"/>
+          </a:xfrm>
+          <a:prstGeom prst="rect">
+            <a:avLst/>
+          </a:prstGeom>
+        </p:spPr>
+        <p:txBody>
+          <a:bodyPr wrap="square">
+            <a:spAutoFit/>
+          </a:bodyPr>
+          <a:p>
+            <a:pPr lvl="0">
+              <a:defRPr/>
+            </a:pPr>
+            <a:r>
+              <a:rPr lang="en-US" altLang="ko-KR" sz="1500"/>
+              <a:t>1-1</a:t>
+            </a:r>
+            <a:endParaRPr lang="en-US" altLang="ko-KR" sz="1500"/>
+          </a:p>
+          <a:p>
+            <a:pPr lvl="0">
+              <a:defRPr/>
+            </a:pPr>
+            <a:endParaRPr lang="ko-KR" altLang="en-US" sz="1500"/>
+          </a:p>
+        </p:txBody>
+      </p:sp>
+      <p:graphicFrame>
+        <p:nvGraphicFramePr>
+          <p:cNvPr id="42" name="표 41"/>
+          <p:cNvGraphicFramePr>
+            <a:graphicFrameLocks noGrp="1"/>
+          </p:cNvGraphicFramePr>
+          <p:nvPr/>
+        </p:nvGraphicFramePr>
+        <p:xfrm>
+          <a:off x="480756" y="2816544"/>
+          <a:ext cx="4213268" cy="3512980"/>
+        </p:xfrm>
+        <a:graphic>
+          <a:graphicData uri="http://schemas.openxmlformats.org/drawingml/2006/table">
+            <a:tbl>
+              <a:tblPr firstRow="1" bandRow="1">
+                <a:tableStyleId>{01A66EDD-3DAB-4C5B-A090-DC80EC1FD486}</a:tableStyleId>
+              </a:tblPr>
+              <a:tblGrid>
+                <a:gridCol w="1053317"/>
+                <a:gridCol w="1053317"/>
+                <a:gridCol w="1053317"/>
+                <a:gridCol w="1053317"/>
+              </a:tblGrid>
+              <a:tr h="878245">
+                <a:tc>
+                  <a:txBody>
+                    <a:bodyPr vert="horz" wrap="square" lIns="91440" tIns="45720" rIns="91440" bIns="45720" anchor="ctr" anchorCtr="0">
+                      <a:spAutoFit/>
+                    </a:bodyPr>
+                    <a:p>
+                      <a:pPr lvl="0" algn="ctr">
+                        <a:defRPr/>
+                      </a:pPr>
+                      <a:r>
+                        <a:rPr lang="en-US" altLang="ko-KR" sz="3000" b="0">
+                          <a:ln w="9525">
+                            <a:solidFill>
+                              <a:schemeClr val="lt1"/>
+                            </a:solidFill>
+                          </a:ln>
+                          <a:solidFill>
+                            <a:srgbClr val="ff0000"/>
+                          </a:solidFill>
+                        </a:rPr>
+                        <a:t>S</a:t>
+                      </a:r>
+                      <a:endParaRPr lang="en-US" altLang="ko-KR" sz="3000" b="0">
+                        <a:ln w="9525">
+                          <a:solidFill>
+                            <a:schemeClr val="lt1"/>
+                          </a:solidFill>
+                        </a:ln>
+                        <a:solidFill>
+                          <a:srgbClr val="ff0000"/>
+                        </a:solidFill>
+                      </a:endParaRPr>
+                    </a:p>
+                  </a:txBody>
+                  <a:tcPr marL="91440" marR="91440" anchor="ctr">
+                    <a:lnL w="12700" cap="flat" cmpd="sng" algn="ctr">
+                      <a:solidFill>
+                        <a:schemeClr val="tx1"/>
+                      </a:solidFill>
+                      <a:prstDash val="solid"/>
+                      <a:round/>
+                      <a:headEnd w="med" len="med"/>
+                      <a:tailEnd w="med" len="med"/>
+                    </a:lnL>
+                    <a:lnR w="12700" cap="flat" cmpd="sng" algn="ctr">
+                      <a:solidFill>
+                        <a:schemeClr val="tx1"/>
+                      </a:solidFill>
+                      <a:prstDash val="solid"/>
+                      <a:round/>
+                      <a:headEnd w="med" len="med"/>
+                      <a:tailEnd w="med" len="med"/>
+                    </a:lnR>
+                    <a:lnT w="12700" cap="flat" cmpd="sng" algn="ctr">
+                      <a:solidFill>
+                        <a:schemeClr val="tx1"/>
+                      </a:solidFill>
+                      <a:prstDash val="solid"/>
+                      <a:round/>
+                      <a:headEnd w="med" len="med"/>
+                      <a:tailEnd w="med" len="med"/>
+                    </a:lnT>
+                    <a:lnB w="12700" cap="flat" cmpd="sng" algn="ctr">
+                      <a:solidFill>
+                        <a:schemeClr val="tx1"/>
+                      </a:solidFill>
+                      <a:prstDash val="solid"/>
+                      <a:round/>
+                      <a:headEnd w="med" len="med"/>
+                      <a:tailEnd w="med" len="med"/>
+                    </a:lnB>
+                    <a:solidFill>
+                      <a:schemeClr val="lt1"/>
+                    </a:solidFill>
+                  </a:tcPr>
+                </a:tc>
+                <a:tc>
+                  <a:txBody>
+                    <a:bodyPr vert="horz" wrap="square" lIns="91440" tIns="45720" rIns="91440" bIns="45720" anchor="ctr" anchorCtr="0">
+                      <a:spAutoFit/>
+                    </a:bodyPr>
+                    <a:p>
+                      <a:pPr marL="0" lvl="0" indent="0" algn="ctr" defTabSz="914400" rtl="0" eaLnBrk="1" latinLnBrk="1" hangingPunct="1">
+                        <a:lnSpc>
+                          <a:spcPct val="100000"/>
+                        </a:lnSpc>
+                        <a:spcBef>
+                          <a:spcPts val="0"/>
+                        </a:spcBef>
+                        <a:spcAft>
+                          <a:spcPts val="0"/>
+                        </a:spcAft>
+                        <a:buNone/>
+                        <a:defRPr/>
+                      </a:pPr>
+                      <a:r>
+                        <a:rPr lang="ko-KR" altLang="en-US" sz="3000" b="0">
+                          <a:ln w="9525">
+                            <a:solidFill>
+                              <a:schemeClr val="lt1"/>
+                            </a:solidFill>
+                          </a:ln>
+                          <a:solidFill>
+                            <a:schemeClr val="dk1"/>
+                          </a:solidFill>
+                        </a:rPr>
+                        <a:t>→</a:t>
+                      </a:r>
+                      <a:endParaRPr lang="ko-KR" altLang="en-US" sz="3000" b="0">
+                        <a:ln w="9525">
+                          <a:solidFill>
+                            <a:schemeClr val="lt1"/>
+                          </a:solidFill>
+                        </a:ln>
+                        <a:solidFill>
+                          <a:schemeClr val="dk1"/>
+                        </a:solidFill>
+                      </a:endParaRPr>
+                    </a:p>
+                  </a:txBody>
+                  <a:tcPr marL="91440" marR="91440" anchor="ctr">
+                    <a:lnL w="12700" cap="flat" cmpd="sng" algn="ctr">
+                      <a:solidFill>
+                        <a:schemeClr val="tx1"/>
+                      </a:solidFill>
+                      <a:prstDash val="solid"/>
+                      <a:round/>
+                      <a:headEnd w="med" len="med"/>
+                      <a:tailEnd w="med" len="med"/>
+                    </a:lnL>
+                    <a:lnR w="12700" cap="flat" cmpd="sng" algn="ctr">
+                      <a:solidFill>
+                        <a:schemeClr val="tx1"/>
+                      </a:solidFill>
+                      <a:prstDash val="solid"/>
+                      <a:round/>
+                      <a:headEnd w="med" len="med"/>
+                      <a:tailEnd w="med" len="med"/>
+                    </a:lnR>
+                    <a:lnT w="12700" cap="flat" cmpd="sng" algn="ctr">
+                      <a:solidFill>
+                        <a:schemeClr val="tx1"/>
+                      </a:solidFill>
+                      <a:prstDash val="solid"/>
+                      <a:round/>
+                      <a:headEnd w="med" len="med"/>
+                      <a:tailEnd w="med" len="med"/>
+                    </a:lnT>
+                    <a:lnB w="12700" cap="flat" cmpd="sng" algn="ctr">
+                      <a:solidFill>
+                        <a:schemeClr val="tx1"/>
+                      </a:solidFill>
+                      <a:prstDash val="solid"/>
+                      <a:round/>
+                      <a:headEnd w="med" len="med"/>
+                      <a:tailEnd w="med" len="med"/>
+                    </a:lnB>
+                    <a:solidFill>
+                      <a:schemeClr val="lt1"/>
+                    </a:solidFill>
+                  </a:tcPr>
+                </a:tc>
+                <a:tc>
+                  <a:txBody>
+                    <a:bodyPr vert="horz" wrap="square" lIns="91440" tIns="45720" rIns="91440" bIns="45720" anchor="ctr" anchorCtr="0">
+                      <a:spAutoFit/>
+                    </a:bodyPr>
+                    <a:p>
+                      <a:pPr marL="0" lvl="0" indent="0" algn="ctr" defTabSz="914400" rtl="0" eaLnBrk="1" latinLnBrk="1" hangingPunct="1">
+                        <a:lnSpc>
+                          <a:spcPct val="100000"/>
+                        </a:lnSpc>
+                        <a:spcBef>
+                          <a:spcPts val="0"/>
+                        </a:spcBef>
+                        <a:spcAft>
+                          <a:spcPts val="0"/>
+                        </a:spcAft>
+                        <a:buNone/>
+                        <a:defRPr/>
+                      </a:pPr>
+                      <a:r>
+                        <a:rPr lang="ko-KR" altLang="en-US" sz="3000" b="0">
+                          <a:ln w="9525">
+                            <a:solidFill>
+                              <a:schemeClr val="lt1"/>
+                            </a:solidFill>
+                          </a:ln>
+                          <a:solidFill>
+                            <a:schemeClr val="dk1"/>
+                          </a:solidFill>
+                        </a:rPr>
+                        <a:t>→</a:t>
+                      </a:r>
+                      <a:endParaRPr lang="ko-KR" altLang="en-US" sz="3000" b="0">
+                        <a:ln w="9525">
+                          <a:solidFill>
+                            <a:schemeClr val="lt1"/>
+                          </a:solidFill>
+                        </a:ln>
+                        <a:solidFill>
+                          <a:schemeClr val="dk1"/>
+                        </a:solidFill>
+                      </a:endParaRPr>
+                    </a:p>
+                  </a:txBody>
+                  <a:tcPr marL="91440" marR="91440" anchor="ctr">
+                    <a:lnL w="12700" cap="flat" cmpd="sng" algn="ctr">
+                      <a:solidFill>
+                        <a:schemeClr val="tx1"/>
+                      </a:solidFill>
+                      <a:prstDash val="solid"/>
+                      <a:round/>
+                      <a:headEnd w="med" len="med"/>
+                      <a:tailEnd w="med" len="med"/>
+                    </a:lnL>
+                    <a:lnR w="12700" cap="flat" cmpd="sng" algn="ctr">
+                      <a:solidFill>
+                        <a:schemeClr val="tx1"/>
+                      </a:solidFill>
+                      <a:prstDash val="solid"/>
+                      <a:round/>
+                      <a:headEnd w="med" len="med"/>
+                      <a:tailEnd w="med" len="med"/>
+                    </a:lnR>
+                    <a:lnT w="12700" cap="flat" cmpd="sng" algn="ctr">
+                      <a:solidFill>
+                        <a:schemeClr val="tx1"/>
+                      </a:solidFill>
+                      <a:prstDash val="solid"/>
+                      <a:round/>
+                      <a:headEnd w="med" len="med"/>
+                      <a:tailEnd w="med" len="med"/>
+                    </a:lnT>
+                    <a:lnB w="12700" cap="flat" cmpd="sng" algn="ctr">
+                      <a:solidFill>
+                        <a:schemeClr val="tx1"/>
+                      </a:solidFill>
+                      <a:prstDash val="solid"/>
+                      <a:round/>
+                      <a:headEnd w="med" len="med"/>
+                      <a:tailEnd w="med" len="med"/>
+                    </a:lnB>
+                    <a:solidFill>
+                      <a:schemeClr val="lt1"/>
+                    </a:solidFill>
+                  </a:tcPr>
+                </a:tc>
+                <a:tc>
+                  <a:txBody>
+                    <a:bodyPr vert="horz" wrap="square" lIns="91440" tIns="45720" rIns="91440" bIns="45720" anchor="ctr" anchorCtr="0">
+                      <a:spAutoFit/>
+                    </a:bodyPr>
+                    <a:p>
+                      <a:pPr marL="0" lvl="0" indent="0" algn="ctr" defTabSz="914400" rtl="0" eaLnBrk="1" latinLnBrk="1" hangingPunct="1">
+                        <a:lnSpc>
+                          <a:spcPct val="100000"/>
+                        </a:lnSpc>
+                        <a:spcBef>
+                          <a:spcPts val="0"/>
+                        </a:spcBef>
+                        <a:spcAft>
+                          <a:spcPts val="0"/>
+                        </a:spcAft>
+                        <a:buNone/>
+                        <a:defRPr/>
+                      </a:pPr>
+                      <a:r>
+                        <a:rPr lang="ko-KR" altLang="en-US" sz="3000" b="0">
+                          <a:ln w="9525">
+                            <a:solidFill>
+                              <a:schemeClr val="lt1"/>
+                            </a:solidFill>
+                          </a:ln>
+                          <a:solidFill>
+                            <a:schemeClr val="dk1"/>
+                          </a:solidFill>
+                        </a:rPr>
+                        <a:t>→</a:t>
+                      </a:r>
+                      <a:endParaRPr lang="ko-KR" altLang="en-US" sz="3000" b="0">
+                        <a:ln w="9525">
+                          <a:solidFill>
+                            <a:schemeClr val="lt1"/>
+                          </a:solidFill>
+                        </a:ln>
+                        <a:solidFill>
+                          <a:schemeClr val="dk1"/>
+                        </a:solidFill>
+                      </a:endParaRPr>
+                    </a:p>
+                  </a:txBody>
+                  <a:tcPr marL="91440" marR="91440" anchor="ctr">
+                    <a:lnL w="12700" cap="flat" cmpd="sng" algn="ctr">
+                      <a:solidFill>
+                        <a:schemeClr val="tx1"/>
+                      </a:solidFill>
+                      <a:prstDash val="solid"/>
+                      <a:round/>
+                      <a:headEnd w="med" len="med"/>
+                      <a:tailEnd w="med" len="med"/>
+                    </a:lnL>
+                    <a:lnR w="12700" cap="flat" cmpd="sng" algn="ctr">
+                      <a:solidFill>
+                        <a:schemeClr val="tx1"/>
+                      </a:solidFill>
+                      <a:prstDash val="solid"/>
+                      <a:round/>
+                      <a:headEnd w="med" len="med"/>
+                      <a:tailEnd w="med" len="med"/>
+                    </a:lnR>
+                    <a:lnT w="12700" cap="flat" cmpd="sng" algn="ctr">
+                      <a:solidFill>
+                        <a:schemeClr val="tx1"/>
+                      </a:solidFill>
+                      <a:prstDash val="solid"/>
+                      <a:round/>
+                      <a:headEnd w="med" len="med"/>
+                      <a:tailEnd w="med" len="med"/>
+                    </a:lnT>
+                    <a:lnB w="12700" cap="flat" cmpd="sng" algn="ctr">
+                      <a:solidFill>
+                        <a:schemeClr val="tx1"/>
+                      </a:solidFill>
+                      <a:prstDash val="solid"/>
+                      <a:round/>
+                      <a:headEnd w="med" len="med"/>
+                      <a:tailEnd w="med" len="med"/>
+                    </a:lnB>
+                    <a:solidFill>
+                      <a:schemeClr val="lt1"/>
+                    </a:solidFill>
+                  </a:tcPr>
+                </a:tc>
+              </a:tr>
+              <a:tr h="878245">
+                <a:tc>
+                  <a:txBody>
+                    <a:bodyPr vert="horz" wrap="square" lIns="91440" tIns="45720" rIns="91440" bIns="45720" anchor="ctr" anchorCtr="0">
+                      <a:spAutoFit/>
+                    </a:bodyPr>
+                    <a:p>
+                      <a:pPr marL="0" lvl="0" indent="0" algn="ctr" defTabSz="914400" rtl="0" eaLnBrk="1" latinLnBrk="1" hangingPunct="1">
+                        <a:lnSpc>
+                          <a:spcPct val="100000"/>
+                        </a:lnSpc>
+                        <a:spcBef>
+                          <a:spcPts val="0"/>
+                        </a:spcBef>
+                        <a:spcAft>
+                          <a:spcPts val="0"/>
+                        </a:spcAft>
+                        <a:buNone/>
+                        <a:defRPr/>
+                      </a:pPr>
+                      <a:r>
+                        <a:rPr lang="ko-KR" altLang="en-US" sz="3000" b="0">
+                          <a:ln w="9525">
+                            <a:solidFill>
+                              <a:schemeClr val="lt1"/>
+                            </a:solidFill>
+                          </a:ln>
+                          <a:solidFill>
+                            <a:schemeClr val="dk1"/>
+                          </a:solidFill>
+                        </a:rPr>
+                        <a:t>→</a:t>
+                      </a:r>
+                      <a:endParaRPr lang="en-US" altLang="ko-KR" sz="3000">
+                        <a:ln w="9525">
+                          <a:solidFill>
+                            <a:schemeClr val="lt1"/>
+                          </a:solidFill>
+                        </a:ln>
+                        <a:solidFill>
+                          <a:schemeClr val="dk1"/>
+                        </a:solidFill>
+                      </a:endParaRPr>
+                    </a:p>
+                  </a:txBody>
+                  <a:tcPr marL="91440" marR="91440" anchor="ctr">
+                    <a:lnL w="12700" cap="flat" cmpd="sng" algn="ctr">
+                      <a:solidFill>
+                        <a:schemeClr val="tx1"/>
+                      </a:solidFill>
+                      <a:prstDash val="solid"/>
+                      <a:round/>
+                      <a:headEnd w="med" len="med"/>
+                      <a:tailEnd w="med" len="med"/>
+                    </a:lnL>
+                    <a:lnR w="12700" cap="flat" cmpd="sng" algn="ctr">
+                      <a:solidFill>
+                        <a:schemeClr val="tx1"/>
+                      </a:solidFill>
+                      <a:prstDash val="solid"/>
+                      <a:round/>
+                      <a:headEnd w="med" len="med"/>
+                      <a:tailEnd w="med" len="med"/>
+                    </a:lnR>
+                    <a:lnT w="12700" cap="flat" cmpd="sng" algn="ctr">
+                      <a:solidFill>
+                        <a:schemeClr val="tx1"/>
+                      </a:solidFill>
+                      <a:prstDash val="solid"/>
+                      <a:round/>
+                      <a:headEnd w="med" len="med"/>
+                      <a:tailEnd w="med" len="med"/>
+                    </a:lnT>
+                    <a:lnB w="12700" cap="flat" cmpd="sng" algn="ctr">
+                      <a:solidFill>
+                        <a:schemeClr val="tx1"/>
+                      </a:solidFill>
+                      <a:prstDash val="solid"/>
+                      <a:round/>
+                      <a:headEnd w="med" len="med"/>
+                      <a:tailEnd w="med" len="med"/>
+                    </a:lnB>
+                    <a:solidFill>
+                      <a:schemeClr val="lt1"/>
+                    </a:solidFill>
+                  </a:tcPr>
+                </a:tc>
+                <a:tc>
+                  <a:txBody>
+                    <a:bodyPr vert="horz" wrap="square" lIns="91440" tIns="45720" rIns="91440" bIns="45720" anchor="ctr" anchorCtr="0">
+                      <a:spAutoFit/>
+                    </a:bodyPr>
+                    <a:p>
+                      <a:pPr marL="0" lvl="0" indent="0" algn="ctr" defTabSz="914400" rtl="0" eaLnBrk="1" latinLnBrk="1" hangingPunct="1">
+                        <a:lnSpc>
+                          <a:spcPct val="100000"/>
+                        </a:lnSpc>
+                        <a:spcBef>
+                          <a:spcPts val="0"/>
+                        </a:spcBef>
+                        <a:spcAft>
+                          <a:spcPts val="0"/>
+                        </a:spcAft>
+                        <a:buNone/>
+                        <a:defRPr/>
+                      </a:pPr>
+                      <a:r>
+                        <a:rPr lang="ko-KR" altLang="en-US" sz="3000" b="0">
+                          <a:ln w="9525">
+                            <a:solidFill>
+                              <a:schemeClr val="lt1"/>
+                            </a:solidFill>
+                          </a:ln>
+                          <a:solidFill>
+                            <a:schemeClr val="dk1"/>
+                          </a:solidFill>
+                        </a:rPr>
+                        <a:t>→</a:t>
+                      </a:r>
+                      <a:endParaRPr lang="en-US" altLang="ko-KR" sz="3000">
+                        <a:ln w="9525">
+                          <a:solidFill>
+                            <a:schemeClr val="lt1"/>
+                          </a:solidFill>
+                        </a:ln>
+                        <a:solidFill>
+                          <a:schemeClr val="dk1"/>
+                        </a:solidFill>
+                      </a:endParaRPr>
+                    </a:p>
+                  </a:txBody>
+                  <a:tcPr marL="91440" marR="91440" anchor="ctr">
+                    <a:lnL w="12700" cap="flat" cmpd="sng" algn="ctr">
+                      <a:solidFill>
+                        <a:schemeClr val="tx1"/>
+                      </a:solidFill>
+                      <a:prstDash val="solid"/>
+                      <a:round/>
+                      <a:headEnd w="med" len="med"/>
+                      <a:tailEnd w="med" len="med"/>
+                    </a:lnL>
+                    <a:lnR w="12700" cap="flat" cmpd="sng" algn="ctr">
+                      <a:solidFill>
+                        <a:schemeClr val="tx1"/>
+                      </a:solidFill>
+                      <a:prstDash val="solid"/>
+                      <a:round/>
+                      <a:headEnd w="med" len="med"/>
+                      <a:tailEnd w="med" len="med"/>
+                    </a:lnR>
+                    <a:lnT w="12700" cap="flat" cmpd="sng" algn="ctr">
+                      <a:solidFill>
+                        <a:schemeClr val="tx1"/>
+                      </a:solidFill>
+                      <a:prstDash val="solid"/>
+                      <a:round/>
+                      <a:headEnd w="med" len="med"/>
+                      <a:tailEnd w="med" len="med"/>
+                    </a:lnT>
+                    <a:lnB w="12700" cap="flat" cmpd="sng" algn="ctr">
+                      <a:solidFill>
+                        <a:schemeClr val="tx1"/>
+                      </a:solidFill>
+                      <a:prstDash val="solid"/>
+                      <a:round/>
+                      <a:headEnd w="med" len="med"/>
+                      <a:tailEnd w="med" len="med"/>
+                    </a:lnB>
+                    <a:solidFill>
+                      <a:schemeClr val="lt1"/>
+                    </a:solidFill>
+                  </a:tcPr>
+                </a:tc>
+                <a:tc>
+                  <a:txBody>
+                    <a:bodyPr vert="horz" wrap="square" lIns="91440" tIns="45720" rIns="91440" bIns="45720" anchor="ctr" anchorCtr="0">
+                      <a:spAutoFit/>
+                    </a:bodyPr>
+                    <a:p>
+                      <a:pPr marL="0" lvl="0" indent="0" algn="ctr" defTabSz="914400" rtl="0" eaLnBrk="1" latinLnBrk="1" hangingPunct="1">
+                        <a:lnSpc>
+                          <a:spcPct val="100000"/>
+                        </a:lnSpc>
+                        <a:spcBef>
+                          <a:spcPts val="0"/>
+                        </a:spcBef>
+                        <a:spcAft>
+                          <a:spcPts val="0"/>
+                        </a:spcAft>
+                        <a:buNone/>
+                        <a:defRPr/>
+                      </a:pPr>
+                      <a:r>
+                        <a:rPr lang="ko-KR" altLang="en-US" sz="3000" b="0">
+                          <a:ln w="9525">
+                            <a:solidFill>
+                              <a:schemeClr val="lt1"/>
+                            </a:solidFill>
+                          </a:ln>
+                          <a:solidFill>
+                            <a:schemeClr val="dk1"/>
+                          </a:solidFill>
+                        </a:rPr>
+                        <a:t>→</a:t>
+                      </a:r>
+                      <a:endParaRPr lang="en-US" altLang="ko-KR" sz="3000">
+                        <a:ln w="9525">
+                          <a:solidFill>
+                            <a:schemeClr val="lt1"/>
+                          </a:solidFill>
+                        </a:ln>
+                        <a:solidFill>
+                          <a:schemeClr val="dk1"/>
+                        </a:solidFill>
+                      </a:endParaRPr>
+                    </a:p>
+                  </a:txBody>
+                  <a:tcPr marL="91440" marR="91440" anchor="ctr">
+                    <a:lnL w="12700" cap="flat" cmpd="sng" algn="ctr">
+                      <a:solidFill>
+                        <a:schemeClr val="tx1"/>
+                      </a:solidFill>
+                      <a:prstDash val="solid"/>
+                      <a:round/>
+                      <a:headEnd w="med" len="med"/>
+                      <a:tailEnd w="med" len="med"/>
+                    </a:lnL>
+                    <a:lnR w="12700" cap="flat" cmpd="sng" algn="ctr">
+                      <a:solidFill>
+                        <a:schemeClr val="tx1"/>
+                      </a:solidFill>
+                      <a:prstDash val="solid"/>
+                      <a:round/>
+                      <a:headEnd w="med" len="med"/>
+                      <a:tailEnd w="med" len="med"/>
+                    </a:lnR>
+                    <a:lnT w="12700" cap="flat" cmpd="sng" algn="ctr">
+                      <a:solidFill>
+                        <a:schemeClr val="tx1"/>
+                      </a:solidFill>
+                      <a:prstDash val="solid"/>
+                      <a:round/>
+                      <a:headEnd w="med" len="med"/>
+                      <a:tailEnd w="med" len="med"/>
+                    </a:lnT>
+                    <a:lnB w="12700" cap="flat" cmpd="sng" algn="ctr">
+                      <a:solidFill>
+                        <a:schemeClr val="tx1"/>
+                      </a:solidFill>
+                      <a:prstDash val="solid"/>
+                      <a:round/>
+                      <a:headEnd w="med" len="med"/>
+                      <a:tailEnd w="med" len="med"/>
+                    </a:lnB>
+                    <a:solidFill>
+                      <a:schemeClr val="lt1"/>
+                    </a:solidFill>
+                  </a:tcPr>
+                </a:tc>
+                <a:tc>
+                  <a:txBody>
+                    <a:bodyPr vert="horz" wrap="square" lIns="91440" tIns="45720" rIns="91440" bIns="45720" anchor="ctr" anchorCtr="0">
+                      <a:spAutoFit/>
+                    </a:bodyPr>
+                    <a:p>
+                      <a:pPr marL="0" lvl="0" indent="0" algn="ctr" defTabSz="914400" rtl="0" eaLnBrk="1" latinLnBrk="1" hangingPunct="1">
+                        <a:lnSpc>
+                          <a:spcPct val="100000"/>
+                        </a:lnSpc>
+                        <a:spcBef>
+                          <a:spcPts val="0"/>
+                        </a:spcBef>
+                        <a:spcAft>
+                          <a:spcPts val="0"/>
+                        </a:spcAft>
+                        <a:buNone/>
+                        <a:defRPr/>
+                      </a:pPr>
+                      <a:r>
+                        <a:rPr lang="ko-KR" altLang="en-US" sz="3000" b="0">
+                          <a:ln w="9525">
+                            <a:solidFill>
+                              <a:schemeClr val="lt1"/>
+                            </a:solidFill>
+                          </a:ln>
+                          <a:solidFill>
+                            <a:schemeClr val="dk1"/>
+                          </a:solidFill>
+                        </a:rPr>
+                        <a:t>→</a:t>
+                      </a:r>
+                      <a:endParaRPr lang="en-US" altLang="ko-KR" sz="3000">
+                        <a:ln w="9525">
+                          <a:solidFill>
+                            <a:schemeClr val="lt1"/>
+                          </a:solidFill>
+                        </a:ln>
+                        <a:solidFill>
+                          <a:schemeClr val="dk1"/>
+                        </a:solidFill>
+                      </a:endParaRPr>
+                    </a:p>
+                  </a:txBody>
+                  <a:tcPr marL="91440" marR="91440" anchor="ctr">
+                    <a:lnL w="12700" cap="flat" cmpd="sng" algn="ctr">
+                      <a:solidFill>
+                        <a:schemeClr val="tx1"/>
+                      </a:solidFill>
+                      <a:prstDash val="solid"/>
+                      <a:round/>
+                      <a:headEnd w="med" len="med"/>
+                      <a:tailEnd w="med" len="med"/>
+                    </a:lnL>
+                    <a:lnR w="12700" cap="flat" cmpd="sng" algn="ctr">
+                      <a:solidFill>
+                        <a:schemeClr val="tx1"/>
+                      </a:solidFill>
+                      <a:prstDash val="solid"/>
+                      <a:round/>
+                      <a:headEnd w="med" len="med"/>
+                      <a:tailEnd w="med" len="med"/>
+                    </a:lnR>
+                    <a:lnT w="12700" cap="flat" cmpd="sng" algn="ctr">
+                      <a:solidFill>
+                        <a:schemeClr val="tx1"/>
+                      </a:solidFill>
+                      <a:prstDash val="solid"/>
+                      <a:round/>
+                      <a:headEnd w="med" len="med"/>
+                      <a:tailEnd w="med" len="med"/>
+                    </a:lnT>
+                    <a:lnB w="12700" cap="flat" cmpd="sng" algn="ctr">
+                      <a:solidFill>
+                        <a:schemeClr val="tx1"/>
+                      </a:solidFill>
+                      <a:prstDash val="solid"/>
+                      <a:round/>
+                      <a:headEnd w="med" len="med"/>
+                      <a:tailEnd w="med" len="med"/>
+                    </a:lnB>
+                    <a:solidFill>
+                      <a:schemeClr val="lt1"/>
+                    </a:solidFill>
+                  </a:tcPr>
+                </a:tc>
+              </a:tr>
+              <a:tr h="878245">
+                <a:tc>
+                  <a:txBody>
+                    <a:bodyPr vert="horz" wrap="square" lIns="91440" tIns="45720" rIns="91440" bIns="45720" anchor="ctr" anchorCtr="0">
+                      <a:spAutoFit/>
+                    </a:bodyPr>
+                    <a:p>
+                      <a:pPr marL="0" lvl="0" indent="0" algn="ctr" defTabSz="914400" rtl="0" eaLnBrk="1" latinLnBrk="1" hangingPunct="1">
+                        <a:lnSpc>
+                          <a:spcPct val="100000"/>
+                        </a:lnSpc>
+                        <a:spcBef>
+                          <a:spcPts val="0"/>
+                        </a:spcBef>
+                        <a:spcAft>
+                          <a:spcPts val="0"/>
+                        </a:spcAft>
+                        <a:buNone/>
+                        <a:defRPr/>
+                      </a:pPr>
+                      <a:r>
+                        <a:rPr lang="ko-KR" altLang="en-US" sz="3000" b="0">
+                          <a:ln w="9525">
+                            <a:solidFill>
+                              <a:schemeClr val="lt1"/>
+                            </a:solidFill>
+                          </a:ln>
+                          <a:solidFill>
+                            <a:schemeClr val="dk1"/>
+                          </a:solidFill>
+                        </a:rPr>
+                        <a:t>→</a:t>
+                      </a:r>
+                      <a:endParaRPr lang="en-US" altLang="ko-KR" sz="3000">
+                        <a:ln w="9525">
+                          <a:solidFill>
+                            <a:schemeClr val="lt1"/>
+                          </a:solidFill>
+                        </a:ln>
+                        <a:solidFill>
+                          <a:schemeClr val="dk1"/>
+                        </a:solidFill>
+                      </a:endParaRPr>
+                    </a:p>
+                  </a:txBody>
+                  <a:tcPr marL="91440" marR="91440" anchor="ctr">
+                    <a:lnL w="12700" cap="flat" cmpd="sng" algn="ctr">
+                      <a:solidFill>
+                        <a:schemeClr val="tx1"/>
+                      </a:solidFill>
+                      <a:prstDash val="solid"/>
+                      <a:round/>
+                      <a:headEnd w="med" len="med"/>
+                      <a:tailEnd w="med" len="med"/>
+                    </a:lnL>
+                    <a:lnR w="12700" cap="flat" cmpd="sng" algn="ctr">
+                      <a:solidFill>
+                        <a:schemeClr val="tx1"/>
+                      </a:solidFill>
+                      <a:prstDash val="solid"/>
+                      <a:round/>
+                      <a:headEnd w="med" len="med"/>
+                      <a:tailEnd w="med" len="med"/>
+                    </a:lnR>
+                    <a:lnT w="12700" cap="flat" cmpd="sng" algn="ctr">
+                      <a:solidFill>
+                        <a:schemeClr val="tx1"/>
+                      </a:solidFill>
+                      <a:prstDash val="solid"/>
+                      <a:round/>
+                      <a:headEnd w="med" len="med"/>
+                      <a:tailEnd w="med" len="med"/>
+                    </a:lnT>
+                    <a:lnB w="12700" cap="flat" cmpd="sng" algn="ctr">
+                      <a:solidFill>
+                        <a:schemeClr val="tx1"/>
+                      </a:solidFill>
+                      <a:prstDash val="solid"/>
+                      <a:round/>
+                      <a:headEnd w="med" len="med"/>
+                      <a:tailEnd w="med" len="med"/>
+                    </a:lnB>
+                    <a:solidFill>
+                      <a:schemeClr val="lt1"/>
+                    </a:solidFill>
+                  </a:tcPr>
+                </a:tc>
+                <a:tc>
+                  <a:txBody>
+                    <a:bodyPr vert="horz" wrap="square" lIns="91440" tIns="45720" rIns="91440" bIns="45720" anchor="ctr" anchorCtr="0">
+                      <a:spAutoFit/>
+                    </a:bodyPr>
+                    <a:p>
+                      <a:pPr marL="0" lvl="0" indent="0" algn="ctr" defTabSz="914400" rtl="0" eaLnBrk="1" latinLnBrk="1" hangingPunct="1">
+                        <a:lnSpc>
+                          <a:spcPct val="100000"/>
+                        </a:lnSpc>
+                        <a:spcBef>
+                          <a:spcPts val="0"/>
+                        </a:spcBef>
+                        <a:spcAft>
+                          <a:spcPts val="0"/>
+                        </a:spcAft>
+                        <a:buNone/>
+                        <a:defRPr/>
+                      </a:pPr>
+                      <a:r>
+                        <a:rPr lang="ko-KR" altLang="en-US" sz="3000" b="0">
+                          <a:ln w="9525">
+                            <a:solidFill>
+                              <a:schemeClr val="lt1"/>
+                            </a:solidFill>
+                          </a:ln>
+                          <a:solidFill>
+                            <a:schemeClr val="dk1"/>
+                          </a:solidFill>
+                        </a:rPr>
+                        <a:t>→</a:t>
+                      </a:r>
+                      <a:endParaRPr lang="en-US" altLang="ko-KR" sz="3000">
+                        <a:ln w="9525">
+                          <a:solidFill>
+                            <a:schemeClr val="lt1"/>
+                          </a:solidFill>
+                        </a:ln>
+                        <a:solidFill>
+                          <a:schemeClr val="dk1"/>
+                        </a:solidFill>
+                      </a:endParaRPr>
+                    </a:p>
+                  </a:txBody>
+                  <a:tcPr marL="91440" marR="91440" anchor="ctr">
+                    <a:lnL w="12700" cap="flat" cmpd="sng" algn="ctr">
+                      <a:solidFill>
+                        <a:schemeClr val="tx1"/>
+                      </a:solidFill>
+                      <a:prstDash val="solid"/>
+                      <a:round/>
+                      <a:headEnd w="med" len="med"/>
+                      <a:tailEnd w="med" len="med"/>
+                    </a:lnL>
+                    <a:lnR w="12700" cap="flat" cmpd="sng" algn="ctr">
+                      <a:solidFill>
+                        <a:schemeClr val="tx1"/>
+                      </a:solidFill>
+                      <a:prstDash val="solid"/>
+                      <a:round/>
+                      <a:headEnd w="med" len="med"/>
+                      <a:tailEnd w="med" len="med"/>
+                    </a:lnR>
+                    <a:lnT w="12700" cap="flat" cmpd="sng" algn="ctr">
+                      <a:solidFill>
+                        <a:schemeClr val="tx1"/>
+                      </a:solidFill>
+                      <a:prstDash val="solid"/>
+                      <a:round/>
+                      <a:headEnd w="med" len="med"/>
+                      <a:tailEnd w="med" len="med"/>
+                    </a:lnT>
+                    <a:lnB w="12700" cap="flat" cmpd="sng" algn="ctr">
+                      <a:solidFill>
+                        <a:schemeClr val="tx1"/>
+                      </a:solidFill>
+                      <a:prstDash val="solid"/>
+                      <a:round/>
+                      <a:headEnd w="med" len="med"/>
+                      <a:tailEnd w="med" len="med"/>
+                    </a:lnB>
+                    <a:solidFill>
+                      <a:schemeClr val="lt1"/>
+                    </a:solidFill>
+                  </a:tcPr>
+                </a:tc>
+                <a:tc>
+                  <a:txBody>
+                    <a:bodyPr vert="horz" wrap="square" lIns="91440" tIns="45720" rIns="91440" bIns="45720" anchor="ctr" anchorCtr="0">
+                      <a:spAutoFit/>
+                    </a:bodyPr>
+                    <a:p>
+                      <a:pPr marL="0" lvl="0" indent="0" algn="ctr" defTabSz="914400" rtl="0" eaLnBrk="1" latinLnBrk="1" hangingPunct="1">
+                        <a:lnSpc>
+                          <a:spcPct val="100000"/>
+                        </a:lnSpc>
+                        <a:spcBef>
+                          <a:spcPts val="0"/>
+                        </a:spcBef>
+                        <a:spcAft>
+                          <a:spcPts val="0"/>
+                        </a:spcAft>
+                        <a:buNone/>
+                        <a:defRPr/>
+                      </a:pPr>
+                      <a:r>
+                        <a:rPr lang="ko-KR" altLang="en-US" sz="3000" b="0">
+                          <a:ln w="9525">
+                            <a:solidFill>
+                              <a:schemeClr val="lt1"/>
+                            </a:solidFill>
+                          </a:ln>
+                          <a:solidFill>
+                            <a:schemeClr val="dk1"/>
+                          </a:solidFill>
+                        </a:rPr>
+                        <a:t>→</a:t>
+                      </a:r>
+                      <a:endParaRPr lang="en-US" altLang="ko-KR" sz="3000">
+                        <a:ln w="9525">
+                          <a:solidFill>
+                            <a:schemeClr val="lt1"/>
+                          </a:solidFill>
+                        </a:ln>
+                        <a:solidFill>
+                          <a:schemeClr val="dk1"/>
+                        </a:solidFill>
+                      </a:endParaRPr>
+                    </a:p>
+                  </a:txBody>
+                  <a:tcPr marL="91440" marR="91440" anchor="ctr">
+                    <a:lnL w="12700" cap="flat" cmpd="sng" algn="ctr">
+                      <a:solidFill>
+                        <a:schemeClr val="tx1"/>
+                      </a:solidFill>
+                      <a:prstDash val="solid"/>
+                      <a:round/>
+                      <a:headEnd w="med" len="med"/>
+                      <a:tailEnd w="med" len="med"/>
+                    </a:lnL>
+                    <a:lnR w="12700" cap="flat" cmpd="sng" algn="ctr">
+                      <a:solidFill>
+                        <a:schemeClr val="tx1"/>
+                      </a:solidFill>
+                      <a:prstDash val="solid"/>
+                      <a:round/>
+                      <a:headEnd w="med" len="med"/>
+                      <a:tailEnd w="med" len="med"/>
+                    </a:lnR>
+                    <a:lnT w="12700" cap="flat" cmpd="sng" algn="ctr">
+                      <a:solidFill>
+                        <a:schemeClr val="tx1"/>
+                      </a:solidFill>
+                      <a:prstDash val="solid"/>
+                      <a:round/>
+                      <a:headEnd w="med" len="med"/>
+                      <a:tailEnd w="med" len="med"/>
+                    </a:lnT>
+                    <a:lnB w="12700" cap="flat" cmpd="sng" algn="ctr">
+                      <a:solidFill>
+                        <a:schemeClr val="tx1"/>
+                      </a:solidFill>
+                      <a:prstDash val="solid"/>
+                      <a:round/>
+                      <a:headEnd w="med" len="med"/>
+                      <a:tailEnd w="med" len="med"/>
+                    </a:lnB>
+                    <a:solidFill>
+                      <a:schemeClr val="lt1"/>
+                    </a:solidFill>
+                  </a:tcPr>
+                </a:tc>
+                <a:tc>
+                  <a:txBody>
+                    <a:bodyPr vert="horz" wrap="square" lIns="91440" tIns="45720" rIns="91440" bIns="45720" anchor="ctr" anchorCtr="0">
+                      <a:spAutoFit/>
+                    </a:bodyPr>
+                    <a:p>
+                      <a:pPr marL="0" lvl="0" indent="0" algn="ctr" defTabSz="914400" rtl="0" eaLnBrk="1" latinLnBrk="1" hangingPunct="1">
+                        <a:lnSpc>
+                          <a:spcPct val="100000"/>
+                        </a:lnSpc>
+                        <a:spcBef>
+                          <a:spcPts val="0"/>
+                        </a:spcBef>
+                        <a:spcAft>
+                          <a:spcPts val="0"/>
+                        </a:spcAft>
+                        <a:buNone/>
+                        <a:defRPr/>
+                      </a:pPr>
+                      <a:r>
+                        <a:rPr lang="ko-KR" altLang="en-US" sz="3000" b="0">
+                          <a:ln w="9525">
+                            <a:solidFill>
+                              <a:schemeClr val="lt1"/>
+                            </a:solidFill>
+                          </a:ln>
+                          <a:solidFill>
+                            <a:schemeClr val="dk1"/>
+                          </a:solidFill>
+                        </a:rPr>
+                        <a:t>→</a:t>
+                      </a:r>
+                      <a:endParaRPr lang="en-US" altLang="ko-KR" sz="3000">
+                        <a:ln w="9525">
+                          <a:solidFill>
+                            <a:schemeClr val="lt1"/>
+                          </a:solidFill>
+                        </a:ln>
+                        <a:solidFill>
+                          <a:schemeClr val="dk1"/>
+                        </a:solidFill>
+                      </a:endParaRPr>
+                    </a:p>
+                  </a:txBody>
+                  <a:tcPr marL="91440" marR="91440" anchor="ctr">
+                    <a:lnL w="12700" cap="flat" cmpd="sng" algn="ctr">
+                      <a:solidFill>
+                        <a:schemeClr val="tx1"/>
+                      </a:solidFill>
+                      <a:prstDash val="solid"/>
+                      <a:round/>
+                      <a:headEnd w="med" len="med"/>
+                      <a:tailEnd w="med" len="med"/>
+                    </a:lnL>
+                    <a:lnR w="12700" cap="flat" cmpd="sng" algn="ctr">
+                      <a:solidFill>
+                        <a:schemeClr val="tx1"/>
+                      </a:solidFill>
+                      <a:prstDash val="solid"/>
+                      <a:round/>
+                      <a:headEnd w="med" len="med"/>
+                      <a:tailEnd w="med" len="med"/>
+                    </a:lnR>
+                    <a:lnT w="12700" cap="flat" cmpd="sng" algn="ctr">
+                      <a:solidFill>
+                        <a:schemeClr val="tx1"/>
+                      </a:solidFill>
+                      <a:prstDash val="solid"/>
+                      <a:round/>
+                      <a:headEnd w="med" len="med"/>
+                      <a:tailEnd w="med" len="med"/>
+                    </a:lnT>
+                    <a:lnB w="12700" cap="flat" cmpd="sng" algn="ctr">
+                      <a:solidFill>
+                        <a:schemeClr val="tx1"/>
+                      </a:solidFill>
+                      <a:prstDash val="solid"/>
+                      <a:round/>
+                      <a:headEnd w="med" len="med"/>
+                      <a:tailEnd w="med" len="med"/>
+                    </a:lnB>
+                    <a:solidFill>
+                      <a:schemeClr val="lt1"/>
+                    </a:solidFill>
+                  </a:tcPr>
+                </a:tc>
+              </a:tr>
+              <a:tr h="878245">
+                <a:tc>
+                  <a:txBody>
+                    <a:bodyPr vert="horz" wrap="square" lIns="91440" tIns="45720" rIns="91440" bIns="45720" anchor="ctr" anchorCtr="0">
+                      <a:spAutoFit/>
+                    </a:bodyPr>
+                    <a:p>
+                      <a:pPr marL="0" lvl="0" indent="0" algn="ctr" defTabSz="914400" rtl="0" eaLnBrk="1" latinLnBrk="1" hangingPunct="1">
+                        <a:lnSpc>
+                          <a:spcPct val="100000"/>
+                        </a:lnSpc>
+                        <a:spcBef>
+                          <a:spcPts val="0"/>
+                        </a:spcBef>
+                        <a:spcAft>
+                          <a:spcPts val="0"/>
+                        </a:spcAft>
+                        <a:buNone/>
+                        <a:defRPr/>
+                      </a:pPr>
+                      <a:r>
+                        <a:rPr lang="ko-KR" altLang="en-US" sz="3000" b="0">
+                          <a:ln w="9525">
+                            <a:solidFill>
+                              <a:schemeClr val="lt1"/>
+                            </a:solidFill>
+                          </a:ln>
+                          <a:solidFill>
+                            <a:schemeClr val="dk1"/>
+                          </a:solidFill>
+                        </a:rPr>
+                        <a:t>→</a:t>
+                      </a:r>
+                      <a:endParaRPr lang="en-US" altLang="ko-KR" sz="3000">
+                        <a:ln w="9525">
+                          <a:solidFill>
+                            <a:schemeClr val="lt1"/>
+                          </a:solidFill>
+                        </a:ln>
+                        <a:solidFill>
+                          <a:schemeClr val="dk1"/>
+                        </a:solidFill>
+                      </a:endParaRPr>
+                    </a:p>
+                  </a:txBody>
+                  <a:tcPr marL="91440" marR="91440" anchor="ctr">
+                    <a:lnL w="12700" cap="flat" cmpd="sng" algn="ctr">
+                      <a:solidFill>
+                        <a:schemeClr val="tx1"/>
+                      </a:solidFill>
+                      <a:prstDash val="solid"/>
+                      <a:round/>
+                      <a:headEnd w="med" len="med"/>
+                      <a:tailEnd w="med" len="med"/>
+                    </a:lnL>
+                    <a:lnR w="12700" cap="flat" cmpd="sng" algn="ctr">
+                      <a:solidFill>
+                        <a:schemeClr val="tx1"/>
+                      </a:solidFill>
+                      <a:prstDash val="solid"/>
+                      <a:round/>
+                      <a:headEnd w="med" len="med"/>
+                      <a:tailEnd w="med" len="med"/>
+                    </a:lnR>
+                    <a:lnT w="12700" cap="flat" cmpd="sng" algn="ctr">
+                      <a:solidFill>
+                        <a:schemeClr val="tx1"/>
+                      </a:solidFill>
+                      <a:prstDash val="solid"/>
+                      <a:round/>
+                      <a:headEnd w="med" len="med"/>
+                      <a:tailEnd w="med" len="med"/>
+                    </a:lnT>
+                    <a:lnB w="12700" cap="flat" cmpd="sng" algn="ctr">
+                      <a:solidFill>
+                        <a:schemeClr val="tx1"/>
+                      </a:solidFill>
+                      <a:prstDash val="solid"/>
+                      <a:round/>
+                      <a:headEnd w="med" len="med"/>
+                      <a:tailEnd w="med" len="med"/>
+                    </a:lnB>
+                    <a:solidFill>
+                      <a:schemeClr val="lt1"/>
+                    </a:solidFill>
+                  </a:tcPr>
+                </a:tc>
+                <a:tc>
+                  <a:txBody>
+                    <a:bodyPr vert="horz" wrap="square" lIns="91440" tIns="45720" rIns="91440" bIns="45720" anchor="ctr" anchorCtr="0">
+                      <a:spAutoFit/>
+                    </a:bodyPr>
+                    <a:p>
+                      <a:pPr marL="0" lvl="0" indent="0" algn="ctr" defTabSz="914400" rtl="0" eaLnBrk="1" latinLnBrk="1" hangingPunct="1">
+                        <a:lnSpc>
+                          <a:spcPct val="100000"/>
+                        </a:lnSpc>
+                        <a:spcBef>
+                          <a:spcPts val="0"/>
+                        </a:spcBef>
+                        <a:spcAft>
+                          <a:spcPts val="0"/>
+                        </a:spcAft>
+                        <a:buNone/>
+                        <a:defRPr/>
+                      </a:pPr>
+                      <a:r>
+                        <a:rPr lang="ko-KR" altLang="en-US" sz="3000" b="0">
+                          <a:ln w="9525">
+                            <a:solidFill>
+                              <a:schemeClr val="lt1"/>
+                            </a:solidFill>
+                          </a:ln>
+                          <a:solidFill>
+                            <a:schemeClr val="dk1"/>
+                          </a:solidFill>
+                        </a:rPr>
+                        <a:t>→</a:t>
+                      </a:r>
+                      <a:endParaRPr lang="en-US" altLang="ko-KR" sz="3000">
+                        <a:ln w="9525">
+                          <a:solidFill>
+                            <a:schemeClr val="lt1"/>
+                          </a:solidFill>
+                        </a:ln>
+                        <a:solidFill>
+                          <a:schemeClr val="dk1"/>
+                        </a:solidFill>
+                      </a:endParaRPr>
+                    </a:p>
+                  </a:txBody>
+                  <a:tcPr marL="91440" marR="91440" anchor="ctr">
+                    <a:lnL w="12700" cap="flat" cmpd="sng" algn="ctr">
+                      <a:solidFill>
+                        <a:schemeClr val="tx1"/>
+                      </a:solidFill>
+                      <a:prstDash val="solid"/>
+                      <a:round/>
+                      <a:headEnd w="med" len="med"/>
+                      <a:tailEnd w="med" len="med"/>
+                    </a:lnL>
+                    <a:lnR w="12700" cap="flat" cmpd="sng" algn="ctr">
+                      <a:solidFill>
+                        <a:schemeClr val="tx1"/>
+                      </a:solidFill>
+                      <a:prstDash val="solid"/>
+                      <a:round/>
+                      <a:headEnd w="med" len="med"/>
+                      <a:tailEnd w="med" len="med"/>
+                    </a:lnR>
+                    <a:lnT w="12700" cap="flat" cmpd="sng" algn="ctr">
+                      <a:solidFill>
+                        <a:schemeClr val="tx1"/>
+                      </a:solidFill>
+                      <a:prstDash val="solid"/>
+                      <a:round/>
+                      <a:headEnd w="med" len="med"/>
+                      <a:tailEnd w="med" len="med"/>
+                    </a:lnT>
+                    <a:lnB w="12700" cap="flat" cmpd="sng" algn="ctr">
+                      <a:solidFill>
+                        <a:schemeClr val="tx1"/>
+                      </a:solidFill>
+                      <a:prstDash val="solid"/>
+                      <a:round/>
+                      <a:headEnd w="med" len="med"/>
+                      <a:tailEnd w="med" len="med"/>
+                    </a:lnB>
+                    <a:solidFill>
+                      <a:schemeClr val="lt1"/>
+                    </a:solidFill>
+                  </a:tcPr>
+                </a:tc>
+                <a:tc>
+                  <a:txBody>
+                    <a:bodyPr vert="horz" wrap="square" lIns="91440" tIns="45720" rIns="91440" bIns="45720" anchor="ctr" anchorCtr="0">
+                      <a:spAutoFit/>
+                    </a:bodyPr>
+                    <a:p>
+                      <a:pPr marL="0" lvl="0" indent="0" algn="ctr" defTabSz="914400" rtl="0" eaLnBrk="1" latinLnBrk="1" hangingPunct="1">
+                        <a:lnSpc>
+                          <a:spcPct val="100000"/>
+                        </a:lnSpc>
+                        <a:spcBef>
+                          <a:spcPts val="0"/>
+                        </a:spcBef>
+                        <a:spcAft>
+                          <a:spcPts val="0"/>
+                        </a:spcAft>
+                        <a:buNone/>
+                        <a:defRPr/>
+                      </a:pPr>
+                      <a:r>
+                        <a:rPr lang="ko-KR" altLang="en-US" sz="3000" b="0">
+                          <a:ln w="9525">
+                            <a:solidFill>
+                              <a:schemeClr val="lt1"/>
+                            </a:solidFill>
+                          </a:ln>
+                          <a:solidFill>
+                            <a:schemeClr val="dk1"/>
+                          </a:solidFill>
+                        </a:rPr>
+                        <a:t>→</a:t>
+                      </a:r>
+                      <a:endParaRPr lang="en-US" altLang="ko-KR" sz="3000">
+                        <a:ln w="9525">
+                          <a:solidFill>
+                            <a:schemeClr val="lt1"/>
+                          </a:solidFill>
+                        </a:ln>
+                        <a:solidFill>
+                          <a:schemeClr val="dk1"/>
+                        </a:solidFill>
+                      </a:endParaRPr>
+                    </a:p>
+                  </a:txBody>
+                  <a:tcPr marL="91440" marR="91440" anchor="ctr">
+                    <a:lnL w="12700" cap="flat" cmpd="sng" algn="ctr">
+                      <a:solidFill>
+                        <a:schemeClr val="tx1"/>
+                      </a:solidFill>
+                      <a:prstDash val="solid"/>
+                      <a:round/>
+                      <a:headEnd w="med" len="med"/>
+                      <a:tailEnd w="med" len="med"/>
+                    </a:lnL>
+                    <a:lnR w="12700" cap="flat" cmpd="sng" algn="ctr">
+                      <a:solidFill>
+                        <a:schemeClr val="tx1"/>
+                      </a:solidFill>
+                      <a:prstDash val="solid"/>
+                      <a:round/>
+                      <a:headEnd w="med" len="med"/>
+                      <a:tailEnd w="med" len="med"/>
+                    </a:lnR>
+                    <a:lnT w="12700" cap="flat" cmpd="sng" algn="ctr">
+                      <a:solidFill>
+                        <a:schemeClr val="tx1"/>
+                      </a:solidFill>
+                      <a:prstDash val="solid"/>
+                      <a:round/>
+                      <a:headEnd w="med" len="med"/>
+                      <a:tailEnd w="med" len="med"/>
+                    </a:lnT>
+                    <a:lnB w="12700" cap="flat" cmpd="sng" algn="ctr">
+                      <a:solidFill>
+                        <a:schemeClr val="tx1"/>
+                      </a:solidFill>
+                      <a:prstDash val="solid"/>
+                      <a:round/>
+                      <a:headEnd w="med" len="med"/>
+                      <a:tailEnd w="med" len="med"/>
+                    </a:lnB>
+                    <a:solidFill>
+                      <a:schemeClr val="lt1"/>
+                    </a:solidFill>
+                  </a:tcPr>
+                </a:tc>
+                <a:tc>
+                  <a:txBody>
+                    <a:bodyPr vert="horz" wrap="square" lIns="91440" tIns="45720" rIns="91440" bIns="45720" anchor="ctr" anchorCtr="0">
+                      <a:spAutoFit/>
+                    </a:bodyPr>
+                    <a:p>
+                      <a:pPr lvl="0" algn="ctr">
+                        <a:defRPr/>
+                      </a:pPr>
+                      <a:r>
+                        <a:rPr lang="en-US" altLang="ko-KR" sz="3000">
+                          <a:ln w="9525">
+                            <a:solidFill>
+                              <a:schemeClr val="lt1"/>
+                            </a:solidFill>
+                          </a:ln>
+                          <a:solidFill>
+                            <a:srgbClr val="ff0000"/>
+                          </a:solidFill>
+                        </a:rPr>
+                        <a:t>G</a:t>
+                      </a:r>
+                      <a:endParaRPr lang="en-US" altLang="ko-KR" sz="3000">
+                        <a:ln w="9525">
+                          <a:solidFill>
+                            <a:schemeClr val="lt1"/>
+                          </a:solidFill>
+                        </a:ln>
+                        <a:solidFill>
+                          <a:srgbClr val="ff0000"/>
+                        </a:solidFill>
+                      </a:endParaRPr>
+                    </a:p>
+                  </a:txBody>
+                  <a:tcPr marL="91440" marR="91440" anchor="ctr">
+                    <a:lnL w="12700" cap="flat" cmpd="sng" algn="ctr">
+                      <a:solidFill>
+                        <a:schemeClr val="tx1"/>
+                      </a:solidFill>
+                      <a:prstDash val="solid"/>
+                      <a:round/>
+                      <a:headEnd w="med" len="med"/>
+                      <a:tailEnd w="med" len="med"/>
+                    </a:lnL>
+                    <a:lnR w="12700" cap="flat" cmpd="sng" algn="ctr">
+                      <a:solidFill>
+                        <a:schemeClr val="tx1"/>
+                      </a:solidFill>
+                      <a:prstDash val="solid"/>
+                      <a:round/>
+                      <a:headEnd w="med" len="med"/>
+                      <a:tailEnd w="med" len="med"/>
+                    </a:lnR>
+                    <a:lnT w="12700" cap="flat" cmpd="sng" algn="ctr">
+                      <a:solidFill>
+                        <a:schemeClr val="tx1"/>
+                      </a:solidFill>
+                      <a:prstDash val="solid"/>
+                      <a:round/>
+                      <a:headEnd w="med" len="med"/>
+                      <a:tailEnd w="med" len="med"/>
+                    </a:lnT>
+                    <a:lnB w="12700" cap="flat" cmpd="sng" algn="ctr">
+                      <a:solidFill>
+                        <a:schemeClr val="tx1"/>
+                      </a:solidFill>
+                      <a:prstDash val="solid"/>
+                      <a:round/>
+                      <a:headEnd w="med" len="med"/>
+                      <a:tailEnd w="med" len="med"/>
+                    </a:lnB>
+                    <a:solidFill>
+                      <a:schemeClr val="lt1"/>
+                    </a:solidFill>
+                  </a:tcPr>
+                </a:tc>
+              </a:tr>
+            </a:tbl>
+          </a:graphicData>
+        </a:graphic>
+      </p:graphicFrame>
+      <p:graphicFrame>
+        <p:nvGraphicFramePr>
+          <p:cNvPr id="61" name="표 60"/>
+          <p:cNvGraphicFramePr>
+            <a:graphicFrameLocks noGrp="1"/>
+          </p:cNvGraphicFramePr>
+          <p:nvPr/>
+        </p:nvGraphicFramePr>
+        <p:xfrm>
+          <a:off x="5120897" y="2816521"/>
+          <a:ext cx="4213268" cy="3512980"/>
+        </p:xfrm>
+        <a:graphic>
+          <a:graphicData uri="http://schemas.openxmlformats.org/drawingml/2006/table">
+            <a:tbl>
+              <a:tblPr firstRow="1" bandRow="1">
+                <a:tableStyle styleId="{01A66EDD-3DAB-4C5B-A090-DC80EC1FD486}" styleName="Normal Style 1 - Accent 1">
+                  <a:wholeTbl>
+                    <a:tcTxStyle>
+                      <a:fontRef idx="minor">
+                        <a:prstClr val="black"/>
+                      </a:fontRef>
+                      <a:schemeClr val="dk1"/>
+                    </a:tcTxStyle>
+                    <a:tcStyle>
+                      <a:tcBdr>
+                        <a:left>
+                          <a:ln w="12700" cmpd="sng">
+                            <a:solidFill>
+                              <a:schemeClr val="lt1"/>
+                            </a:solidFill>
+                          </a:ln>
+                        </a:left>
+                        <a:right>
+                          <a:ln w="12700" cmpd="sng">
+                            <a:solidFill>
+                              <a:schemeClr val="lt1"/>
+                            </a:solidFill>
+                          </a:ln>
+                        </a:right>
+                        <a:top>
+                          <a:ln w="12700" cmpd="sng">
+                            <a:solidFill>
+                              <a:schemeClr val="lt1"/>
+                            </a:solidFill>
+                          </a:ln>
+                        </a:top>
+                        <a:bottom>
+                          <a:ln w="12700" cmpd="sng">
+                            <a:solidFill>
+                              <a:schemeClr val="lt1"/>
+                            </a:solidFill>
+                          </a:ln>
+                        </a:bottom>
+                        <a:insideH>
+                          <a:ln w="12700" cmpd="sng">
+                            <a:solidFill>
+                              <a:schemeClr val="lt1"/>
+                            </a:solidFill>
+                          </a:ln>
+                        </a:insideH>
+                        <a:insideV>
+                          <a:ln w="12700" cmpd="sng">
+                            <a:solidFill>
+                              <a:schemeClr val="lt1"/>
+                            </a:solidFill>
+                          </a:ln>
+                        </a:insideV>
+                      </a:tcBdr>
+                      <a:fill>
+                        <a:solidFill>
+                          <a:schemeClr val="accent1">
+                            <a:lum val="90000"/>
+                          </a:schemeClr>
+                        </a:solidFill>
+                      </a:fill>
+                    </a:tcStyle>
+                  </a:wholeTbl>
+                  <a:band1H>
+                    <a:tcTxStyle/>
+                    <a:tcStyle>
+                      <a:tcBdr/>
+                      <a:fill>
+                        <a:solidFill>
+                          <a:schemeClr val="accent1">
+                            <a:lum val="80000"/>
+                          </a:schemeClr>
+                        </a:solidFill>
+                      </a:fill>
+                    </a:tcStyle>
+                  </a:band1H>
+                  <a:band2H>
+                    <a:tcTxStyle/>
+                    <a:tcStyle>
+                      <a:tcBdr/>
+                    </a:tcStyle>
+                  </a:band2H>
+                  <a:band1V>
+                    <a:tcTxStyle/>
+                    <a:tcStyle>
+                      <a:tcBdr/>
+                      <a:fill>
+                        <a:solidFill>
+                          <a:schemeClr val="accent1">
+                            <a:lum val="80000"/>
+                          </a:schemeClr>
+                        </a:solidFill>
+                      </a:fill>
+                    </a:tcStyle>
+                  </a:band1V>
+                  <a:band2V>
+                    <a:tcTxStyle/>
+                    <a:tcStyle>
+                      <a:tcBdr/>
+                    </a:tcStyle>
+                  </a:band2V>
+                  <a:lastCol>
+                    <a:tcTxStyle b="on">
+                      <a:fontRef idx="minor">
+                        <a:prstClr val="black"/>
+                      </a:fontRef>
+                      <a:schemeClr val="lt1"/>
+                    </a:tcTxStyle>
+                    <a:tcStyle>
+                      <a:tcBdr/>
+                      <a:fill>
+                        <a:solidFill>
+                          <a:schemeClr val="accent1"/>
+                        </a:solidFill>
+                      </a:fill>
+                    </a:tcStyle>
+                  </a:lastCol>
+                  <a:firstCol>
+                    <a:tcTxStyle b="on">
+                      <a:fontRef idx="minor">
+                        <a:prstClr val="black"/>
+                      </a:fontRef>
+                      <a:schemeClr val="lt1"/>
+                    </a:tcTxStyle>
+                    <a:tcStyle>
+                      <a:tcBdr/>
+                      <a:fill>
+                        <a:solidFill>
+                          <a:schemeClr val="accent1"/>
+                        </a:solidFill>
+                      </a:fill>
+                    </a:tcStyle>
+                  </a:firstCol>
+                  <a:lastRow>
+                    <a:tcTxStyle b="on">
+                      <a:fontRef idx="minor">
+                        <a:prstClr val="black"/>
+                      </a:fontRef>
+                      <a:schemeClr val="lt1"/>
+                    </a:tcTxStyle>
+                    <a:tcStyle>
+                      <a:tcBdr>
+                        <a:top>
+                          <a:ln w="38100" cmpd="sng">
+                            <a:solidFill>
+                              <a:schemeClr val="lt1"/>
+                            </a:solidFill>
+                          </a:ln>
+                        </a:top>
+                      </a:tcBdr>
+                      <a:fill>
+                        <a:solidFill>
+                          <a:schemeClr val="accent1"/>
+                        </a:solidFill>
+                      </a:fill>
+                    </a:tcStyle>
+                  </a:lastRow>
+                  <a:firstRow>
+                    <a:tcTxStyle b="on">
+                      <a:fontRef idx="minor">
+                        <a:prstClr val="black"/>
+                      </a:fontRef>
+                      <a:schemeClr val="lt1"/>
+                    </a:tcTxStyle>
+                    <a:tcStyle>
+                      <a:tcBdr>
+                        <a:bottom>
+                          <a:ln w="38100" cmpd="sng">
+                            <a:solidFill>
+                              <a:schemeClr val="lt1"/>
+                            </a:solidFill>
+                          </a:ln>
+                        </a:bottom>
+                      </a:tcBdr>
+                      <a:fill>
+                        <a:solidFill>
+                          <a:schemeClr val="accent1"/>
+                        </a:solidFill>
+                      </a:fill>
+                    </a:tcStyle>
+                  </a:firstRow>
+                </a:tableStyle>
+              </a:tblPr>
+              <a:tblGrid>
+                <a:gridCol w="1053317"/>
+                <a:gridCol w="1053317"/>
+                <a:gridCol w="1053317"/>
+                <a:gridCol w="1053317"/>
+              </a:tblGrid>
+              <a:tr h="878245">
+                <a:tc>
+                  <a:txBody>
+                    <a:bodyPr vert="horz" wrap="square" lIns="91440" tIns="45720" rIns="91440" bIns="45720" anchor="ctr" anchorCtr="0">
+                      <a:spAutoFit/>
+                    </a:bodyPr>
+                    <a:p>
+                      <a:pPr lvl="0" algn="ctr">
+                        <a:defRPr/>
+                      </a:pPr>
+                      <a:r>
+                        <a:rPr lang="en-US" altLang="ko-KR" sz="3000" b="0">
+                          <a:ln w="9525">
+                            <a:solidFill>
+                              <a:schemeClr val="lt1"/>
+                            </a:solidFill>
+                          </a:ln>
+                          <a:solidFill>
+                            <a:srgbClr val="ff0000"/>
+                          </a:solidFill>
+                        </a:rPr>
+                        <a:t>S</a:t>
+                      </a:r>
+                      <a:endParaRPr lang="en-US" altLang="ko-KR" sz="3000" b="0">
+                        <a:ln w="9525">
+                          <a:solidFill>
+                            <a:schemeClr val="lt1"/>
+                          </a:solidFill>
+                        </a:ln>
+                        <a:solidFill>
+                          <a:srgbClr val="ff0000"/>
+                        </a:solidFill>
+                      </a:endParaRPr>
+                    </a:p>
+                  </a:txBody>
+                  <a:tcPr marL="91440" marR="91440" anchor="ctr">
+                    <a:lnL w="12700" cap="flat" cmpd="sng" algn="ctr">
+                      <a:solidFill>
+                        <a:schemeClr val="tx1"/>
+                      </a:solidFill>
+                      <a:prstDash val="solid"/>
+                      <a:round/>
+                      <a:headEnd w="med" len="med"/>
+                      <a:tailEnd w="med" len="med"/>
+                    </a:lnL>
+                    <a:lnR w="12700" cap="flat" cmpd="sng" algn="ctr">
+                      <a:solidFill>
+                        <a:schemeClr val="tx1"/>
+                      </a:solidFill>
+                      <a:prstDash val="solid"/>
+                      <a:round/>
+                      <a:headEnd w="med" len="med"/>
+                      <a:tailEnd w="med" len="med"/>
+                    </a:lnR>
+                    <a:lnT w="12700" cap="flat" cmpd="sng" algn="ctr">
+                      <a:solidFill>
+                        <a:schemeClr val="tx1"/>
+                      </a:solidFill>
+                      <a:prstDash val="solid"/>
+                      <a:round/>
+                      <a:headEnd w="med" len="med"/>
+                      <a:tailEnd w="med" len="med"/>
+                    </a:lnT>
+                    <a:lnB w="12700" cap="flat" cmpd="sng" algn="ctr">
+                      <a:solidFill>
+                        <a:schemeClr val="tx1"/>
+                      </a:solidFill>
+                      <a:prstDash val="solid"/>
+                      <a:round/>
+                      <a:headEnd w="med" len="med"/>
+                      <a:tailEnd w="med" len="med"/>
+                    </a:lnB>
+                    <a:solidFill>
+                      <a:schemeClr val="lt1"/>
+                    </a:solidFill>
+                  </a:tcPr>
+                </a:tc>
+                <a:tc>
+                  <a:txBody>
+                    <a:bodyPr vert="horz" wrap="square" lIns="91440" tIns="45720" rIns="91440" bIns="45720" anchor="ctr" anchorCtr="0">
+                      <a:spAutoFit/>
+                    </a:bodyPr>
+                    <a:p>
+                      <a:pPr marL="0" lvl="0" indent="0" algn="ctr" defTabSz="914400" rtl="0" eaLnBrk="1" latinLnBrk="1" hangingPunct="1">
+                        <a:lnSpc>
+                          <a:spcPct val="100000"/>
+                        </a:lnSpc>
+                        <a:spcBef>
+                          <a:spcPts val="0"/>
+                        </a:spcBef>
+                        <a:spcAft>
+                          <a:spcPts val="0"/>
+                        </a:spcAft>
+                        <a:buNone/>
+                        <a:defRPr/>
+                      </a:pPr>
+                      <a:r>
+                        <a:rPr lang="ko-KR" altLang="en-US" sz="3000" b="0">
+                          <a:ln w="9525">
+                            <a:solidFill>
+                              <a:schemeClr val="lt1"/>
+                            </a:solidFill>
+                          </a:ln>
+                          <a:solidFill>
+                            <a:schemeClr val="dk1"/>
+                          </a:solidFill>
+                        </a:rPr>
+                        <a:t>→</a:t>
+                      </a:r>
+                      <a:endParaRPr lang="ko-KR" altLang="en-US" sz="3000" b="0">
+                        <a:ln w="9525">
+                          <a:solidFill>
+                            <a:schemeClr val="lt1"/>
+                          </a:solidFill>
+                        </a:ln>
+                        <a:solidFill>
+                          <a:schemeClr val="dk1"/>
+                        </a:solidFill>
+                      </a:endParaRPr>
+                    </a:p>
+                  </a:txBody>
+                  <a:tcPr marL="91440" marR="91440" anchor="ctr">
+                    <a:lnL w="12700" cap="flat" cmpd="sng" algn="ctr">
+                      <a:solidFill>
+                        <a:schemeClr val="tx1"/>
+                      </a:solidFill>
+                      <a:prstDash val="solid"/>
+                      <a:round/>
+                      <a:headEnd w="med" len="med"/>
+                      <a:tailEnd w="med" len="med"/>
+                    </a:lnL>
+                    <a:lnR w="12700" cap="flat" cmpd="sng" algn="ctr">
+                      <a:solidFill>
+                        <a:schemeClr val="tx1"/>
+                      </a:solidFill>
+                      <a:prstDash val="solid"/>
+                      <a:round/>
+                      <a:headEnd w="med" len="med"/>
+                      <a:tailEnd w="med" len="med"/>
+                    </a:lnR>
+                    <a:lnT w="12700" cap="flat" cmpd="sng" algn="ctr">
+                      <a:solidFill>
+                        <a:schemeClr val="tx1"/>
+                      </a:solidFill>
+                      <a:prstDash val="solid"/>
+                      <a:round/>
+                      <a:headEnd w="med" len="med"/>
+                      <a:tailEnd w="med" len="med"/>
+                    </a:lnT>
+                    <a:lnB w="12700" cap="flat" cmpd="sng" algn="ctr">
+                      <a:solidFill>
+                        <a:schemeClr val="tx1"/>
+                      </a:solidFill>
+                      <a:prstDash val="solid"/>
+                      <a:round/>
+                      <a:headEnd w="med" len="med"/>
+                      <a:tailEnd w="med" len="med"/>
+                    </a:lnB>
+                    <a:solidFill>
+                      <a:schemeClr val="lt1"/>
+                    </a:solidFill>
+                  </a:tcPr>
+                </a:tc>
+                <a:tc>
+                  <a:txBody>
+                    <a:bodyPr vert="horz" wrap="square" lIns="91440" tIns="45720" rIns="91440" bIns="45720" anchor="ctr" anchorCtr="0">
+                      <a:spAutoFit/>
+                    </a:bodyPr>
+                    <a:p>
+                      <a:pPr marL="0" lvl="0" indent="0" algn="ctr" defTabSz="914400" rtl="0" eaLnBrk="1" latinLnBrk="1" hangingPunct="1">
+                        <a:lnSpc>
+                          <a:spcPct val="100000"/>
+                        </a:lnSpc>
+                        <a:spcBef>
+                          <a:spcPts val="0"/>
+                        </a:spcBef>
+                        <a:spcAft>
+                          <a:spcPts val="0"/>
+                        </a:spcAft>
+                        <a:buNone/>
+                        <a:defRPr/>
+                      </a:pPr>
+                      <a:r>
+                        <a:rPr lang="ko-KR" altLang="en-US" sz="3000" b="0">
+                          <a:ln w="9525">
+                            <a:solidFill>
+                              <a:schemeClr val="lt1"/>
+                            </a:solidFill>
+                          </a:ln>
+                          <a:solidFill>
+                            <a:schemeClr val="dk1"/>
+                          </a:solidFill>
+                        </a:rPr>
+                        <a:t>→</a:t>
+                      </a:r>
+                      <a:endParaRPr lang="ko-KR" altLang="en-US" sz="3000" b="0">
+                        <a:ln w="9525">
+                          <a:solidFill>
+                            <a:schemeClr val="lt1"/>
+                          </a:solidFill>
+                        </a:ln>
+                        <a:solidFill>
+                          <a:schemeClr val="dk1"/>
+                        </a:solidFill>
+                      </a:endParaRPr>
+                    </a:p>
+                  </a:txBody>
+                  <a:tcPr marL="91440" marR="91440" anchor="ctr">
+                    <a:lnL w="12700" cap="flat" cmpd="sng" algn="ctr">
+                      <a:solidFill>
+                        <a:schemeClr val="tx1"/>
+                      </a:solidFill>
+                      <a:prstDash val="solid"/>
+                      <a:round/>
+                      <a:headEnd w="med" len="med"/>
+                      <a:tailEnd w="med" len="med"/>
+                    </a:lnL>
+                    <a:lnR w="12700" cap="flat" cmpd="sng" algn="ctr">
+                      <a:solidFill>
+                        <a:schemeClr val="tx1"/>
+                      </a:solidFill>
+                      <a:prstDash val="solid"/>
+                      <a:round/>
+                      <a:headEnd w="med" len="med"/>
+                      <a:tailEnd w="med" len="med"/>
+                    </a:lnR>
+                    <a:lnT w="12700" cap="flat" cmpd="sng" algn="ctr">
+                      <a:solidFill>
+                        <a:schemeClr val="tx1"/>
+                      </a:solidFill>
+                      <a:prstDash val="solid"/>
+                      <a:round/>
+                      <a:headEnd w="med" len="med"/>
+                      <a:tailEnd w="med" len="med"/>
+                    </a:lnT>
+                    <a:lnB w="12700" cap="flat" cmpd="sng" algn="ctr">
+                      <a:solidFill>
+                        <a:schemeClr val="tx1"/>
+                      </a:solidFill>
+                      <a:prstDash val="solid"/>
+                      <a:round/>
+                      <a:headEnd w="med" len="med"/>
+                      <a:tailEnd w="med" len="med"/>
+                    </a:lnB>
+                    <a:solidFill>
+                      <a:schemeClr val="lt1"/>
+                    </a:solidFill>
+                  </a:tcPr>
+                </a:tc>
+                <a:tc>
+                  <a:txBody>
+                    <a:bodyPr vert="horz" wrap="square" lIns="91440" tIns="45720" rIns="91440" bIns="45720" anchor="ctr" anchorCtr="0">
+                      <a:spAutoFit/>
+                    </a:bodyPr>
+                    <a:p>
+                      <a:pPr lvl="0" algn="ctr">
+                        <a:defRPr/>
+                      </a:pPr>
+                      <a:r>
+                        <a:rPr lang="ko-KR" altLang="en-US" sz="3000" b="0">
+                          <a:ln w="9525">
+                            <a:solidFill>
+                              <a:schemeClr val="lt1"/>
+                            </a:solidFill>
+                          </a:ln>
+                          <a:solidFill>
+                            <a:schemeClr val="dk1"/>
+                          </a:solidFill>
+                        </a:rPr>
+                        <a:t>←</a:t>
+                      </a:r>
+                      <a:endParaRPr lang="ko-KR" altLang="en-US" sz="3000" b="0">
+                        <a:ln w="9525">
+                          <a:solidFill>
+                            <a:schemeClr val="lt1"/>
+                          </a:solidFill>
+                        </a:ln>
+                        <a:solidFill>
+                          <a:schemeClr val="dk1"/>
+                        </a:solidFill>
+                      </a:endParaRPr>
+                    </a:p>
+                  </a:txBody>
+                  <a:tcPr marL="91440" marR="91440" anchor="ctr">
+                    <a:lnL w="12700" cap="flat" cmpd="sng" algn="ctr">
+                      <a:solidFill>
+                        <a:schemeClr val="tx1"/>
+                      </a:solidFill>
+                      <a:prstDash val="solid"/>
+                      <a:round/>
+                      <a:headEnd w="med" len="med"/>
+                      <a:tailEnd w="med" len="med"/>
+                    </a:lnL>
+                    <a:lnR w="12700" cap="flat" cmpd="sng" algn="ctr">
+                      <a:solidFill>
+                        <a:schemeClr val="tx1"/>
+                      </a:solidFill>
+                      <a:prstDash val="solid"/>
+                      <a:round/>
+                      <a:headEnd w="med" len="med"/>
+                      <a:tailEnd w="med" len="med"/>
+                    </a:lnR>
+                    <a:lnT w="12700" cap="flat" cmpd="sng" algn="ctr">
+                      <a:solidFill>
+                        <a:schemeClr val="tx1"/>
+                      </a:solidFill>
+                      <a:prstDash val="solid"/>
+                      <a:round/>
+                      <a:headEnd w="med" len="med"/>
+                      <a:tailEnd w="med" len="med"/>
+                    </a:lnT>
+                    <a:lnB w="12700" cap="flat" cmpd="sng" algn="ctr">
+                      <a:solidFill>
+                        <a:schemeClr val="tx1"/>
+                      </a:solidFill>
+                      <a:prstDash val="solid"/>
+                      <a:round/>
+                      <a:headEnd w="med" len="med"/>
+                      <a:tailEnd w="med" len="med"/>
+                    </a:lnB>
+                    <a:solidFill>
+                      <a:schemeClr val="lt1"/>
+                    </a:solidFill>
+                  </a:tcPr>
+                </a:tc>
+              </a:tr>
+              <a:tr h="878245">
+                <a:tc>
+                  <a:txBody>
+                    <a:bodyPr vert="horz" wrap="square" lIns="91440" tIns="45720" rIns="91440" bIns="45720" anchor="ctr" anchorCtr="0">
+                      <a:spAutoFit/>
+                    </a:bodyPr>
+                    <a:p>
+                      <a:pPr lvl="0" algn="ctr">
+                        <a:defRPr/>
+                      </a:pPr>
+                      <a:r>
+                        <a:rPr lang="ko-KR" altLang="en-US" sz="3000" b="0">
+                          <a:ln w="9525">
+                            <a:solidFill>
+                              <a:schemeClr val="lt1"/>
+                            </a:solidFill>
+                          </a:ln>
+                          <a:solidFill>
+                            <a:schemeClr val="dk1"/>
+                          </a:solidFill>
+                        </a:rPr>
+                        <a:t>←</a:t>
+                      </a:r>
+                      <a:endParaRPr lang="en-US" altLang="ko-KR" sz="3000">
+                        <a:ln w="9525">
+                          <a:solidFill>
+                            <a:schemeClr val="lt1"/>
+                          </a:solidFill>
+                        </a:ln>
+                        <a:solidFill>
+                          <a:schemeClr val="dk1"/>
+                        </a:solidFill>
+                      </a:endParaRPr>
+                    </a:p>
+                  </a:txBody>
+                  <a:tcPr marL="91440" marR="91440" anchor="ctr">
+                    <a:lnL w="12700" cap="flat" cmpd="sng" algn="ctr">
+                      <a:solidFill>
+                        <a:schemeClr val="tx1"/>
+                      </a:solidFill>
+                      <a:prstDash val="solid"/>
+                      <a:round/>
+                      <a:headEnd w="med" len="med"/>
+                      <a:tailEnd w="med" len="med"/>
+                    </a:lnL>
+                    <a:lnR w="12700" cap="flat" cmpd="sng" algn="ctr">
+                      <a:solidFill>
+                        <a:schemeClr val="tx1"/>
+                      </a:solidFill>
+                      <a:prstDash val="solid"/>
+                      <a:round/>
+                      <a:headEnd w="med" len="med"/>
+                      <a:tailEnd w="med" len="med"/>
+                    </a:lnR>
+                    <a:lnT w="12700" cap="flat" cmpd="sng" algn="ctr">
+                      <a:solidFill>
+                        <a:schemeClr val="tx1"/>
+                      </a:solidFill>
+                      <a:prstDash val="solid"/>
+                      <a:round/>
+                      <a:headEnd w="med" len="med"/>
+                      <a:tailEnd w="med" len="med"/>
+                    </a:lnT>
+                    <a:lnB w="12700" cap="flat" cmpd="sng" algn="ctr">
+                      <a:solidFill>
+                        <a:schemeClr val="tx1"/>
+                      </a:solidFill>
+                      <a:prstDash val="solid"/>
+                      <a:round/>
+                      <a:headEnd w="med" len="med"/>
+                      <a:tailEnd w="med" len="med"/>
+                    </a:lnB>
+                    <a:solidFill>
+                      <a:schemeClr val="lt1"/>
+                    </a:solidFill>
+                  </a:tcPr>
+                </a:tc>
+                <a:tc>
+                  <a:txBody>
+                    <a:bodyPr vert="horz" wrap="square" lIns="91440" tIns="45720" rIns="91440" bIns="45720" anchor="ctr" anchorCtr="0">
+                      <a:spAutoFit/>
+                    </a:bodyPr>
+                    <a:p>
+                      <a:pPr lvl="0" algn="ctr">
+                        <a:defRPr/>
+                      </a:pPr>
+                      <a:r>
+                        <a:rPr lang="ko-KR" altLang="en-US" sz="3000" b="0">
+                          <a:ln w="9525">
+                            <a:solidFill>
+                              <a:schemeClr val="lt1"/>
+                            </a:solidFill>
+                          </a:ln>
+                          <a:solidFill>
+                            <a:schemeClr val="dk1"/>
+                          </a:solidFill>
+                        </a:rPr>
+                        <a:t>←</a:t>
+                      </a:r>
+                      <a:endParaRPr lang="en-US" altLang="ko-KR" sz="3000">
+                        <a:ln w="9525">
+                          <a:solidFill>
+                            <a:schemeClr val="lt1"/>
+                          </a:solidFill>
+                        </a:ln>
+                        <a:solidFill>
+                          <a:schemeClr val="dk1"/>
+                        </a:solidFill>
+                      </a:endParaRPr>
+                    </a:p>
+                  </a:txBody>
+                  <a:tcPr marL="91440" marR="91440" anchor="ctr">
+                    <a:lnL w="12700" cap="flat" cmpd="sng" algn="ctr">
+                      <a:solidFill>
+                        <a:schemeClr val="tx1"/>
+                      </a:solidFill>
+                      <a:prstDash val="solid"/>
+                      <a:round/>
+                      <a:headEnd w="med" len="med"/>
+                      <a:tailEnd w="med" len="med"/>
+                    </a:lnL>
+                    <a:lnR w="12700" cap="flat" cmpd="sng" algn="ctr">
+                      <a:solidFill>
+                        <a:schemeClr val="tx1"/>
+                      </a:solidFill>
+                      <a:prstDash val="solid"/>
+                      <a:round/>
+                      <a:headEnd w="med" len="med"/>
+                      <a:tailEnd w="med" len="med"/>
+                    </a:lnR>
+                    <a:lnT w="12700" cap="flat" cmpd="sng" algn="ctr">
+                      <a:solidFill>
+                        <a:schemeClr val="tx1"/>
+                      </a:solidFill>
+                      <a:prstDash val="solid"/>
+                      <a:round/>
+                      <a:headEnd w="med" len="med"/>
+                      <a:tailEnd w="med" len="med"/>
+                    </a:lnT>
+                    <a:lnB w="12700" cap="flat" cmpd="sng" algn="ctr">
+                      <a:solidFill>
+                        <a:schemeClr val="tx1"/>
+                      </a:solidFill>
+                      <a:prstDash val="solid"/>
+                      <a:round/>
+                      <a:headEnd w="med" len="med"/>
+                      <a:tailEnd w="med" len="med"/>
+                    </a:lnB>
+                    <a:solidFill>
+                      <a:schemeClr val="lt1"/>
+                    </a:solidFill>
+                  </a:tcPr>
+                </a:tc>
+                <a:tc>
+                  <a:txBody>
+                    <a:bodyPr vert="horz" wrap="square" lIns="91440" tIns="45720" rIns="91440" bIns="45720" anchor="ctr" anchorCtr="0">
+                      <a:spAutoFit/>
+                    </a:bodyPr>
+                    <a:p>
+                      <a:pPr lvl="0" algn="ctr">
+                        <a:defRPr/>
+                      </a:pPr>
+                      <a:r>
+                        <a:rPr lang="ko-KR" altLang="en-US" sz="3000" b="0">
+                          <a:ln w="9525">
+                            <a:solidFill>
+                              <a:schemeClr val="lt1"/>
+                            </a:solidFill>
+                          </a:ln>
+                          <a:solidFill>
+                            <a:schemeClr val="dk1"/>
+                          </a:solidFill>
+                        </a:rPr>
+                        <a:t>←</a:t>
+                      </a:r>
+                      <a:endParaRPr lang="en-US" altLang="ko-KR" sz="3000">
+                        <a:ln w="9525">
+                          <a:solidFill>
+                            <a:schemeClr val="lt1"/>
+                          </a:solidFill>
+                        </a:ln>
+                        <a:solidFill>
+                          <a:schemeClr val="dk1"/>
+                        </a:solidFill>
+                      </a:endParaRPr>
+                    </a:p>
+                  </a:txBody>
+                  <a:tcPr marL="91440" marR="91440" anchor="ctr">
+                    <a:lnL w="12700" cap="flat" cmpd="sng" algn="ctr">
+                      <a:solidFill>
+                        <a:schemeClr val="tx1"/>
+                      </a:solidFill>
+                      <a:prstDash val="solid"/>
+                      <a:round/>
+                      <a:headEnd w="med" len="med"/>
+                      <a:tailEnd w="med" len="med"/>
+                    </a:lnL>
+                    <a:lnR w="12700" cap="flat" cmpd="sng" algn="ctr">
+                      <a:solidFill>
+                        <a:schemeClr val="tx1"/>
+                      </a:solidFill>
+                      <a:prstDash val="solid"/>
+                      <a:round/>
+                      <a:headEnd w="med" len="med"/>
+                      <a:tailEnd w="med" len="med"/>
+                    </a:lnR>
+                    <a:lnT w="12700" cap="flat" cmpd="sng" algn="ctr">
+                      <a:solidFill>
+                        <a:schemeClr val="tx1"/>
+                      </a:solidFill>
+                      <a:prstDash val="solid"/>
+                      <a:round/>
+                      <a:headEnd w="med" len="med"/>
+                      <a:tailEnd w="med" len="med"/>
+                    </a:lnT>
+                    <a:lnB w="12700" cap="flat" cmpd="sng" algn="ctr">
+                      <a:solidFill>
+                        <a:schemeClr val="tx1"/>
+                      </a:solidFill>
+                      <a:prstDash val="solid"/>
+                      <a:round/>
+                      <a:headEnd w="med" len="med"/>
+                      <a:tailEnd w="med" len="med"/>
+                    </a:lnB>
+                    <a:solidFill>
+                      <a:schemeClr val="lt1"/>
+                    </a:solidFill>
+                  </a:tcPr>
+                </a:tc>
+                <a:tc>
+                  <a:txBody>
+                    <a:bodyPr vert="horz" wrap="square" lIns="91440" tIns="45720" rIns="91440" bIns="45720" anchor="ctr" anchorCtr="0">
+                      <a:spAutoFit/>
+                    </a:bodyPr>
+                    <a:p>
+                      <a:pPr lvl="0" algn="ctr">
+                        <a:defRPr/>
+                      </a:pPr>
+                      <a:r>
+                        <a:rPr lang="ko-KR" altLang="en-US" sz="3000" b="0">
+                          <a:ln w="9525">
+                            <a:solidFill>
+                              <a:schemeClr val="lt1"/>
+                            </a:solidFill>
+                          </a:ln>
+                          <a:solidFill>
+                            <a:schemeClr val="dk1"/>
+                          </a:solidFill>
+                        </a:rPr>
+                        <a:t>→</a:t>
+                      </a:r>
+                      <a:endParaRPr lang="en-US" altLang="ko-KR" sz="3000">
+                        <a:ln w="9525">
+                          <a:solidFill>
+                            <a:schemeClr val="lt1"/>
+                          </a:solidFill>
+                        </a:ln>
+                        <a:solidFill>
+                          <a:schemeClr val="dk1"/>
+                        </a:solidFill>
+                      </a:endParaRPr>
+                    </a:p>
+                  </a:txBody>
+                  <a:tcPr marL="91440" marR="91440" anchor="ctr">
+                    <a:lnL w="12700" cap="flat" cmpd="sng" algn="ctr">
+                      <a:solidFill>
+                        <a:schemeClr val="tx1"/>
+                      </a:solidFill>
+                      <a:prstDash val="solid"/>
+                      <a:round/>
+                      <a:headEnd w="med" len="med"/>
+                      <a:tailEnd w="med" len="med"/>
+                    </a:lnL>
+                    <a:lnR w="12700" cap="flat" cmpd="sng" algn="ctr">
+                      <a:solidFill>
+                        <a:schemeClr val="tx1"/>
+                      </a:solidFill>
+                      <a:prstDash val="solid"/>
+                      <a:round/>
+                      <a:headEnd w="med" len="med"/>
+                      <a:tailEnd w="med" len="med"/>
+                    </a:lnR>
+                    <a:lnT w="12700" cap="flat" cmpd="sng" algn="ctr">
+                      <a:solidFill>
+                        <a:schemeClr val="tx1"/>
+                      </a:solidFill>
+                      <a:prstDash val="solid"/>
+                      <a:round/>
+                      <a:headEnd w="med" len="med"/>
+                      <a:tailEnd w="med" len="med"/>
+                    </a:lnT>
+                    <a:lnB w="12700" cap="flat" cmpd="sng" algn="ctr">
+                      <a:solidFill>
+                        <a:schemeClr val="tx1"/>
+                      </a:solidFill>
+                      <a:prstDash val="solid"/>
+                      <a:round/>
+                      <a:headEnd w="med" len="med"/>
+                      <a:tailEnd w="med" len="med"/>
+                    </a:lnB>
+                    <a:solidFill>
+                      <a:schemeClr val="lt1"/>
+                    </a:solidFill>
+                  </a:tcPr>
+                </a:tc>
+              </a:tr>
+              <a:tr h="878245">
+                <a:tc>
+                  <a:txBody>
+                    <a:bodyPr vert="horz" wrap="square" lIns="91440" tIns="45720" rIns="91440" bIns="45720" anchor="ctr" anchorCtr="0">
+                      <a:spAutoFit/>
+                    </a:bodyPr>
+                    <a:p>
+                      <a:pPr marL="0" lvl="0" indent="0" algn="ctr" defTabSz="914400" rtl="0" eaLnBrk="1" latinLnBrk="1" hangingPunct="1">
+                        <a:lnSpc>
+                          <a:spcPct val="100000"/>
+                        </a:lnSpc>
+                        <a:spcBef>
+                          <a:spcPts val="0"/>
+                        </a:spcBef>
+                        <a:spcAft>
+                          <a:spcPts val="0"/>
+                        </a:spcAft>
+                        <a:buNone/>
+                        <a:defRPr/>
+                      </a:pPr>
+                      <a:r>
+                        <a:rPr lang="ko-KR" altLang="en-US" sz="3000" b="0">
+                          <a:ln w="9525">
+                            <a:solidFill>
+                              <a:schemeClr val="lt1"/>
+                            </a:solidFill>
+                          </a:ln>
+                          <a:solidFill>
+                            <a:schemeClr val="dk1"/>
+                          </a:solidFill>
+                        </a:rPr>
+                        <a:t>→</a:t>
+                      </a:r>
+                      <a:endParaRPr lang="en-US" altLang="ko-KR" sz="3000">
+                        <a:ln w="9525">
+                          <a:solidFill>
+                            <a:schemeClr val="lt1"/>
+                          </a:solidFill>
+                        </a:ln>
+                        <a:solidFill>
+                          <a:schemeClr val="dk1"/>
+                        </a:solidFill>
+                      </a:endParaRPr>
+                    </a:p>
+                  </a:txBody>
+                  <a:tcPr marL="91440" marR="91440" anchor="ctr">
+                    <a:lnL w="12700" cap="flat" cmpd="sng" algn="ctr">
+                      <a:solidFill>
+                        <a:schemeClr val="tx1"/>
+                      </a:solidFill>
+                      <a:prstDash val="solid"/>
+                      <a:round/>
+                      <a:headEnd w="med" len="med"/>
+                      <a:tailEnd w="med" len="med"/>
+                    </a:lnL>
+                    <a:lnR w="12700" cap="flat" cmpd="sng" algn="ctr">
+                      <a:solidFill>
+                        <a:schemeClr val="tx1"/>
+                      </a:solidFill>
+                      <a:prstDash val="solid"/>
+                      <a:round/>
+                      <a:headEnd w="med" len="med"/>
+                      <a:tailEnd w="med" len="med"/>
+                    </a:lnR>
+                    <a:lnT w="12700" cap="flat" cmpd="sng" algn="ctr">
+                      <a:solidFill>
+                        <a:schemeClr val="tx1"/>
+                      </a:solidFill>
+                      <a:prstDash val="solid"/>
+                      <a:round/>
+                      <a:headEnd w="med" len="med"/>
+                      <a:tailEnd w="med" len="med"/>
+                    </a:lnT>
+                    <a:lnB w="12700" cap="flat" cmpd="sng" algn="ctr">
+                      <a:solidFill>
+                        <a:schemeClr val="tx1"/>
+                      </a:solidFill>
+                      <a:prstDash val="solid"/>
+                      <a:round/>
+                      <a:headEnd w="med" len="med"/>
+                      <a:tailEnd w="med" len="med"/>
+                    </a:lnB>
+                    <a:solidFill>
+                      <a:schemeClr val="lt1"/>
+                    </a:solidFill>
+                  </a:tcPr>
+                </a:tc>
+                <a:tc>
+                  <a:txBody>
+                    <a:bodyPr vert="horz" wrap="square" lIns="91440" tIns="45720" rIns="91440" bIns="45720" anchor="ctr" anchorCtr="0">
+                      <a:spAutoFit/>
+                    </a:bodyPr>
+                    <a:p>
+                      <a:pPr marL="0" lvl="0" indent="0" algn="ctr" defTabSz="914400" rtl="0" eaLnBrk="1" latinLnBrk="1" hangingPunct="1">
+                        <a:lnSpc>
+                          <a:spcPct val="100000"/>
+                        </a:lnSpc>
+                        <a:spcBef>
+                          <a:spcPts val="0"/>
+                        </a:spcBef>
+                        <a:spcAft>
+                          <a:spcPts val="0"/>
+                        </a:spcAft>
+                        <a:buNone/>
+                        <a:defRPr/>
+                      </a:pPr>
+                      <a:r>
+                        <a:rPr lang="ko-KR" altLang="en-US" sz="3000" b="0">
+                          <a:ln w="9525">
+                            <a:solidFill>
+                              <a:schemeClr val="lt1"/>
+                            </a:solidFill>
+                          </a:ln>
+                          <a:solidFill>
+                            <a:schemeClr val="dk1"/>
+                          </a:solidFill>
+                        </a:rPr>
+                        <a:t>→</a:t>
+                      </a:r>
+                      <a:endParaRPr lang="en-US" altLang="ko-KR" sz="3000">
+                        <a:ln w="9525">
+                          <a:solidFill>
+                            <a:schemeClr val="lt1"/>
+                          </a:solidFill>
+                        </a:ln>
+                        <a:solidFill>
+                          <a:schemeClr val="dk1"/>
+                        </a:solidFill>
+                      </a:endParaRPr>
+                    </a:p>
+                  </a:txBody>
+                  <a:tcPr marL="91440" marR="91440" anchor="ctr">
+                    <a:lnL w="12700" cap="flat" cmpd="sng" algn="ctr">
+                      <a:solidFill>
+                        <a:schemeClr val="tx1"/>
+                      </a:solidFill>
+                      <a:prstDash val="solid"/>
+                      <a:round/>
+                      <a:headEnd w="med" len="med"/>
+                      <a:tailEnd w="med" len="med"/>
+                    </a:lnL>
+                    <a:lnR w="12700" cap="flat" cmpd="sng" algn="ctr">
+                      <a:solidFill>
+                        <a:schemeClr val="tx1"/>
+                      </a:solidFill>
+                      <a:prstDash val="solid"/>
+                      <a:round/>
+                      <a:headEnd w="med" len="med"/>
+                      <a:tailEnd w="med" len="med"/>
+                    </a:lnR>
+                    <a:lnT w="12700" cap="flat" cmpd="sng" algn="ctr">
+                      <a:solidFill>
+                        <a:schemeClr val="tx1"/>
+                      </a:solidFill>
+                      <a:prstDash val="solid"/>
+                      <a:round/>
+                      <a:headEnd w="med" len="med"/>
+                      <a:tailEnd w="med" len="med"/>
+                    </a:lnT>
+                    <a:lnB w="12700" cap="flat" cmpd="sng" algn="ctr">
+                      <a:solidFill>
+                        <a:schemeClr val="tx1"/>
+                      </a:solidFill>
+                      <a:prstDash val="solid"/>
+                      <a:round/>
+                      <a:headEnd w="med" len="med"/>
+                      <a:tailEnd w="med" len="med"/>
+                    </a:lnB>
+                    <a:solidFill>
+                      <a:schemeClr val="lt1"/>
+                    </a:solidFill>
+                  </a:tcPr>
+                </a:tc>
+                <a:tc>
+                  <a:txBody>
+                    <a:bodyPr vert="horz" wrap="square" lIns="91440" tIns="45720" rIns="91440" bIns="45720" anchor="ctr" anchorCtr="0">
+                      <a:spAutoFit/>
+                    </a:bodyPr>
+                    <a:p>
+                      <a:pPr marL="0" lvl="0" indent="0" algn="ctr" defTabSz="914400" rtl="0" eaLnBrk="1" latinLnBrk="1" hangingPunct="1">
+                        <a:lnSpc>
+                          <a:spcPct val="100000"/>
+                        </a:lnSpc>
+                        <a:spcBef>
+                          <a:spcPts val="0"/>
+                        </a:spcBef>
+                        <a:spcAft>
+                          <a:spcPts val="0"/>
+                        </a:spcAft>
+                        <a:buNone/>
+                        <a:defRPr/>
+                      </a:pPr>
+                      <a:r>
+                        <a:rPr lang="ko-KR" altLang="en-US" sz="3000" b="0">
+                          <a:ln w="9525">
+                            <a:solidFill>
+                              <a:schemeClr val="lt1"/>
+                            </a:solidFill>
+                          </a:ln>
+                          <a:solidFill>
+                            <a:schemeClr val="dk1"/>
+                          </a:solidFill>
+                        </a:rPr>
+                        <a:t>→</a:t>
+                      </a:r>
+                      <a:endParaRPr lang="en-US" altLang="ko-KR" sz="3000">
+                        <a:ln w="9525">
+                          <a:solidFill>
+                            <a:schemeClr val="lt1"/>
+                          </a:solidFill>
+                        </a:ln>
+                        <a:solidFill>
+                          <a:schemeClr val="dk1"/>
+                        </a:solidFill>
+                      </a:endParaRPr>
+                    </a:p>
+                  </a:txBody>
+                  <a:tcPr marL="91440" marR="91440" anchor="ctr">
+                    <a:lnL w="12700" cap="flat" cmpd="sng" algn="ctr">
+                      <a:solidFill>
+                        <a:schemeClr val="tx1"/>
+                      </a:solidFill>
+                      <a:prstDash val="solid"/>
+                      <a:round/>
+                      <a:headEnd w="med" len="med"/>
+                      <a:tailEnd w="med" len="med"/>
+                    </a:lnL>
+                    <a:lnR w="12700" cap="flat" cmpd="sng" algn="ctr">
+                      <a:solidFill>
+                        <a:schemeClr val="tx1"/>
+                      </a:solidFill>
+                      <a:prstDash val="solid"/>
+                      <a:round/>
+                      <a:headEnd w="med" len="med"/>
+                      <a:tailEnd w="med" len="med"/>
+                    </a:lnR>
+                    <a:lnT w="12700" cap="flat" cmpd="sng" algn="ctr">
+                      <a:solidFill>
+                        <a:schemeClr val="tx1"/>
+                      </a:solidFill>
+                      <a:prstDash val="solid"/>
+                      <a:round/>
+                      <a:headEnd w="med" len="med"/>
+                      <a:tailEnd w="med" len="med"/>
+                    </a:lnT>
+                    <a:lnB w="12700" cap="flat" cmpd="sng" algn="ctr">
+                      <a:solidFill>
+                        <a:schemeClr val="tx1"/>
+                      </a:solidFill>
+                      <a:prstDash val="solid"/>
+                      <a:round/>
+                      <a:headEnd w="med" len="med"/>
+                      <a:tailEnd w="med" len="med"/>
+                    </a:lnB>
+                    <a:solidFill>
+                      <a:schemeClr val="lt1"/>
+                    </a:solidFill>
+                  </a:tcPr>
+                </a:tc>
+                <a:tc>
+                  <a:txBody>
+                    <a:bodyPr vert="horz" wrap="square" lIns="91440" tIns="45720" rIns="91440" bIns="45720" anchor="ctr" anchorCtr="0">
+                      <a:spAutoFit/>
+                    </a:bodyPr>
+                    <a:p>
+                      <a:pPr marL="0" lvl="0" indent="0" algn="ctr" defTabSz="914400" rtl="0" eaLnBrk="1" latinLnBrk="1" hangingPunct="1">
+                        <a:lnSpc>
+                          <a:spcPct val="100000"/>
+                        </a:lnSpc>
+                        <a:spcBef>
+                          <a:spcPts val="0"/>
+                        </a:spcBef>
+                        <a:spcAft>
+                          <a:spcPts val="0"/>
+                        </a:spcAft>
+                        <a:buNone/>
+                        <a:defRPr/>
+                      </a:pPr>
+                      <a:r>
+                        <a:rPr lang="ko-KR" altLang="en-US" sz="3000" b="0">
+                          <a:ln w="9525">
+                            <a:solidFill>
+                              <a:schemeClr val="lt1"/>
+                            </a:solidFill>
+                          </a:ln>
+                          <a:solidFill>
+                            <a:schemeClr val="dk1"/>
+                          </a:solidFill>
+                        </a:rPr>
+                        <a:t>→</a:t>
+                      </a:r>
+                      <a:endParaRPr lang="en-US" altLang="ko-KR" sz="3000">
+                        <a:ln w="9525">
+                          <a:solidFill>
+                            <a:schemeClr val="lt1"/>
+                          </a:solidFill>
+                        </a:ln>
+                        <a:solidFill>
+                          <a:schemeClr val="dk1"/>
+                        </a:solidFill>
+                      </a:endParaRPr>
+                    </a:p>
+                  </a:txBody>
+                  <a:tcPr marL="91440" marR="91440" anchor="ctr">
+                    <a:lnL w="12700" cap="flat" cmpd="sng" algn="ctr">
+                      <a:solidFill>
+                        <a:schemeClr val="tx1"/>
+                      </a:solidFill>
+                      <a:prstDash val="solid"/>
+                      <a:round/>
+                      <a:headEnd w="med" len="med"/>
+                      <a:tailEnd w="med" len="med"/>
+                    </a:lnL>
+                    <a:lnR w="12700" cap="flat" cmpd="sng" algn="ctr">
+                      <a:solidFill>
+                        <a:schemeClr val="tx1"/>
+                      </a:solidFill>
+                      <a:prstDash val="solid"/>
+                      <a:round/>
+                      <a:headEnd w="med" len="med"/>
+                      <a:tailEnd w="med" len="med"/>
+                    </a:lnR>
+                    <a:lnT w="12700" cap="flat" cmpd="sng" algn="ctr">
+                      <a:solidFill>
+                        <a:schemeClr val="tx1"/>
+                      </a:solidFill>
+                      <a:prstDash val="solid"/>
+                      <a:round/>
+                      <a:headEnd w="med" len="med"/>
+                      <a:tailEnd w="med" len="med"/>
+                    </a:lnT>
+                    <a:lnB w="12700" cap="flat" cmpd="sng" algn="ctr">
+                      <a:solidFill>
+                        <a:schemeClr val="tx1"/>
+                      </a:solidFill>
+                      <a:prstDash val="solid"/>
+                      <a:round/>
+                      <a:headEnd w="med" len="med"/>
+                      <a:tailEnd w="med" len="med"/>
+                    </a:lnB>
+                    <a:solidFill>
+                      <a:schemeClr val="lt1"/>
+                    </a:solidFill>
+                  </a:tcPr>
+                </a:tc>
+              </a:tr>
+              <a:tr h="878245">
+                <a:tc>
+                  <a:txBody>
+                    <a:bodyPr vert="horz" wrap="square" lIns="91440" tIns="45720" rIns="91440" bIns="45720" anchor="ctr" anchorCtr="0">
+                      <a:spAutoFit/>
+                    </a:bodyPr>
+                    <a:p>
+                      <a:pPr lvl="0" algn="ctr">
+                        <a:defRPr/>
+                      </a:pPr>
+                      <a:r>
+                        <a:rPr lang="ko-KR" altLang="en-US" sz="3000" b="0">
+                          <a:ln w="9525">
+                            <a:solidFill>
+                              <a:schemeClr val="lt1"/>
+                            </a:solidFill>
+                          </a:ln>
+                          <a:solidFill>
+                            <a:schemeClr val="dk1"/>
+                          </a:solidFill>
+                        </a:rPr>
+                        <a:t>←</a:t>
+                      </a:r>
+                      <a:endParaRPr lang="en-US" altLang="ko-KR" sz="3000">
+                        <a:ln w="9525">
+                          <a:solidFill>
+                            <a:schemeClr val="lt1"/>
+                          </a:solidFill>
+                        </a:ln>
+                        <a:solidFill>
+                          <a:schemeClr val="dk1"/>
+                        </a:solidFill>
+                      </a:endParaRPr>
+                    </a:p>
+                  </a:txBody>
+                  <a:tcPr marL="91440" marR="91440" anchor="ctr">
+                    <a:lnL w="12700" cap="flat" cmpd="sng" algn="ctr">
+                      <a:solidFill>
+                        <a:schemeClr val="tx1"/>
+                      </a:solidFill>
+                      <a:prstDash val="solid"/>
+                      <a:round/>
+                      <a:headEnd w="med" len="med"/>
+                      <a:tailEnd w="med" len="med"/>
+                    </a:lnL>
+                    <a:lnR w="12700" cap="flat" cmpd="sng" algn="ctr">
+                      <a:solidFill>
+                        <a:schemeClr val="tx1"/>
+                      </a:solidFill>
+                      <a:prstDash val="solid"/>
+                      <a:round/>
+                      <a:headEnd w="med" len="med"/>
+                      <a:tailEnd w="med" len="med"/>
+                    </a:lnR>
+                    <a:lnT w="12700" cap="flat" cmpd="sng" algn="ctr">
+                      <a:solidFill>
+                        <a:schemeClr val="tx1"/>
+                      </a:solidFill>
+                      <a:prstDash val="solid"/>
+                      <a:round/>
+                      <a:headEnd w="med" len="med"/>
+                      <a:tailEnd w="med" len="med"/>
+                    </a:lnT>
+                    <a:lnB w="12700" cap="flat" cmpd="sng" algn="ctr">
+                      <a:solidFill>
+                        <a:schemeClr val="tx1"/>
+                      </a:solidFill>
+                      <a:prstDash val="solid"/>
+                      <a:round/>
+                      <a:headEnd w="med" len="med"/>
+                      <a:tailEnd w="med" len="med"/>
+                    </a:lnB>
+                    <a:solidFill>
+                      <a:schemeClr val="lt1"/>
+                    </a:solidFill>
+                  </a:tcPr>
+                </a:tc>
+                <a:tc>
+                  <a:txBody>
+                    <a:bodyPr vert="horz" wrap="square" lIns="91440" tIns="45720" rIns="91440" bIns="45720" anchor="ctr" anchorCtr="0">
+                      <a:spAutoFit/>
+                    </a:bodyPr>
+                    <a:p>
+                      <a:pPr lvl="0" algn="ctr">
+                        <a:defRPr/>
+                      </a:pPr>
+                      <a:r>
+                        <a:rPr lang="ko-KR" altLang="en-US" sz="3000" b="0">
+                          <a:ln w="9525">
+                            <a:solidFill>
+                              <a:schemeClr val="lt1"/>
+                            </a:solidFill>
+                          </a:ln>
+                          <a:solidFill>
+                            <a:schemeClr val="dk1"/>
+                          </a:solidFill>
+                        </a:rPr>
+                        <a:t>←</a:t>
+                      </a:r>
+                      <a:endParaRPr lang="en-US" altLang="ko-KR" sz="3000">
+                        <a:ln w="9525">
+                          <a:solidFill>
+                            <a:schemeClr val="lt1"/>
+                          </a:solidFill>
+                        </a:ln>
+                        <a:solidFill>
+                          <a:schemeClr val="dk1"/>
+                        </a:solidFill>
+                      </a:endParaRPr>
+                    </a:p>
+                  </a:txBody>
+                  <a:tcPr marL="91440" marR="91440" anchor="ctr">
+                    <a:lnL w="12700" cap="flat" cmpd="sng" algn="ctr">
+                      <a:solidFill>
+                        <a:schemeClr val="tx1"/>
+                      </a:solidFill>
+                      <a:prstDash val="solid"/>
+                      <a:round/>
+                      <a:headEnd w="med" len="med"/>
+                      <a:tailEnd w="med" len="med"/>
+                    </a:lnL>
+                    <a:lnR w="12700" cap="flat" cmpd="sng" algn="ctr">
+                      <a:solidFill>
+                        <a:schemeClr val="tx1"/>
+                      </a:solidFill>
+                      <a:prstDash val="solid"/>
+                      <a:round/>
+                      <a:headEnd w="med" len="med"/>
+                      <a:tailEnd w="med" len="med"/>
+                    </a:lnR>
+                    <a:lnT w="12700" cap="flat" cmpd="sng" algn="ctr">
+                      <a:solidFill>
+                        <a:schemeClr val="tx1"/>
+                      </a:solidFill>
+                      <a:prstDash val="solid"/>
+                      <a:round/>
+                      <a:headEnd w="med" len="med"/>
+                      <a:tailEnd w="med" len="med"/>
+                    </a:lnT>
+                    <a:lnB w="12700" cap="flat" cmpd="sng" algn="ctr">
+                      <a:solidFill>
+                        <a:schemeClr val="tx1"/>
+                      </a:solidFill>
+                      <a:prstDash val="solid"/>
+                      <a:round/>
+                      <a:headEnd w="med" len="med"/>
+                      <a:tailEnd w="med" len="med"/>
+                    </a:lnB>
+                    <a:solidFill>
+                      <a:schemeClr val="lt1"/>
+                    </a:solidFill>
+                  </a:tcPr>
+                </a:tc>
+                <a:tc>
+                  <a:txBody>
+                    <a:bodyPr vert="horz" wrap="square" lIns="91440" tIns="45720" rIns="91440" bIns="45720" anchor="ctr" anchorCtr="0">
+                      <a:spAutoFit/>
+                    </a:bodyPr>
+                    <a:p>
+                      <a:pPr lvl="0" algn="ctr">
+                        <a:defRPr/>
+                      </a:pPr>
+                      <a:r>
+                        <a:rPr lang="ko-KR" altLang="en-US" sz="3000" b="0">
+                          <a:ln w="9525">
+                            <a:solidFill>
+                              <a:schemeClr val="lt1"/>
+                            </a:solidFill>
+                          </a:ln>
+                          <a:solidFill>
+                            <a:schemeClr val="dk1"/>
+                          </a:solidFill>
+                        </a:rPr>
+                        <a:t>←</a:t>
+                      </a:r>
+                      <a:endParaRPr lang="en-US" altLang="ko-KR" sz="3000">
+                        <a:ln w="9525">
+                          <a:solidFill>
+                            <a:schemeClr val="lt1"/>
+                          </a:solidFill>
+                        </a:ln>
+                        <a:solidFill>
+                          <a:schemeClr val="dk1"/>
+                        </a:solidFill>
+                      </a:endParaRPr>
+                    </a:p>
+                  </a:txBody>
+                  <a:tcPr marL="91440" marR="91440" anchor="ctr">
+                    <a:lnL w="12700" cap="flat" cmpd="sng" algn="ctr">
+                      <a:solidFill>
+                        <a:schemeClr val="tx1"/>
+                      </a:solidFill>
+                      <a:prstDash val="solid"/>
+                      <a:round/>
+                      <a:headEnd w="med" len="med"/>
+                      <a:tailEnd w="med" len="med"/>
+                    </a:lnL>
+                    <a:lnR w="12700" cap="flat" cmpd="sng" algn="ctr">
+                      <a:solidFill>
+                        <a:schemeClr val="tx1"/>
+                      </a:solidFill>
+                      <a:prstDash val="solid"/>
+                      <a:round/>
+                      <a:headEnd w="med" len="med"/>
+                      <a:tailEnd w="med" len="med"/>
+                    </a:lnR>
+                    <a:lnT w="12700" cap="flat" cmpd="sng" algn="ctr">
+                      <a:solidFill>
+                        <a:schemeClr val="tx1"/>
+                      </a:solidFill>
+                      <a:prstDash val="solid"/>
+                      <a:round/>
+                      <a:headEnd w="med" len="med"/>
+                      <a:tailEnd w="med" len="med"/>
+                    </a:lnT>
+                    <a:lnB w="12700" cap="flat" cmpd="sng" algn="ctr">
+                      <a:solidFill>
+                        <a:schemeClr val="tx1"/>
+                      </a:solidFill>
+                      <a:prstDash val="solid"/>
+                      <a:round/>
+                      <a:headEnd w="med" len="med"/>
+                      <a:tailEnd w="med" len="med"/>
+                    </a:lnB>
+                    <a:solidFill>
+                      <a:schemeClr val="lt1"/>
+                    </a:solidFill>
+                  </a:tcPr>
+                </a:tc>
+                <a:tc>
+                  <a:txBody>
+                    <a:bodyPr vert="horz" wrap="square" lIns="91440" tIns="45720" rIns="91440" bIns="45720" anchor="ctr" anchorCtr="0">
+                      <a:spAutoFit/>
+                    </a:bodyPr>
+                    <a:p>
+                      <a:pPr lvl="0" algn="ctr">
+                        <a:defRPr/>
+                      </a:pPr>
+                      <a:r>
+                        <a:rPr lang="en-US" altLang="ko-KR" sz="3000">
+                          <a:ln w="9525">
+                            <a:solidFill>
+                              <a:schemeClr val="lt1"/>
+                            </a:solidFill>
+                          </a:ln>
+                          <a:solidFill>
+                            <a:srgbClr val="ff0000"/>
+                          </a:solidFill>
+                        </a:rPr>
+                        <a:t>G</a:t>
+                      </a:r>
+                      <a:endParaRPr lang="en-US" altLang="ko-KR" sz="3000">
+                        <a:ln w="9525">
+                          <a:solidFill>
+                            <a:schemeClr val="lt1"/>
+                          </a:solidFill>
+                        </a:ln>
+                        <a:solidFill>
+                          <a:srgbClr val="ff0000"/>
+                        </a:solidFill>
+                      </a:endParaRPr>
+                    </a:p>
+                  </a:txBody>
+                  <a:tcPr marL="91440" marR="91440" anchor="ctr">
+                    <a:lnL w="12700" cap="flat" cmpd="sng" algn="ctr">
+                      <a:solidFill>
+                        <a:schemeClr val="tx1"/>
+                      </a:solidFill>
+                      <a:prstDash val="solid"/>
+                      <a:round/>
+                      <a:headEnd w="med" len="med"/>
+                      <a:tailEnd w="med" len="med"/>
+                    </a:lnL>
+                    <a:lnR w="12700" cap="flat" cmpd="sng" algn="ctr">
+                      <a:solidFill>
+                        <a:schemeClr val="tx1"/>
+                      </a:solidFill>
+                      <a:prstDash val="solid"/>
+                      <a:round/>
+                      <a:headEnd w="med" len="med"/>
+                      <a:tailEnd w="med" len="med"/>
+                    </a:lnR>
+                    <a:lnT w="12700" cap="flat" cmpd="sng" algn="ctr">
+                      <a:solidFill>
+                        <a:schemeClr val="tx1"/>
+                      </a:solidFill>
+                      <a:prstDash val="solid"/>
+                      <a:round/>
+                      <a:headEnd w="med" len="med"/>
+                      <a:tailEnd w="med" len="med"/>
+                    </a:lnT>
+                    <a:lnB w="12700" cap="flat" cmpd="sng" algn="ctr">
+                      <a:solidFill>
+                        <a:schemeClr val="tx1"/>
+                      </a:solidFill>
+                      <a:prstDash val="solid"/>
+                      <a:round/>
+                      <a:headEnd w="med" len="med"/>
+                      <a:tailEnd w="med" len="med"/>
+                    </a:lnB>
+                    <a:solidFill>
+                      <a:schemeClr val="lt1"/>
+                    </a:solidFill>
+                  </a:tcPr>
+                </a:tc>
+              </a:tr>
+            </a:tbl>
+          </a:graphicData>
+        </a:graphic>
+      </p:graphicFrame>
+    </p:spTree>
+    <p:extLst>
+      <p:ext uri="{BB962C8B-B14F-4D97-AF65-F5344CB8AC3E}">
+        <p14:creationId xmlns:p14="http://schemas.microsoft.com/office/powerpoint/2010/main" val="1142048777"/>
+      </p:ext>
+    </p:extLst>
+  </p:cSld>
+  <p:clrMapOvr>
+    <a:masterClrMapping/>
+  </p:clrMapOvr>
+</p:sld>
+</file>
+
+<file path=ppt/slides/slide5.xml><?xml version="1.0" encoding="utf-8"?>
 <p:sld xmlns:r="http://schemas.openxmlformats.org/officeDocument/2006/relationships" xmlns:c="http://schemas.openxmlformats.org/drawingml/2006/chart" xmlns:a="http://schemas.openxmlformats.org/drawingml/2006/main" xmlns:dgm="http://schemas.openxmlformats.org/drawingml/2006/diagram" xmlns:dsp="http://schemas.microsoft.com/office/drawing/2008/diagram" xmlns:p="http://schemas.openxmlformats.org/presentationml/2006/main">
   <p:cSld>
     <p:spTree>
@@ -13069,7 +17383,7 @@
         <p:spPr>
           <a:xfrm>
             <a:off x="9619226" y="2816543"/>
-            <a:ext cx="2161046" cy="543877"/>
+            <a:ext cx="2161046" cy="1001077"/>
           </a:xfrm>
           <a:prstGeom prst="rect">
             <a:avLst/>
@@ -13088,6 +17402,16 @@
               <a:t>1-3</a:t>
             </a:r>
             <a:endParaRPr lang="en-US" altLang="ko-KR" sz="1500"/>
+          </a:p>
+          <a:p>
+            <a:pPr lvl="0">
+              <a:defRPr/>
+            </a:pPr>
+            <a:r>
+              <a:rPr lang="ko-KR" altLang="en-US" sz="1500"/>
+              <a:t>앞 레벨보다 난이도가 올라감</a:t>
+            </a:r>
+            <a:endParaRPr lang="ko-KR" altLang="en-US" sz="1500"/>
           </a:p>
           <a:p>
             <a:pPr lvl="0">
@@ -15229,7 +19553,7 @@
 </p:sld>
 </file>
 
-<file path=ppt/slides/slide4.xml><?xml version="1.0" encoding="utf-8"?>
+<file path=ppt/slides/slide6.xml><?xml version="1.0" encoding="utf-8"?>
 <p:sld xmlns:r="http://schemas.openxmlformats.org/officeDocument/2006/relationships" xmlns:c="http://schemas.openxmlformats.org/drawingml/2006/chart" xmlns:a="http://schemas.openxmlformats.org/drawingml/2006/main" xmlns:dgm="http://schemas.openxmlformats.org/drawingml/2006/diagram" xmlns:dsp="http://schemas.microsoft.com/office/drawing/2008/diagram" xmlns:p="http://schemas.openxmlformats.org/presentationml/2006/main">
   <p:cSld>
     <p:spTree>
@@ -15246,3278 +19570,300 @@
           <a:chExt cx="0" cy="0"/>
         </a:xfrm>
       </p:grpSpPr>
-      <p:cxnSp>
-        <p:nvCxnSpPr>
-          <p:cNvPr id="7" name="선 6"/>
-          <p:cNvCxnSpPr/>
-          <p:nvPr/>
-        </p:nvCxnSpPr>
-        <p:spPr>
-          <a:xfrm rot="16200000" flipH="1">
-            <a:off x="2959958" y="4573018"/>
-            <a:ext cx="3834537" cy="33"/>
-          </a:xfrm>
-          <a:prstGeom prst="line">
-            <a:avLst/>
-          </a:prstGeom>
-          <a:ln>
-            <a:solidFill>
-              <a:schemeClr val="dk1"/>
-            </a:solidFill>
-          </a:ln>
-        </p:spPr>
-        <p:style>
-          <a:lnRef idx="1">
-            <a:schemeClr val="accent1"/>
-          </a:lnRef>
-          <a:fillRef idx="0">
-            <a:schemeClr val="accent1"/>
-          </a:fillRef>
-          <a:effectRef idx="0">
-            <a:schemeClr val="accent1"/>
-          </a:effectRef>
-          <a:fontRef idx="minor">
-            <a:schemeClr val="tx1"/>
-          </a:fontRef>
-        </p:style>
-      </p:cxnSp>
-      <p:cxnSp>
-        <p:nvCxnSpPr>
-          <p:cNvPr id="8" name="선 7"/>
-          <p:cNvCxnSpPr/>
-          <p:nvPr/>
-        </p:nvCxnSpPr>
-        <p:spPr>
-          <a:xfrm>
-            <a:off x="306115" y="2655733"/>
-            <a:ext cx="11579769" cy="0"/>
-          </a:xfrm>
-          <a:prstGeom prst="line">
-            <a:avLst/>
-          </a:prstGeom>
-          <a:ln>
-            <a:solidFill>
-              <a:schemeClr val="dk1"/>
-            </a:solidFill>
-          </a:ln>
-        </p:spPr>
-        <p:style>
-          <a:lnRef idx="1">
-            <a:schemeClr val="accent1"/>
-          </a:lnRef>
-          <a:fillRef idx="0">
-            <a:schemeClr val="accent1"/>
-          </a:fillRef>
-          <a:effectRef idx="0">
-            <a:schemeClr val="accent1"/>
-          </a:effectRef>
-          <a:fontRef idx="minor">
-            <a:schemeClr val="tx1"/>
-          </a:fontRef>
-        </p:style>
-      </p:cxnSp>
-      <p:cxnSp>
-        <p:nvCxnSpPr>
-          <p:cNvPr id="17" name="선 16"/>
-          <p:cNvCxnSpPr/>
-          <p:nvPr/>
-        </p:nvCxnSpPr>
-        <p:spPr>
-          <a:xfrm rot="16200000" flipH="1">
-            <a:off x="-830793" y="1317202"/>
-            <a:ext cx="2274807" cy="989"/>
-          </a:xfrm>
-          <a:prstGeom prst="line">
-            <a:avLst/>
-          </a:prstGeom>
-          <a:ln>
-            <a:solidFill>
-              <a:schemeClr val="dk1"/>
-            </a:solidFill>
-          </a:ln>
-        </p:spPr>
-        <p:style>
-          <a:lnRef idx="1">
-            <a:schemeClr val="accent1"/>
-          </a:lnRef>
-          <a:fillRef idx="0">
-            <a:schemeClr val="accent1"/>
-          </a:fillRef>
-          <a:effectRef idx="0">
-            <a:schemeClr val="accent1"/>
-          </a:effectRef>
-          <a:fontRef idx="minor">
-            <a:schemeClr val="tx1"/>
-          </a:fontRef>
-        </p:style>
-      </p:cxnSp>
-      <p:cxnSp>
-        <p:nvCxnSpPr>
-          <p:cNvPr id="18" name="선 17"/>
-          <p:cNvCxnSpPr/>
-          <p:nvPr/>
-        </p:nvCxnSpPr>
-        <p:spPr>
-          <a:xfrm rot="16200000" flipH="1">
-            <a:off x="10749483" y="1317694"/>
-            <a:ext cx="2274806" cy="7"/>
-          </a:xfrm>
-          <a:prstGeom prst="line">
-            <a:avLst/>
-          </a:prstGeom>
-          <a:ln>
-            <a:solidFill>
-              <a:schemeClr val="dk1"/>
-            </a:solidFill>
-          </a:ln>
-        </p:spPr>
-        <p:style>
-          <a:lnRef idx="1">
-            <a:schemeClr val="accent1"/>
-          </a:lnRef>
-          <a:fillRef idx="0">
-            <a:schemeClr val="accent1"/>
-          </a:fillRef>
-          <a:effectRef idx="0">
-            <a:schemeClr val="accent1"/>
-          </a:effectRef>
-          <a:fontRef idx="minor">
-            <a:schemeClr val="tx1"/>
-          </a:fontRef>
-        </p:style>
-      </p:cxnSp>
-      <p:graphicFrame>
-        <p:nvGraphicFramePr>
-          <p:cNvPr id="19" name="표 18"/>
-          <p:cNvGraphicFramePr>
-            <a:graphicFrameLocks noGrp="1"/>
-          </p:cNvGraphicFramePr>
-          <p:nvPr/>
-        </p:nvGraphicFramePr>
-        <p:xfrm>
-          <a:off x="2032000" y="518278"/>
-          <a:ext cx="8128000" cy="1598839"/>
-        </p:xfrm>
-        <a:graphic>
-          <a:graphicData uri="http://schemas.openxmlformats.org/drawingml/2006/table">
-            <a:tbl>
-              <a:tblPr firstRow="1" bandRow="1">
-                <a:tableStyleId>{01A66EDD-3DAB-4C5B-A090-DC80EC1FD486}</a:tableStyleId>
-              </a:tblPr>
-              <a:tblGrid>
-                <a:gridCol w="2032000"/>
-                <a:gridCol w="2032000"/>
-                <a:gridCol w="2032000"/>
-                <a:gridCol w="2032000"/>
-              </a:tblGrid>
-              <a:tr h="1598839">
-                <a:tc>
-                  <a:txBody>
-                    <a:bodyPr vert="horz" wrap="square" lIns="91440" tIns="45720" rIns="91440" bIns="45720" anchor="ctr" anchorCtr="0">
-                      <a:spAutoFit/>
-                    </a:bodyPr>
-                    <a:p>
-                      <a:pPr lvl="0" algn="ctr">
-                        <a:defRPr/>
-                      </a:pPr>
-                      <a:r>
-                        <a:rPr lang="en-US" altLang="ko-KR" sz="5000" u="sng">
-                          <a:solidFill>
-                            <a:schemeClr val="tx1"/>
-                          </a:solidFill>
-                        </a:rPr>
-                        <a:t>P</a:t>
-                      </a:r>
-                      <a:endParaRPr lang="en-US" altLang="ko-KR" sz="5000" u="sng">
-                        <a:solidFill>
-                          <a:schemeClr val="tx1"/>
-                        </a:solidFill>
-                      </a:endParaRPr>
-                    </a:p>
-                  </a:txBody>
-                  <a:tcPr marL="91440" marR="91440" anchor="ctr">
-                    <a:lnL w="12700" cap="flat" cmpd="sng" algn="ctr">
-                      <a:solidFill>
-                        <a:schemeClr val="tx1"/>
-                      </a:solidFill>
-                      <a:prstDash val="solid"/>
-                      <a:round/>
-                      <a:headEnd w="med" len="med"/>
-                      <a:tailEnd w="med" len="med"/>
-                    </a:lnL>
-                    <a:lnR w="12700" cap="flat" cmpd="sng" algn="ctr">
-                      <a:solidFill>
-                        <a:schemeClr val="tx1"/>
-                      </a:solidFill>
-                      <a:prstDash val="solid"/>
-                      <a:round/>
-                      <a:headEnd w="med" len="med"/>
-                      <a:tailEnd w="med" len="med"/>
-                    </a:lnR>
-                    <a:lnT w="12700" cap="flat" cmpd="sng" algn="ctr">
-                      <a:solidFill>
-                        <a:schemeClr val="tx1"/>
-                      </a:solidFill>
-                      <a:prstDash val="solid"/>
-                      <a:round/>
-                      <a:headEnd w="med" len="med"/>
-                      <a:tailEnd w="med" len="med"/>
-                    </a:lnT>
-                    <a:lnB w="12700" cap="flat" cmpd="sng" algn="ctr">
-                      <a:solidFill>
-                        <a:schemeClr val="tx1"/>
-                      </a:solidFill>
-                      <a:prstDash val="solid"/>
-                      <a:round/>
-                      <a:headEnd w="med" len="med"/>
-                      <a:tailEnd w="med" len="med"/>
-                    </a:lnB>
-                    <a:solidFill>
-                      <a:schemeClr val="lt1"/>
-                    </a:solidFill>
-                  </a:tcPr>
-                </a:tc>
-                <a:tc>
-                  <a:txBody>
-                    <a:bodyPr vert="horz" wrap="square" lIns="91440" tIns="45720" rIns="91440" bIns="45720" anchor="ctr" anchorCtr="0">
-                      <a:spAutoFit/>
-                    </a:bodyPr>
-                    <a:p>
-                      <a:pPr lvl="0" algn="ctr">
-                        <a:defRPr/>
-                      </a:pPr>
-                      <a:r>
-                        <a:rPr lang="en-US" altLang="ko-KR" sz="5000">
-                          <a:solidFill>
-                            <a:schemeClr val="tx1"/>
-                          </a:solidFill>
-                        </a:rPr>
-                        <a:t>_</a:t>
-                      </a:r>
-                      <a:endParaRPr lang="en-US" altLang="ko-KR" sz="5000">
-                        <a:solidFill>
-                          <a:schemeClr val="tx1"/>
-                        </a:solidFill>
-                      </a:endParaRPr>
-                    </a:p>
-                  </a:txBody>
-                  <a:tcPr marL="91440" marR="91440" anchor="ctr">
-                    <a:lnL w="12700" cap="flat" cmpd="sng" algn="ctr">
-                      <a:solidFill>
-                        <a:schemeClr val="tx1"/>
-                      </a:solidFill>
-                      <a:prstDash val="solid"/>
-                      <a:round/>
-                      <a:headEnd w="med" len="med"/>
-                      <a:tailEnd w="med" len="med"/>
-                    </a:lnL>
-                    <a:lnR w="12700" cap="flat" cmpd="sng" algn="ctr">
-                      <a:solidFill>
-                        <a:schemeClr val="tx1"/>
-                      </a:solidFill>
-                      <a:prstDash val="solid"/>
-                      <a:round/>
-                      <a:headEnd w="med" len="med"/>
-                      <a:tailEnd w="med" len="med"/>
-                    </a:lnR>
-                    <a:lnT w="12700" cap="flat" cmpd="sng" algn="ctr">
-                      <a:solidFill>
-                        <a:schemeClr val="tx1"/>
-                      </a:solidFill>
-                      <a:prstDash val="solid"/>
-                      <a:round/>
-                      <a:headEnd w="med" len="med"/>
-                      <a:tailEnd w="med" len="med"/>
-                    </a:lnT>
-                    <a:lnB w="12700" cap="flat" cmpd="sng" algn="ctr">
-                      <a:solidFill>
-                        <a:schemeClr val="tx1"/>
-                      </a:solidFill>
-                      <a:prstDash val="solid"/>
-                      <a:round/>
-                      <a:headEnd w="med" len="med"/>
-                      <a:tailEnd w="med" len="med"/>
-                    </a:lnB>
-                    <a:solidFill>
-                      <a:schemeClr val="lt1"/>
-                    </a:solidFill>
-                  </a:tcPr>
-                </a:tc>
-                <a:tc>
-                  <a:txBody>
-                    <a:bodyPr vert="horz" wrap="square" lIns="91440" tIns="45720" rIns="91440" bIns="45720" anchor="ctr" anchorCtr="0">
-                      <a:spAutoFit/>
-                    </a:bodyPr>
-                    <a:p>
-                      <a:pPr lvl="0" algn="ctr">
-                        <a:defRPr/>
-                      </a:pPr>
-                      <a:r>
-                        <a:rPr lang="en-US" altLang="ko-KR" sz="5000">
-                          <a:solidFill>
-                            <a:schemeClr val="tx1"/>
-                          </a:solidFill>
-                        </a:rPr>
-                        <a:t>_</a:t>
-                      </a:r>
-                      <a:endParaRPr lang="en-US" altLang="ko-KR" sz="5000">
-                        <a:solidFill>
-                          <a:schemeClr val="tx1"/>
-                        </a:solidFill>
-                      </a:endParaRPr>
-                    </a:p>
-                  </a:txBody>
-                  <a:tcPr marL="91440" marR="91440" anchor="ctr">
-                    <a:lnL w="12700" cap="flat" cmpd="sng" algn="ctr">
-                      <a:solidFill>
-                        <a:schemeClr val="tx1"/>
-                      </a:solidFill>
-                      <a:prstDash val="solid"/>
-                      <a:round/>
-                      <a:headEnd w="med" len="med"/>
-                      <a:tailEnd w="med" len="med"/>
-                    </a:lnL>
-                    <a:lnR w="12700" cap="flat" cmpd="sng" algn="ctr">
-                      <a:solidFill>
-                        <a:schemeClr val="tx1"/>
-                      </a:solidFill>
-                      <a:prstDash val="solid"/>
-                      <a:round/>
-                      <a:headEnd w="med" len="med"/>
-                      <a:tailEnd w="med" len="med"/>
-                    </a:lnR>
-                    <a:lnT w="12700" cap="flat" cmpd="sng" algn="ctr">
-                      <a:solidFill>
-                        <a:schemeClr val="tx1"/>
-                      </a:solidFill>
-                      <a:prstDash val="solid"/>
-                      <a:round/>
-                      <a:headEnd w="med" len="med"/>
-                      <a:tailEnd w="med" len="med"/>
-                    </a:lnT>
-                    <a:lnB w="12700" cap="flat" cmpd="sng" algn="ctr">
-                      <a:solidFill>
-                        <a:schemeClr val="tx1"/>
-                      </a:solidFill>
-                      <a:prstDash val="solid"/>
-                      <a:round/>
-                      <a:headEnd w="med" len="med"/>
-                      <a:tailEnd w="med" len="med"/>
-                    </a:lnB>
-                    <a:solidFill>
-                      <a:schemeClr val="lt1"/>
-                    </a:solidFill>
-                  </a:tcPr>
-                </a:tc>
-                <a:tc>
-                  <a:txBody>
-                    <a:bodyPr vert="horz" wrap="square" lIns="91440" tIns="45720" rIns="91440" bIns="45720" anchor="ctr" anchorCtr="0">
-                      <a:spAutoFit/>
-                    </a:bodyPr>
-                    <a:p>
-                      <a:pPr lvl="0" algn="ctr">
-                        <a:defRPr/>
-                      </a:pPr>
-                      <a:r>
-                        <a:rPr lang="en-US" altLang="ko-KR" sz="5000" u="sng">
-                          <a:solidFill>
-                            <a:schemeClr val="tx1"/>
-                          </a:solidFill>
-                        </a:rPr>
-                        <a:t>G</a:t>
-                      </a:r>
-                      <a:endParaRPr lang="en-US" altLang="ko-KR" sz="5000" u="sng">
-                        <a:solidFill>
-                          <a:schemeClr val="tx1"/>
-                        </a:solidFill>
-                      </a:endParaRPr>
-                    </a:p>
-                  </a:txBody>
-                  <a:tcPr marL="91440" marR="91440" anchor="ctr">
-                    <a:lnL w="12700" cap="flat" cmpd="sng" algn="ctr">
-                      <a:solidFill>
-                        <a:schemeClr val="tx1"/>
-                      </a:solidFill>
-                      <a:prstDash val="solid"/>
-                      <a:round/>
-                      <a:headEnd w="med" len="med"/>
-                      <a:tailEnd w="med" len="med"/>
-                    </a:lnL>
-                    <a:lnR w="12700" cap="flat" cmpd="sng" algn="ctr">
-                      <a:solidFill>
-                        <a:schemeClr val="tx1"/>
-                      </a:solidFill>
-                      <a:prstDash val="solid"/>
-                      <a:round/>
-                      <a:headEnd w="med" len="med"/>
-                      <a:tailEnd w="med" len="med"/>
-                    </a:lnR>
-                    <a:lnT w="12700" cap="flat" cmpd="sng" algn="ctr">
-                      <a:solidFill>
-                        <a:schemeClr val="tx1"/>
-                      </a:solidFill>
-                      <a:prstDash val="solid"/>
-                      <a:round/>
-                      <a:headEnd w="med" len="med"/>
-                      <a:tailEnd w="med" len="med"/>
-                    </a:lnT>
-                    <a:lnB w="12700" cap="flat" cmpd="sng" algn="ctr">
-                      <a:solidFill>
-                        <a:schemeClr val="tx1"/>
-                      </a:solidFill>
-                      <a:prstDash val="solid"/>
-                      <a:round/>
-                      <a:headEnd w="med" len="med"/>
-                      <a:tailEnd w="med" len="med"/>
-                    </a:lnB>
-                    <a:solidFill>
-                      <a:schemeClr val="lt1"/>
-                    </a:solidFill>
-                  </a:tcPr>
-                </a:tc>
-              </a:tr>
-            </a:tbl>
-          </a:graphicData>
-        </a:graphic>
-      </p:graphicFrame>
-      <p:cxnSp>
-        <p:nvCxnSpPr>
-          <p:cNvPr id="20" name="선 19"/>
-          <p:cNvCxnSpPr/>
-          <p:nvPr/>
-        </p:nvCxnSpPr>
-        <p:spPr>
-          <a:xfrm rot="16200000" flipH="1">
-            <a:off x="-1610671" y="4572520"/>
-            <a:ext cx="3834556" cy="983"/>
-          </a:xfrm>
-          <a:prstGeom prst="line">
-            <a:avLst/>
-          </a:prstGeom>
-          <a:ln>
-            <a:solidFill>
-              <a:schemeClr val="dk1"/>
-            </a:solidFill>
-          </a:ln>
-        </p:spPr>
-        <p:style>
-          <a:lnRef idx="1">
-            <a:schemeClr val="accent1"/>
-          </a:lnRef>
-          <a:fillRef idx="0">
-            <a:schemeClr val="accent1"/>
-          </a:fillRef>
-          <a:effectRef idx="0">
-            <a:schemeClr val="accent1"/>
-          </a:effectRef>
-          <a:fontRef idx="minor">
-            <a:schemeClr val="tx1"/>
-          </a:fontRef>
-        </p:style>
-      </p:cxnSp>
-      <p:cxnSp>
-        <p:nvCxnSpPr>
-          <p:cNvPr id="21" name="선 20"/>
-          <p:cNvCxnSpPr/>
-          <p:nvPr/>
-        </p:nvCxnSpPr>
-        <p:spPr>
-          <a:xfrm rot="16200000" flipH="1">
-            <a:off x="9969108" y="4572509"/>
-            <a:ext cx="3834556" cy="1005"/>
-          </a:xfrm>
-          <a:prstGeom prst="line">
-            <a:avLst/>
-          </a:prstGeom>
-          <a:ln>
-            <a:solidFill>
-              <a:schemeClr val="dk1"/>
-            </a:solidFill>
-          </a:ln>
-        </p:spPr>
-        <p:style>
-          <a:lnRef idx="1">
-            <a:schemeClr val="accent1"/>
-          </a:lnRef>
-          <a:fillRef idx="0">
-            <a:schemeClr val="accent1"/>
-          </a:fillRef>
-          <a:effectRef idx="0">
-            <a:schemeClr val="accent1"/>
-          </a:effectRef>
-          <a:fontRef idx="minor">
-            <a:schemeClr val="tx1"/>
-          </a:fontRef>
-        </p:style>
-      </p:cxnSp>
-      <p:graphicFrame>
-        <p:nvGraphicFramePr>
-          <p:cNvPr id="22" name="표 21"/>
-          <p:cNvGraphicFramePr>
-            <a:graphicFrameLocks noGrp="1"/>
-          </p:cNvGraphicFramePr>
-          <p:nvPr/>
-        </p:nvGraphicFramePr>
-        <p:xfrm>
-          <a:off x="461706" y="2816533"/>
-          <a:ext cx="4213268" cy="3512980"/>
-        </p:xfrm>
-        <a:graphic>
-          <a:graphicData uri="http://schemas.openxmlformats.org/drawingml/2006/table">
-            <a:tbl>
-              <a:tblPr firstRow="1" bandRow="1">
-                <a:tableStyleId>{01A66EDD-3DAB-4C5B-A090-DC80EC1FD486}</a:tableStyleId>
-              </a:tblPr>
-              <a:tblGrid>
-                <a:gridCol w="1053317"/>
-                <a:gridCol w="1053317"/>
-                <a:gridCol w="1053317"/>
-                <a:gridCol w="1053317"/>
-              </a:tblGrid>
-              <a:tr h="878245">
-                <a:tc>
-                  <a:txBody>
-                    <a:bodyPr vert="horz" wrap="square" lIns="91440" tIns="45720" rIns="91440" bIns="45720" anchor="ctr" anchorCtr="0">
-                      <a:spAutoFit/>
-                    </a:bodyPr>
-                    <a:p>
-                      <a:pPr lvl="0" algn="ctr">
-                        <a:defRPr/>
-                      </a:pPr>
-                      <a:r>
-                        <a:rPr lang="en-US" altLang="ko-KR" sz="3000" b="0">
-                          <a:ln w="9525">
-                            <a:solidFill>
-                              <a:schemeClr val="lt1"/>
-                            </a:solidFill>
-                          </a:ln>
-                          <a:solidFill>
-                            <a:schemeClr val="dk1"/>
-                          </a:solidFill>
-                        </a:rPr>
-                        <a:t>S</a:t>
-                      </a:r>
-                      <a:endParaRPr lang="en-US" altLang="ko-KR" sz="3000" b="0">
-                        <a:ln w="9525">
-                          <a:solidFill>
-                            <a:schemeClr val="lt1"/>
-                          </a:solidFill>
-                        </a:ln>
-                        <a:solidFill>
-                          <a:schemeClr val="dk1"/>
-                        </a:solidFill>
-                      </a:endParaRPr>
-                    </a:p>
-                  </a:txBody>
-                  <a:tcPr marL="91440" marR="91440" anchor="ctr">
-                    <a:lnL w="12700" cap="flat" cmpd="sng" algn="ctr">
-                      <a:solidFill>
-                        <a:schemeClr val="tx1"/>
-                      </a:solidFill>
-                      <a:prstDash val="solid"/>
-                      <a:round/>
-                      <a:headEnd w="med" len="med"/>
-                      <a:tailEnd w="med" len="med"/>
-                    </a:lnL>
-                    <a:lnR w="12700" cap="flat" cmpd="sng" algn="ctr">
-                      <a:solidFill>
-                        <a:schemeClr val="tx1"/>
-                      </a:solidFill>
-                      <a:prstDash val="solid"/>
-                      <a:round/>
-                      <a:headEnd w="med" len="med"/>
-                      <a:tailEnd w="med" len="med"/>
-                    </a:lnR>
-                    <a:lnT w="12700" cap="flat" cmpd="sng" algn="ctr">
-                      <a:solidFill>
-                        <a:schemeClr val="tx1"/>
-                      </a:solidFill>
-                      <a:prstDash val="solid"/>
-                      <a:round/>
-                      <a:headEnd w="med" len="med"/>
-                      <a:tailEnd w="med" len="med"/>
-                    </a:lnT>
-                    <a:lnB w="12700" cap="flat" cmpd="sng" algn="ctr">
-                      <a:solidFill>
-                        <a:schemeClr val="tx1"/>
-                      </a:solidFill>
-                      <a:prstDash val="solid"/>
-                      <a:round/>
-                      <a:headEnd w="med" len="med"/>
-                      <a:tailEnd w="med" len="med"/>
-                    </a:lnB>
-                    <a:solidFill>
-                      <a:schemeClr val="lt1"/>
-                    </a:solidFill>
-                  </a:tcPr>
-                </a:tc>
-                <a:tc>
-                  <a:txBody>
-                    <a:bodyPr vert="horz" wrap="square" lIns="91440" tIns="45720" rIns="91440" bIns="45720" anchor="ctr" anchorCtr="0">
-                      <a:spAutoFit/>
-                    </a:bodyPr>
-                    <a:p>
-                      <a:pPr marL="0" lvl="0" indent="0" algn="ctr" defTabSz="914400" rtl="0" eaLnBrk="1" latinLnBrk="1" hangingPunct="1">
-                        <a:lnSpc>
-                          <a:spcPct val="100000"/>
-                        </a:lnSpc>
-                        <a:spcBef>
-                          <a:spcPts val="0"/>
-                        </a:spcBef>
-                        <a:spcAft>
-                          <a:spcPts val="0"/>
-                        </a:spcAft>
-                        <a:buNone/>
-                        <a:defRPr/>
-                      </a:pPr>
-                      <a:r>
-                        <a:rPr lang="ko-KR" altLang="en-US" sz="3000" b="0">
-                          <a:ln w="9525">
-                            <a:solidFill>
-                              <a:schemeClr val="lt1"/>
-                            </a:solidFill>
-                          </a:ln>
-                          <a:solidFill>
-                            <a:schemeClr val="dk1"/>
-                          </a:solidFill>
-                        </a:rPr>
-                        <a:t>→</a:t>
-                      </a:r>
-                      <a:endParaRPr lang="ko-KR" altLang="en-US" sz="3000" b="0">
-                        <a:ln w="9525">
-                          <a:solidFill>
-                            <a:schemeClr val="lt1"/>
-                          </a:solidFill>
-                        </a:ln>
-                        <a:solidFill>
-                          <a:schemeClr val="dk1"/>
-                        </a:solidFill>
-                      </a:endParaRPr>
-                    </a:p>
-                  </a:txBody>
-                  <a:tcPr marL="91440" marR="91440" anchor="ctr">
-                    <a:lnL w="12700" cap="flat" cmpd="sng" algn="ctr">
-                      <a:solidFill>
-                        <a:schemeClr val="tx1"/>
-                      </a:solidFill>
-                      <a:prstDash val="solid"/>
-                      <a:round/>
-                      <a:headEnd w="med" len="med"/>
-                      <a:tailEnd w="med" len="med"/>
-                    </a:lnL>
-                    <a:lnR w="12700" cap="flat" cmpd="sng" algn="ctr">
-                      <a:solidFill>
-                        <a:schemeClr val="tx1"/>
-                      </a:solidFill>
-                      <a:prstDash val="solid"/>
-                      <a:round/>
-                      <a:headEnd w="med" len="med"/>
-                      <a:tailEnd w="med" len="med"/>
-                    </a:lnR>
-                    <a:lnT w="12700" cap="flat" cmpd="sng" algn="ctr">
-                      <a:solidFill>
-                        <a:schemeClr val="tx1"/>
-                      </a:solidFill>
-                      <a:prstDash val="solid"/>
-                      <a:round/>
-                      <a:headEnd w="med" len="med"/>
-                      <a:tailEnd w="med" len="med"/>
-                    </a:lnT>
-                    <a:lnB w="12700" cap="flat" cmpd="sng" algn="ctr">
-                      <a:solidFill>
-                        <a:schemeClr val="tx1"/>
-                      </a:solidFill>
-                      <a:prstDash val="solid"/>
-                      <a:round/>
-                      <a:headEnd w="med" len="med"/>
-                      <a:tailEnd w="med" len="med"/>
-                    </a:lnB>
-                    <a:solidFill>
-                      <a:schemeClr val="lt1"/>
-                    </a:solidFill>
-                  </a:tcPr>
-                </a:tc>
-                <a:tc>
-                  <a:txBody>
-                    <a:bodyPr vert="horz" wrap="square" lIns="91440" tIns="45720" rIns="91440" bIns="45720" anchor="ctr" anchorCtr="0">
-                      <a:spAutoFit/>
-                    </a:bodyPr>
-                    <a:p>
-                      <a:pPr lvl="0" algn="ctr">
-                        <a:defRPr/>
-                      </a:pPr>
-                      <a:r>
-                        <a:rPr lang="ko-KR" altLang="en-US" sz="3000" b="0">
-                          <a:ln w="9525">
-                            <a:solidFill>
-                              <a:schemeClr val="lt1"/>
-                            </a:solidFill>
-                          </a:ln>
-                          <a:solidFill>
-                            <a:schemeClr val="dk1"/>
-                          </a:solidFill>
-                        </a:rPr>
-                        <a:t>↑</a:t>
-                      </a:r>
-                      <a:endParaRPr lang="ko-KR" altLang="en-US" sz="3000" b="0">
-                        <a:ln w="9525">
-                          <a:solidFill>
-                            <a:schemeClr val="lt1"/>
-                          </a:solidFill>
-                        </a:ln>
-                        <a:solidFill>
-                          <a:schemeClr val="dk1"/>
-                        </a:solidFill>
-                      </a:endParaRPr>
-                    </a:p>
-                  </a:txBody>
-                  <a:tcPr marL="91440" marR="91440" anchor="ctr">
-                    <a:lnL w="12700" cap="flat" cmpd="sng" algn="ctr">
-                      <a:solidFill>
-                        <a:schemeClr val="tx1"/>
-                      </a:solidFill>
-                      <a:prstDash val="solid"/>
-                      <a:round/>
-                      <a:headEnd w="med" len="med"/>
-                      <a:tailEnd w="med" len="med"/>
-                    </a:lnL>
-                    <a:lnR w="12700" cap="flat" cmpd="sng" algn="ctr">
-                      <a:solidFill>
-                        <a:schemeClr val="tx1"/>
-                      </a:solidFill>
-                      <a:prstDash val="solid"/>
-                      <a:round/>
-                      <a:headEnd w="med" len="med"/>
-                      <a:tailEnd w="med" len="med"/>
-                    </a:lnR>
-                    <a:lnT w="12700" cap="flat" cmpd="sng" algn="ctr">
-                      <a:solidFill>
-                        <a:schemeClr val="tx1"/>
-                      </a:solidFill>
-                      <a:prstDash val="solid"/>
-                      <a:round/>
-                      <a:headEnd w="med" len="med"/>
-                      <a:tailEnd w="med" len="med"/>
-                    </a:lnT>
-                    <a:lnB w="12700" cap="flat" cmpd="sng" algn="ctr">
-                      <a:solidFill>
-                        <a:schemeClr val="tx1"/>
-                      </a:solidFill>
-                      <a:prstDash val="solid"/>
-                      <a:round/>
-                      <a:headEnd w="med" len="med"/>
-                      <a:tailEnd w="med" len="med"/>
-                    </a:lnB>
-                    <a:solidFill>
-                      <a:schemeClr val="lt1"/>
-                    </a:solidFill>
-                  </a:tcPr>
-                </a:tc>
-                <a:tc>
-                  <a:txBody>
-                    <a:bodyPr vert="horz" wrap="square" lIns="91440" tIns="45720" rIns="91440" bIns="45720" anchor="ctr" anchorCtr="0">
-                      <a:spAutoFit/>
-                    </a:bodyPr>
-                    <a:p>
-                      <a:pPr marL="0" lvl="0" indent="0" algn="ctr" defTabSz="914400" rtl="0" eaLnBrk="1" latinLnBrk="1" hangingPunct="1">
-                        <a:lnSpc>
-                          <a:spcPct val="100000"/>
-                        </a:lnSpc>
-                        <a:spcBef>
-                          <a:spcPts val="0"/>
-                        </a:spcBef>
-                        <a:spcAft>
-                          <a:spcPts val="0"/>
-                        </a:spcAft>
-                        <a:buNone/>
-                        <a:defRPr/>
-                      </a:pPr>
-                      <a:r>
-                        <a:rPr lang="ko-KR" altLang="en-US" sz="3000" b="0">
-                          <a:ln w="9525">
-                            <a:solidFill>
-                              <a:schemeClr val="lt1"/>
-                            </a:solidFill>
-                          </a:ln>
-                          <a:solidFill>
-                            <a:schemeClr val="dk1"/>
-                          </a:solidFill>
-                        </a:rPr>
-                        <a:t>↓</a:t>
-                      </a:r>
-                      <a:endParaRPr lang="ko-KR" altLang="en-US" sz="3000" b="0">
-                        <a:ln w="9525">
-                          <a:solidFill>
-                            <a:schemeClr val="lt1"/>
-                          </a:solidFill>
-                        </a:ln>
-                        <a:solidFill>
-                          <a:schemeClr val="dk1"/>
-                        </a:solidFill>
-                      </a:endParaRPr>
-                    </a:p>
-                  </a:txBody>
-                  <a:tcPr marL="91440" marR="91440" anchor="ctr">
-                    <a:lnL w="12700" cap="flat" cmpd="sng" algn="ctr">
-                      <a:solidFill>
-                        <a:schemeClr val="tx1"/>
-                      </a:solidFill>
-                      <a:prstDash val="solid"/>
-                      <a:round/>
-                      <a:headEnd w="med" len="med"/>
-                      <a:tailEnd w="med" len="med"/>
-                    </a:lnL>
-                    <a:lnR w="12700" cap="flat" cmpd="sng" algn="ctr">
-                      <a:solidFill>
-                        <a:schemeClr val="tx1"/>
-                      </a:solidFill>
-                      <a:prstDash val="solid"/>
-                      <a:round/>
-                      <a:headEnd w="med" len="med"/>
-                      <a:tailEnd w="med" len="med"/>
-                    </a:lnR>
-                    <a:lnT w="12700" cap="flat" cmpd="sng" algn="ctr">
-                      <a:solidFill>
-                        <a:schemeClr val="tx1"/>
-                      </a:solidFill>
-                      <a:prstDash val="solid"/>
-                      <a:round/>
-                      <a:headEnd w="med" len="med"/>
-                      <a:tailEnd w="med" len="med"/>
-                    </a:lnT>
-                    <a:lnB w="12700" cap="flat" cmpd="sng" algn="ctr">
-                      <a:solidFill>
-                        <a:schemeClr val="tx1"/>
-                      </a:solidFill>
-                      <a:prstDash val="solid"/>
-                      <a:round/>
-                      <a:headEnd w="med" len="med"/>
-                      <a:tailEnd w="med" len="med"/>
-                    </a:lnB>
-                    <a:solidFill>
-                      <a:schemeClr val="lt1"/>
-                    </a:solidFill>
-                  </a:tcPr>
-                </a:tc>
-              </a:tr>
-              <a:tr h="878245">
-                <a:tc>
-                  <a:txBody>
-                    <a:bodyPr vert="horz" wrap="square" lIns="91440" tIns="45720" rIns="91440" bIns="45720" anchor="ctr" anchorCtr="0">
-                      <a:spAutoFit/>
-                    </a:bodyPr>
-                    <a:p>
-                      <a:pPr lvl="0" algn="ctr">
-                        <a:defRPr/>
-                      </a:pPr>
-                      <a:r>
-                        <a:rPr lang="ko-KR" altLang="en-US" sz="3000" b="0">
-                          <a:ln w="9525">
-                            <a:solidFill>
-                              <a:schemeClr val="lt1"/>
-                            </a:solidFill>
-                          </a:ln>
-                          <a:solidFill>
-                            <a:schemeClr val="dk1"/>
-                          </a:solidFill>
-                        </a:rPr>
-                        <a:t>←</a:t>
-                      </a:r>
-                      <a:endParaRPr lang="en-US" altLang="ko-KR" sz="3000">
-                        <a:ln w="9525">
-                          <a:solidFill>
-                            <a:schemeClr val="lt1"/>
-                          </a:solidFill>
-                        </a:ln>
-                        <a:solidFill>
-                          <a:schemeClr val="dk1"/>
-                        </a:solidFill>
-                      </a:endParaRPr>
-                    </a:p>
-                  </a:txBody>
-                  <a:tcPr marL="91440" marR="91440" anchor="ctr">
-                    <a:lnL w="12700" cap="flat" cmpd="sng" algn="ctr">
-                      <a:solidFill>
-                        <a:schemeClr val="tx1"/>
-                      </a:solidFill>
-                      <a:prstDash val="solid"/>
-                      <a:round/>
-                      <a:headEnd w="med" len="med"/>
-                      <a:tailEnd w="med" len="med"/>
-                    </a:lnL>
-                    <a:lnR w="12700" cap="flat" cmpd="sng" algn="ctr">
-                      <a:solidFill>
-                        <a:schemeClr val="tx1"/>
-                      </a:solidFill>
-                      <a:prstDash val="solid"/>
-                      <a:round/>
-                      <a:headEnd w="med" len="med"/>
-                      <a:tailEnd w="med" len="med"/>
-                    </a:lnR>
-                    <a:lnT w="12700" cap="flat" cmpd="sng" algn="ctr">
-                      <a:solidFill>
-                        <a:schemeClr val="tx1"/>
-                      </a:solidFill>
-                      <a:prstDash val="solid"/>
-                      <a:round/>
-                      <a:headEnd w="med" len="med"/>
-                      <a:tailEnd w="med" len="med"/>
-                    </a:lnT>
-                    <a:lnB w="12700" cap="flat" cmpd="sng" algn="ctr">
-                      <a:solidFill>
-                        <a:schemeClr val="tx1"/>
-                      </a:solidFill>
-                      <a:prstDash val="solid"/>
-                      <a:round/>
-                      <a:headEnd w="med" len="med"/>
-                      <a:tailEnd w="med" len="med"/>
-                    </a:lnB>
-                    <a:solidFill>
-                      <a:schemeClr val="lt1"/>
-                    </a:solidFill>
-                  </a:tcPr>
-                </a:tc>
-                <a:tc>
-                  <a:txBody>
-                    <a:bodyPr vert="horz" wrap="square" lIns="91440" tIns="45720" rIns="91440" bIns="45720" anchor="ctr" anchorCtr="0">
-                      <a:spAutoFit/>
-                    </a:bodyPr>
-                    <a:p>
-                      <a:pPr lvl="0" algn="ctr">
-                        <a:defRPr/>
-                      </a:pPr>
-                      <a:r>
-                        <a:rPr lang="ko-KR" altLang="en-US" sz="3000" b="0">
-                          <a:ln w="9525">
-                            <a:solidFill>
-                              <a:schemeClr val="lt1"/>
-                            </a:solidFill>
-                          </a:ln>
-                          <a:solidFill>
-                            <a:schemeClr val="dk1"/>
-                          </a:solidFill>
-                        </a:rPr>
-                        <a:t>←</a:t>
-                      </a:r>
-                      <a:endParaRPr lang="en-US" altLang="ko-KR" sz="3000">
-                        <a:ln w="9525">
-                          <a:solidFill>
-                            <a:schemeClr val="lt1"/>
-                          </a:solidFill>
-                        </a:ln>
-                        <a:solidFill>
-                          <a:schemeClr val="dk1"/>
-                        </a:solidFill>
-                      </a:endParaRPr>
-                    </a:p>
-                  </a:txBody>
-                  <a:tcPr marL="91440" marR="91440" anchor="ctr">
-                    <a:lnL w="12700" cap="flat" cmpd="sng" algn="ctr">
-                      <a:solidFill>
-                        <a:schemeClr val="tx1"/>
-                      </a:solidFill>
-                      <a:prstDash val="solid"/>
-                      <a:round/>
-                      <a:headEnd w="med" len="med"/>
-                      <a:tailEnd w="med" len="med"/>
-                    </a:lnL>
-                    <a:lnR w="12700" cap="flat" cmpd="sng" algn="ctr">
-                      <a:solidFill>
-                        <a:schemeClr val="tx1"/>
-                      </a:solidFill>
-                      <a:prstDash val="solid"/>
-                      <a:round/>
-                      <a:headEnd w="med" len="med"/>
-                      <a:tailEnd w="med" len="med"/>
-                    </a:lnR>
-                    <a:lnT w="12700" cap="flat" cmpd="sng" algn="ctr">
-                      <a:solidFill>
-                        <a:schemeClr val="tx1"/>
-                      </a:solidFill>
-                      <a:prstDash val="solid"/>
-                      <a:round/>
-                      <a:headEnd w="med" len="med"/>
-                      <a:tailEnd w="med" len="med"/>
-                    </a:lnT>
-                    <a:lnB w="12700" cap="flat" cmpd="sng" algn="ctr">
-                      <a:solidFill>
-                        <a:schemeClr val="tx1"/>
-                      </a:solidFill>
-                      <a:prstDash val="solid"/>
-                      <a:round/>
-                      <a:headEnd w="med" len="med"/>
-                      <a:tailEnd w="med" len="med"/>
-                    </a:lnB>
-                    <a:solidFill>
-                      <a:schemeClr val="lt1"/>
-                    </a:solidFill>
-                  </a:tcPr>
-                </a:tc>
-                <a:tc>
-                  <a:txBody>
-                    <a:bodyPr vert="horz" wrap="square" lIns="91440" tIns="45720" rIns="91440" bIns="45720" anchor="ctr" anchorCtr="0">
-                      <a:spAutoFit/>
-                    </a:bodyPr>
-                    <a:p>
-                      <a:pPr lvl="0" algn="ctr">
-                        <a:defRPr/>
-                      </a:pPr>
-                      <a:r>
-                        <a:rPr lang="ko-KR" altLang="en-US" sz="3000" b="0">
-                          <a:ln w="9525">
-                            <a:solidFill>
-                              <a:schemeClr val="lt1"/>
-                            </a:solidFill>
-                          </a:ln>
-                          <a:solidFill>
-                            <a:schemeClr val="dk1"/>
-                          </a:solidFill>
-                        </a:rPr>
-                        <a:t>←</a:t>
-                      </a:r>
-                      <a:endParaRPr lang="en-US" altLang="ko-KR" sz="3000">
-                        <a:ln w="9525">
-                          <a:solidFill>
-                            <a:schemeClr val="lt1"/>
-                          </a:solidFill>
-                        </a:ln>
-                        <a:solidFill>
-                          <a:schemeClr val="dk1"/>
-                        </a:solidFill>
-                      </a:endParaRPr>
-                    </a:p>
-                  </a:txBody>
-                  <a:tcPr marL="91440" marR="91440" anchor="ctr">
-                    <a:lnL w="12700" cap="flat" cmpd="sng" algn="ctr">
-                      <a:solidFill>
-                        <a:schemeClr val="tx1"/>
-                      </a:solidFill>
-                      <a:prstDash val="solid"/>
-                      <a:round/>
-                      <a:headEnd w="med" len="med"/>
-                      <a:tailEnd w="med" len="med"/>
-                    </a:lnL>
-                    <a:lnR w="12700" cap="flat" cmpd="sng" algn="ctr">
-                      <a:solidFill>
-                        <a:schemeClr val="tx1"/>
-                      </a:solidFill>
-                      <a:prstDash val="solid"/>
-                      <a:round/>
-                      <a:headEnd w="med" len="med"/>
-                      <a:tailEnd w="med" len="med"/>
-                    </a:lnR>
-                    <a:lnT w="12700" cap="flat" cmpd="sng" algn="ctr">
-                      <a:solidFill>
-                        <a:schemeClr val="tx1"/>
-                      </a:solidFill>
-                      <a:prstDash val="solid"/>
-                      <a:round/>
-                      <a:headEnd w="med" len="med"/>
-                      <a:tailEnd w="med" len="med"/>
-                    </a:lnT>
-                    <a:lnB w="12700" cap="flat" cmpd="sng" algn="ctr">
-                      <a:solidFill>
-                        <a:schemeClr val="tx1"/>
-                      </a:solidFill>
-                      <a:prstDash val="solid"/>
-                      <a:round/>
-                      <a:headEnd w="med" len="med"/>
-                      <a:tailEnd w="med" len="med"/>
-                    </a:lnB>
-                    <a:solidFill>
-                      <a:schemeClr val="lt1"/>
-                    </a:solidFill>
-                  </a:tcPr>
-                </a:tc>
-                <a:tc>
-                  <a:txBody>
-                    <a:bodyPr vert="horz" wrap="square" lIns="91440" tIns="45720" rIns="91440" bIns="45720" anchor="ctr" anchorCtr="0">
-                      <a:spAutoFit/>
-                    </a:bodyPr>
-                    <a:p>
-                      <a:pPr lvl="0" algn="ctr">
-                        <a:defRPr/>
-                      </a:pPr>
-                      <a:r>
-                        <a:rPr lang="ko-KR" altLang="en-US" sz="3000" b="0">
-                          <a:ln w="9525">
-                            <a:solidFill>
-                              <a:schemeClr val="lt1"/>
-                            </a:solidFill>
-                          </a:ln>
-                          <a:solidFill>
-                            <a:schemeClr val="dk1"/>
-                          </a:solidFill>
-                        </a:rPr>
-                        <a:t>←</a:t>
-                      </a:r>
-                      <a:endParaRPr lang="en-US" altLang="ko-KR" sz="3000">
-                        <a:ln w="9525">
-                          <a:solidFill>
-                            <a:schemeClr val="lt1"/>
-                          </a:solidFill>
-                        </a:ln>
-                        <a:solidFill>
-                          <a:schemeClr val="dk1"/>
-                        </a:solidFill>
-                      </a:endParaRPr>
-                    </a:p>
-                  </a:txBody>
-                  <a:tcPr marL="91440" marR="91440" anchor="ctr">
-                    <a:lnL w="12700" cap="flat" cmpd="sng" algn="ctr">
-                      <a:solidFill>
-                        <a:schemeClr val="tx1"/>
-                      </a:solidFill>
-                      <a:prstDash val="solid"/>
-                      <a:round/>
-                      <a:headEnd w="med" len="med"/>
-                      <a:tailEnd w="med" len="med"/>
-                    </a:lnL>
-                    <a:lnR w="12700" cap="flat" cmpd="sng" algn="ctr">
-                      <a:solidFill>
-                        <a:schemeClr val="tx1"/>
-                      </a:solidFill>
-                      <a:prstDash val="solid"/>
-                      <a:round/>
-                      <a:headEnd w="med" len="med"/>
-                      <a:tailEnd w="med" len="med"/>
-                    </a:lnR>
-                    <a:lnT w="12700" cap="flat" cmpd="sng" algn="ctr">
-                      <a:solidFill>
-                        <a:schemeClr val="tx1"/>
-                      </a:solidFill>
-                      <a:prstDash val="solid"/>
-                      <a:round/>
-                      <a:headEnd w="med" len="med"/>
-                      <a:tailEnd w="med" len="med"/>
-                    </a:lnT>
-                    <a:lnB w="12700" cap="flat" cmpd="sng" algn="ctr">
-                      <a:solidFill>
-                        <a:schemeClr val="tx1"/>
-                      </a:solidFill>
-                      <a:prstDash val="solid"/>
-                      <a:round/>
-                      <a:headEnd w="med" len="med"/>
-                      <a:tailEnd w="med" len="med"/>
-                    </a:lnB>
-                    <a:solidFill>
-                      <a:schemeClr val="lt1"/>
-                    </a:solidFill>
-                  </a:tcPr>
-                </a:tc>
-              </a:tr>
-              <a:tr h="878245">
-                <a:tc>
-                  <a:txBody>
-                    <a:bodyPr vert="horz" wrap="square" lIns="91440" tIns="45720" rIns="91440" bIns="45720" anchor="ctr" anchorCtr="0">
-                      <a:spAutoFit/>
-                    </a:bodyPr>
-                    <a:p>
-                      <a:pPr lvl="0" algn="ctr">
-                        <a:defRPr/>
-                      </a:pPr>
-                      <a:r>
-                        <a:rPr lang="ko-KR" altLang="en-US" sz="3000" b="0">
-                          <a:ln w="9525">
-                            <a:solidFill>
-                              <a:schemeClr val="lt1"/>
-                            </a:solidFill>
-                          </a:ln>
-                          <a:solidFill>
-                            <a:schemeClr val="dk1"/>
-                          </a:solidFill>
-                        </a:rPr>
-                        <a:t>←</a:t>
-                      </a:r>
-                      <a:endParaRPr lang="en-US" altLang="ko-KR" sz="3000">
-                        <a:ln w="9525">
-                          <a:solidFill>
-                            <a:schemeClr val="lt1"/>
-                          </a:solidFill>
-                        </a:ln>
-                        <a:solidFill>
-                          <a:schemeClr val="dk1"/>
-                        </a:solidFill>
-                      </a:endParaRPr>
-                    </a:p>
-                  </a:txBody>
-                  <a:tcPr marL="91440" marR="91440" anchor="ctr">
-                    <a:lnL w="12700" cap="flat" cmpd="sng" algn="ctr">
-                      <a:solidFill>
-                        <a:schemeClr val="tx1"/>
-                      </a:solidFill>
-                      <a:prstDash val="solid"/>
-                      <a:round/>
-                      <a:headEnd w="med" len="med"/>
-                      <a:tailEnd w="med" len="med"/>
-                    </a:lnL>
-                    <a:lnR w="12700" cap="flat" cmpd="sng" algn="ctr">
-                      <a:solidFill>
-                        <a:schemeClr val="tx1"/>
-                      </a:solidFill>
-                      <a:prstDash val="solid"/>
-                      <a:round/>
-                      <a:headEnd w="med" len="med"/>
-                      <a:tailEnd w="med" len="med"/>
-                    </a:lnR>
-                    <a:lnT w="12700" cap="flat" cmpd="sng" algn="ctr">
-                      <a:solidFill>
-                        <a:schemeClr val="tx1"/>
-                      </a:solidFill>
-                      <a:prstDash val="solid"/>
-                      <a:round/>
-                      <a:headEnd w="med" len="med"/>
-                      <a:tailEnd w="med" len="med"/>
-                    </a:lnT>
-                    <a:lnB w="12700" cap="flat" cmpd="sng" algn="ctr">
-                      <a:solidFill>
-                        <a:schemeClr val="tx1"/>
-                      </a:solidFill>
-                      <a:prstDash val="solid"/>
-                      <a:round/>
-                      <a:headEnd w="med" len="med"/>
-                      <a:tailEnd w="med" len="med"/>
-                    </a:lnB>
-                    <a:solidFill>
-                      <a:schemeClr val="lt1"/>
-                    </a:solidFill>
-                  </a:tcPr>
-                </a:tc>
-                <a:tc>
-                  <a:txBody>
-                    <a:bodyPr vert="horz" wrap="square" lIns="91440" tIns="45720" rIns="91440" bIns="45720" anchor="ctr" anchorCtr="0">
-                      <a:spAutoFit/>
-                    </a:bodyPr>
-                    <a:p>
-                      <a:pPr marL="0" lvl="0" indent="0" algn="ctr" defTabSz="914400" rtl="0" eaLnBrk="1" latinLnBrk="1" hangingPunct="1">
-                        <a:lnSpc>
-                          <a:spcPct val="100000"/>
-                        </a:lnSpc>
-                        <a:spcBef>
-                          <a:spcPts val="0"/>
-                        </a:spcBef>
-                        <a:spcAft>
-                          <a:spcPts val="0"/>
-                        </a:spcAft>
-                        <a:buNone/>
-                        <a:defRPr/>
-                      </a:pPr>
-                      <a:r>
-                        <a:rPr lang="ko-KR" altLang="en-US" sz="3000" b="0">
-                          <a:ln w="9525">
-                            <a:solidFill>
-                              <a:schemeClr val="lt1"/>
-                            </a:solidFill>
-                          </a:ln>
-                          <a:solidFill>
-                            <a:schemeClr val="dk1"/>
-                          </a:solidFill>
-                        </a:rPr>
-                        <a:t>→</a:t>
-                      </a:r>
-                      <a:endParaRPr lang="en-US" altLang="ko-KR" sz="3000">
-                        <a:ln w="9525">
-                          <a:solidFill>
-                            <a:schemeClr val="lt1"/>
-                          </a:solidFill>
-                        </a:ln>
-                        <a:solidFill>
-                          <a:schemeClr val="dk1"/>
-                        </a:solidFill>
-                      </a:endParaRPr>
-                    </a:p>
-                  </a:txBody>
-                  <a:tcPr marL="91440" marR="91440" anchor="ctr">
-                    <a:lnL w="12700" cap="flat" cmpd="sng" algn="ctr">
-                      <a:solidFill>
-                        <a:schemeClr val="tx1"/>
-                      </a:solidFill>
-                      <a:prstDash val="solid"/>
-                      <a:round/>
-                      <a:headEnd w="med" len="med"/>
-                      <a:tailEnd w="med" len="med"/>
-                    </a:lnL>
-                    <a:lnR w="12700" cap="flat" cmpd="sng" algn="ctr">
-                      <a:solidFill>
-                        <a:schemeClr val="tx1"/>
-                      </a:solidFill>
-                      <a:prstDash val="solid"/>
-                      <a:round/>
-                      <a:headEnd w="med" len="med"/>
-                      <a:tailEnd w="med" len="med"/>
-                    </a:lnR>
-                    <a:lnT w="12700" cap="flat" cmpd="sng" algn="ctr">
-                      <a:solidFill>
-                        <a:schemeClr val="tx1"/>
-                      </a:solidFill>
-                      <a:prstDash val="solid"/>
-                      <a:round/>
-                      <a:headEnd w="med" len="med"/>
-                      <a:tailEnd w="med" len="med"/>
-                    </a:lnT>
-                    <a:lnB w="12700" cap="flat" cmpd="sng" algn="ctr">
-                      <a:solidFill>
-                        <a:schemeClr val="tx1"/>
-                      </a:solidFill>
-                      <a:prstDash val="solid"/>
-                      <a:round/>
-                      <a:headEnd w="med" len="med"/>
-                      <a:tailEnd w="med" len="med"/>
-                    </a:lnB>
-                    <a:solidFill>
-                      <a:schemeClr val="lt1"/>
-                    </a:solidFill>
-                  </a:tcPr>
-                </a:tc>
-                <a:tc>
-                  <a:txBody>
-                    <a:bodyPr vert="horz" wrap="square" lIns="91440" tIns="45720" rIns="91440" bIns="45720" anchor="ctr" anchorCtr="0">
-                      <a:spAutoFit/>
-                    </a:bodyPr>
-                    <a:p>
-                      <a:pPr marL="0" lvl="0" indent="0" algn="ctr" defTabSz="914400" rtl="0" eaLnBrk="1" latinLnBrk="1" hangingPunct="1">
-                        <a:lnSpc>
-                          <a:spcPct val="100000"/>
-                        </a:lnSpc>
-                        <a:spcBef>
-                          <a:spcPts val="0"/>
-                        </a:spcBef>
-                        <a:spcAft>
-                          <a:spcPts val="0"/>
-                        </a:spcAft>
-                        <a:buNone/>
-                        <a:defRPr/>
-                      </a:pPr>
-                      <a:r>
-                        <a:rPr lang="ko-KR" altLang="en-US" sz="3000" b="0">
-                          <a:ln w="9525">
-                            <a:solidFill>
-                              <a:schemeClr val="lt1"/>
-                            </a:solidFill>
-                          </a:ln>
-                          <a:solidFill>
-                            <a:schemeClr val="dk1"/>
-                          </a:solidFill>
-                        </a:rPr>
-                        <a:t>→</a:t>
-                      </a:r>
-                      <a:endParaRPr lang="en-US" altLang="ko-KR" sz="3000">
-                        <a:ln w="9525">
-                          <a:solidFill>
-                            <a:schemeClr val="lt1"/>
-                          </a:solidFill>
-                        </a:ln>
-                        <a:solidFill>
-                          <a:schemeClr val="dk1"/>
-                        </a:solidFill>
-                      </a:endParaRPr>
-                    </a:p>
-                  </a:txBody>
-                  <a:tcPr marL="91440" marR="91440" anchor="ctr">
-                    <a:lnL w="12700" cap="flat" cmpd="sng" algn="ctr">
-                      <a:solidFill>
-                        <a:schemeClr val="tx1"/>
-                      </a:solidFill>
-                      <a:prstDash val="solid"/>
-                      <a:round/>
-                      <a:headEnd w="med" len="med"/>
-                      <a:tailEnd w="med" len="med"/>
-                    </a:lnL>
-                    <a:lnR w="12700" cap="flat" cmpd="sng" algn="ctr">
-                      <a:solidFill>
-                        <a:schemeClr val="tx1"/>
-                      </a:solidFill>
-                      <a:prstDash val="solid"/>
-                      <a:round/>
-                      <a:headEnd w="med" len="med"/>
-                      <a:tailEnd w="med" len="med"/>
-                    </a:lnR>
-                    <a:lnT w="12700" cap="flat" cmpd="sng" algn="ctr">
-                      <a:solidFill>
-                        <a:schemeClr val="tx1"/>
-                      </a:solidFill>
-                      <a:prstDash val="solid"/>
-                      <a:round/>
-                      <a:headEnd w="med" len="med"/>
-                      <a:tailEnd w="med" len="med"/>
-                    </a:lnT>
-                    <a:lnB w="12700" cap="flat" cmpd="sng" algn="ctr">
-                      <a:solidFill>
-                        <a:schemeClr val="tx1"/>
-                      </a:solidFill>
-                      <a:prstDash val="solid"/>
-                      <a:round/>
-                      <a:headEnd w="med" len="med"/>
-                      <a:tailEnd w="med" len="med"/>
-                    </a:lnB>
-                    <a:solidFill>
-                      <a:schemeClr val="lt1"/>
-                    </a:solidFill>
-                  </a:tcPr>
-                </a:tc>
-                <a:tc>
-                  <a:txBody>
-                    <a:bodyPr vert="horz" wrap="square" lIns="91440" tIns="45720" rIns="91440" bIns="45720" anchor="ctr" anchorCtr="0">
-                      <a:spAutoFit/>
-                    </a:bodyPr>
-                    <a:p>
-                      <a:pPr lvl="0" algn="ctr">
-                        <a:defRPr/>
-                      </a:pPr>
-                      <a:r>
-                        <a:rPr lang="ko-KR" altLang="en-US" sz="3000" b="0">
-                          <a:ln w="9525">
-                            <a:solidFill>
-                              <a:schemeClr val="lt1"/>
-                            </a:solidFill>
-                          </a:ln>
-                          <a:solidFill>
-                            <a:schemeClr val="dk1"/>
-                          </a:solidFill>
-                        </a:rPr>
-                        <a:t>←</a:t>
-                      </a:r>
-                      <a:endParaRPr lang="en-US" altLang="ko-KR" sz="3000">
-                        <a:ln w="9525">
-                          <a:solidFill>
-                            <a:schemeClr val="lt1"/>
-                          </a:solidFill>
-                        </a:ln>
-                        <a:solidFill>
-                          <a:schemeClr val="dk1"/>
-                        </a:solidFill>
-                      </a:endParaRPr>
-                    </a:p>
-                  </a:txBody>
-                  <a:tcPr marL="91440" marR="91440" anchor="ctr">
-                    <a:lnL w="12700" cap="flat" cmpd="sng" algn="ctr">
-                      <a:solidFill>
-                        <a:schemeClr val="tx1"/>
-                      </a:solidFill>
-                      <a:prstDash val="solid"/>
-                      <a:round/>
-                      <a:headEnd w="med" len="med"/>
-                      <a:tailEnd w="med" len="med"/>
-                    </a:lnL>
-                    <a:lnR w="12700" cap="flat" cmpd="sng" algn="ctr">
-                      <a:solidFill>
-                        <a:schemeClr val="tx1"/>
-                      </a:solidFill>
-                      <a:prstDash val="solid"/>
-                      <a:round/>
-                      <a:headEnd w="med" len="med"/>
-                      <a:tailEnd w="med" len="med"/>
-                    </a:lnR>
-                    <a:lnT w="12700" cap="flat" cmpd="sng" algn="ctr">
-                      <a:solidFill>
-                        <a:schemeClr val="tx1"/>
-                      </a:solidFill>
-                      <a:prstDash val="solid"/>
-                      <a:round/>
-                      <a:headEnd w="med" len="med"/>
-                      <a:tailEnd w="med" len="med"/>
-                    </a:lnT>
-                    <a:lnB w="12700" cap="flat" cmpd="sng" algn="ctr">
-                      <a:solidFill>
-                        <a:schemeClr val="tx1"/>
-                      </a:solidFill>
-                      <a:prstDash val="solid"/>
-                      <a:round/>
-                      <a:headEnd w="med" len="med"/>
-                      <a:tailEnd w="med" len="med"/>
-                    </a:lnB>
-                    <a:solidFill>
-                      <a:schemeClr val="lt1"/>
-                    </a:solidFill>
-                  </a:tcPr>
-                </a:tc>
-              </a:tr>
-              <a:tr h="878245">
-                <a:tc>
-                  <a:txBody>
-                    <a:bodyPr vert="horz" wrap="square" lIns="91440" tIns="45720" rIns="91440" bIns="45720" anchor="ctr" anchorCtr="0">
-                      <a:spAutoFit/>
-                    </a:bodyPr>
-                    <a:p>
-                      <a:pPr marL="0" lvl="0" indent="0" algn="ctr" defTabSz="914400" rtl="0" eaLnBrk="1" latinLnBrk="1" hangingPunct="1">
-                        <a:lnSpc>
-                          <a:spcPct val="100000"/>
-                        </a:lnSpc>
-                        <a:spcBef>
-                          <a:spcPts val="0"/>
-                        </a:spcBef>
-                        <a:spcAft>
-                          <a:spcPts val="0"/>
-                        </a:spcAft>
-                        <a:buNone/>
-                        <a:defRPr/>
-                      </a:pPr>
-                      <a:r>
-                        <a:rPr lang="ko-KR" altLang="en-US" sz="3000">
-                          <a:ln w="9525">
-                            <a:solidFill>
-                              <a:schemeClr val="lt1"/>
-                            </a:solidFill>
-                          </a:ln>
-                          <a:solidFill>
-                            <a:schemeClr val="dk1"/>
-                          </a:solidFill>
-                        </a:rPr>
-                        <a:t>→</a:t>
-                      </a:r>
-                      <a:endParaRPr lang="en-US" altLang="ko-KR" sz="3000">
-                        <a:ln w="9525">
-                          <a:solidFill>
-                            <a:schemeClr val="lt1"/>
-                          </a:solidFill>
-                        </a:ln>
-                        <a:solidFill>
-                          <a:schemeClr val="dk1"/>
-                        </a:solidFill>
-                      </a:endParaRPr>
-                    </a:p>
-                  </a:txBody>
-                  <a:tcPr marL="91440" marR="91440" anchor="ctr">
-                    <a:lnL w="12700" cap="flat" cmpd="sng" algn="ctr">
-                      <a:solidFill>
-                        <a:schemeClr val="tx1"/>
-                      </a:solidFill>
-                      <a:prstDash val="solid"/>
-                      <a:round/>
-                      <a:headEnd w="med" len="med"/>
-                      <a:tailEnd w="med" len="med"/>
-                    </a:lnL>
-                    <a:lnR w="12700" cap="flat" cmpd="sng" algn="ctr">
-                      <a:solidFill>
-                        <a:schemeClr val="tx1"/>
-                      </a:solidFill>
-                      <a:prstDash val="solid"/>
-                      <a:round/>
-                      <a:headEnd w="med" len="med"/>
-                      <a:tailEnd w="med" len="med"/>
-                    </a:lnR>
-                    <a:lnT w="12700" cap="flat" cmpd="sng" algn="ctr">
-                      <a:solidFill>
-                        <a:schemeClr val="tx1"/>
-                      </a:solidFill>
-                      <a:prstDash val="solid"/>
-                      <a:round/>
-                      <a:headEnd w="med" len="med"/>
-                      <a:tailEnd w="med" len="med"/>
-                    </a:lnT>
-                    <a:lnB w="12700" cap="flat" cmpd="sng" algn="ctr">
-                      <a:solidFill>
-                        <a:schemeClr val="tx1"/>
-                      </a:solidFill>
-                      <a:prstDash val="solid"/>
-                      <a:round/>
-                      <a:headEnd w="med" len="med"/>
-                      <a:tailEnd w="med" len="med"/>
-                    </a:lnB>
-                    <a:solidFill>
-                      <a:schemeClr val="lt1"/>
-                    </a:solidFill>
-                  </a:tcPr>
-                </a:tc>
-                <a:tc>
-                  <a:txBody>
-                    <a:bodyPr vert="horz" wrap="square" lIns="91440" tIns="45720" rIns="91440" bIns="45720" anchor="ctr" anchorCtr="0">
-                      <a:spAutoFit/>
-                    </a:bodyPr>
-                    <a:p>
-                      <a:pPr lvl="0" algn="ctr">
-                        <a:defRPr/>
-                      </a:pPr>
-                      <a:r>
-                        <a:rPr lang="ko-KR" altLang="en-US" sz="3000" b="0">
-                          <a:ln w="9525">
-                            <a:solidFill>
-                              <a:schemeClr val="lt1"/>
-                            </a:solidFill>
-                          </a:ln>
-                          <a:solidFill>
-                            <a:schemeClr val="dk1"/>
-                          </a:solidFill>
-                        </a:rPr>
-                        <a:t>←</a:t>
-                      </a:r>
-                      <a:endParaRPr lang="en-US" altLang="ko-KR" sz="3000">
-                        <a:ln w="9525">
-                          <a:solidFill>
-                            <a:schemeClr val="lt1"/>
-                          </a:solidFill>
-                        </a:ln>
-                        <a:solidFill>
-                          <a:schemeClr val="dk1"/>
-                        </a:solidFill>
-                      </a:endParaRPr>
-                    </a:p>
-                  </a:txBody>
-                  <a:tcPr marL="91440" marR="91440" anchor="ctr">
-                    <a:lnL w="12700" cap="flat" cmpd="sng" algn="ctr">
-                      <a:solidFill>
-                        <a:schemeClr val="tx1"/>
-                      </a:solidFill>
-                      <a:prstDash val="solid"/>
-                      <a:round/>
-                      <a:headEnd w="med" len="med"/>
-                      <a:tailEnd w="med" len="med"/>
-                    </a:lnL>
-                    <a:lnR w="12700" cap="flat" cmpd="sng" algn="ctr">
-                      <a:solidFill>
-                        <a:schemeClr val="tx1"/>
-                      </a:solidFill>
-                      <a:prstDash val="solid"/>
-                      <a:round/>
-                      <a:headEnd w="med" len="med"/>
-                      <a:tailEnd w="med" len="med"/>
-                    </a:lnR>
-                    <a:lnT w="12700" cap="flat" cmpd="sng" algn="ctr">
-                      <a:solidFill>
-                        <a:schemeClr val="tx1"/>
-                      </a:solidFill>
-                      <a:prstDash val="solid"/>
-                      <a:round/>
-                      <a:headEnd w="med" len="med"/>
-                      <a:tailEnd w="med" len="med"/>
-                    </a:lnT>
-                    <a:lnB w="12700" cap="flat" cmpd="sng" algn="ctr">
-                      <a:solidFill>
-                        <a:schemeClr val="tx1"/>
-                      </a:solidFill>
-                      <a:prstDash val="solid"/>
-                      <a:round/>
-                      <a:headEnd w="med" len="med"/>
-                      <a:tailEnd w="med" len="med"/>
-                    </a:lnB>
-                    <a:solidFill>
-                      <a:schemeClr val="lt1"/>
-                    </a:solidFill>
-                  </a:tcPr>
-                </a:tc>
-                <a:tc>
-                  <a:txBody>
-                    <a:bodyPr vert="horz" wrap="square" lIns="91440" tIns="45720" rIns="91440" bIns="45720" anchor="ctr" anchorCtr="0">
-                      <a:spAutoFit/>
-                    </a:bodyPr>
-                    <a:p>
-                      <a:pPr marL="0" lvl="0" indent="0" algn="ctr" defTabSz="914400" rtl="0" eaLnBrk="1" latinLnBrk="1" hangingPunct="1">
-                        <a:lnSpc>
-                          <a:spcPct val="100000"/>
-                        </a:lnSpc>
-                        <a:spcBef>
-                          <a:spcPts val="0"/>
-                        </a:spcBef>
-                        <a:spcAft>
-                          <a:spcPts val="0"/>
-                        </a:spcAft>
-                        <a:buNone/>
-                        <a:defRPr/>
-                      </a:pPr>
-                      <a:r>
-                        <a:rPr lang="ko-KR" altLang="en-US" sz="3000" b="0">
-                          <a:ln w="9525">
-                            <a:solidFill>
-                              <a:schemeClr val="lt1"/>
-                            </a:solidFill>
-                          </a:ln>
-                          <a:solidFill>
-                            <a:schemeClr val="dk1"/>
-                          </a:solidFill>
-                        </a:rPr>
-                        <a:t>→</a:t>
-                      </a:r>
-                      <a:endParaRPr lang="en-US" altLang="ko-KR" sz="3000">
-                        <a:ln w="9525">
-                          <a:solidFill>
-                            <a:schemeClr val="lt1"/>
-                          </a:solidFill>
-                        </a:ln>
-                        <a:solidFill>
-                          <a:schemeClr val="dk1"/>
-                        </a:solidFill>
-                      </a:endParaRPr>
-                    </a:p>
-                  </a:txBody>
-                  <a:tcPr marL="91440" marR="91440" anchor="ctr">
-                    <a:lnL w="12700" cap="flat" cmpd="sng" algn="ctr">
-                      <a:solidFill>
-                        <a:schemeClr val="tx1"/>
-                      </a:solidFill>
-                      <a:prstDash val="solid"/>
-                      <a:round/>
-                      <a:headEnd w="med" len="med"/>
-                      <a:tailEnd w="med" len="med"/>
-                    </a:lnL>
-                    <a:lnR w="12700" cap="flat" cmpd="sng" algn="ctr">
-                      <a:solidFill>
-                        <a:schemeClr val="tx1"/>
-                      </a:solidFill>
-                      <a:prstDash val="solid"/>
-                      <a:round/>
-                      <a:headEnd w="med" len="med"/>
-                      <a:tailEnd w="med" len="med"/>
-                    </a:lnR>
-                    <a:lnT w="12700" cap="flat" cmpd="sng" algn="ctr">
-                      <a:solidFill>
-                        <a:schemeClr val="tx1"/>
-                      </a:solidFill>
-                      <a:prstDash val="solid"/>
-                      <a:round/>
-                      <a:headEnd w="med" len="med"/>
-                      <a:tailEnd w="med" len="med"/>
-                    </a:lnT>
-                    <a:lnB w="12700" cap="flat" cmpd="sng" algn="ctr">
-                      <a:solidFill>
-                        <a:schemeClr val="tx1"/>
-                      </a:solidFill>
-                      <a:prstDash val="solid"/>
-                      <a:round/>
-                      <a:headEnd w="med" len="med"/>
-                      <a:tailEnd w="med" len="med"/>
-                    </a:lnB>
-                    <a:solidFill>
-                      <a:schemeClr val="lt1"/>
-                    </a:solidFill>
-                  </a:tcPr>
-                </a:tc>
-                <a:tc>
-                  <a:txBody>
-                    <a:bodyPr vert="horz" wrap="square" lIns="91440" tIns="45720" rIns="91440" bIns="45720" anchor="ctr" anchorCtr="0">
-                      <a:spAutoFit/>
-                    </a:bodyPr>
-                    <a:p>
-                      <a:pPr lvl="0" algn="ctr">
-                        <a:defRPr/>
-                      </a:pPr>
-                      <a:r>
-                        <a:rPr lang="en-US" altLang="ko-KR" sz="3000">
-                          <a:ln w="9525">
-                            <a:solidFill>
-                              <a:schemeClr val="lt1"/>
-                            </a:solidFill>
-                          </a:ln>
-                          <a:solidFill>
-                            <a:schemeClr val="dk1"/>
-                          </a:solidFill>
-                        </a:rPr>
-                        <a:t>G</a:t>
-                      </a:r>
-                      <a:endParaRPr lang="en-US" altLang="ko-KR" sz="3000">
-                        <a:ln w="9525">
-                          <a:solidFill>
-                            <a:schemeClr val="lt1"/>
-                          </a:solidFill>
-                        </a:ln>
-                        <a:solidFill>
-                          <a:schemeClr val="dk1"/>
-                        </a:solidFill>
-                      </a:endParaRPr>
-                    </a:p>
-                  </a:txBody>
-                  <a:tcPr marL="91440" marR="91440" anchor="ctr">
-                    <a:lnL w="12700" cap="flat" cmpd="sng" algn="ctr">
-                      <a:solidFill>
-                        <a:schemeClr val="tx1"/>
-                      </a:solidFill>
-                      <a:prstDash val="solid"/>
-                      <a:round/>
-                      <a:headEnd w="med" len="med"/>
-                      <a:tailEnd w="med" len="med"/>
-                    </a:lnL>
-                    <a:lnR w="12700" cap="flat" cmpd="sng" algn="ctr">
-                      <a:solidFill>
-                        <a:schemeClr val="tx1"/>
-                      </a:solidFill>
-                      <a:prstDash val="solid"/>
-                      <a:round/>
-                      <a:headEnd w="med" len="med"/>
-                      <a:tailEnd w="med" len="med"/>
-                    </a:lnR>
-                    <a:lnT w="12700" cap="flat" cmpd="sng" algn="ctr">
-                      <a:solidFill>
-                        <a:schemeClr val="tx1"/>
-                      </a:solidFill>
-                      <a:prstDash val="solid"/>
-                      <a:round/>
-                      <a:headEnd w="med" len="med"/>
-                      <a:tailEnd w="med" len="med"/>
-                    </a:lnT>
-                    <a:lnB w="12700" cap="flat" cmpd="sng" algn="ctr">
-                      <a:solidFill>
-                        <a:schemeClr val="tx1"/>
-                      </a:solidFill>
-                      <a:prstDash val="solid"/>
-                      <a:round/>
-                      <a:headEnd w="med" len="med"/>
-                      <a:tailEnd w="med" len="med"/>
-                    </a:lnB>
-                    <a:solidFill>
-                      <a:schemeClr val="lt1"/>
-                    </a:solidFill>
-                  </a:tcPr>
-                </a:tc>
-              </a:tr>
-            </a:tbl>
-          </a:graphicData>
-        </a:graphic>
-      </p:graphicFrame>
-      <p:cxnSp>
-        <p:nvCxnSpPr>
-          <p:cNvPr id="23" name="선 22"/>
-          <p:cNvCxnSpPr/>
-          <p:nvPr/>
-        </p:nvCxnSpPr>
-        <p:spPr>
-          <a:xfrm rot="10800000">
-            <a:off x="307105" y="6490288"/>
-            <a:ext cx="11579754" cy="13"/>
-          </a:xfrm>
-          <a:prstGeom prst="line">
-            <a:avLst/>
-          </a:prstGeom>
-          <a:ln>
-            <a:solidFill>
-              <a:schemeClr val="dk1"/>
-            </a:solidFill>
-          </a:ln>
-        </p:spPr>
-        <p:style>
-          <a:lnRef idx="1">
-            <a:schemeClr val="accent1"/>
-          </a:lnRef>
-          <a:fillRef idx="0">
-            <a:schemeClr val="accent1"/>
-          </a:fillRef>
-          <a:effectRef idx="0">
-            <a:schemeClr val="accent1"/>
-          </a:effectRef>
-          <a:fontRef idx="minor">
-            <a:schemeClr val="tx1"/>
-          </a:fontRef>
-        </p:style>
-      </p:cxnSp>
-      <p:cxnSp>
-        <p:nvCxnSpPr>
-          <p:cNvPr id="25" name="선 24"/>
-          <p:cNvCxnSpPr/>
-          <p:nvPr/>
-        </p:nvCxnSpPr>
-        <p:spPr>
-          <a:xfrm rot="16200000" flipH="1">
-            <a:off x="7548965" y="4572995"/>
-            <a:ext cx="3834553" cy="32"/>
-          </a:xfrm>
-          <a:prstGeom prst="line">
-            <a:avLst/>
-          </a:prstGeom>
-          <a:ln>
-            <a:solidFill>
-              <a:schemeClr val="dk1"/>
-            </a:solidFill>
-          </a:ln>
-        </p:spPr>
-        <p:style>
-          <a:lnRef idx="1">
-            <a:schemeClr val="accent1"/>
-          </a:lnRef>
-          <a:fillRef idx="0">
-            <a:schemeClr val="accent1"/>
-          </a:fillRef>
-          <a:effectRef idx="0">
-            <a:schemeClr val="accent1"/>
-          </a:effectRef>
-          <a:fontRef idx="minor">
-            <a:schemeClr val="tx1"/>
-          </a:fontRef>
-        </p:style>
-      </p:cxnSp>
       <p:sp>
         <p:nvSpPr>
-          <p:cNvPr id="27" name="가로 글상자 26"/>
-          <p:cNvSpPr txBox="1"/>
-          <p:nvPr/>
+          <p:cNvPr id="2" name="제목 1"/>
+          <p:cNvSpPr>
+            <a:spLocks noGrp="1"/>
+          </p:cNvSpPr>
+          <p:nvPr>
+            <p:ph type="title" idx="0"/>
+          </p:nvPr>
         </p:nvSpPr>
-        <p:spPr>
-          <a:xfrm>
-            <a:off x="9619226" y="2816543"/>
-            <a:ext cx="2161046" cy="543877"/>
-          </a:xfrm>
-          <a:prstGeom prst="rect">
-            <a:avLst/>
-          </a:prstGeom>
-        </p:spPr>
+        <p:spPr/>
         <p:txBody>
-          <a:bodyPr wrap="square">
-            <a:spAutoFit/>
-          </a:bodyPr>
+          <a:bodyPr/>
           <a:p>
             <a:pPr lvl="0">
               <a:defRPr/>
             </a:pPr>
             <a:r>
-              <a:rPr lang="en-US" altLang="ko-KR" sz="1500"/>
-              <a:t>1-1</a:t>
+              <a:rPr lang="ko-KR" altLang="en-US"/>
+              <a:t/>
             </a:r>
-            <a:endParaRPr lang="en-US" altLang="ko-KR" sz="1500"/>
+            <a:endParaRPr lang="ko-KR" altLang="en-US"/>
           </a:p>
+        </p:txBody>
+      </p:sp>
+      <p:sp>
+        <p:nvSpPr>
+          <p:cNvPr id="3" name="내용 개체 틀 2"/>
+          <p:cNvSpPr>
+            <a:spLocks noGrp="1"/>
+          </p:cNvSpPr>
+          <p:nvPr>
+            <p:ph idx="1"/>
+          </p:nvPr>
+        </p:nvSpPr>
+        <p:spPr/>
+        <p:txBody>
+          <a:bodyPr/>
           <a:p>
             <a:pPr lvl="0">
               <a:defRPr/>
             </a:pPr>
-            <a:endParaRPr lang="ko-KR" altLang="en-US" sz="1500"/>
+            <a:r>
+              <a:rPr lang="ko-KR" altLang="en-US"/>
+              <a:t/>
+            </a:r>
+            <a:endParaRPr lang="ko-KR" altLang="en-US"/>
           </a:p>
         </p:txBody>
       </p:sp>
-      <p:graphicFrame>
-        <p:nvGraphicFramePr>
-          <p:cNvPr id="28" name="표 27"/>
-          <p:cNvGraphicFramePr>
-            <a:graphicFrameLocks noGrp="1"/>
-          </p:cNvGraphicFramePr>
-          <p:nvPr/>
-        </p:nvGraphicFramePr>
-        <p:xfrm>
-          <a:off x="5079590" y="2816518"/>
-          <a:ext cx="4213268" cy="3512980"/>
-        </p:xfrm>
-        <a:graphic>
-          <a:graphicData uri="http://schemas.openxmlformats.org/drawingml/2006/table">
-            <a:tbl>
-              <a:tblPr firstRow="1" bandRow="1">
-                <a:tableStyleId>{01A66EDD-3DAB-4C5B-A090-DC80EC1FD486}</a:tableStyleId>
-              </a:tblPr>
-              <a:tblGrid>
-                <a:gridCol w="1053317"/>
-                <a:gridCol w="1053317"/>
-                <a:gridCol w="1053317"/>
-                <a:gridCol w="1053317"/>
-              </a:tblGrid>
-              <a:tr h="878245">
-                <a:tc>
-                  <a:txBody>
-                    <a:bodyPr vert="horz" wrap="square" lIns="91440" tIns="45720" rIns="91440" bIns="45720" anchor="ctr" anchorCtr="0">
-                      <a:spAutoFit/>
-                    </a:bodyPr>
-                    <a:p>
-                      <a:pPr lvl="0" algn="ctr">
-                        <a:defRPr/>
-                      </a:pPr>
-                      <a:r>
-                        <a:rPr lang="en-US" altLang="ko-KR" sz="3000" b="0">
-                          <a:ln w="9525">
-                            <a:solidFill>
-                              <a:schemeClr val="lt1"/>
-                            </a:solidFill>
-                          </a:ln>
-                          <a:solidFill>
-                            <a:schemeClr val="dk1"/>
-                          </a:solidFill>
-                        </a:rPr>
-                        <a:t>S</a:t>
-                      </a:r>
-                      <a:endParaRPr lang="en-US" altLang="ko-KR" sz="3000" b="0">
-                        <a:ln w="9525">
-                          <a:solidFill>
-                            <a:schemeClr val="lt1"/>
-                          </a:solidFill>
-                        </a:ln>
-                        <a:solidFill>
-                          <a:schemeClr val="dk1"/>
-                        </a:solidFill>
-                      </a:endParaRPr>
-                    </a:p>
-                  </a:txBody>
-                  <a:tcPr marL="91440" marR="91440" anchor="ctr">
-                    <a:lnL w="12700" cap="flat" cmpd="sng" algn="ctr">
-                      <a:solidFill>
-                        <a:schemeClr val="tx1"/>
-                      </a:solidFill>
-                      <a:prstDash val="solid"/>
-                      <a:round/>
-                      <a:headEnd w="med" len="med"/>
-                      <a:tailEnd w="med" len="med"/>
-                    </a:lnL>
-                    <a:lnR w="12700" cap="flat" cmpd="sng" algn="ctr">
-                      <a:solidFill>
-                        <a:schemeClr val="tx1"/>
-                      </a:solidFill>
-                      <a:prstDash val="solid"/>
-                      <a:round/>
-                      <a:headEnd w="med" len="med"/>
-                      <a:tailEnd w="med" len="med"/>
-                    </a:lnR>
-                    <a:lnT w="12700" cap="flat" cmpd="sng" algn="ctr">
-                      <a:solidFill>
-                        <a:schemeClr val="tx1"/>
-                      </a:solidFill>
-                      <a:prstDash val="solid"/>
-                      <a:round/>
-                      <a:headEnd w="med" len="med"/>
-                      <a:tailEnd w="med" len="med"/>
-                    </a:lnT>
-                    <a:lnB w="12700" cap="flat" cmpd="sng" algn="ctr">
-                      <a:solidFill>
-                        <a:schemeClr val="tx1"/>
-                      </a:solidFill>
-                      <a:prstDash val="solid"/>
-                      <a:round/>
-                      <a:headEnd w="med" len="med"/>
-                      <a:tailEnd w="med" len="med"/>
-                    </a:lnB>
-                    <a:solidFill>
-                      <a:schemeClr val="lt1"/>
-                    </a:solidFill>
-                  </a:tcPr>
-                </a:tc>
-                <a:tc>
-                  <a:txBody>
-                    <a:bodyPr vert="horz" wrap="square" lIns="91440" tIns="45720" rIns="91440" bIns="45720" anchor="ctr" anchorCtr="0">
-                      <a:spAutoFit/>
-                    </a:bodyPr>
-                    <a:p>
-                      <a:pPr marL="0" lvl="0" indent="0" algn="ctr" defTabSz="914400" rtl="0" eaLnBrk="1" latinLnBrk="1" hangingPunct="1">
-                        <a:lnSpc>
-                          <a:spcPct val="100000"/>
-                        </a:lnSpc>
-                        <a:spcBef>
-                          <a:spcPts val="0"/>
-                        </a:spcBef>
-                        <a:spcAft>
-                          <a:spcPts val="0"/>
-                        </a:spcAft>
-                        <a:buNone/>
-                        <a:defRPr/>
-                      </a:pPr>
-                      <a:r>
-                        <a:rPr lang="ko-KR" altLang="en-US" sz="3000" b="0">
-                          <a:ln w="9525">
-                            <a:solidFill>
-                              <a:schemeClr val="lt1"/>
-                            </a:solidFill>
-                          </a:ln>
-                          <a:solidFill>
-                            <a:schemeClr val="dk1"/>
-                          </a:solidFill>
-                        </a:rPr>
-                        <a:t>→</a:t>
-                      </a:r>
-                      <a:endParaRPr lang="ko-KR" altLang="en-US" sz="3000" b="0">
-                        <a:ln w="9525">
-                          <a:solidFill>
-                            <a:schemeClr val="lt1"/>
-                          </a:solidFill>
-                        </a:ln>
-                        <a:solidFill>
-                          <a:schemeClr val="dk1"/>
-                        </a:solidFill>
-                      </a:endParaRPr>
-                    </a:p>
-                  </a:txBody>
-                  <a:tcPr marL="91440" marR="91440" anchor="ctr">
-                    <a:lnL w="12700" cap="flat" cmpd="sng" algn="ctr">
-                      <a:solidFill>
-                        <a:schemeClr val="tx1"/>
-                      </a:solidFill>
-                      <a:prstDash val="solid"/>
-                      <a:round/>
-                      <a:headEnd w="med" len="med"/>
-                      <a:tailEnd w="med" len="med"/>
-                    </a:lnL>
-                    <a:lnR w="12700" cap="flat" cmpd="sng" algn="ctr">
-                      <a:solidFill>
-                        <a:schemeClr val="tx1"/>
-                      </a:solidFill>
-                      <a:prstDash val="solid"/>
-                      <a:round/>
-                      <a:headEnd w="med" len="med"/>
-                      <a:tailEnd w="med" len="med"/>
-                    </a:lnR>
-                    <a:lnT w="12700" cap="flat" cmpd="sng" algn="ctr">
-                      <a:solidFill>
-                        <a:schemeClr val="tx1"/>
-                      </a:solidFill>
-                      <a:prstDash val="solid"/>
-                      <a:round/>
-                      <a:headEnd w="med" len="med"/>
-                      <a:tailEnd w="med" len="med"/>
-                    </a:lnT>
-                    <a:lnB w="12700" cap="flat" cmpd="sng" algn="ctr">
-                      <a:solidFill>
-                        <a:schemeClr val="tx1"/>
-                      </a:solidFill>
-                      <a:prstDash val="solid"/>
-                      <a:round/>
-                      <a:headEnd w="med" len="med"/>
-                      <a:tailEnd w="med" len="med"/>
-                    </a:lnB>
-                    <a:solidFill>
-                      <a:schemeClr val="lt1"/>
-                    </a:solidFill>
-                  </a:tcPr>
-                </a:tc>
-                <a:tc>
-                  <a:txBody>
-                    <a:bodyPr vert="horz" wrap="square" lIns="91440" tIns="45720" rIns="91440" bIns="45720" anchor="ctr" anchorCtr="0">
-                      <a:spAutoFit/>
-                    </a:bodyPr>
-                    <a:p>
-                      <a:pPr lvl="0" algn="ctr">
-                        <a:defRPr/>
-                      </a:pPr>
-                      <a:r>
-                        <a:rPr lang="ko-KR" altLang="en-US" sz="3000" b="0">
-                          <a:ln w="9525">
-                            <a:solidFill>
-                              <a:schemeClr val="lt1"/>
-                            </a:solidFill>
-                          </a:ln>
-                          <a:solidFill>
-                            <a:schemeClr val="dk1"/>
-                          </a:solidFill>
-                        </a:rPr>
-                        <a:t>←</a:t>
-                      </a:r>
-                      <a:endParaRPr lang="ko-KR" altLang="en-US" sz="3000" b="0">
-                        <a:ln w="9525">
-                          <a:solidFill>
-                            <a:schemeClr val="lt1"/>
-                          </a:solidFill>
-                        </a:ln>
-                        <a:solidFill>
-                          <a:schemeClr val="dk1"/>
-                        </a:solidFill>
-                      </a:endParaRPr>
-                    </a:p>
-                  </a:txBody>
-                  <a:tcPr marL="91440" marR="91440" anchor="ctr">
-                    <a:lnL w="12700" cap="flat" cmpd="sng" algn="ctr">
-                      <a:solidFill>
-                        <a:schemeClr val="tx1"/>
-                      </a:solidFill>
-                      <a:prstDash val="solid"/>
-                      <a:round/>
-                      <a:headEnd w="med" len="med"/>
-                      <a:tailEnd w="med" len="med"/>
-                    </a:lnL>
-                    <a:lnR w="12700" cap="flat" cmpd="sng" algn="ctr">
-                      <a:solidFill>
-                        <a:schemeClr val="tx1"/>
-                      </a:solidFill>
-                      <a:prstDash val="solid"/>
-                      <a:round/>
-                      <a:headEnd w="med" len="med"/>
-                      <a:tailEnd w="med" len="med"/>
-                    </a:lnR>
-                    <a:lnT w="12700" cap="flat" cmpd="sng" algn="ctr">
-                      <a:solidFill>
-                        <a:schemeClr val="tx1"/>
-                      </a:solidFill>
-                      <a:prstDash val="solid"/>
-                      <a:round/>
-                      <a:headEnd w="med" len="med"/>
-                      <a:tailEnd w="med" len="med"/>
-                    </a:lnT>
-                    <a:lnB w="12700" cap="flat" cmpd="sng" algn="ctr">
-                      <a:solidFill>
-                        <a:schemeClr val="tx1"/>
-                      </a:solidFill>
-                      <a:prstDash val="solid"/>
-                      <a:round/>
-                      <a:headEnd w="med" len="med"/>
-                      <a:tailEnd w="med" len="med"/>
-                    </a:lnB>
-                    <a:solidFill>
-                      <a:schemeClr val="lt1"/>
-                    </a:solidFill>
-                  </a:tcPr>
-                </a:tc>
-                <a:tc>
-                  <a:txBody>
-                    <a:bodyPr vert="horz" wrap="square" lIns="91440" tIns="45720" rIns="91440" bIns="45720" anchor="ctr" anchorCtr="0">
-                      <a:spAutoFit/>
-                    </a:bodyPr>
-                    <a:p>
-                      <a:pPr marL="0" lvl="0" indent="0" algn="ctr" defTabSz="914400" rtl="0" eaLnBrk="1" latinLnBrk="1" hangingPunct="1">
-                        <a:lnSpc>
-                          <a:spcPct val="100000"/>
-                        </a:lnSpc>
-                        <a:spcBef>
-                          <a:spcPts val="0"/>
-                        </a:spcBef>
-                        <a:spcAft>
-                          <a:spcPts val="0"/>
-                        </a:spcAft>
-                        <a:buNone/>
-                        <a:defRPr/>
-                      </a:pPr>
-                      <a:r>
-                        <a:rPr lang="ko-KR" altLang="en-US" sz="3000" b="0">
-                          <a:ln w="9525">
-                            <a:solidFill>
-                              <a:schemeClr val="lt1"/>
-                            </a:solidFill>
-                          </a:ln>
-                          <a:solidFill>
-                            <a:schemeClr val="dk1"/>
-                          </a:solidFill>
-                        </a:rPr>
-                        <a:t>→</a:t>
-                      </a:r>
-                      <a:endParaRPr lang="en-US" altLang="ko-KR" sz="3000" b="0">
-                        <a:ln w="9525">
-                          <a:solidFill>
-                            <a:schemeClr val="lt1"/>
-                          </a:solidFill>
-                        </a:ln>
-                        <a:solidFill>
-                          <a:schemeClr val="dk1"/>
-                        </a:solidFill>
-                      </a:endParaRPr>
-                    </a:p>
-                  </a:txBody>
-                  <a:tcPr marL="91440" marR="91440" anchor="ctr">
-                    <a:lnL w="12700" cap="flat" cmpd="sng" algn="ctr">
-                      <a:solidFill>
-                        <a:schemeClr val="tx1"/>
-                      </a:solidFill>
-                      <a:prstDash val="solid"/>
-                      <a:round/>
-                      <a:headEnd w="med" len="med"/>
-                      <a:tailEnd w="med" len="med"/>
-                    </a:lnL>
-                    <a:lnR w="12700" cap="flat" cmpd="sng" algn="ctr">
-                      <a:solidFill>
-                        <a:schemeClr val="tx1"/>
-                      </a:solidFill>
-                      <a:prstDash val="solid"/>
-                      <a:round/>
-                      <a:headEnd w="med" len="med"/>
-                      <a:tailEnd w="med" len="med"/>
-                    </a:lnR>
-                    <a:lnT w="12700" cap="flat" cmpd="sng" algn="ctr">
-                      <a:solidFill>
-                        <a:schemeClr val="tx1"/>
-                      </a:solidFill>
-                      <a:prstDash val="solid"/>
-                      <a:round/>
-                      <a:headEnd w="med" len="med"/>
-                      <a:tailEnd w="med" len="med"/>
-                    </a:lnT>
-                    <a:lnB w="12700" cap="flat" cmpd="sng" algn="ctr">
-                      <a:solidFill>
-                        <a:schemeClr val="tx1"/>
-                      </a:solidFill>
-                      <a:prstDash val="solid"/>
-                      <a:round/>
-                      <a:headEnd w="med" len="med"/>
-                      <a:tailEnd w="med" len="med"/>
-                    </a:lnB>
-                    <a:solidFill>
-                      <a:schemeClr val="lt1"/>
-                    </a:solidFill>
-                  </a:tcPr>
-                </a:tc>
-              </a:tr>
-              <a:tr h="878245">
-                <a:tc>
-                  <a:txBody>
-                    <a:bodyPr vert="horz" wrap="square" lIns="91440" tIns="45720" rIns="91440" bIns="45720" anchor="ctr" anchorCtr="0">
-                      <a:spAutoFit/>
-                    </a:bodyPr>
-                    <a:p>
-                      <a:pPr lvl="0" algn="ctr">
-                        <a:defRPr/>
-                      </a:pPr>
-                      <a:r>
-                        <a:rPr lang="ko-KR" altLang="en-US" sz="3000" b="0">
-                          <a:ln w="9525">
-                            <a:solidFill>
-                              <a:schemeClr val="lt1"/>
-                            </a:solidFill>
-                          </a:ln>
-                          <a:solidFill>
-                            <a:schemeClr val="dk1"/>
-                          </a:solidFill>
-                        </a:rPr>
-                        <a:t>←</a:t>
-                      </a:r>
-                      <a:endParaRPr lang="en-US" altLang="ko-KR" sz="3000">
-                        <a:ln w="9525">
-                          <a:solidFill>
-                            <a:schemeClr val="lt1"/>
-                          </a:solidFill>
-                        </a:ln>
-                        <a:solidFill>
-                          <a:schemeClr val="dk1"/>
-                        </a:solidFill>
-                      </a:endParaRPr>
-                    </a:p>
-                  </a:txBody>
-                  <a:tcPr marL="91440" marR="91440" anchor="ctr">
-                    <a:lnL w="12700" cap="flat" cmpd="sng" algn="ctr">
-                      <a:solidFill>
-                        <a:schemeClr val="tx1"/>
-                      </a:solidFill>
-                      <a:prstDash val="solid"/>
-                      <a:round/>
-                      <a:headEnd w="med" len="med"/>
-                      <a:tailEnd w="med" len="med"/>
-                    </a:lnL>
-                    <a:lnR w="12700" cap="flat" cmpd="sng" algn="ctr">
-                      <a:solidFill>
-                        <a:schemeClr val="tx1"/>
-                      </a:solidFill>
-                      <a:prstDash val="solid"/>
-                      <a:round/>
-                      <a:headEnd w="med" len="med"/>
-                      <a:tailEnd w="med" len="med"/>
-                    </a:lnR>
-                    <a:lnT w="12700" cap="flat" cmpd="sng" algn="ctr">
-                      <a:solidFill>
-                        <a:schemeClr val="tx1"/>
-                      </a:solidFill>
-                      <a:prstDash val="solid"/>
-                      <a:round/>
-                      <a:headEnd w="med" len="med"/>
-                      <a:tailEnd w="med" len="med"/>
-                    </a:lnT>
-                    <a:lnB w="12700" cap="flat" cmpd="sng" algn="ctr">
-                      <a:solidFill>
-                        <a:schemeClr val="tx1"/>
-                      </a:solidFill>
-                      <a:prstDash val="solid"/>
-                      <a:round/>
-                      <a:headEnd w="med" len="med"/>
-                      <a:tailEnd w="med" len="med"/>
-                    </a:lnB>
-                    <a:solidFill>
-                      <a:schemeClr val="lt1"/>
-                    </a:solidFill>
-                  </a:tcPr>
-                </a:tc>
-                <a:tc>
-                  <a:txBody>
-                    <a:bodyPr vert="horz" wrap="square" lIns="91440" tIns="45720" rIns="91440" bIns="45720" anchor="ctr" anchorCtr="0">
-                      <a:spAutoFit/>
-                    </a:bodyPr>
-                    <a:p>
-                      <a:pPr lvl="0" algn="ctr">
-                        <a:defRPr/>
-                      </a:pPr>
-                      <a:r>
-                        <a:rPr lang="ko-KR" altLang="en-US" sz="3000" b="0">
-                          <a:ln w="9525">
-                            <a:solidFill>
-                              <a:schemeClr val="lt1"/>
-                            </a:solidFill>
-                          </a:ln>
-                          <a:solidFill>
-                            <a:schemeClr val="dk1"/>
-                          </a:solidFill>
-                        </a:rPr>
-                        <a:t>←</a:t>
-                      </a:r>
-                      <a:endParaRPr lang="en-US" altLang="ko-KR" sz="3000">
-                        <a:ln w="9525">
-                          <a:solidFill>
-                            <a:schemeClr val="lt1"/>
-                          </a:solidFill>
-                        </a:ln>
-                        <a:solidFill>
-                          <a:schemeClr val="dk1"/>
-                        </a:solidFill>
-                      </a:endParaRPr>
-                    </a:p>
-                  </a:txBody>
-                  <a:tcPr marL="91440" marR="91440" anchor="ctr">
-                    <a:lnL w="12700" cap="flat" cmpd="sng" algn="ctr">
-                      <a:solidFill>
-                        <a:schemeClr val="tx1"/>
-                      </a:solidFill>
-                      <a:prstDash val="solid"/>
-                      <a:round/>
-                      <a:headEnd w="med" len="med"/>
-                      <a:tailEnd w="med" len="med"/>
-                    </a:lnL>
-                    <a:lnR w="12700" cap="flat" cmpd="sng" algn="ctr">
-                      <a:solidFill>
-                        <a:schemeClr val="tx1"/>
-                      </a:solidFill>
-                      <a:prstDash val="solid"/>
-                      <a:round/>
-                      <a:headEnd w="med" len="med"/>
-                      <a:tailEnd w="med" len="med"/>
-                    </a:lnR>
-                    <a:lnT w="12700" cap="flat" cmpd="sng" algn="ctr">
-                      <a:solidFill>
-                        <a:schemeClr val="tx1"/>
-                      </a:solidFill>
-                      <a:prstDash val="solid"/>
-                      <a:round/>
-                      <a:headEnd w="med" len="med"/>
-                      <a:tailEnd w="med" len="med"/>
-                    </a:lnT>
-                    <a:lnB w="12700" cap="flat" cmpd="sng" algn="ctr">
-                      <a:solidFill>
-                        <a:schemeClr val="tx1"/>
-                      </a:solidFill>
-                      <a:prstDash val="solid"/>
-                      <a:round/>
-                      <a:headEnd w="med" len="med"/>
-                      <a:tailEnd w="med" len="med"/>
-                    </a:lnB>
-                    <a:solidFill>
-                      <a:schemeClr val="lt1"/>
-                    </a:solidFill>
-                  </a:tcPr>
-                </a:tc>
-                <a:tc>
-                  <a:txBody>
-                    <a:bodyPr vert="horz" wrap="square" lIns="91440" tIns="45720" rIns="91440" bIns="45720" anchor="ctr" anchorCtr="0">
-                      <a:spAutoFit/>
-                    </a:bodyPr>
-                    <a:p>
-                      <a:pPr lvl="0" algn="ctr">
-                        <a:defRPr/>
-                      </a:pPr>
-                      <a:r>
-                        <a:rPr lang="ko-KR" altLang="en-US" sz="3000" b="0">
-                          <a:ln w="9525">
-                            <a:solidFill>
-                              <a:schemeClr val="lt1"/>
-                            </a:solidFill>
-                          </a:ln>
-                          <a:solidFill>
-                            <a:schemeClr val="dk1"/>
-                          </a:solidFill>
-                        </a:rPr>
-                        <a:t>←</a:t>
-                      </a:r>
-                      <a:endParaRPr lang="en-US" altLang="ko-KR" sz="3000">
-                        <a:ln w="9525">
-                          <a:solidFill>
-                            <a:schemeClr val="lt1"/>
-                          </a:solidFill>
-                        </a:ln>
-                        <a:solidFill>
-                          <a:schemeClr val="dk1"/>
-                        </a:solidFill>
-                      </a:endParaRPr>
-                    </a:p>
-                  </a:txBody>
-                  <a:tcPr marL="91440" marR="91440" anchor="ctr">
-                    <a:lnL w="12700" cap="flat" cmpd="sng" algn="ctr">
-                      <a:solidFill>
-                        <a:schemeClr val="tx1"/>
-                      </a:solidFill>
-                      <a:prstDash val="solid"/>
-                      <a:round/>
-                      <a:headEnd w="med" len="med"/>
-                      <a:tailEnd w="med" len="med"/>
-                    </a:lnL>
-                    <a:lnR w="12700" cap="flat" cmpd="sng" algn="ctr">
-                      <a:solidFill>
-                        <a:schemeClr val="tx1"/>
-                      </a:solidFill>
-                      <a:prstDash val="solid"/>
-                      <a:round/>
-                      <a:headEnd w="med" len="med"/>
-                      <a:tailEnd w="med" len="med"/>
-                    </a:lnR>
-                    <a:lnT w="12700" cap="flat" cmpd="sng" algn="ctr">
-                      <a:solidFill>
-                        <a:schemeClr val="tx1"/>
-                      </a:solidFill>
-                      <a:prstDash val="solid"/>
-                      <a:round/>
-                      <a:headEnd w="med" len="med"/>
-                      <a:tailEnd w="med" len="med"/>
-                    </a:lnT>
-                    <a:lnB w="12700" cap="flat" cmpd="sng" algn="ctr">
-                      <a:solidFill>
-                        <a:schemeClr val="tx1"/>
-                      </a:solidFill>
-                      <a:prstDash val="solid"/>
-                      <a:round/>
-                      <a:headEnd w="med" len="med"/>
-                      <a:tailEnd w="med" len="med"/>
-                    </a:lnB>
-                    <a:solidFill>
-                      <a:schemeClr val="lt1"/>
-                    </a:solidFill>
-                  </a:tcPr>
-                </a:tc>
-                <a:tc>
-                  <a:txBody>
-                    <a:bodyPr vert="horz" wrap="square" lIns="91440" tIns="45720" rIns="91440" bIns="45720" anchor="ctr" anchorCtr="0">
-                      <a:spAutoFit/>
-                    </a:bodyPr>
-                    <a:p>
-                      <a:pPr lvl="0" algn="ctr">
-                        <a:defRPr/>
-                      </a:pPr>
-                      <a:r>
-                        <a:rPr lang="ko-KR" altLang="en-US" sz="3000" b="0">
-                          <a:ln w="9525">
-                            <a:solidFill>
-                              <a:schemeClr val="lt1"/>
-                            </a:solidFill>
-                          </a:ln>
-                          <a:solidFill>
-                            <a:schemeClr val="dk1"/>
-                          </a:solidFill>
-                        </a:rPr>
-                        <a:t>←</a:t>
-                      </a:r>
-                      <a:endParaRPr lang="en-US" altLang="ko-KR" sz="3000">
-                        <a:ln w="9525">
-                          <a:solidFill>
-                            <a:schemeClr val="lt1"/>
-                          </a:solidFill>
-                        </a:ln>
-                        <a:solidFill>
-                          <a:schemeClr val="dk1"/>
-                        </a:solidFill>
-                      </a:endParaRPr>
-                    </a:p>
-                  </a:txBody>
-                  <a:tcPr marL="91440" marR="91440" anchor="ctr">
-                    <a:lnL w="12700" cap="flat" cmpd="sng" algn="ctr">
-                      <a:solidFill>
-                        <a:schemeClr val="tx1"/>
-                      </a:solidFill>
-                      <a:prstDash val="solid"/>
-                      <a:round/>
-                      <a:headEnd w="med" len="med"/>
-                      <a:tailEnd w="med" len="med"/>
-                    </a:lnL>
-                    <a:lnR w="12700" cap="flat" cmpd="sng" algn="ctr">
-                      <a:solidFill>
-                        <a:schemeClr val="tx1"/>
-                      </a:solidFill>
-                      <a:prstDash val="solid"/>
-                      <a:round/>
-                      <a:headEnd w="med" len="med"/>
-                      <a:tailEnd w="med" len="med"/>
-                    </a:lnR>
-                    <a:lnT w="12700" cap="flat" cmpd="sng" algn="ctr">
-                      <a:solidFill>
-                        <a:schemeClr val="tx1"/>
-                      </a:solidFill>
-                      <a:prstDash val="solid"/>
-                      <a:round/>
-                      <a:headEnd w="med" len="med"/>
-                      <a:tailEnd w="med" len="med"/>
-                    </a:lnT>
-                    <a:lnB w="12700" cap="flat" cmpd="sng" algn="ctr">
-                      <a:solidFill>
-                        <a:schemeClr val="tx1"/>
-                      </a:solidFill>
-                      <a:prstDash val="solid"/>
-                      <a:round/>
-                      <a:headEnd w="med" len="med"/>
-                      <a:tailEnd w="med" len="med"/>
-                    </a:lnB>
-                    <a:solidFill>
-                      <a:schemeClr val="lt1"/>
-                    </a:solidFill>
-                  </a:tcPr>
-                </a:tc>
-              </a:tr>
-              <a:tr h="878245">
-                <a:tc>
-                  <a:txBody>
-                    <a:bodyPr vert="horz" wrap="square" lIns="91440" tIns="45720" rIns="91440" bIns="45720" anchor="ctr" anchorCtr="0">
-                      <a:spAutoFit/>
-                    </a:bodyPr>
-                    <a:p>
-                      <a:pPr lvl="0" algn="ctr">
-                        <a:defRPr/>
-                      </a:pPr>
-                      <a:r>
-                        <a:rPr lang="ko-KR" altLang="en-US" sz="3000" b="0">
-                          <a:ln w="9525">
-                            <a:solidFill>
-                              <a:schemeClr val="lt1"/>
-                            </a:solidFill>
-                          </a:ln>
-                          <a:solidFill>
-                            <a:schemeClr val="dk1"/>
-                          </a:solidFill>
-                        </a:rPr>
-                        <a:t>←</a:t>
-                      </a:r>
-                      <a:endParaRPr lang="en-US" altLang="ko-KR" sz="3000">
-                        <a:ln w="9525">
-                          <a:solidFill>
-                            <a:schemeClr val="lt1"/>
-                          </a:solidFill>
-                        </a:ln>
-                        <a:solidFill>
-                          <a:schemeClr val="dk1"/>
-                        </a:solidFill>
-                      </a:endParaRPr>
-                    </a:p>
-                  </a:txBody>
-                  <a:tcPr marL="91440" marR="91440" anchor="ctr">
-                    <a:lnL w="12700" cap="flat" cmpd="sng" algn="ctr">
-                      <a:solidFill>
-                        <a:schemeClr val="tx1"/>
-                      </a:solidFill>
-                      <a:prstDash val="solid"/>
-                      <a:round/>
-                      <a:headEnd w="med" len="med"/>
-                      <a:tailEnd w="med" len="med"/>
-                    </a:lnL>
-                    <a:lnR w="12700" cap="flat" cmpd="sng" algn="ctr">
-                      <a:solidFill>
-                        <a:schemeClr val="tx1"/>
-                      </a:solidFill>
-                      <a:prstDash val="solid"/>
-                      <a:round/>
-                      <a:headEnd w="med" len="med"/>
-                      <a:tailEnd w="med" len="med"/>
-                    </a:lnR>
-                    <a:lnT w="12700" cap="flat" cmpd="sng" algn="ctr">
-                      <a:solidFill>
-                        <a:schemeClr val="tx1"/>
-                      </a:solidFill>
-                      <a:prstDash val="solid"/>
-                      <a:round/>
-                      <a:headEnd w="med" len="med"/>
-                      <a:tailEnd w="med" len="med"/>
-                    </a:lnT>
-                    <a:lnB w="12700" cap="flat" cmpd="sng" algn="ctr">
-                      <a:solidFill>
-                        <a:schemeClr val="tx1"/>
-                      </a:solidFill>
-                      <a:prstDash val="solid"/>
-                      <a:round/>
-                      <a:headEnd w="med" len="med"/>
-                      <a:tailEnd w="med" len="med"/>
-                    </a:lnB>
-                    <a:solidFill>
-                      <a:schemeClr val="lt1"/>
-                    </a:solidFill>
-                  </a:tcPr>
-                </a:tc>
-                <a:tc>
-                  <a:txBody>
-                    <a:bodyPr vert="horz" wrap="square" lIns="91440" tIns="45720" rIns="91440" bIns="45720" anchor="ctr" anchorCtr="0">
-                      <a:spAutoFit/>
-                    </a:bodyPr>
-                    <a:p>
-                      <a:pPr marL="0" lvl="0" indent="0" algn="ctr" defTabSz="914400" rtl="0" eaLnBrk="1" latinLnBrk="1" hangingPunct="1">
-                        <a:lnSpc>
-                          <a:spcPct val="100000"/>
-                        </a:lnSpc>
-                        <a:spcBef>
-                          <a:spcPts val="0"/>
-                        </a:spcBef>
-                        <a:spcAft>
-                          <a:spcPts val="0"/>
-                        </a:spcAft>
-                        <a:buNone/>
-                        <a:defRPr/>
-                      </a:pPr>
-                      <a:r>
-                        <a:rPr lang="ko-KR" altLang="en-US" sz="3000" b="0">
-                          <a:ln w="9525">
-                            <a:solidFill>
-                              <a:schemeClr val="lt1"/>
-                            </a:solidFill>
-                          </a:ln>
-                          <a:solidFill>
-                            <a:schemeClr val="dk1"/>
-                          </a:solidFill>
-                        </a:rPr>
-                        <a:t>→</a:t>
-                      </a:r>
-                      <a:endParaRPr lang="en-US" altLang="ko-KR" sz="3000">
-                        <a:ln w="9525">
-                          <a:solidFill>
-                            <a:schemeClr val="lt1"/>
-                          </a:solidFill>
-                        </a:ln>
-                        <a:solidFill>
-                          <a:schemeClr val="dk1"/>
-                        </a:solidFill>
-                      </a:endParaRPr>
-                    </a:p>
-                  </a:txBody>
-                  <a:tcPr marL="91440" marR="91440" anchor="ctr">
-                    <a:lnL w="12700" cap="flat" cmpd="sng" algn="ctr">
-                      <a:solidFill>
-                        <a:schemeClr val="tx1"/>
-                      </a:solidFill>
-                      <a:prstDash val="solid"/>
-                      <a:round/>
-                      <a:headEnd w="med" len="med"/>
-                      <a:tailEnd w="med" len="med"/>
-                    </a:lnL>
-                    <a:lnR w="12700" cap="flat" cmpd="sng" algn="ctr">
-                      <a:solidFill>
-                        <a:schemeClr val="tx1"/>
-                      </a:solidFill>
-                      <a:prstDash val="solid"/>
-                      <a:round/>
-                      <a:headEnd w="med" len="med"/>
-                      <a:tailEnd w="med" len="med"/>
-                    </a:lnR>
-                    <a:lnT w="12700" cap="flat" cmpd="sng" algn="ctr">
-                      <a:solidFill>
-                        <a:schemeClr val="tx1"/>
-                      </a:solidFill>
-                      <a:prstDash val="solid"/>
-                      <a:round/>
-                      <a:headEnd w="med" len="med"/>
-                      <a:tailEnd w="med" len="med"/>
-                    </a:lnT>
-                    <a:lnB w="12700" cap="flat" cmpd="sng" algn="ctr">
-                      <a:solidFill>
-                        <a:schemeClr val="tx1"/>
-                      </a:solidFill>
-                      <a:prstDash val="solid"/>
-                      <a:round/>
-                      <a:headEnd w="med" len="med"/>
-                      <a:tailEnd w="med" len="med"/>
-                    </a:lnB>
-                    <a:solidFill>
-                      <a:schemeClr val="lt1"/>
-                    </a:solidFill>
-                  </a:tcPr>
-                </a:tc>
-                <a:tc>
-                  <a:txBody>
-                    <a:bodyPr vert="horz" wrap="square" lIns="91440" tIns="45720" rIns="91440" bIns="45720" anchor="ctr" anchorCtr="0">
-                      <a:spAutoFit/>
-                    </a:bodyPr>
-                    <a:p>
-                      <a:pPr marL="0" lvl="0" indent="0" algn="ctr" defTabSz="914400" rtl="0" eaLnBrk="1" latinLnBrk="1" hangingPunct="1">
-                        <a:lnSpc>
-                          <a:spcPct val="100000"/>
-                        </a:lnSpc>
-                        <a:spcBef>
-                          <a:spcPts val="0"/>
-                        </a:spcBef>
-                        <a:spcAft>
-                          <a:spcPts val="0"/>
-                        </a:spcAft>
-                        <a:buNone/>
-                        <a:defRPr/>
-                      </a:pPr>
-                      <a:r>
-                        <a:rPr lang="ko-KR" altLang="en-US" sz="3000" b="0">
-                          <a:ln w="9525">
-                            <a:solidFill>
-                              <a:schemeClr val="lt1"/>
-                            </a:solidFill>
-                          </a:ln>
-                          <a:solidFill>
-                            <a:schemeClr val="dk1"/>
-                          </a:solidFill>
-                        </a:rPr>
-                        <a:t>→</a:t>
-                      </a:r>
-                      <a:endParaRPr lang="en-US" altLang="ko-KR" sz="3000">
-                        <a:ln w="9525">
-                          <a:solidFill>
-                            <a:schemeClr val="lt1"/>
-                          </a:solidFill>
-                        </a:ln>
-                        <a:solidFill>
-                          <a:schemeClr val="dk1"/>
-                        </a:solidFill>
-                      </a:endParaRPr>
-                    </a:p>
-                  </a:txBody>
-                  <a:tcPr marL="91440" marR="91440" anchor="ctr">
-                    <a:lnL w="12700" cap="flat" cmpd="sng" algn="ctr">
-                      <a:solidFill>
-                        <a:schemeClr val="tx1"/>
-                      </a:solidFill>
-                      <a:prstDash val="solid"/>
-                      <a:round/>
-                      <a:headEnd w="med" len="med"/>
-                      <a:tailEnd w="med" len="med"/>
-                    </a:lnL>
-                    <a:lnR w="12700" cap="flat" cmpd="sng" algn="ctr">
-                      <a:solidFill>
-                        <a:schemeClr val="tx1"/>
-                      </a:solidFill>
-                      <a:prstDash val="solid"/>
-                      <a:round/>
-                      <a:headEnd w="med" len="med"/>
-                      <a:tailEnd w="med" len="med"/>
-                    </a:lnR>
-                    <a:lnT w="12700" cap="flat" cmpd="sng" algn="ctr">
-                      <a:solidFill>
-                        <a:schemeClr val="tx1"/>
-                      </a:solidFill>
-                      <a:prstDash val="solid"/>
-                      <a:round/>
-                      <a:headEnd w="med" len="med"/>
-                      <a:tailEnd w="med" len="med"/>
-                    </a:lnT>
-                    <a:lnB w="12700" cap="flat" cmpd="sng" algn="ctr">
-                      <a:solidFill>
-                        <a:schemeClr val="tx1"/>
-                      </a:solidFill>
-                      <a:prstDash val="solid"/>
-                      <a:round/>
-                      <a:headEnd w="med" len="med"/>
-                      <a:tailEnd w="med" len="med"/>
-                    </a:lnB>
-                    <a:solidFill>
-                      <a:schemeClr val="lt1"/>
-                    </a:solidFill>
-                  </a:tcPr>
-                </a:tc>
-                <a:tc>
-                  <a:txBody>
-                    <a:bodyPr vert="horz" wrap="square" lIns="91440" tIns="45720" rIns="91440" bIns="45720" anchor="ctr" anchorCtr="0">
-                      <a:spAutoFit/>
-                    </a:bodyPr>
-                    <a:p>
-                      <a:pPr lvl="0" algn="ctr">
-                        <a:defRPr/>
-                      </a:pPr>
-                      <a:r>
-                        <a:rPr lang="ko-KR" altLang="en-US" sz="3000" b="0">
-                          <a:ln w="9525">
-                            <a:solidFill>
-                              <a:schemeClr val="lt1"/>
-                            </a:solidFill>
-                          </a:ln>
-                          <a:solidFill>
-                            <a:schemeClr val="dk1"/>
-                          </a:solidFill>
-                        </a:rPr>
-                        <a:t>←</a:t>
-                      </a:r>
-                      <a:endParaRPr lang="en-US" altLang="ko-KR" sz="3000">
-                        <a:ln w="9525">
-                          <a:solidFill>
-                            <a:schemeClr val="lt1"/>
-                          </a:solidFill>
-                        </a:ln>
-                        <a:solidFill>
-                          <a:schemeClr val="dk1"/>
-                        </a:solidFill>
-                      </a:endParaRPr>
-                    </a:p>
-                  </a:txBody>
-                  <a:tcPr marL="91440" marR="91440" anchor="ctr">
-                    <a:lnL w="12700" cap="flat" cmpd="sng" algn="ctr">
-                      <a:solidFill>
-                        <a:schemeClr val="tx1"/>
-                      </a:solidFill>
-                      <a:prstDash val="solid"/>
-                      <a:round/>
-                      <a:headEnd w="med" len="med"/>
-                      <a:tailEnd w="med" len="med"/>
-                    </a:lnL>
-                    <a:lnR w="12700" cap="flat" cmpd="sng" algn="ctr">
-                      <a:solidFill>
-                        <a:schemeClr val="tx1"/>
-                      </a:solidFill>
-                      <a:prstDash val="solid"/>
-                      <a:round/>
-                      <a:headEnd w="med" len="med"/>
-                      <a:tailEnd w="med" len="med"/>
-                    </a:lnR>
-                    <a:lnT w="12700" cap="flat" cmpd="sng" algn="ctr">
-                      <a:solidFill>
-                        <a:schemeClr val="tx1"/>
-                      </a:solidFill>
-                      <a:prstDash val="solid"/>
-                      <a:round/>
-                      <a:headEnd w="med" len="med"/>
-                      <a:tailEnd w="med" len="med"/>
-                    </a:lnT>
-                    <a:lnB w="12700" cap="flat" cmpd="sng" algn="ctr">
-                      <a:solidFill>
-                        <a:schemeClr val="tx1"/>
-                      </a:solidFill>
-                      <a:prstDash val="solid"/>
-                      <a:round/>
-                      <a:headEnd w="med" len="med"/>
-                      <a:tailEnd w="med" len="med"/>
-                    </a:lnB>
-                    <a:solidFill>
-                      <a:schemeClr val="lt1"/>
-                    </a:solidFill>
-                  </a:tcPr>
-                </a:tc>
-              </a:tr>
-              <a:tr h="878245">
-                <a:tc>
-                  <a:txBody>
-                    <a:bodyPr vert="horz" wrap="square" lIns="91440" tIns="45720" rIns="91440" bIns="45720" anchor="ctr" anchorCtr="0">
-                      <a:spAutoFit/>
-                    </a:bodyPr>
-                    <a:p>
-                      <a:pPr marL="0" lvl="0" indent="0" algn="ctr" defTabSz="914400" rtl="0" eaLnBrk="1" latinLnBrk="1" hangingPunct="1">
-                        <a:lnSpc>
-                          <a:spcPct val="100000"/>
-                        </a:lnSpc>
-                        <a:spcBef>
-                          <a:spcPts val="0"/>
-                        </a:spcBef>
-                        <a:spcAft>
-                          <a:spcPts val="0"/>
-                        </a:spcAft>
-                        <a:buNone/>
-                        <a:defRPr/>
-                      </a:pPr>
-                      <a:r>
-                        <a:rPr lang="ko-KR" altLang="en-US" sz="3000">
-                          <a:ln w="9525">
-                            <a:solidFill>
-                              <a:schemeClr val="lt1"/>
-                            </a:solidFill>
-                          </a:ln>
-                          <a:solidFill>
-                            <a:schemeClr val="dk1"/>
-                          </a:solidFill>
-                        </a:rPr>
-                        <a:t>→</a:t>
-                      </a:r>
-                      <a:endParaRPr lang="en-US" altLang="ko-KR" sz="3000">
-                        <a:ln w="9525">
-                          <a:solidFill>
-                            <a:schemeClr val="lt1"/>
-                          </a:solidFill>
-                        </a:ln>
-                        <a:solidFill>
-                          <a:schemeClr val="dk1"/>
-                        </a:solidFill>
-                      </a:endParaRPr>
-                    </a:p>
-                  </a:txBody>
-                  <a:tcPr marL="91440" marR="91440" anchor="ctr">
-                    <a:lnL w="12700" cap="flat" cmpd="sng" algn="ctr">
-                      <a:solidFill>
-                        <a:schemeClr val="tx1"/>
-                      </a:solidFill>
-                      <a:prstDash val="solid"/>
-                      <a:round/>
-                      <a:headEnd w="med" len="med"/>
-                      <a:tailEnd w="med" len="med"/>
-                    </a:lnL>
-                    <a:lnR w="12700" cap="flat" cmpd="sng" algn="ctr">
-                      <a:solidFill>
-                        <a:schemeClr val="tx1"/>
-                      </a:solidFill>
-                      <a:prstDash val="solid"/>
-                      <a:round/>
-                      <a:headEnd w="med" len="med"/>
-                      <a:tailEnd w="med" len="med"/>
-                    </a:lnR>
-                    <a:lnT w="12700" cap="flat" cmpd="sng" algn="ctr">
-                      <a:solidFill>
-                        <a:schemeClr val="tx1"/>
-                      </a:solidFill>
-                      <a:prstDash val="solid"/>
-                      <a:round/>
-                      <a:headEnd w="med" len="med"/>
-                      <a:tailEnd w="med" len="med"/>
-                    </a:lnT>
-                    <a:lnB w="12700" cap="flat" cmpd="sng" algn="ctr">
-                      <a:solidFill>
-                        <a:schemeClr val="tx1"/>
-                      </a:solidFill>
-                      <a:prstDash val="solid"/>
-                      <a:round/>
-                      <a:headEnd w="med" len="med"/>
-                      <a:tailEnd w="med" len="med"/>
-                    </a:lnB>
-                    <a:solidFill>
-                      <a:schemeClr val="lt1"/>
-                    </a:solidFill>
-                  </a:tcPr>
-                </a:tc>
-                <a:tc>
-                  <a:txBody>
-                    <a:bodyPr vert="horz" wrap="square" lIns="91440" tIns="45720" rIns="91440" bIns="45720" anchor="ctr" anchorCtr="0">
-                      <a:spAutoFit/>
-                    </a:bodyPr>
-                    <a:p>
-                      <a:pPr lvl="0" algn="ctr">
-                        <a:defRPr/>
-                      </a:pPr>
-                      <a:r>
-                        <a:rPr lang="ko-KR" altLang="en-US" sz="3000" b="0">
-                          <a:ln w="9525">
-                            <a:solidFill>
-                              <a:schemeClr val="lt1"/>
-                            </a:solidFill>
-                          </a:ln>
-                          <a:solidFill>
-                            <a:schemeClr val="dk1"/>
-                          </a:solidFill>
-                        </a:rPr>
-                        <a:t>←</a:t>
-                      </a:r>
-                      <a:endParaRPr lang="en-US" altLang="ko-KR" sz="3000">
-                        <a:ln w="9525">
-                          <a:solidFill>
-                            <a:schemeClr val="lt1"/>
-                          </a:solidFill>
-                        </a:ln>
-                        <a:solidFill>
-                          <a:schemeClr val="dk1"/>
-                        </a:solidFill>
-                      </a:endParaRPr>
-                    </a:p>
-                  </a:txBody>
-                  <a:tcPr marL="91440" marR="91440" anchor="ctr">
-                    <a:lnL w="12700" cap="flat" cmpd="sng" algn="ctr">
-                      <a:solidFill>
-                        <a:schemeClr val="tx1"/>
-                      </a:solidFill>
-                      <a:prstDash val="solid"/>
-                      <a:round/>
-                      <a:headEnd w="med" len="med"/>
-                      <a:tailEnd w="med" len="med"/>
-                    </a:lnL>
-                    <a:lnR w="12700" cap="flat" cmpd="sng" algn="ctr">
-                      <a:solidFill>
-                        <a:schemeClr val="tx1"/>
-                      </a:solidFill>
-                      <a:prstDash val="solid"/>
-                      <a:round/>
-                      <a:headEnd w="med" len="med"/>
-                      <a:tailEnd w="med" len="med"/>
-                    </a:lnR>
-                    <a:lnT w="12700" cap="flat" cmpd="sng" algn="ctr">
-                      <a:solidFill>
-                        <a:schemeClr val="tx1"/>
-                      </a:solidFill>
-                      <a:prstDash val="solid"/>
-                      <a:round/>
-                      <a:headEnd w="med" len="med"/>
-                      <a:tailEnd w="med" len="med"/>
-                    </a:lnT>
-                    <a:lnB w="12700" cap="flat" cmpd="sng" algn="ctr">
-                      <a:solidFill>
-                        <a:schemeClr val="tx1"/>
-                      </a:solidFill>
-                      <a:prstDash val="solid"/>
-                      <a:round/>
-                      <a:headEnd w="med" len="med"/>
-                      <a:tailEnd w="med" len="med"/>
-                    </a:lnB>
-                    <a:solidFill>
-                      <a:schemeClr val="lt1"/>
-                    </a:solidFill>
-                  </a:tcPr>
-                </a:tc>
-                <a:tc>
-                  <a:txBody>
-                    <a:bodyPr vert="horz" wrap="square" lIns="91440" tIns="45720" rIns="91440" bIns="45720" anchor="ctr" anchorCtr="0">
-                      <a:spAutoFit/>
-                    </a:bodyPr>
-                    <a:p>
-                      <a:pPr marL="0" lvl="0" indent="0" algn="ctr" defTabSz="914400" rtl="0" eaLnBrk="1" latinLnBrk="1" hangingPunct="1">
-                        <a:lnSpc>
-                          <a:spcPct val="100000"/>
-                        </a:lnSpc>
-                        <a:spcBef>
-                          <a:spcPts val="0"/>
-                        </a:spcBef>
-                        <a:spcAft>
-                          <a:spcPts val="0"/>
-                        </a:spcAft>
-                        <a:buNone/>
-                        <a:defRPr/>
-                      </a:pPr>
-                      <a:r>
-                        <a:rPr lang="ko-KR" altLang="en-US" sz="3000" b="0">
-                          <a:ln w="9525">
-                            <a:solidFill>
-                              <a:schemeClr val="lt1"/>
-                            </a:solidFill>
-                          </a:ln>
-                          <a:solidFill>
-                            <a:schemeClr val="dk1"/>
-                          </a:solidFill>
-                        </a:rPr>
-                        <a:t>→</a:t>
-                      </a:r>
-                      <a:endParaRPr lang="en-US" altLang="ko-KR" sz="3000">
-                        <a:ln w="9525">
-                          <a:solidFill>
-                            <a:schemeClr val="lt1"/>
-                          </a:solidFill>
-                        </a:ln>
-                        <a:solidFill>
-                          <a:schemeClr val="dk1"/>
-                        </a:solidFill>
-                      </a:endParaRPr>
-                    </a:p>
-                  </a:txBody>
-                  <a:tcPr marL="91440" marR="91440" anchor="ctr">
-                    <a:lnL w="12700" cap="flat" cmpd="sng" algn="ctr">
-                      <a:solidFill>
-                        <a:schemeClr val="tx1"/>
-                      </a:solidFill>
-                      <a:prstDash val="solid"/>
-                      <a:round/>
-                      <a:headEnd w="med" len="med"/>
-                      <a:tailEnd w="med" len="med"/>
-                    </a:lnL>
-                    <a:lnR w="12700" cap="flat" cmpd="sng" algn="ctr">
-                      <a:solidFill>
-                        <a:schemeClr val="tx1"/>
-                      </a:solidFill>
-                      <a:prstDash val="solid"/>
-                      <a:round/>
-                      <a:headEnd w="med" len="med"/>
-                      <a:tailEnd w="med" len="med"/>
-                    </a:lnR>
-                    <a:lnT w="12700" cap="flat" cmpd="sng" algn="ctr">
-                      <a:solidFill>
-                        <a:schemeClr val="tx1"/>
-                      </a:solidFill>
-                      <a:prstDash val="solid"/>
-                      <a:round/>
-                      <a:headEnd w="med" len="med"/>
-                      <a:tailEnd w="med" len="med"/>
-                    </a:lnT>
-                    <a:lnB w="12700" cap="flat" cmpd="sng" algn="ctr">
-                      <a:solidFill>
-                        <a:schemeClr val="tx1"/>
-                      </a:solidFill>
-                      <a:prstDash val="solid"/>
-                      <a:round/>
-                      <a:headEnd w="med" len="med"/>
-                      <a:tailEnd w="med" len="med"/>
-                    </a:lnB>
-                    <a:solidFill>
-                      <a:schemeClr val="lt1"/>
-                    </a:solidFill>
-                  </a:tcPr>
-                </a:tc>
-                <a:tc>
-                  <a:txBody>
-                    <a:bodyPr vert="horz" wrap="square" lIns="91440" tIns="45720" rIns="91440" bIns="45720" anchor="ctr" anchorCtr="0">
-                      <a:spAutoFit/>
-                    </a:bodyPr>
-                    <a:p>
-                      <a:pPr lvl="0" algn="ctr">
-                        <a:defRPr/>
-                      </a:pPr>
-                      <a:r>
-                        <a:rPr lang="en-US" altLang="ko-KR" sz="3000">
-                          <a:ln w="9525">
-                            <a:solidFill>
-                              <a:schemeClr val="lt1"/>
-                            </a:solidFill>
-                          </a:ln>
-                          <a:solidFill>
-                            <a:schemeClr val="dk1"/>
-                          </a:solidFill>
-                        </a:rPr>
-                        <a:t>G</a:t>
-                      </a:r>
-                      <a:endParaRPr lang="en-US" altLang="ko-KR" sz="3000">
-                        <a:ln w="9525">
-                          <a:solidFill>
-                            <a:schemeClr val="lt1"/>
-                          </a:solidFill>
-                        </a:ln>
-                        <a:solidFill>
-                          <a:schemeClr val="dk1"/>
-                        </a:solidFill>
-                      </a:endParaRPr>
-                    </a:p>
-                  </a:txBody>
-                  <a:tcPr marL="91440" marR="91440" anchor="ctr">
-                    <a:lnL w="12700" cap="flat" cmpd="sng" algn="ctr">
-                      <a:solidFill>
-                        <a:schemeClr val="tx1"/>
-                      </a:solidFill>
-                      <a:prstDash val="solid"/>
-                      <a:round/>
-                      <a:headEnd w="med" len="med"/>
-                      <a:tailEnd w="med" len="med"/>
-                    </a:lnL>
-                    <a:lnR w="12700" cap="flat" cmpd="sng" algn="ctr">
-                      <a:solidFill>
-                        <a:schemeClr val="tx1"/>
-                      </a:solidFill>
-                      <a:prstDash val="solid"/>
-                      <a:round/>
-                      <a:headEnd w="med" len="med"/>
-                      <a:tailEnd w="med" len="med"/>
-                    </a:lnR>
-                    <a:lnT w="12700" cap="flat" cmpd="sng" algn="ctr">
-                      <a:solidFill>
-                        <a:schemeClr val="tx1"/>
-                      </a:solidFill>
-                      <a:prstDash val="solid"/>
-                      <a:round/>
-                      <a:headEnd w="med" len="med"/>
-                      <a:tailEnd w="med" len="med"/>
-                    </a:lnT>
-                    <a:lnB w="12700" cap="flat" cmpd="sng" algn="ctr">
-                      <a:solidFill>
-                        <a:schemeClr val="tx1"/>
-                      </a:solidFill>
-                      <a:prstDash val="solid"/>
-                      <a:round/>
-                      <a:headEnd w="med" len="med"/>
-                      <a:tailEnd w="med" len="med"/>
-                    </a:lnB>
-                    <a:solidFill>
-                      <a:schemeClr val="lt1"/>
-                    </a:solidFill>
-                  </a:tcPr>
-                </a:tc>
-              </a:tr>
-            </a:tbl>
-          </a:graphicData>
-        </a:graphic>
-      </p:graphicFrame>
-      <p:cxnSp>
-        <p:nvCxnSpPr>
-          <p:cNvPr id="39" name="화살표 38"/>
-          <p:cNvCxnSpPr/>
-          <p:nvPr/>
-        </p:nvCxnSpPr>
-        <p:spPr>
-          <a:xfrm>
-            <a:off x="6300838" y="4274820"/>
-            <a:ext cx="0" cy="0"/>
-          </a:xfrm>
-          <a:prstGeom prst="straightConnector1">
-            <a:avLst/>
-          </a:prstGeom>
-          <a:ln>
-            <a:tailEnd type="arrow"/>
-          </a:ln>
-        </p:spPr>
-        <p:style>
-          <a:lnRef idx="1">
-            <a:schemeClr val="accent1"/>
-          </a:lnRef>
-          <a:fillRef idx="0">
-            <a:schemeClr val="accent1"/>
-          </a:fillRef>
-          <a:effectRef idx="0">
-            <a:schemeClr val="accent1"/>
-          </a:effectRef>
-          <a:fontRef idx="minor">
-            <a:schemeClr val="tx1"/>
-          </a:fontRef>
-        </p:style>
-      </p:cxnSp>
     </p:spTree>
     <p:extLst>
       <p:ext uri="{BB962C8B-B14F-4D97-AF65-F5344CB8AC3E}">
-        <p14:creationId xmlns:p14="http://schemas.microsoft.com/office/powerpoint/2010/main" val="1142048777"/>
+        <p14:creationId xmlns:p14="http://schemas.microsoft.com/office/powerpoint/2010/main" val="1251616010"/>
+      </p:ext>
+    </p:extLst>
+  </p:cSld>
+  <p:clrMapOvr>
+    <a:masterClrMapping/>
+  </p:clrMapOvr>
+</p:sld>
+</file>
+
+<file path=ppt/slides/slide7.xml><?xml version="1.0" encoding="utf-8"?>
+<p:sld xmlns:r="http://schemas.openxmlformats.org/officeDocument/2006/relationships" xmlns:c="http://schemas.openxmlformats.org/drawingml/2006/chart" xmlns:a="http://schemas.openxmlformats.org/drawingml/2006/main" xmlns:dgm="http://schemas.openxmlformats.org/drawingml/2006/diagram" xmlns:dsp="http://schemas.microsoft.com/office/drawing/2008/diagram" xmlns:p="http://schemas.openxmlformats.org/presentationml/2006/main">
+  <p:cSld>
+    <p:spTree>
+      <p:nvGrpSpPr>
+        <p:cNvPr id="1" name=""/>
+        <p:cNvGrpSpPr/>
+        <p:nvPr/>
+      </p:nvGrpSpPr>
+      <p:grpSpPr>
+        <a:xfrm>
+          <a:off x="0" y="0"/>
+          <a:ext cx="0" cy="0"/>
+          <a:chOff x="0" y="0"/>
+          <a:chExt cx="0" cy="0"/>
+        </a:xfrm>
+      </p:grpSpPr>
+      <p:sp>
+        <p:nvSpPr>
+          <p:cNvPr id="2" name="제목 1"/>
+          <p:cNvSpPr>
+            <a:spLocks noGrp="1"/>
+          </p:cNvSpPr>
+          <p:nvPr>
+            <p:ph type="title" idx="0"/>
+          </p:nvPr>
+        </p:nvSpPr>
+        <p:spPr/>
+        <p:txBody>
+          <a:bodyPr/>
+          <a:p>
+            <a:pPr lvl="0">
+              <a:defRPr/>
+            </a:pPr>
+            <a:r>
+              <a:rPr lang="ko-KR" altLang="en-US"/>
+              <a:t/>
+            </a:r>
+            <a:endParaRPr lang="ko-KR" altLang="en-US"/>
+          </a:p>
+        </p:txBody>
+      </p:sp>
+      <p:sp>
+        <p:nvSpPr>
+          <p:cNvPr id="3" name="내용 개체 틀 2"/>
+          <p:cNvSpPr>
+            <a:spLocks noGrp="1"/>
+          </p:cNvSpPr>
+          <p:nvPr>
+            <p:ph idx="1"/>
+          </p:nvPr>
+        </p:nvSpPr>
+        <p:spPr/>
+        <p:txBody>
+          <a:bodyPr/>
+          <a:p>
+            <a:pPr lvl="0">
+              <a:defRPr/>
+            </a:pPr>
+            <a:r>
+              <a:rPr lang="ko-KR" altLang="en-US"/>
+              <a:t/>
+            </a:r>
+            <a:endParaRPr lang="ko-KR" altLang="en-US"/>
+          </a:p>
+        </p:txBody>
+      </p:sp>
+    </p:spTree>
+    <p:extLst>
+      <p:ext uri="{BB962C8B-B14F-4D97-AF65-F5344CB8AC3E}">
+        <p14:creationId xmlns:p14="http://schemas.microsoft.com/office/powerpoint/2010/main" val="4266969861"/>
+      </p:ext>
+    </p:extLst>
+  </p:cSld>
+  <p:clrMapOvr>
+    <a:masterClrMapping/>
+  </p:clrMapOvr>
+</p:sld>
+</file>
+
+<file path=ppt/slides/slide8.xml><?xml version="1.0" encoding="utf-8"?>
+<p:sld xmlns:r="http://schemas.openxmlformats.org/officeDocument/2006/relationships" xmlns:c="http://schemas.openxmlformats.org/drawingml/2006/chart" xmlns:a="http://schemas.openxmlformats.org/drawingml/2006/main" xmlns:dgm="http://schemas.openxmlformats.org/drawingml/2006/diagram" xmlns:dsp="http://schemas.microsoft.com/office/drawing/2008/diagram" xmlns:p="http://schemas.openxmlformats.org/presentationml/2006/main">
+  <p:cSld>
+    <p:spTree>
+      <p:nvGrpSpPr>
+        <p:cNvPr id="1" name=""/>
+        <p:cNvGrpSpPr/>
+        <p:nvPr/>
+      </p:nvGrpSpPr>
+      <p:grpSpPr>
+        <a:xfrm>
+          <a:off x="0" y="0"/>
+          <a:ext cx="0" cy="0"/>
+          <a:chOff x="0" y="0"/>
+          <a:chExt cx="0" cy="0"/>
+        </a:xfrm>
+      </p:grpSpPr>
+      <p:sp>
+        <p:nvSpPr>
+          <p:cNvPr id="2" name="제목 1"/>
+          <p:cNvSpPr>
+            <a:spLocks noGrp="1"/>
+          </p:cNvSpPr>
+          <p:nvPr>
+            <p:ph type="title" idx="0"/>
+          </p:nvPr>
+        </p:nvSpPr>
+        <p:spPr/>
+        <p:txBody>
+          <a:bodyPr/>
+          <a:p>
+            <a:pPr lvl="0">
+              <a:defRPr/>
+            </a:pPr>
+            <a:r>
+              <a:rPr lang="ko-KR" altLang="en-US"/>
+              <a:t/>
+            </a:r>
+            <a:endParaRPr lang="ko-KR" altLang="en-US"/>
+          </a:p>
+        </p:txBody>
+      </p:sp>
+      <p:sp>
+        <p:nvSpPr>
+          <p:cNvPr id="3" name="내용 개체 틀 2"/>
+          <p:cNvSpPr>
+            <a:spLocks noGrp="1"/>
+          </p:cNvSpPr>
+          <p:nvPr>
+            <p:ph idx="1"/>
+          </p:nvPr>
+        </p:nvSpPr>
+        <p:spPr/>
+        <p:txBody>
+          <a:bodyPr/>
+          <a:p>
+            <a:pPr lvl="0">
+              <a:defRPr/>
+            </a:pPr>
+            <a:r>
+              <a:rPr lang="ko-KR" altLang="en-US"/>
+              <a:t/>
+            </a:r>
+            <a:endParaRPr lang="ko-KR" altLang="en-US"/>
+          </a:p>
+        </p:txBody>
+      </p:sp>
+    </p:spTree>
+    <p:extLst>
+      <p:ext uri="{BB962C8B-B14F-4D97-AF65-F5344CB8AC3E}">
+        <p14:creationId xmlns:p14="http://schemas.microsoft.com/office/powerpoint/2010/main" val="773494767"/>
+      </p:ext>
+    </p:extLst>
+  </p:cSld>
+  <p:clrMapOvr>
+    <a:masterClrMapping/>
+  </p:clrMapOvr>
+</p:sld>
+</file>
+
+<file path=ppt/slides/slide9.xml><?xml version="1.0" encoding="utf-8"?>
+<p:sld xmlns:r="http://schemas.openxmlformats.org/officeDocument/2006/relationships" xmlns:c="http://schemas.openxmlformats.org/drawingml/2006/chart" xmlns:a="http://schemas.openxmlformats.org/drawingml/2006/main" xmlns:dgm="http://schemas.openxmlformats.org/drawingml/2006/diagram" xmlns:dsp="http://schemas.microsoft.com/office/drawing/2008/diagram" xmlns:p="http://schemas.openxmlformats.org/presentationml/2006/main">
+  <p:cSld>
+    <p:spTree>
+      <p:nvGrpSpPr>
+        <p:cNvPr id="1" name=""/>
+        <p:cNvGrpSpPr/>
+        <p:nvPr/>
+      </p:nvGrpSpPr>
+      <p:grpSpPr>
+        <a:xfrm>
+          <a:off x="0" y="0"/>
+          <a:ext cx="0" cy="0"/>
+          <a:chOff x="0" y="0"/>
+          <a:chExt cx="0" cy="0"/>
+        </a:xfrm>
+      </p:grpSpPr>
+      <p:sp>
+        <p:nvSpPr>
+          <p:cNvPr id="2" name="제목 1"/>
+          <p:cNvSpPr>
+            <a:spLocks noGrp="1"/>
+          </p:cNvSpPr>
+          <p:nvPr>
+            <p:ph type="title" idx="0"/>
+          </p:nvPr>
+        </p:nvSpPr>
+        <p:spPr/>
+        <p:txBody>
+          <a:bodyPr/>
+          <a:p>
+            <a:pPr lvl="0">
+              <a:defRPr/>
+            </a:pPr>
+            <a:r>
+              <a:rPr lang="ko-KR" altLang="en-US"/>
+              <a:t/>
+            </a:r>
+            <a:endParaRPr lang="ko-KR" altLang="en-US"/>
+          </a:p>
+        </p:txBody>
+      </p:sp>
+      <p:sp>
+        <p:nvSpPr>
+          <p:cNvPr id="3" name="내용 개체 틀 2"/>
+          <p:cNvSpPr>
+            <a:spLocks noGrp="1"/>
+          </p:cNvSpPr>
+          <p:nvPr>
+            <p:ph idx="1"/>
+          </p:nvPr>
+        </p:nvSpPr>
+        <p:spPr/>
+        <p:txBody>
+          <a:bodyPr/>
+          <a:p>
+            <a:pPr lvl="0">
+              <a:defRPr/>
+            </a:pPr>
+            <a:r>
+              <a:rPr lang="ko-KR" altLang="en-US"/>
+              <a:t/>
+            </a:r>
+            <a:endParaRPr lang="ko-KR" altLang="en-US"/>
+          </a:p>
+        </p:txBody>
+      </p:sp>
+    </p:spTree>
+    <p:extLst>
+      <p:ext uri="{BB962C8B-B14F-4D97-AF65-F5344CB8AC3E}">
+        <p14:creationId xmlns:p14="http://schemas.microsoft.com/office/powerpoint/2010/main" val="446130242"/>
       </p:ext>
     </p:extLst>
   </p:cSld>
@@ -18792,4 +20138,271 @@
     </a:fmtScheme>
   </a:themeElements>
 </a:theme>
+</file>
+
+<file path=ppt/theme/theme2.xml><?xml version="1.0" encoding="utf-8"?>
+<a:theme xmlns:r="http://schemas.openxmlformats.org/officeDocument/2006/relationships" xmlns:c="http://schemas.openxmlformats.org/drawingml/2006/chart" xmlns:dgm="http://schemas.openxmlformats.org/drawingml/2006/diagram" xmlns:dsp="http://schemas.microsoft.com/office/drawing/2008/diagram" xmlns:a="http://schemas.openxmlformats.org/drawingml/2006/main" xmlns:pic="http://schemas.openxmlformats.org/drawingml/2006/picture" xmlns:wp="http://schemas.openxmlformats.org/drawingml/2006/wordprocessingDrawing" xmlns:xdr="http://schemas.openxmlformats.org/drawingml/2006/spreadsheetDrawing" xmlns:lc="http://schemas.openxmlformats.org/drawingml/2006/lockedCanvas" xmlns:p="http://schemas.openxmlformats.org/presentationml/2006/main" name="한컴오피스">
+  <a:themeElements>
+    <a:clrScheme name="한컴오피스">
+      <a:dk1>
+        <a:sysClr val="windowText" lastClr="000000"/>
+      </a:dk1>
+      <a:lt1>
+        <a:sysClr val="window" lastClr="ffffff"/>
+      </a:lt1>
+      <a:dk2>
+        <a:srgbClr val="3a3c84"/>
+      </a:dk2>
+      <a:lt2>
+        <a:srgbClr val="faf3db"/>
+      </a:lt2>
+      <a:accent1>
+        <a:srgbClr val="6182d6"/>
+      </a:accent1>
+      <a:accent2>
+        <a:srgbClr val="ff843a"/>
+      </a:accent2>
+      <a:accent3>
+        <a:srgbClr val="b2b2b2"/>
+      </a:accent3>
+      <a:accent4>
+        <a:srgbClr val="ffd700"/>
+      </a:accent4>
+      <a:accent5>
+        <a:srgbClr val="289b6e"/>
+      </a:accent5>
+      <a:accent6>
+        <a:srgbClr val="9d5cbb"/>
+      </a:accent6>
+      <a:hlink>
+        <a:srgbClr val="4a45ff"/>
+      </a:hlink>
+      <a:folHlink>
+        <a:srgbClr val="be27bb"/>
+      </a:folHlink>
+    </a:clrScheme>
+    <a:fontScheme name="한컴오피스">
+      <a:majorFont>
+        <a:latin typeface="Calibri"/>
+        <a:ea typeface=""/>
+        <a:cs typeface=""/>
+        <a:font script="Jpan" typeface="MS PGothic"/>
+        <a:font script="Hang" typeface="맑은 고딕"/>
+        <a:font script="Hans" typeface="SimSun"/>
+        <a:font script="Hant" typeface="新細明體"/>
+        <a:font script="Arab" typeface="Times New Roman"/>
+        <a:font script="Hebr" typeface="Times New Roman"/>
+        <a:font script="Thai" typeface="Angsana New"/>
+        <a:font script="Beng" typeface="Vrinda"/>
+        <a:font script="Gujr" typeface="Shruti"/>
+        <a:font script="Khmr" typeface="MoolBoran"/>
+        <a:font script="Knda" typeface="Tunga"/>
+        <a:font script="Guru" typeface="Raavi"/>
+        <a:font script="Cans" typeface="Euphemia"/>
+        <a:font script="Cher" typeface="Plantagenet Cherokee"/>
+        <a:font script="Yiii" typeface="Microsoft Yi Baiti"/>
+        <a:font script="Tibt" typeface="Microsoft Himalaya"/>
+        <a:font script="Thaa" typeface="MV Boli"/>
+        <a:font script="Deva" typeface="Mangal"/>
+        <a:font script="Telu" typeface="Gautami"/>
+        <a:font script="Taml" typeface="Latha"/>
+        <a:font script="Syrc" typeface="Estrangelo Edessa"/>
+        <a:font script="Orya" typeface="Kalinga"/>
+        <a:font script="Mlym" typeface="Kartika"/>
+        <a:font script="Laoo" typeface="DokChampa"/>
+        <a:font script="Sinh" typeface="Iskoola Pota"/>
+        <a:font script="Mong" typeface="Mongolian Baiti"/>
+        <a:font script="Viet" typeface="Times New Roman"/>
+        <a:font script="Uigh" typeface="Microsoft Uighur"/>
+        <a:font script="Ethi" typeface="Leelawadee UI"/>
+        <a:font script="Mymr" typeface="Myanmar Text"/>
+      </a:majorFont>
+      <a:minorFont>
+        <a:latin typeface="Calibri"/>
+        <a:ea typeface=""/>
+        <a:cs typeface=""/>
+        <a:font script="Jpan" typeface="MS PGothic"/>
+        <a:font script="Hang" typeface="맑은 고딕"/>
+        <a:font script="Hans" typeface="SimSun"/>
+        <a:font script="Hant" typeface="新細明體"/>
+        <a:font script="Arab" typeface="Times New Roman"/>
+        <a:font script="Hebr" typeface="Times New Roman"/>
+        <a:font script="Thai" typeface="Angsana New"/>
+        <a:font script="Beng" typeface="Vrinda"/>
+        <a:font script="Gujr" typeface="Shruti"/>
+        <a:font script="Khmr" typeface="MoolBoran"/>
+        <a:font script="Knda" typeface="Tunga"/>
+        <a:font script="Guru" typeface="Raavi"/>
+        <a:font script="Cans" typeface="Euphemia"/>
+        <a:font script="Cher" typeface="Plantagenet Cherokee"/>
+        <a:font script="Yiii" typeface="Microsoft Yi Baiti"/>
+        <a:font script="Tibt" typeface="Microsoft Himalaya"/>
+        <a:font script="Thaa" typeface="MV Boli"/>
+        <a:font script="Deva" typeface="Mangal"/>
+        <a:font script="Telu" typeface="Gautami"/>
+        <a:font script="Taml" typeface="Latha"/>
+        <a:font script="Syrc" typeface="Estrangelo Edessa"/>
+        <a:font script="Orya" typeface="Kalinga"/>
+        <a:font script="Mlym" typeface="Kartika"/>
+        <a:font script="Laoo" typeface="DokChampa"/>
+        <a:font script="Sinh" typeface="Iskoola Pota"/>
+        <a:font script="Mong" typeface="Mongolian Baiti"/>
+        <a:font script="Viet" typeface="Times New Roman"/>
+        <a:font script="Uigh" typeface="Microsoft Uighur"/>
+        <a:font script="Ethi" typeface="Leelawadee UI"/>
+        <a:font script="Mymr" typeface="Myanmar Text"/>
+      </a:minorFont>
+    </a:fontScheme>
+    <a:fmtScheme name="한컴오피스">
+      <a:fillStyleLst>
+        <a:solidFill>
+          <a:schemeClr val="phClr"/>
+        </a:solidFill>
+        <a:gradFill rotWithShape="1">
+          <a:gsLst>
+            <a:gs pos="0">
+              <a:schemeClr val="phClr">
+                <a:tint val="50000"/>
+                <a:satMod val="300000"/>
+              </a:schemeClr>
+            </a:gs>
+            <a:gs pos="35000">
+              <a:schemeClr val="phClr">
+                <a:tint val="37000"/>
+                <a:satMod val="300000"/>
+              </a:schemeClr>
+            </a:gs>
+            <a:gs pos="100000">
+              <a:schemeClr val="phClr">
+                <a:tint val="15000"/>
+                <a:satMod val="350000"/>
+              </a:schemeClr>
+            </a:gs>
+          </a:gsLst>
+          <a:lin ang="16200000" scaled="1"/>
+        </a:gradFill>
+        <a:gradFill rotWithShape="1">
+          <a:gsLst>
+            <a:gs pos="0">
+              <a:schemeClr val="phClr">
+                <a:shade val="51000"/>
+                <a:satMod val="130000"/>
+              </a:schemeClr>
+            </a:gs>
+            <a:gs pos="80000">
+              <a:schemeClr val="phClr">
+                <a:shade val="93000"/>
+                <a:satMod val="130000"/>
+              </a:schemeClr>
+            </a:gs>
+            <a:gs pos="100000">
+              <a:schemeClr val="phClr">
+                <a:shade val="94000"/>
+                <a:satMod val="135000"/>
+              </a:schemeClr>
+            </a:gs>
+          </a:gsLst>
+          <a:lin ang="16200000" scaled="0"/>
+        </a:gradFill>
+      </a:fillStyleLst>
+      <a:lnStyleLst>
+        <a:ln w="12700" cap="flat" cmpd="sng" algn="ctr">
+          <a:solidFill>
+            <a:schemeClr val="phClr">
+              <a:satMod val="105000"/>
+            </a:schemeClr>
+          </a:solidFill>
+          <a:prstDash val="solid"/>
+        </a:ln>
+        <a:ln w="19050" cap="flat" cmpd="sng" algn="ctr">
+          <a:solidFill>
+            <a:schemeClr val="phClr"/>
+          </a:solidFill>
+          <a:prstDash val="solid"/>
+        </a:ln>
+        <a:ln w="38100" cap="flat" cmpd="sng" algn="ctr">
+          <a:solidFill>
+            <a:schemeClr val="phClr"/>
+          </a:solidFill>
+          <a:prstDash val="solid"/>
+        </a:ln>
+      </a:lnStyleLst>
+      <a:effectStyleLst>
+        <a:effectStyle>
+          <a:effectLst>
+            <a:outerShdw blurRad="38100" dist="25400" dir="5400000" rotWithShape="0">
+              <a:srgbClr val="000000">
+                <a:alpha val="75000"/>
+              </a:srgbClr>
+            </a:outerShdw>
+          </a:effectLst>
+        </a:effectStyle>
+        <a:effectStyle>
+          <a:effectLst>
+            <a:outerShdw blurRad="38100" dist="25400" dir="5400000" rotWithShape="0">
+              <a:srgbClr val="000000">
+                <a:alpha val="75000"/>
+              </a:srgbClr>
+            </a:outerShdw>
+          </a:effectLst>
+        </a:effectStyle>
+        <a:effectStyle>
+          <a:effectLst>
+            <a:reflection blurRad="12700" stA="26000" endPos="28000" dist="38100" dir="5400000" sy="-100000" rotWithShape="0"/>
+          </a:effectLst>
+        </a:effectStyle>
+      </a:effectStyleLst>
+      <a:bgFillStyleLst>
+        <a:solidFill>
+          <a:schemeClr val="phClr"/>
+        </a:solidFill>
+        <a:gradFill rotWithShape="1">
+          <a:gsLst>
+            <a:gs pos="0">
+              <a:schemeClr val="phClr">
+                <a:tint val="40000"/>
+                <a:satMod val="350000"/>
+              </a:schemeClr>
+            </a:gs>
+            <a:gs pos="40000">
+              <a:schemeClr val="phClr">
+                <a:tint val="45000"/>
+                <a:shade val="99000"/>
+                <a:satMod val="350000"/>
+              </a:schemeClr>
+            </a:gs>
+            <a:gs pos="100000">
+              <a:schemeClr val="phClr">
+                <a:shade val="20000"/>
+                <a:satMod val="255000"/>
+              </a:schemeClr>
+            </a:gs>
+          </a:gsLst>
+          <a:path path="circle">
+            <a:fillToRect l="50000" t="-80000" r="50000" b="180000"/>
+          </a:path>
+        </a:gradFill>
+        <a:gradFill rotWithShape="1">
+          <a:gsLst>
+            <a:gs pos="0">
+              <a:schemeClr val="phClr">
+                <a:tint val="80000"/>
+                <a:satMod val="300000"/>
+              </a:schemeClr>
+            </a:gs>
+            <a:gs pos="100000">
+              <a:schemeClr val="phClr">
+                <a:shade val="30000"/>
+                <a:satMod val="200000"/>
+              </a:schemeClr>
+            </a:gs>
+          </a:gsLst>
+          <a:path path="circle">
+            <a:fillToRect l="50000" t="50000" r="50000" b="50000"/>
+          </a:path>
+        </a:gradFill>
+      </a:bgFillStyleLst>
+    </a:fmtScheme>
+  </a:themeElements>
+</a:theme>
 </file>
--- a/etc/레벨디자인.pptx
+++ b/etc/레벨디자인.pptx
@@ -12000,7 +12000,7 @@
         <p:spPr>
           <a:xfrm>
             <a:off x="9619226" y="2816543"/>
-            <a:ext cx="2161046" cy="543877"/>
+            <a:ext cx="2161046" cy="1001077"/>
           </a:xfrm>
           <a:prstGeom prst="rect">
             <a:avLst/>
@@ -12016,9 +12016,41 @@
             </a:pPr>
             <a:r>
               <a:rPr lang="en-US" altLang="ko-KR" sz="1500"/>
-              <a:t>1-1</a:t>
+              <a:t>1-3</a:t>
             </a:r>
             <a:endParaRPr lang="en-US" altLang="ko-KR" sz="1500"/>
+          </a:p>
+          <a:p>
+            <a:pPr lvl="0">
+              <a:defRPr/>
+            </a:pPr>
+            <a:r>
+              <a:rPr lang="ko-KR" altLang="en-US" sz="1500"/>
+              <a:t>좌</a:t>
+            </a:r>
+            <a:r>
+              <a:rPr lang="en-US" altLang="ko-KR" sz="1500"/>
+              <a:t>,</a:t>
+            </a:r>
+            <a:r>
+              <a:rPr lang="ko-KR" altLang="en-US" sz="1500"/>
+              <a:t>우로만 구성</a:t>
+            </a:r>
+            <a:endParaRPr lang="ko-KR" altLang="en-US" sz="1500"/>
+          </a:p>
+          <a:p>
+            <a:pPr lvl="0">
+              <a:defRPr/>
+            </a:pPr>
+            <a:r>
+              <a:rPr lang="en-US" altLang="ko-KR" sz="1500"/>
+              <a:t>1-2</a:t>
+            </a:r>
+            <a:r>
+              <a:rPr lang="ko-KR" altLang="en-US" sz="1500"/>
+              <a:t>보다 어려움</a:t>
+            </a:r>
+            <a:endParaRPr lang="ko-KR" altLang="en-US" sz="1500"/>
           </a:p>
           <a:p>
             <a:pPr lvl="0">
@@ -13436,187 +13468,7 @@
           <a:graphicData uri="http://schemas.openxmlformats.org/drawingml/2006/table">
             <a:tbl>
               <a:tblPr firstRow="1" bandRow="1">
-                <a:tableStyle styleId="{01A66EDD-3DAB-4C5B-A090-DC80EC1FD486}" styleName="Normal Style 1 - Accent 1">
-                  <a:wholeTbl>
-                    <a:tcTxStyle>
-                      <a:fontRef idx="minor">
-                        <a:prstClr val="black"/>
-                      </a:fontRef>
-                      <a:schemeClr val="dk1"/>
-                    </a:tcTxStyle>
-                    <a:tcStyle>
-                      <a:tcBdr>
-                        <a:left>
-                          <a:ln w="12700" cmpd="sng">
-                            <a:solidFill>
-                              <a:schemeClr val="lt1"/>
-                            </a:solidFill>
-                          </a:ln>
-                        </a:left>
-                        <a:right>
-                          <a:ln w="12700" cmpd="sng">
-                            <a:solidFill>
-                              <a:schemeClr val="lt1"/>
-                            </a:solidFill>
-                          </a:ln>
-                        </a:right>
-                        <a:top>
-                          <a:ln w="12700" cmpd="sng">
-                            <a:solidFill>
-                              <a:schemeClr val="lt1"/>
-                            </a:solidFill>
-                          </a:ln>
-                        </a:top>
-                        <a:bottom>
-                          <a:ln w="12700" cmpd="sng">
-                            <a:solidFill>
-                              <a:schemeClr val="lt1"/>
-                            </a:solidFill>
-                          </a:ln>
-                        </a:bottom>
-                        <a:insideH>
-                          <a:ln w="12700" cmpd="sng">
-                            <a:solidFill>
-                              <a:schemeClr val="lt1"/>
-                            </a:solidFill>
-                          </a:ln>
-                        </a:insideH>
-                        <a:insideV>
-                          <a:ln w="12700" cmpd="sng">
-                            <a:solidFill>
-                              <a:schemeClr val="lt1"/>
-                            </a:solidFill>
-                          </a:ln>
-                        </a:insideV>
-                      </a:tcBdr>
-                      <a:fill>
-                        <a:solidFill>
-                          <a:schemeClr val="accent1">
-                            <a:lum val="90000"/>
-                          </a:schemeClr>
-                        </a:solidFill>
-                      </a:fill>
-                    </a:tcStyle>
-                  </a:wholeTbl>
-                  <a:band1H>
-                    <a:tcTxStyle/>
-                    <a:tcStyle>
-                      <a:tcBdr/>
-                      <a:fill>
-                        <a:solidFill>
-                          <a:schemeClr val="accent1">
-                            <a:lum val="80000"/>
-                          </a:schemeClr>
-                        </a:solidFill>
-                      </a:fill>
-                    </a:tcStyle>
-                  </a:band1H>
-                  <a:band2H>
-                    <a:tcTxStyle/>
-                    <a:tcStyle>
-                      <a:tcBdr/>
-                    </a:tcStyle>
-                  </a:band2H>
-                  <a:band1V>
-                    <a:tcTxStyle/>
-                    <a:tcStyle>
-                      <a:tcBdr/>
-                      <a:fill>
-                        <a:solidFill>
-                          <a:schemeClr val="accent1">
-                            <a:lum val="80000"/>
-                          </a:schemeClr>
-                        </a:solidFill>
-                      </a:fill>
-                    </a:tcStyle>
-                  </a:band1V>
-                  <a:band2V>
-                    <a:tcTxStyle/>
-                    <a:tcStyle>
-                      <a:tcBdr/>
-                    </a:tcStyle>
-                  </a:band2V>
-                  <a:lastCol>
-                    <a:tcTxStyle b="on">
-                      <a:fontRef idx="minor">
-                        <a:prstClr val="black"/>
-                      </a:fontRef>
-                      <a:schemeClr val="lt1"/>
-                    </a:tcTxStyle>
-                    <a:tcStyle>
-                      <a:tcBdr/>
-                      <a:fill>
-                        <a:solidFill>
-                          <a:schemeClr val="accent1"/>
-                        </a:solidFill>
-                      </a:fill>
-                    </a:tcStyle>
-                  </a:lastCol>
-                  <a:firstCol>
-                    <a:tcTxStyle b="on">
-                      <a:fontRef idx="minor">
-                        <a:prstClr val="black"/>
-                      </a:fontRef>
-                      <a:schemeClr val="lt1"/>
-                    </a:tcTxStyle>
-                    <a:tcStyle>
-                      <a:tcBdr/>
-                      <a:fill>
-                        <a:solidFill>
-                          <a:schemeClr val="accent1"/>
-                        </a:solidFill>
-                      </a:fill>
-                    </a:tcStyle>
-                  </a:firstCol>
-                  <a:lastRow>
-                    <a:tcTxStyle b="on">
-                      <a:fontRef idx="minor">
-                        <a:prstClr val="black"/>
-                      </a:fontRef>
-                      <a:schemeClr val="lt1"/>
-                    </a:tcTxStyle>
-                    <a:tcStyle>
-                      <a:tcBdr>
-                        <a:top>
-                          <a:ln w="38100" cmpd="sng">
-                            <a:solidFill>
-                              <a:schemeClr val="lt1"/>
-                            </a:solidFill>
-                          </a:ln>
-                        </a:top>
-                      </a:tcBdr>
-                      <a:fill>
-                        <a:solidFill>
-                          <a:schemeClr val="accent1"/>
-                        </a:solidFill>
-                      </a:fill>
-                    </a:tcStyle>
-                  </a:lastRow>
-                  <a:firstRow>
-                    <a:tcTxStyle b="on">
-                      <a:fontRef idx="minor">
-                        <a:prstClr val="black"/>
-                      </a:fontRef>
-                      <a:schemeClr val="lt1"/>
-                    </a:tcTxStyle>
-                    <a:tcStyle>
-                      <a:tcBdr>
-                        <a:bottom>
-                          <a:ln w="38100" cmpd="sng">
-                            <a:solidFill>
-                              <a:schemeClr val="lt1"/>
-                            </a:solidFill>
-                          </a:ln>
-                        </a:bottom>
-                      </a:tcBdr>
-                      <a:fill>
-                        <a:solidFill>
-                          <a:schemeClr val="accent1"/>
-                        </a:solidFill>
-                      </a:fill>
-                    </a:tcStyle>
-                  </a:firstRow>
-                </a:tableStyle>
+                <a:tableStyleId>{01A66EDD-3DAB-4C5B-A090-DC80EC1FD486}</a:tableStyleId>
               </a:tblPr>
               <a:tblGrid>
                 <a:gridCol w="1053317"/>
@@ -13793,6 +13645,82 @@
                       <a:spAutoFit/>
                     </a:bodyPr>
                     <a:p>
+                      <a:pPr lvl="0" algn="ctr">
+                        <a:defRPr/>
+                      </a:pPr>
+                      <a:r>
+                        <a:rPr lang="ko-KR" altLang="en-US" sz="3000" b="0">
+                          <a:ln w="9525">
+                            <a:solidFill>
+                              <a:schemeClr val="lt1"/>
+                            </a:solidFill>
+                          </a:ln>
+                          <a:solidFill>
+                            <a:schemeClr val="dk1"/>
+                          </a:solidFill>
+                        </a:rPr>
+                        <a:t>←</a:t>
+                      </a:r>
+                      <a:endParaRPr lang="ko-KR" altLang="en-US" sz="3000" b="0">
+                        <a:ln w="9525">
+                          <a:solidFill>
+                            <a:schemeClr val="lt1"/>
+                          </a:solidFill>
+                        </a:ln>
+                        <a:solidFill>
+                          <a:schemeClr val="dk1"/>
+                        </a:solidFill>
+                      </a:endParaRPr>
+                    </a:p>
+                  </a:txBody>
+                  <a:tcPr marL="91440" marR="91440" anchor="ctr">
+                    <a:lnL w="12700" cap="flat" cmpd="sng" algn="ctr">
+                      <a:solidFill>
+                        <a:schemeClr val="tx1"/>
+                      </a:solidFill>
+                      <a:prstDash val="solid"/>
+                      <a:round/>
+                      <a:headEnd w="med" len="med"/>
+                      <a:tailEnd w="med" len="med"/>
+                    </a:lnL>
+                    <a:lnR w="12700" cap="flat" cmpd="sng" algn="ctr">
+                      <a:solidFill>
+                        <a:schemeClr val="tx1"/>
+                      </a:solidFill>
+                      <a:prstDash val="solid"/>
+                      <a:round/>
+                      <a:headEnd w="med" len="med"/>
+                      <a:tailEnd w="med" len="med"/>
+                    </a:lnR>
+                    <a:lnT w="12700" cap="flat" cmpd="sng" algn="ctr">
+                      <a:solidFill>
+                        <a:schemeClr val="tx1"/>
+                      </a:solidFill>
+                      <a:prstDash val="solid"/>
+                      <a:round/>
+                      <a:headEnd w="med" len="med"/>
+                      <a:tailEnd w="med" len="med"/>
+                    </a:lnT>
+                    <a:lnB w="12700" cap="flat" cmpd="sng" algn="ctr">
+                      <a:solidFill>
+                        <a:schemeClr val="tx1"/>
+                      </a:solidFill>
+                      <a:prstDash val="solid"/>
+                      <a:round/>
+                      <a:headEnd w="med" len="med"/>
+                      <a:tailEnd w="med" len="med"/>
+                    </a:lnB>
+                    <a:solidFill>
+                      <a:schemeClr val="lt1"/>
+                    </a:solidFill>
+                  </a:tcPr>
+                </a:tc>
+                <a:tc>
+                  <a:txBody>
+                    <a:bodyPr vert="horz" wrap="square" lIns="91440" tIns="45720" rIns="91440" bIns="45720" anchor="ctr" anchorCtr="0">
+                      <a:spAutoFit/>
+                    </a:bodyPr>
+                    <a:p>
                       <a:pPr marL="0" lvl="0" indent="0" algn="ctr" defTabSz="914400" rtl="0" eaLnBrk="1" latinLnBrk="1" hangingPunct="1">
                         <a:lnSpc>
                           <a:spcPct val="100000"/>
@@ -13818,82 +13746,6 @@
                           </a:solidFill>
                         </a:rPr>
                         <a:t>→</a:t>
-                      </a:r>
-                      <a:endParaRPr lang="ko-KR" altLang="en-US" sz="3000" b="0">
-                        <a:ln w="9525">
-                          <a:solidFill>
-                            <a:schemeClr val="lt1"/>
-                          </a:solidFill>
-                        </a:ln>
-                        <a:solidFill>
-                          <a:schemeClr val="dk1"/>
-                        </a:solidFill>
-                      </a:endParaRPr>
-                    </a:p>
-                  </a:txBody>
-                  <a:tcPr marL="91440" marR="91440" anchor="ctr">
-                    <a:lnL w="12700" cap="flat" cmpd="sng" algn="ctr">
-                      <a:solidFill>
-                        <a:schemeClr val="tx1"/>
-                      </a:solidFill>
-                      <a:prstDash val="solid"/>
-                      <a:round/>
-                      <a:headEnd w="med" len="med"/>
-                      <a:tailEnd w="med" len="med"/>
-                    </a:lnL>
-                    <a:lnR w="12700" cap="flat" cmpd="sng" algn="ctr">
-                      <a:solidFill>
-                        <a:schemeClr val="tx1"/>
-                      </a:solidFill>
-                      <a:prstDash val="solid"/>
-                      <a:round/>
-                      <a:headEnd w="med" len="med"/>
-                      <a:tailEnd w="med" len="med"/>
-                    </a:lnR>
-                    <a:lnT w="12700" cap="flat" cmpd="sng" algn="ctr">
-                      <a:solidFill>
-                        <a:schemeClr val="tx1"/>
-                      </a:solidFill>
-                      <a:prstDash val="solid"/>
-                      <a:round/>
-                      <a:headEnd w="med" len="med"/>
-                      <a:tailEnd w="med" len="med"/>
-                    </a:lnT>
-                    <a:lnB w="12700" cap="flat" cmpd="sng" algn="ctr">
-                      <a:solidFill>
-                        <a:schemeClr val="tx1"/>
-                      </a:solidFill>
-                      <a:prstDash val="solid"/>
-                      <a:round/>
-                      <a:headEnd w="med" len="med"/>
-                      <a:tailEnd w="med" len="med"/>
-                    </a:lnB>
-                    <a:solidFill>
-                      <a:schemeClr val="lt1"/>
-                    </a:solidFill>
-                  </a:tcPr>
-                </a:tc>
-                <a:tc>
-                  <a:txBody>
-                    <a:bodyPr vert="horz" wrap="square" lIns="91440" tIns="45720" rIns="91440" bIns="45720" anchor="ctr" anchorCtr="0">
-                      <a:spAutoFit/>
-                    </a:bodyPr>
-                    <a:p>
-                      <a:pPr lvl="0" algn="ctr">
-                        <a:defRPr/>
-                      </a:pPr>
-                      <a:r>
-                        <a:rPr lang="ko-KR" altLang="en-US" sz="3000" b="0">
-                          <a:ln w="9525">
-                            <a:solidFill>
-                              <a:schemeClr val="lt1"/>
-                            </a:solidFill>
-                          </a:ln>
-                          <a:solidFill>
-                            <a:schemeClr val="dk1"/>
-                          </a:solidFill>
-                        </a:rPr>
-                        <a:t>←</a:t>
                       </a:r>
                       <a:endParaRPr lang="ko-KR" altLang="en-US" sz="3000" b="0">
                         <a:ln w="9525">
@@ -14033,7 +13885,17 @@
                       <a:spAutoFit/>
                     </a:bodyPr>
                     <a:p>
-                      <a:pPr lvl="0" algn="ctr">
+                      <a:pPr marL="0" lvl="0" indent="0" algn="ctr" defTabSz="914400" rtl="0" eaLnBrk="1" latinLnBrk="1" hangingPunct="1">
+                        <a:lnSpc>
+                          <a:spcPct val="100000"/>
+                        </a:lnSpc>
+                        <a:spcBef>
+                          <a:spcPts val="0"/>
+                        </a:spcBef>
+                        <a:spcAft>
+                          <a:spcPts val="0"/>
+                        </a:spcAft>
+                        <a:buNone/>
                         <a:defRPr/>
                       </a:pPr>
                       <a:r>
@@ -14047,7 +13909,7 @@
                             <a:schemeClr val="dk1"/>
                           </a:solidFill>
                         </a:rPr>
-                        <a:t>←</a:t>
+                        <a:t>→</a:t>
                       </a:r>
                       <a:endParaRPr lang="en-US" altLang="ko-KR" sz="3000">
                         <a:ln w="9525">
@@ -14199,7 +14061,7 @@
                             <a:schemeClr val="dk1"/>
                           </a:solidFill>
                         </a:rPr>
-                        <a:t>→</a:t>
+                        <a:t>←</a:t>
                       </a:r>
                       <a:endParaRPr lang="en-US" altLang="ko-KR" sz="3000">
                         <a:ln w="9525">
@@ -14685,7 +14547,17 @@
                       <a:spAutoFit/>
                     </a:bodyPr>
                     <a:p>
-                      <a:pPr lvl="0" algn="ctr">
+                      <a:pPr marL="0" lvl="0" indent="0" algn="ctr" defTabSz="914400" rtl="0" eaLnBrk="1" latinLnBrk="1" hangingPunct="1">
+                        <a:lnSpc>
+                          <a:spcPct val="100000"/>
+                        </a:lnSpc>
+                        <a:spcBef>
+                          <a:spcPts val="0"/>
+                        </a:spcBef>
+                        <a:spcAft>
+                          <a:spcPts val="0"/>
+                        </a:spcAft>
+                        <a:buNone/>
                         <a:defRPr/>
                       </a:pPr>
                       <a:r>
@@ -14699,7 +14571,7 @@
                             <a:schemeClr val="dk1"/>
                           </a:solidFill>
                         </a:rPr>
-                        <a:t>←</a:t>
+                        <a:t>→</a:t>
                       </a:r>
                       <a:endParaRPr lang="en-US" altLang="ko-KR" sz="3000">
                         <a:ln w="9525">
@@ -14912,6 +14784,356 @@
           </a:graphicData>
         </a:graphic>
       </p:graphicFrame>
+      <p:cxnSp>
+        <p:nvCxnSpPr>
+          <p:cNvPr id="63" name="꺾인 연결선 62"/>
+          <p:cNvCxnSpPr/>
+          <p:nvPr/>
+        </p:nvCxnSpPr>
+        <p:spPr>
+          <a:xfrm rot="16200000" flipH="1">
+            <a:off x="5468382" y="3699427"/>
+            <a:ext cx="339365" cy="0"/>
+          </a:xfrm>
+          <a:prstGeom prst="bentConnector3">
+            <a:avLst>
+              <a:gd name="adj1" fmla="val 50000"/>
+            </a:avLst>
+          </a:prstGeom>
+          <a:ln>
+            <a:tailEnd type="arrow"/>
+          </a:ln>
+        </p:spPr>
+        <p:style>
+          <a:lnRef idx="1">
+            <a:schemeClr val="accent1"/>
+          </a:lnRef>
+          <a:fillRef idx="0">
+            <a:schemeClr val="accent1"/>
+          </a:fillRef>
+          <a:effectRef idx="0">
+            <a:schemeClr val="accent1"/>
+          </a:effectRef>
+          <a:fontRef idx="minor">
+            <a:schemeClr val="tx1"/>
+          </a:fontRef>
+        </p:style>
+      </p:cxnSp>
+      <p:cxnSp>
+        <p:nvCxnSpPr>
+          <p:cNvPr id="64" name="꺾인 연결선 63"/>
+          <p:cNvCxnSpPr/>
+          <p:nvPr/>
+        </p:nvCxnSpPr>
+        <p:spPr>
+          <a:xfrm rot="16200000" flipH="1">
+            <a:off x="5453978" y="4593063"/>
+            <a:ext cx="368173" cy="0"/>
+          </a:xfrm>
+          <a:prstGeom prst="bentConnector3">
+            <a:avLst>
+              <a:gd name="adj1" fmla="val 50000"/>
+            </a:avLst>
+          </a:prstGeom>
+          <a:ln>
+            <a:tailEnd type="arrow"/>
+          </a:ln>
+        </p:spPr>
+        <p:style>
+          <a:lnRef idx="1">
+            <a:schemeClr val="accent1"/>
+          </a:lnRef>
+          <a:fillRef idx="0">
+            <a:schemeClr val="accent1"/>
+          </a:fillRef>
+          <a:effectRef idx="0">
+            <a:schemeClr val="accent1"/>
+          </a:effectRef>
+          <a:fontRef idx="minor">
+            <a:schemeClr val="tx1"/>
+          </a:fontRef>
+        </p:style>
+      </p:cxnSp>
+      <p:cxnSp>
+        <p:nvCxnSpPr>
+          <p:cNvPr id="65" name="꺾인 연결선 64"/>
+          <p:cNvCxnSpPr/>
+          <p:nvPr/>
+        </p:nvCxnSpPr>
+        <p:spPr>
+          <a:xfrm rot="16200000" flipH="1">
+            <a:off x="5434040" y="5483072"/>
+            <a:ext cx="408049" cy="0"/>
+          </a:xfrm>
+          <a:prstGeom prst="bentConnector3">
+            <a:avLst>
+              <a:gd name="adj1" fmla="val 50000"/>
+            </a:avLst>
+          </a:prstGeom>
+          <a:ln>
+            <a:tailEnd type="arrow"/>
+          </a:ln>
+        </p:spPr>
+        <p:style>
+          <a:lnRef idx="1">
+            <a:schemeClr val="accent1"/>
+          </a:lnRef>
+          <a:fillRef idx="0">
+            <a:schemeClr val="accent1"/>
+          </a:fillRef>
+          <a:effectRef idx="0">
+            <a:schemeClr val="accent1"/>
+          </a:effectRef>
+          <a:fontRef idx="minor">
+            <a:schemeClr val="tx1"/>
+          </a:fontRef>
+        </p:style>
+      </p:cxnSp>
+      <p:cxnSp>
+        <p:nvCxnSpPr>
+          <p:cNvPr id="66" name="꺾인 연결선 65"/>
+          <p:cNvCxnSpPr/>
+          <p:nvPr/>
+        </p:nvCxnSpPr>
+        <p:spPr>
+          <a:xfrm>
+            <a:off x="6096000" y="5846885"/>
+            <a:ext cx="329712" cy="0"/>
+          </a:xfrm>
+          <a:prstGeom prst="bentConnector3">
+            <a:avLst>
+              <a:gd name="adj1" fmla="val 50000"/>
+            </a:avLst>
+          </a:prstGeom>
+          <a:ln>
+            <a:tailEnd type="arrow"/>
+          </a:ln>
+        </p:spPr>
+        <p:style>
+          <a:lnRef idx="1">
+            <a:schemeClr val="accent1"/>
+          </a:lnRef>
+          <a:fillRef idx="0">
+            <a:schemeClr val="accent1"/>
+          </a:fillRef>
+          <a:effectRef idx="0">
+            <a:schemeClr val="accent1"/>
+          </a:effectRef>
+          <a:fontRef idx="minor">
+            <a:schemeClr val="tx1"/>
+          </a:fontRef>
+        </p:style>
+      </p:cxnSp>
+      <p:cxnSp>
+        <p:nvCxnSpPr>
+          <p:cNvPr id="67" name="꺾인 연결선 66"/>
+          <p:cNvCxnSpPr/>
+          <p:nvPr/>
+        </p:nvCxnSpPr>
+        <p:spPr>
+          <a:xfrm rot="16200000">
+            <a:off x="6532222" y="5491372"/>
+            <a:ext cx="391451" cy="0"/>
+          </a:xfrm>
+          <a:prstGeom prst="bentConnector3">
+            <a:avLst>
+              <a:gd name="adj1" fmla="val 50000"/>
+            </a:avLst>
+          </a:prstGeom>
+          <a:ln>
+            <a:tailEnd type="arrow"/>
+          </a:ln>
+        </p:spPr>
+        <p:style>
+          <a:lnRef idx="1">
+            <a:schemeClr val="accent1"/>
+          </a:lnRef>
+          <a:fillRef idx="0">
+            <a:schemeClr val="accent1"/>
+          </a:fillRef>
+          <a:effectRef idx="0">
+            <a:schemeClr val="accent1"/>
+          </a:effectRef>
+          <a:fontRef idx="minor">
+            <a:schemeClr val="tx1"/>
+          </a:fontRef>
+        </p:style>
+      </p:cxnSp>
+      <p:cxnSp>
+        <p:nvCxnSpPr>
+          <p:cNvPr id="68" name="꺾인 연결선 67"/>
+          <p:cNvCxnSpPr/>
+          <p:nvPr/>
+        </p:nvCxnSpPr>
+        <p:spPr>
+          <a:xfrm rot="16200000">
+            <a:off x="6529646" y="4578848"/>
+            <a:ext cx="396602" cy="0"/>
+          </a:xfrm>
+          <a:prstGeom prst="bentConnector3">
+            <a:avLst>
+              <a:gd name="adj1" fmla="val 50000"/>
+            </a:avLst>
+          </a:prstGeom>
+          <a:ln>
+            <a:tailEnd type="arrow"/>
+          </a:ln>
+        </p:spPr>
+        <p:style>
+          <a:lnRef idx="1">
+            <a:schemeClr val="accent1"/>
+          </a:lnRef>
+          <a:fillRef idx="0">
+            <a:schemeClr val="accent1"/>
+          </a:fillRef>
+          <a:effectRef idx="0">
+            <a:schemeClr val="accent1"/>
+          </a:effectRef>
+          <a:fontRef idx="minor">
+            <a:schemeClr val="tx1"/>
+          </a:fontRef>
+        </p:style>
+      </p:cxnSp>
+      <p:cxnSp>
+        <p:nvCxnSpPr>
+          <p:cNvPr id="69" name="꺾인 연결선 68"/>
+          <p:cNvCxnSpPr/>
+          <p:nvPr/>
+        </p:nvCxnSpPr>
+        <p:spPr>
+          <a:xfrm>
+            <a:off x="7094294" y="4180009"/>
+            <a:ext cx="311529" cy="0"/>
+          </a:xfrm>
+          <a:prstGeom prst="bentConnector3">
+            <a:avLst>
+              <a:gd name="adj1" fmla="val 50000"/>
+            </a:avLst>
+          </a:prstGeom>
+          <a:ln>
+            <a:tailEnd type="arrow"/>
+          </a:ln>
+        </p:spPr>
+        <p:style>
+          <a:lnRef idx="1">
+            <a:schemeClr val="accent1"/>
+          </a:lnRef>
+          <a:fillRef idx="0">
+            <a:schemeClr val="accent1"/>
+          </a:fillRef>
+          <a:effectRef idx="0">
+            <a:schemeClr val="accent1"/>
+          </a:effectRef>
+          <a:fontRef idx="minor">
+            <a:schemeClr val="tx1"/>
+          </a:fontRef>
+        </p:style>
+      </p:cxnSp>
+      <p:cxnSp>
+        <p:nvCxnSpPr>
+          <p:cNvPr id="70" name="꺾인 연결선 69"/>
+          <p:cNvCxnSpPr/>
+          <p:nvPr/>
+        </p:nvCxnSpPr>
+        <p:spPr>
+          <a:xfrm rot="16200000" flipH="1">
+            <a:off x="7588808" y="4601362"/>
+            <a:ext cx="384772" cy="0"/>
+          </a:xfrm>
+          <a:prstGeom prst="bentConnector3">
+            <a:avLst>
+              <a:gd name="adj1" fmla="val 50000"/>
+            </a:avLst>
+          </a:prstGeom>
+          <a:ln>
+            <a:tailEnd type="arrow"/>
+          </a:ln>
+        </p:spPr>
+        <p:style>
+          <a:lnRef idx="1">
+            <a:schemeClr val="accent1"/>
+          </a:lnRef>
+          <a:fillRef idx="0">
+            <a:schemeClr val="accent1"/>
+          </a:fillRef>
+          <a:effectRef idx="0">
+            <a:schemeClr val="accent1"/>
+          </a:effectRef>
+          <a:fontRef idx="minor">
+            <a:schemeClr val="tx1"/>
+          </a:fontRef>
+        </p:style>
+      </p:cxnSp>
+      <p:cxnSp>
+        <p:nvCxnSpPr>
+          <p:cNvPr id="71" name="꺾인 연결선 70"/>
+          <p:cNvCxnSpPr/>
+          <p:nvPr/>
+        </p:nvCxnSpPr>
+        <p:spPr>
+          <a:xfrm>
+            <a:off x="8074269" y="5059240"/>
+            <a:ext cx="351030" cy="0"/>
+          </a:xfrm>
+          <a:prstGeom prst="bentConnector3">
+            <a:avLst>
+              <a:gd name="adj1" fmla="val 50000"/>
+            </a:avLst>
+          </a:prstGeom>
+          <a:ln>
+            <a:tailEnd type="arrow"/>
+          </a:ln>
+        </p:spPr>
+        <p:style>
+          <a:lnRef idx="1">
+            <a:schemeClr val="accent1"/>
+          </a:lnRef>
+          <a:fillRef idx="0">
+            <a:schemeClr val="accent1"/>
+          </a:fillRef>
+          <a:effectRef idx="0">
+            <a:schemeClr val="accent1"/>
+          </a:effectRef>
+          <a:fontRef idx="minor">
+            <a:schemeClr val="tx1"/>
+          </a:fontRef>
+        </p:style>
+      </p:cxnSp>
+      <p:cxnSp>
+        <p:nvCxnSpPr>
+          <p:cNvPr id="72" name="꺾인 연결선 71"/>
+          <p:cNvCxnSpPr/>
+          <p:nvPr/>
+        </p:nvCxnSpPr>
+        <p:spPr>
+          <a:xfrm rot="16200000" flipH="1">
+            <a:off x="8637532" y="5457642"/>
+            <a:ext cx="357186" cy="0"/>
+          </a:xfrm>
+          <a:prstGeom prst="bentConnector3">
+            <a:avLst>
+              <a:gd name="adj1" fmla="val 50000"/>
+            </a:avLst>
+          </a:prstGeom>
+          <a:ln>
+            <a:tailEnd type="arrow"/>
+          </a:ln>
+        </p:spPr>
+        <p:style>
+          <a:lnRef idx="1">
+            <a:schemeClr val="accent1"/>
+          </a:lnRef>
+          <a:fillRef idx="0">
+            <a:schemeClr val="accent1"/>
+          </a:fillRef>
+          <a:effectRef idx="0">
+            <a:schemeClr val="accent1"/>
+          </a:effectRef>
+          <a:fontRef idx="minor">
+            <a:schemeClr val="tx1"/>
+          </a:fontRef>
+        </p:style>
+      </p:cxnSp>
     </p:spTree>
     <p:extLst>
       <p:ext uri="{BB962C8B-B14F-4D97-AF65-F5344CB8AC3E}">
@@ -17399,7 +17621,17 @@
             </a:pPr>
             <a:r>
               <a:rPr lang="en-US" altLang="ko-KR" sz="1500"/>
-              <a:t>1-3</a:t>
+              <a:t>1-4</a:t>
+            </a:r>
+            <a:endParaRPr lang="en-US" altLang="ko-KR" sz="1500"/>
+          </a:p>
+          <a:p>
+            <a:pPr lvl="0">
+              <a:defRPr/>
+            </a:pPr>
+            <a:r>
+              <a:rPr lang="en-US" altLang="ko-KR" sz="1500"/>
+              <a:t>5x4</a:t>
             </a:r>
             <a:endParaRPr lang="en-US" altLang="ko-KR" sz="1500"/>
           </a:p>
@@ -17409,7 +17641,15 @@
             </a:pPr>
             <a:r>
               <a:rPr lang="ko-KR" altLang="en-US" sz="1500"/>
-              <a:t>앞 레벨보다 난이도가 올라감</a:t>
+              <a:t>좌우</a:t>
+            </a:r>
+            <a:r>
+              <a:rPr lang="en-US" altLang="ko-KR" sz="1500"/>
+              <a:t> </a:t>
+            </a:r>
+            <a:r>
+              <a:rPr lang="ko-KR" altLang="en-US" sz="1500"/>
+              <a:t>구성</a:t>
             </a:r>
             <a:endParaRPr lang="ko-KR" altLang="en-US" sz="1500"/>
           </a:p>
@@ -17417,6 +17657,10 @@
             <a:pPr lvl="0">
               <a:defRPr/>
             </a:pPr>
+            <a:r>
+              <a:rPr lang="ko-KR" altLang="en-US" sz="1500"/>
+              <a:t>더 어려움</a:t>
+            </a:r>
             <a:endParaRPr lang="ko-KR" altLang="en-US" sz="1500"/>
           </a:p>
         </p:txBody>

--- a/etc/레벨디자인.pptx
+++ b/etc/레벨디자인.pptx
@@ -38161,7 +38161,7 @@
         </p:nvGraphicFramePr>
         <p:xfrm>
           <a:off x="544058" y="2864543"/>
-          <a:ext cx="4064846" cy="3436032"/>
+          <a:ext cx="4064845" cy="3436030"/>
         </p:xfrm>
         <a:graphic>
           <a:graphicData uri="http://schemas.openxmlformats.org/drawingml/2006/table">
@@ -38198,7 +38198,7 @@
                             <a:schemeClr val="dk1"/>
                           </a:solidFill>
                         </a:rPr>
-                        <a:t>←</a:t>
+                        <a:t>↑</a:t>
                       </a:r>
                       <a:endParaRPr lang="en-US" altLang="ko-KR" sz="2400" b="0">
                         <a:solidFill>
@@ -38619,75 +38619,6 @@
                             <a:schemeClr val="dk1"/>
                           </a:solidFill>
                         </a:rPr>
-                        <a:t>↓</a:t>
-                      </a:r>
-                      <a:endParaRPr lang="ko-KR" altLang="en-US" sz="2400">
-                        <a:solidFill>
-                          <a:schemeClr val="tx1"/>
-                        </a:solidFill>
-                      </a:endParaRPr>
-                    </a:p>
-                  </a:txBody>
-                  <a:tcPr marL="91440" marR="91440" anchor="ctr">
-                    <a:lnL w="12700" cap="flat" cmpd="sng" algn="ctr">
-                      <a:solidFill>
-                        <a:schemeClr val="tx1"/>
-                      </a:solidFill>
-                      <a:prstDash val="solid"/>
-                      <a:round/>
-                      <a:headEnd w="med" len="med"/>
-                      <a:tailEnd w="med" len="med"/>
-                    </a:lnL>
-                    <a:lnR w="12700" cap="flat" cmpd="sng" algn="ctr">
-                      <a:solidFill>
-                        <a:schemeClr val="tx1"/>
-                      </a:solidFill>
-                      <a:prstDash val="solid"/>
-                      <a:round/>
-                      <a:headEnd w="med" len="med"/>
-                      <a:tailEnd w="med" len="med"/>
-                    </a:lnR>
-                    <a:lnT w="12700" cap="flat" cmpd="sng" algn="ctr">
-                      <a:solidFill>
-                        <a:schemeClr val="tx1"/>
-                      </a:solidFill>
-                      <a:prstDash val="solid"/>
-                      <a:round/>
-                      <a:headEnd w="med" len="med"/>
-                      <a:tailEnd w="med" len="med"/>
-                    </a:lnT>
-                    <a:lnB w="12700" cap="flat" cmpd="sng" algn="ctr">
-                      <a:solidFill>
-                        <a:schemeClr val="tx1"/>
-                      </a:solidFill>
-                      <a:prstDash val="solid"/>
-                      <a:round/>
-                      <a:headEnd w="med" len="med"/>
-                      <a:tailEnd w="med" len="med"/>
-                    </a:lnB>
-                    <a:noFill/>
-                  </a:tcPr>
-                </a:tc>
-                <a:tc>
-                  <a:txBody>
-                    <a:bodyPr vert="horz" wrap="square" lIns="91440" tIns="45720" rIns="91440" bIns="45720" anchor="ctr" anchorCtr="0">
-                      <a:spAutoFit/>
-                    </a:bodyPr>
-                    <a:p>
-                      <a:pPr lvl="0" algn="ctr">
-                        <a:defRPr/>
-                      </a:pPr>
-                      <a:r>
-                        <a:rPr lang="ko-KR" altLang="en-US" sz="2400" b="0">
-                          <a:ln w="9525">
-                            <a:solidFill>
-                              <a:schemeClr val="lt1"/>
-                            </a:solidFill>
-                          </a:ln>
-                          <a:solidFill>
-                            <a:schemeClr val="dk1"/>
-                          </a:solidFill>
-                        </a:rPr>
                         <a:t>↑</a:t>
                       </a:r>
                       <a:endParaRPr lang="ko-KR" altLang="en-US" sz="2400">
@@ -38822,6 +38753,85 @@
                       <a:spAutoFit/>
                     </a:bodyPr>
                     <a:p>
+                      <a:pPr marL="0" lvl="0" indent="0" algn="ctr" defTabSz="914400" rtl="0" eaLnBrk="1" latinLnBrk="1" hangingPunct="1">
+                        <a:lnSpc>
+                          <a:spcPct val="100000"/>
+                        </a:lnSpc>
+                        <a:spcBef>
+                          <a:spcPts val="0"/>
+                        </a:spcBef>
+                        <a:spcAft>
+                          <a:spcPts val="0"/>
+                        </a:spcAft>
+                        <a:buNone/>
+                        <a:defRPr/>
+                      </a:pPr>
+                      <a:r>
+                        <a:rPr lang="ko-KR" altLang="en-US" sz="2400" b="0">
+                          <a:ln w="9525">
+                            <a:solidFill>
+                              <a:schemeClr val="lt1"/>
+                            </a:solidFill>
+                          </a:ln>
+                          <a:solidFill>
+                            <a:schemeClr val="dk1"/>
+                          </a:solidFill>
+                        </a:rPr>
+                        <a:t>→</a:t>
+                      </a:r>
+                      <a:endParaRPr lang="ko-KR" altLang="en-US" sz="2400">
+                        <a:solidFill>
+                          <a:schemeClr val="tx1"/>
+                        </a:solidFill>
+                      </a:endParaRPr>
+                    </a:p>
+                  </a:txBody>
+                  <a:tcPr marL="91440" marR="91440" anchor="ctr">
+                    <a:lnL w="12700" cap="flat" cmpd="sng" algn="ctr">
+                      <a:solidFill>
+                        <a:schemeClr val="tx1"/>
+                      </a:solidFill>
+                      <a:prstDash val="solid"/>
+                      <a:round/>
+                      <a:headEnd w="med" len="med"/>
+                      <a:tailEnd w="med" len="med"/>
+                    </a:lnL>
+                    <a:lnR w="12700" cap="flat" cmpd="sng" algn="ctr">
+                      <a:solidFill>
+                        <a:schemeClr val="tx1"/>
+                      </a:solidFill>
+                      <a:prstDash val="solid"/>
+                      <a:round/>
+                      <a:headEnd w="med" len="med"/>
+                      <a:tailEnd w="med" len="med"/>
+                    </a:lnR>
+                    <a:lnT w="12700" cap="flat" cmpd="sng" algn="ctr">
+                      <a:solidFill>
+                        <a:schemeClr val="tx1"/>
+                      </a:solidFill>
+                      <a:prstDash val="solid"/>
+                      <a:round/>
+                      <a:headEnd w="med" len="med"/>
+                      <a:tailEnd w="med" len="med"/>
+                    </a:lnT>
+                    <a:lnB w="12700" cap="flat" cmpd="sng" algn="ctr">
+                      <a:solidFill>
+                        <a:schemeClr val="tx1"/>
+                      </a:solidFill>
+                      <a:prstDash val="solid"/>
+                      <a:round/>
+                      <a:headEnd w="med" len="med"/>
+                      <a:tailEnd w="med" len="med"/>
+                    </a:lnB>
+                    <a:noFill/>
+                  </a:tcPr>
+                </a:tc>
+                <a:tc>
+                  <a:txBody>
+                    <a:bodyPr vert="horz" wrap="square" lIns="91440" tIns="45720" rIns="91440" bIns="45720" anchor="ctr" anchorCtr="0">
+                      <a:spAutoFit/>
+                    </a:bodyPr>
+                    <a:p>
                       <a:pPr lvl="0" algn="ctr">
                         <a:defRPr/>
                       </a:pPr>
@@ -39041,17 +39051,7 @@
                       <a:spAutoFit/>
                     </a:bodyPr>
                     <a:p>
-                      <a:pPr marL="0" lvl="0" indent="0" algn="ctr" defTabSz="914400" rtl="0" eaLnBrk="1" latinLnBrk="1" hangingPunct="1">
-                        <a:lnSpc>
-                          <a:spcPct val="100000"/>
-                        </a:lnSpc>
-                        <a:spcBef>
-                          <a:spcPts val="0"/>
-                        </a:spcBef>
-                        <a:spcAft>
-                          <a:spcPts val="0"/>
-                        </a:spcAft>
-                        <a:buNone/>
+                      <a:pPr lvl="0" algn="ctr">
                         <a:defRPr/>
                       </a:pPr>
                       <a:r>
@@ -39065,7 +39065,7 @@
                             <a:schemeClr val="dk1"/>
                           </a:solidFill>
                         </a:rPr>
-                        <a:t>→</a:t>
+                        <a:t>↓</a:t>
                       </a:r>
                       <a:endParaRPr lang="ko-KR" altLang="en-US" sz="2400">
                         <a:solidFill>
@@ -39511,76 +39511,7 @@
                             <a:schemeClr val="dk1"/>
                           </a:solidFill>
                         </a:rPr>
-                        <a:t>↓</a:t>
-                      </a:r>
-                      <a:endParaRPr lang="ko-KR" altLang="en-US" sz="2400">
-                        <a:solidFill>
-                          <a:schemeClr val="tx1"/>
-                        </a:solidFill>
-                      </a:endParaRPr>
-                    </a:p>
-                  </a:txBody>
-                  <a:tcPr marL="91440" marR="91440" anchor="ctr">
-                    <a:lnL w="12700" cap="flat" cmpd="sng" algn="ctr">
-                      <a:solidFill>
-                        <a:schemeClr val="tx1"/>
-                      </a:solidFill>
-                      <a:prstDash val="solid"/>
-                      <a:round/>
-                      <a:headEnd w="med" len="med"/>
-                      <a:tailEnd w="med" len="med"/>
-                    </a:lnL>
-                    <a:lnR w="12700" cap="flat" cmpd="sng" algn="ctr">
-                      <a:solidFill>
-                        <a:schemeClr val="tx1"/>
-                      </a:solidFill>
-                      <a:prstDash val="solid"/>
-                      <a:round/>
-                      <a:headEnd w="med" len="med"/>
-                      <a:tailEnd w="med" len="med"/>
-                    </a:lnR>
-                    <a:lnT w="12700" cap="flat" cmpd="sng" algn="ctr">
-                      <a:solidFill>
-                        <a:schemeClr val="tx1"/>
-                      </a:solidFill>
-                      <a:prstDash val="solid"/>
-                      <a:round/>
-                      <a:headEnd w="med" len="med"/>
-                      <a:tailEnd w="med" len="med"/>
-                    </a:lnT>
-                    <a:lnB w="12700" cap="flat" cmpd="sng" algn="ctr">
-                      <a:solidFill>
-                        <a:schemeClr val="tx1"/>
-                      </a:solidFill>
-                      <a:prstDash val="solid"/>
-                      <a:round/>
-                      <a:headEnd w="med" len="med"/>
-                      <a:tailEnd w="med" len="med"/>
-                    </a:lnB>
-                    <a:noFill/>
-                  </a:tcPr>
-                </a:tc>
-                <a:tc>
-                  <a:txBody>
-                    <a:bodyPr vert="horz" wrap="square" lIns="91440" tIns="45720" rIns="91440" bIns="45720" anchor="ctr" anchorCtr="0">
-                      <a:spAutoFit/>
-                    </a:bodyPr>
-                    <a:p>
-                      <a:pPr lvl="0" algn="ctr">
-                        <a:defRPr/>
-                      </a:pPr>
-                      <a:r>
-                        <a:rPr lang="ko-KR" altLang="en-US" sz="2400" b="0">
-                          <a:ln w="9525">
-                            <a:solidFill>
-                              <a:schemeClr val="lt1"/>
-                            </a:solidFill>
-                          </a:ln>
-                          <a:solidFill>
-                            <a:schemeClr val="dk1"/>
-                          </a:solidFill>
-                        </a:rPr>
-                        <a:t>↓</a:t>
+                        <a:t>←</a:t>
                       </a:r>
                       <a:endParaRPr lang="ko-KR" altLang="en-US" sz="2400">
                         <a:solidFill>
@@ -39793,6 +39724,85 @@
                       <a:spAutoFit/>
                     </a:bodyPr>
                     <a:p>
+                      <a:pPr marL="0" lvl="0" indent="0" algn="ctr" defTabSz="914400" rtl="0" eaLnBrk="1" latinLnBrk="1" hangingPunct="1">
+                        <a:lnSpc>
+                          <a:spcPct val="100000"/>
+                        </a:lnSpc>
+                        <a:spcBef>
+                          <a:spcPts val="0"/>
+                        </a:spcBef>
+                        <a:spcAft>
+                          <a:spcPts val="0"/>
+                        </a:spcAft>
+                        <a:buNone/>
+                        <a:defRPr/>
+                      </a:pPr>
+                      <a:r>
+                        <a:rPr lang="ko-KR" altLang="en-US" sz="2400" b="0">
+                          <a:ln w="9525">
+                            <a:solidFill>
+                              <a:schemeClr val="lt1"/>
+                            </a:solidFill>
+                          </a:ln>
+                          <a:solidFill>
+                            <a:schemeClr val="dk1"/>
+                          </a:solidFill>
+                        </a:rPr>
+                        <a:t>→</a:t>
+                      </a:r>
+                      <a:endParaRPr lang="ko-KR" altLang="en-US" sz="2400">
+                        <a:solidFill>
+                          <a:schemeClr val="tx1"/>
+                        </a:solidFill>
+                      </a:endParaRPr>
+                    </a:p>
+                  </a:txBody>
+                  <a:tcPr marL="91440" marR="91440" anchor="ctr">
+                    <a:lnL w="12700" cap="flat" cmpd="sng" algn="ctr">
+                      <a:solidFill>
+                        <a:schemeClr val="tx1"/>
+                      </a:solidFill>
+                      <a:prstDash val="solid"/>
+                      <a:round/>
+                      <a:headEnd w="med" len="med"/>
+                      <a:tailEnd w="med" len="med"/>
+                    </a:lnL>
+                    <a:lnR w="12700" cap="flat" cmpd="sng" algn="ctr">
+                      <a:solidFill>
+                        <a:schemeClr val="tx1"/>
+                      </a:solidFill>
+                      <a:prstDash val="solid"/>
+                      <a:round/>
+                      <a:headEnd w="med" len="med"/>
+                      <a:tailEnd w="med" len="med"/>
+                    </a:lnR>
+                    <a:lnT w="12700" cap="flat" cmpd="sng" algn="ctr">
+                      <a:solidFill>
+                        <a:schemeClr val="tx1"/>
+                      </a:solidFill>
+                      <a:prstDash val="solid"/>
+                      <a:round/>
+                      <a:headEnd w="med" len="med"/>
+                      <a:tailEnd w="med" len="med"/>
+                    </a:lnT>
+                    <a:lnB w="12700" cap="flat" cmpd="sng" algn="ctr">
+                      <a:solidFill>
+                        <a:schemeClr val="tx1"/>
+                      </a:solidFill>
+                      <a:prstDash val="solid"/>
+                      <a:round/>
+                      <a:headEnd w="med" len="med"/>
+                      <a:tailEnd w="med" len="med"/>
+                    </a:lnB>
+                    <a:noFill/>
+                  </a:tcPr>
+                </a:tc>
+                <a:tc>
+                  <a:txBody>
+                    <a:bodyPr vert="horz" wrap="square" lIns="91440" tIns="45720" rIns="91440" bIns="45720" anchor="ctr" anchorCtr="0">
+                      <a:spAutoFit/>
+                    </a:bodyPr>
+                    <a:p>
                       <a:pPr lvl="0" algn="ctr">
                         <a:defRPr/>
                       </a:pPr>
@@ -39947,7 +39957,7 @@
                             <a:schemeClr val="dk1"/>
                           </a:solidFill>
                         </a:rPr>
-                        <a:t>←</a:t>
+                        <a:t>↓</a:t>
                       </a:r>
                       <a:endParaRPr lang="ko-KR" altLang="en-US" sz="2400">
                         <a:solidFill>
@@ -40081,17 +40091,7 @@
                       <a:spAutoFit/>
                     </a:bodyPr>
                     <a:p>
-                      <a:pPr marL="0" lvl="0" indent="0" algn="ctr" defTabSz="914400" rtl="0" eaLnBrk="1" latinLnBrk="1" hangingPunct="1">
-                        <a:lnSpc>
-                          <a:spcPct val="100000"/>
-                        </a:lnSpc>
-                        <a:spcBef>
-                          <a:spcPts val="0"/>
-                        </a:spcBef>
-                        <a:spcAft>
-                          <a:spcPts val="0"/>
-                        </a:spcAft>
-                        <a:buNone/>
+                      <a:pPr lvl="0" algn="ctr">
                         <a:defRPr/>
                       </a:pPr>
                       <a:r>
@@ -40105,7 +40105,7 @@
                             <a:schemeClr val="dk1"/>
                           </a:solidFill>
                         </a:rPr>
-                        <a:t>→</a:t>
+                        <a:t>←</a:t>
                       </a:r>
                       <a:endParaRPr lang="ko-KR" altLang="en-US" sz="2400">
                         <a:solidFill>

--- a/etc/레벨디자인.pptx
+++ b/etc/레벨디자인.pptx
@@ -31051,193 +31051,13 @@
         </p:nvGraphicFramePr>
         <p:xfrm>
           <a:off x="442154" y="2757675"/>
-          <a:ext cx="4269538" cy="3630717"/>
+          <a:ext cx="4269538" cy="3630715"/>
         </p:xfrm>
         <a:graphic>
           <a:graphicData uri="http://schemas.openxmlformats.org/drawingml/2006/table">
             <a:tbl>
               <a:tblPr firstRow="1" bandRow="1">
-                <a:tableStyle styleId="{01A66EDD-3DAB-4C5B-A090-DC80EC1FD486}" styleName="Normal Style 1 - Accent 1">
-                  <a:wholeTbl>
-                    <a:tcTxStyle>
-                      <a:fontRef idx="minor">
-                        <a:prstClr val="black"/>
-                      </a:fontRef>
-                      <a:schemeClr val="dk1"/>
-                    </a:tcTxStyle>
-                    <a:tcStyle>
-                      <a:tcBdr>
-                        <a:left>
-                          <a:ln w="12700" cmpd="sng">
-                            <a:solidFill>
-                              <a:schemeClr val="lt1"/>
-                            </a:solidFill>
-                          </a:ln>
-                        </a:left>
-                        <a:right>
-                          <a:ln w="12700" cmpd="sng">
-                            <a:solidFill>
-                              <a:schemeClr val="lt1"/>
-                            </a:solidFill>
-                          </a:ln>
-                        </a:right>
-                        <a:top>
-                          <a:ln w="12700" cmpd="sng">
-                            <a:solidFill>
-                              <a:schemeClr val="lt1"/>
-                            </a:solidFill>
-                          </a:ln>
-                        </a:top>
-                        <a:bottom>
-                          <a:ln w="12700" cmpd="sng">
-                            <a:solidFill>
-                              <a:schemeClr val="lt1"/>
-                            </a:solidFill>
-                          </a:ln>
-                        </a:bottom>
-                        <a:insideH>
-                          <a:ln w="12700" cmpd="sng">
-                            <a:solidFill>
-                              <a:schemeClr val="lt1"/>
-                            </a:solidFill>
-                          </a:ln>
-                        </a:insideH>
-                        <a:insideV>
-                          <a:ln w="12700" cmpd="sng">
-                            <a:solidFill>
-                              <a:schemeClr val="lt1"/>
-                            </a:solidFill>
-                          </a:ln>
-                        </a:insideV>
-                      </a:tcBdr>
-                      <a:fill>
-                        <a:solidFill>
-                          <a:schemeClr val="accent1">
-                            <a:lum val="90000"/>
-                          </a:schemeClr>
-                        </a:solidFill>
-                      </a:fill>
-                    </a:tcStyle>
-                  </a:wholeTbl>
-                  <a:band1H>
-                    <a:tcTxStyle/>
-                    <a:tcStyle>
-                      <a:tcBdr/>
-                      <a:fill>
-                        <a:solidFill>
-                          <a:schemeClr val="accent1">
-                            <a:lum val="80000"/>
-                          </a:schemeClr>
-                        </a:solidFill>
-                      </a:fill>
-                    </a:tcStyle>
-                  </a:band1H>
-                  <a:band2H>
-                    <a:tcTxStyle/>
-                    <a:tcStyle>
-                      <a:tcBdr/>
-                    </a:tcStyle>
-                  </a:band2H>
-                  <a:band1V>
-                    <a:tcTxStyle/>
-                    <a:tcStyle>
-                      <a:tcBdr/>
-                      <a:fill>
-                        <a:solidFill>
-                          <a:schemeClr val="accent1">
-                            <a:lum val="80000"/>
-                          </a:schemeClr>
-                        </a:solidFill>
-                      </a:fill>
-                    </a:tcStyle>
-                  </a:band1V>
-                  <a:band2V>
-                    <a:tcTxStyle/>
-                    <a:tcStyle>
-                      <a:tcBdr/>
-                    </a:tcStyle>
-                  </a:band2V>
-                  <a:lastCol>
-                    <a:tcTxStyle b="on">
-                      <a:fontRef idx="minor">
-                        <a:prstClr val="black"/>
-                      </a:fontRef>
-                      <a:schemeClr val="lt1"/>
-                    </a:tcTxStyle>
-                    <a:tcStyle>
-                      <a:tcBdr/>
-                      <a:fill>
-                        <a:solidFill>
-                          <a:schemeClr val="accent1"/>
-                        </a:solidFill>
-                      </a:fill>
-                    </a:tcStyle>
-                  </a:lastCol>
-                  <a:firstCol>
-                    <a:tcTxStyle b="on">
-                      <a:fontRef idx="minor">
-                        <a:prstClr val="black"/>
-                      </a:fontRef>
-                      <a:schemeClr val="lt1"/>
-                    </a:tcTxStyle>
-                    <a:tcStyle>
-                      <a:tcBdr/>
-                      <a:fill>
-                        <a:solidFill>
-                          <a:schemeClr val="accent1"/>
-                        </a:solidFill>
-                      </a:fill>
-                    </a:tcStyle>
-                  </a:firstCol>
-                  <a:lastRow>
-                    <a:tcTxStyle b="on">
-                      <a:fontRef idx="minor">
-                        <a:prstClr val="black"/>
-                      </a:fontRef>
-                      <a:schemeClr val="lt1"/>
-                    </a:tcTxStyle>
-                    <a:tcStyle>
-                      <a:tcBdr>
-                        <a:top>
-                          <a:ln w="38100" cmpd="sng">
-                            <a:solidFill>
-                              <a:schemeClr val="lt1"/>
-                            </a:solidFill>
-                          </a:ln>
-                        </a:top>
-                      </a:tcBdr>
-                      <a:fill>
-                        <a:solidFill>
-                          <a:schemeClr val="accent1"/>
-                        </a:solidFill>
-                      </a:fill>
-                    </a:tcStyle>
-                  </a:lastRow>
-                  <a:firstRow>
-                    <a:tcTxStyle b="on">
-                      <a:fontRef idx="minor">
-                        <a:prstClr val="black"/>
-                      </a:fontRef>
-                      <a:schemeClr val="lt1"/>
-                    </a:tcTxStyle>
-                    <a:tcStyle>
-                      <a:tcBdr>
-                        <a:bottom>
-                          <a:ln w="38100" cmpd="sng">
-                            <a:solidFill>
-                              <a:schemeClr val="lt1"/>
-                            </a:solidFill>
-                          </a:ln>
-                        </a:bottom>
-                      </a:tcBdr>
-                      <a:fill>
-                        <a:solidFill>
-                          <a:schemeClr val="accent1"/>
-                        </a:solidFill>
-                      </a:fill>
-                    </a:tcStyle>
-                  </a:firstRow>
-                </a:tableStyle>
+                <a:tableStyleId>{01A66EDD-3DAB-4C5B-A090-DC80EC1FD486}</a:tableStyleId>
               </a:tblPr>
               <a:tblGrid>
                 <a:gridCol w="849630"/>
@@ -31253,7 +31073,17 @@
                       <a:spAutoFit/>
                     </a:bodyPr>
                     <a:p>
-                      <a:pPr lvl="0" algn="ctr">
+                      <a:pPr marL="0" lvl="0" indent="0" algn="ctr" defTabSz="914400" rtl="0" eaLnBrk="1" latinLnBrk="1" hangingPunct="1">
+                        <a:lnSpc>
+                          <a:spcPct val="100000"/>
+                        </a:lnSpc>
+                        <a:spcBef>
+                          <a:spcPts val="0"/>
+                        </a:spcBef>
+                        <a:spcAft>
+                          <a:spcPts val="0"/>
+                        </a:spcAft>
+                        <a:buNone/>
                         <a:defRPr/>
                       </a:pPr>
                       <a:r>
@@ -31267,7 +31097,7 @@
                             <a:schemeClr val="dk1"/>
                           </a:solidFill>
                         </a:rPr>
-                        <a:t>←</a:t>
+                        <a:t>→</a:t>
                       </a:r>
                       <a:endParaRPr lang="en-US" altLang="ko-KR" sz="3000" b="0">
                         <a:ln w="9525">
@@ -31277,6 +31107,178 @@
                         </a:ln>
                         <a:solidFill>
                           <a:srgbClr val="ff0000"/>
+                        </a:solidFill>
+                      </a:endParaRPr>
+                    </a:p>
+                  </a:txBody>
+                  <a:tcPr marL="91440" marR="91440" anchor="ctr">
+                    <a:lnL w="12700" cap="flat" cmpd="sng" algn="ctr">
+                      <a:solidFill>
+                        <a:schemeClr val="tx1"/>
+                      </a:solidFill>
+                      <a:prstDash val="solid"/>
+                      <a:round/>
+                      <a:headEnd w="med" len="med"/>
+                      <a:tailEnd w="med" len="med"/>
+                    </a:lnL>
+                    <a:lnR w="12700" cap="flat" cmpd="sng" algn="ctr">
+                      <a:solidFill>
+                        <a:schemeClr val="tx1"/>
+                      </a:solidFill>
+                      <a:prstDash val="solid"/>
+                      <a:round/>
+                      <a:headEnd w="med" len="med"/>
+                      <a:tailEnd w="med" len="med"/>
+                    </a:lnR>
+                    <a:lnT w="12700" cap="flat" cmpd="sng" algn="ctr">
+                      <a:solidFill>
+                        <a:schemeClr val="tx1"/>
+                      </a:solidFill>
+                      <a:prstDash val="solid"/>
+                      <a:round/>
+                      <a:headEnd w="med" len="med"/>
+                      <a:tailEnd w="med" len="med"/>
+                    </a:lnT>
+                    <a:lnB w="12700" cap="flat" cmpd="sng" algn="ctr">
+                      <a:solidFill>
+                        <a:schemeClr val="tx1"/>
+                      </a:solidFill>
+                      <a:prstDash val="solid"/>
+                      <a:round/>
+                      <a:headEnd w="med" len="med"/>
+                      <a:tailEnd w="med" len="med"/>
+                    </a:lnB>
+                    <a:solidFill>
+                      <a:schemeClr val="lt1"/>
+                    </a:solidFill>
+                  </a:tcPr>
+                </a:tc>
+                <a:tc>
+                  <a:txBody>
+                    <a:bodyPr vert="horz" wrap="square" lIns="91440" tIns="45720" rIns="91440" bIns="45720" anchor="ctr" anchorCtr="0">
+                      <a:spAutoFit/>
+                    </a:bodyPr>
+                    <a:p>
+                      <a:pPr marL="0" lvl="0" indent="0" algn="ctr" defTabSz="914400" rtl="0" eaLnBrk="1" latinLnBrk="1" hangingPunct="1">
+                        <a:lnSpc>
+                          <a:spcPct val="100000"/>
+                        </a:lnSpc>
+                        <a:spcBef>
+                          <a:spcPts val="0"/>
+                        </a:spcBef>
+                        <a:spcAft>
+                          <a:spcPts val="0"/>
+                        </a:spcAft>
+                        <a:buNone/>
+                        <a:defRPr/>
+                      </a:pPr>
+                      <a:r>
+                        <a:rPr lang="ko-KR" altLang="en-US" sz="3000" b="0">
+                          <a:ln w="9525">
+                            <a:solidFill>
+                              <a:schemeClr val="lt1"/>
+                            </a:solidFill>
+                          </a:ln>
+                          <a:solidFill>
+                            <a:schemeClr val="dk1"/>
+                          </a:solidFill>
+                        </a:rPr>
+                        <a:t>→</a:t>
+                      </a:r>
+                      <a:endParaRPr lang="ko-KR" altLang="en-US" sz="3000" b="0">
+                        <a:ln w="9525">
+                          <a:solidFill>
+                            <a:schemeClr val="lt1"/>
+                          </a:solidFill>
+                        </a:ln>
+                        <a:solidFill>
+                          <a:schemeClr val="dk1"/>
+                        </a:solidFill>
+                      </a:endParaRPr>
+                    </a:p>
+                  </a:txBody>
+                  <a:tcPr marL="91440" marR="91440" anchor="ctr">
+                    <a:lnL w="12700" cap="flat" cmpd="sng" algn="ctr">
+                      <a:solidFill>
+                        <a:schemeClr val="tx1"/>
+                      </a:solidFill>
+                      <a:prstDash val="solid"/>
+                      <a:round/>
+                      <a:headEnd w="med" len="med"/>
+                      <a:tailEnd w="med" len="med"/>
+                    </a:lnL>
+                    <a:lnR w="12700" cap="flat" cmpd="sng" algn="ctr">
+                      <a:solidFill>
+                        <a:schemeClr val="tx1"/>
+                      </a:solidFill>
+                      <a:prstDash val="solid"/>
+                      <a:round/>
+                      <a:headEnd w="med" len="med"/>
+                      <a:tailEnd w="med" len="med"/>
+                    </a:lnR>
+                    <a:lnT w="12700" cap="flat" cmpd="sng" algn="ctr">
+                      <a:solidFill>
+                        <a:schemeClr val="tx1"/>
+                      </a:solidFill>
+                      <a:prstDash val="solid"/>
+                      <a:round/>
+                      <a:headEnd w="med" len="med"/>
+                      <a:tailEnd w="med" len="med"/>
+                    </a:lnT>
+                    <a:lnB w="12700" cap="flat" cmpd="sng" algn="ctr">
+                      <a:solidFill>
+                        <a:schemeClr val="tx1"/>
+                      </a:solidFill>
+                      <a:prstDash val="solid"/>
+                      <a:round/>
+                      <a:headEnd w="med" len="med"/>
+                      <a:tailEnd w="med" len="med"/>
+                    </a:lnB>
+                    <a:solidFill>
+                      <a:schemeClr val="lt1"/>
+                    </a:solidFill>
+                  </a:tcPr>
+                </a:tc>
+                <a:tc>
+                  <a:txBody>
+                    <a:bodyPr vert="horz" wrap="square" lIns="91440" tIns="45720" rIns="91440" bIns="45720" anchor="ctr" anchorCtr="0">
+                      <a:spAutoFit/>
+                    </a:bodyPr>
+                    <a:p>
+                      <a:pPr marL="0" lvl="0" indent="0" algn="ctr" defTabSz="914400" rtl="0" eaLnBrk="1" latinLnBrk="1" hangingPunct="1">
+                        <a:lnSpc>
+                          <a:spcPct val="100000"/>
+                        </a:lnSpc>
+                        <a:spcBef>
+                          <a:spcPts val="0"/>
+                        </a:spcBef>
+                        <a:spcAft>
+                          <a:spcPts val="0"/>
+                        </a:spcAft>
+                        <a:buNone/>
+                        <a:defRPr/>
+                      </a:pPr>
+                      <a:r>
+                        <a:rPr lang="ko-KR" altLang="en-US" sz="3000" b="0">
+                          <a:ln w="9525">
+                            <a:solidFill>
+                              <a:schemeClr val="lt1"/>
+                            </a:solidFill>
+                          </a:ln>
+                          <a:solidFill>
+                            <a:schemeClr val="dk1"/>
+                          </a:solidFill>
+                        </a:rPr>
+                        <a:t>↑</a:t>
+                      </a:r>
+                      <a:endParaRPr lang="ko-KR" altLang="en-US" sz="3000" b="0">
+                        <a:ln w="9525">
+                          <a:solidFill>
+                            <a:schemeClr val="lt1"/>
+                          </a:solidFill>
+                        </a:ln>
+                        <a:solidFill>
+                          <a:schemeClr val="dk1"/>
                         </a:solidFill>
                       </a:endParaRPr>
                     </a:p>
@@ -31343,9 +31345,173 @@
                             <a:schemeClr val="dk1"/>
                           </a:solidFill>
                         </a:rPr>
+                        <a:t>↓</a:t>
+                      </a:r>
+                      <a:endParaRPr lang="ko-KR" altLang="en-US" sz="3000" b="0">
+                        <a:ln w="9525">
+                          <a:solidFill>
+                            <a:schemeClr val="lt1"/>
+                          </a:solidFill>
+                        </a:ln>
+                        <a:solidFill>
+                          <a:schemeClr val="dk1"/>
+                        </a:solidFill>
+                      </a:endParaRPr>
+                    </a:p>
+                  </a:txBody>
+                  <a:tcPr marL="91440" marR="91440" anchor="ctr">
+                    <a:lnL w="12700" cap="flat" cmpd="sng" algn="ctr">
+                      <a:solidFill>
+                        <a:schemeClr val="tx1"/>
+                      </a:solidFill>
+                      <a:prstDash val="solid"/>
+                      <a:round/>
+                      <a:headEnd w="med" len="med"/>
+                      <a:tailEnd w="med" len="med"/>
+                    </a:lnL>
+                    <a:lnR w="12700" cap="flat" cmpd="sng" algn="ctr">
+                      <a:solidFill>
+                        <a:schemeClr val="tx1"/>
+                      </a:solidFill>
+                      <a:prstDash val="solid"/>
+                      <a:round/>
+                      <a:headEnd w="med" len="med"/>
+                      <a:tailEnd w="med" len="med"/>
+                    </a:lnR>
+                    <a:lnT w="12700" cap="flat" cmpd="sng" algn="ctr">
+                      <a:solidFill>
+                        <a:schemeClr val="tx1"/>
+                      </a:solidFill>
+                      <a:prstDash val="solid"/>
+                      <a:round/>
+                      <a:headEnd w="med" len="med"/>
+                      <a:tailEnd w="med" len="med"/>
+                    </a:lnT>
+                    <a:lnB w="12700" cap="flat" cmpd="sng" algn="ctr">
+                      <a:solidFill>
+                        <a:schemeClr val="tx1"/>
+                      </a:solidFill>
+                      <a:prstDash val="solid"/>
+                      <a:round/>
+                      <a:headEnd w="med" len="med"/>
+                      <a:tailEnd w="med" len="med"/>
+                    </a:lnB>
+                    <a:solidFill>
+                      <a:schemeClr val="lt1"/>
+                    </a:solidFill>
+                  </a:tcPr>
+                </a:tc>
+                <a:tc>
+                  <a:txBody>
+                    <a:bodyPr vert="horz" wrap="square" lIns="91440" tIns="45720" rIns="91440" bIns="45720" anchor="ctr" anchorCtr="0">
+                      <a:spAutoFit/>
+                    </a:bodyPr>
+                    <a:p>
+                      <a:pPr marL="0" lvl="0" indent="0" algn="ctr" defTabSz="914400" rtl="0" eaLnBrk="1" latinLnBrk="1" hangingPunct="1">
+                        <a:lnSpc>
+                          <a:spcPct val="100000"/>
+                        </a:lnSpc>
+                        <a:spcBef>
+                          <a:spcPts val="0"/>
+                        </a:spcBef>
+                        <a:spcAft>
+                          <a:spcPts val="0"/>
+                        </a:spcAft>
+                        <a:buNone/>
+                        <a:defRPr/>
+                      </a:pPr>
+                      <a:r>
+                        <a:rPr lang="ko-KR" altLang="en-US" sz="3000" b="0">
+                          <a:ln w="9525">
+                            <a:solidFill>
+                              <a:schemeClr val="lt1"/>
+                            </a:solidFill>
+                          </a:ln>
+                          <a:solidFill>
+                            <a:schemeClr val="dk1"/>
+                          </a:solidFill>
+                        </a:rPr>
                         <a:t>↑</a:t>
                       </a:r>
                       <a:endParaRPr lang="ko-KR" altLang="en-US" sz="3000" b="0">
+                        <a:ln w="9525">
+                          <a:solidFill>
+                            <a:schemeClr val="lt1"/>
+                          </a:solidFill>
+                        </a:ln>
+                        <a:solidFill>
+                          <a:schemeClr val="dk1"/>
+                        </a:solidFill>
+                      </a:endParaRPr>
+                    </a:p>
+                  </a:txBody>
+                  <a:tcPr marL="91440" marR="91440" anchor="ctr">
+                    <a:lnL w="12700" cap="flat" cmpd="sng" algn="ctr">
+                      <a:solidFill>
+                        <a:schemeClr val="tx1"/>
+                      </a:solidFill>
+                      <a:prstDash val="solid"/>
+                      <a:round/>
+                      <a:headEnd w="med" len="med"/>
+                      <a:tailEnd w="med" len="med"/>
+                    </a:lnL>
+                    <a:lnR w="12700" cap="flat" cmpd="sng" algn="ctr">
+                      <a:solidFill>
+                        <a:schemeClr val="tx1"/>
+                      </a:solidFill>
+                      <a:prstDash val="solid"/>
+                      <a:round/>
+                      <a:headEnd w="med" len="med"/>
+                      <a:tailEnd w="med" len="med"/>
+                    </a:lnR>
+                    <a:lnT w="12700" cap="flat" cmpd="sng" algn="ctr">
+                      <a:solidFill>
+                        <a:schemeClr val="tx1"/>
+                      </a:solidFill>
+                      <a:prstDash val="solid"/>
+                      <a:round/>
+                      <a:headEnd w="med" len="med"/>
+                      <a:tailEnd w="med" len="med"/>
+                    </a:lnT>
+                    <a:lnB w="12700" cap="flat" cmpd="sng" algn="ctr">
+                      <a:solidFill>
+                        <a:schemeClr val="tx1"/>
+                      </a:solidFill>
+                      <a:prstDash val="solid"/>
+                      <a:round/>
+                      <a:headEnd w="med" len="med"/>
+                      <a:tailEnd w="med" len="med"/>
+                    </a:lnB>
+                    <a:solidFill>
+                      <a:schemeClr val="lt1"/>
+                    </a:solidFill>
+                  </a:tcPr>
+                </a:tc>
+              </a:tr>
+              <a:tr h="726143">
+                <a:tc>
+                  <a:txBody>
+                    <a:bodyPr vert="horz" wrap="square" lIns="91440" tIns="45720" rIns="91440" bIns="45720" anchor="ctr" anchorCtr="0">
+                      <a:spAutoFit/>
+                    </a:bodyPr>
+                    <a:p>
+                      <a:pPr lvl="0" algn="ctr">
+                        <a:defRPr/>
+                      </a:pPr>
+                      <a:r>
+                        <a:rPr lang="ko-KR" altLang="en-US" sz="3000" b="0">
+                          <a:ln w="9525">
+                            <a:solidFill>
+                              <a:schemeClr val="lt1"/>
+                            </a:solidFill>
+                          </a:ln>
+                          <a:solidFill>
+                            <a:schemeClr val="dk1"/>
+                          </a:solidFill>
+                        </a:rPr>
+                        <a:t>←</a:t>
+                      </a:r>
+                      <a:endParaRPr lang="en-US" altLang="ko-KR" sz="3000">
                         <a:ln w="9525">
                           <a:solidFill>
                             <a:schemeClr val="lt1"/>
@@ -31421,7 +31587,179 @@
                         </a:rPr>
                         <a:t>←</a:t>
                       </a:r>
-                      <a:endParaRPr lang="ko-KR" altLang="en-US" sz="3000" b="0">
+                      <a:endParaRPr lang="en-US" altLang="ko-KR" sz="3000">
+                        <a:ln w="9525">
+                          <a:solidFill>
+                            <a:schemeClr val="lt1"/>
+                          </a:solidFill>
+                        </a:ln>
+                        <a:solidFill>
+                          <a:schemeClr val="dk1"/>
+                        </a:solidFill>
+                      </a:endParaRPr>
+                    </a:p>
+                  </a:txBody>
+                  <a:tcPr marL="91440" marR="91440" anchor="ctr">
+                    <a:lnL w="12700" cap="flat" cmpd="sng" algn="ctr">
+                      <a:solidFill>
+                        <a:schemeClr val="tx1"/>
+                      </a:solidFill>
+                      <a:prstDash val="solid"/>
+                      <a:round/>
+                      <a:headEnd w="med" len="med"/>
+                      <a:tailEnd w="med" len="med"/>
+                    </a:lnL>
+                    <a:lnR w="12700" cap="flat" cmpd="sng" algn="ctr">
+                      <a:solidFill>
+                        <a:schemeClr val="tx1"/>
+                      </a:solidFill>
+                      <a:prstDash val="solid"/>
+                      <a:round/>
+                      <a:headEnd w="med" len="med"/>
+                      <a:tailEnd w="med" len="med"/>
+                    </a:lnR>
+                    <a:lnT w="12700" cap="flat" cmpd="sng" algn="ctr">
+                      <a:solidFill>
+                        <a:schemeClr val="tx1"/>
+                      </a:solidFill>
+                      <a:prstDash val="solid"/>
+                      <a:round/>
+                      <a:headEnd w="med" len="med"/>
+                      <a:tailEnd w="med" len="med"/>
+                    </a:lnT>
+                    <a:lnB w="12700" cap="flat" cmpd="sng" algn="ctr">
+                      <a:solidFill>
+                        <a:schemeClr val="tx1"/>
+                      </a:solidFill>
+                      <a:prstDash val="solid"/>
+                      <a:round/>
+                      <a:headEnd w="med" len="med"/>
+                      <a:tailEnd w="med" len="med"/>
+                    </a:lnB>
+                    <a:solidFill>
+                      <a:schemeClr val="lt1"/>
+                    </a:solidFill>
+                  </a:tcPr>
+                </a:tc>
+                <a:tc>
+                  <a:txBody>
+                    <a:bodyPr vert="horz" wrap="square" lIns="91440" tIns="45720" rIns="91440" bIns="45720" anchor="ctr" anchorCtr="0">
+                      <a:spAutoFit/>
+                    </a:bodyPr>
+                    <a:p>
+                      <a:pPr marL="0" lvl="0" indent="0" algn="ctr" defTabSz="914400" rtl="0" eaLnBrk="1" latinLnBrk="1" hangingPunct="1">
+                        <a:lnSpc>
+                          <a:spcPct val="100000"/>
+                        </a:lnSpc>
+                        <a:spcBef>
+                          <a:spcPts val="0"/>
+                        </a:spcBef>
+                        <a:spcAft>
+                          <a:spcPts val="0"/>
+                        </a:spcAft>
+                        <a:buNone/>
+                        <a:defRPr/>
+                      </a:pPr>
+                      <a:r>
+                        <a:rPr lang="ko-KR" altLang="en-US" sz="3000" b="0">
+                          <a:ln w="9525">
+                            <a:solidFill>
+                              <a:schemeClr val="lt1"/>
+                            </a:solidFill>
+                          </a:ln>
+                          <a:solidFill>
+                            <a:schemeClr val="dk1"/>
+                          </a:solidFill>
+                        </a:rPr>
+                        <a:t>→</a:t>
+                      </a:r>
+                      <a:endParaRPr lang="en-US" altLang="ko-KR" sz="3000">
+                        <a:ln w="9525">
+                          <a:solidFill>
+                            <a:schemeClr val="lt1"/>
+                          </a:solidFill>
+                        </a:ln>
+                        <a:solidFill>
+                          <a:schemeClr val="dk1"/>
+                        </a:solidFill>
+                      </a:endParaRPr>
+                    </a:p>
+                  </a:txBody>
+                  <a:tcPr marL="91440" marR="91440" anchor="ctr">
+                    <a:lnL w="12700" cap="flat" cmpd="sng" algn="ctr">
+                      <a:solidFill>
+                        <a:schemeClr val="tx1"/>
+                      </a:solidFill>
+                      <a:prstDash val="solid"/>
+                      <a:round/>
+                      <a:headEnd w="med" len="med"/>
+                      <a:tailEnd w="med" len="med"/>
+                    </a:lnL>
+                    <a:lnR w="12700" cap="flat" cmpd="sng" algn="ctr">
+                      <a:solidFill>
+                        <a:schemeClr val="tx1"/>
+                      </a:solidFill>
+                      <a:prstDash val="solid"/>
+                      <a:round/>
+                      <a:headEnd w="med" len="med"/>
+                      <a:tailEnd w="med" len="med"/>
+                    </a:lnR>
+                    <a:lnT w="12700" cap="flat" cmpd="sng" algn="ctr">
+                      <a:solidFill>
+                        <a:schemeClr val="tx1"/>
+                      </a:solidFill>
+                      <a:prstDash val="solid"/>
+                      <a:round/>
+                      <a:headEnd w="med" len="med"/>
+                      <a:tailEnd w="med" len="med"/>
+                    </a:lnT>
+                    <a:lnB w="12700" cap="flat" cmpd="sng" algn="ctr">
+                      <a:solidFill>
+                        <a:schemeClr val="tx1"/>
+                      </a:solidFill>
+                      <a:prstDash val="solid"/>
+                      <a:round/>
+                      <a:headEnd w="med" len="med"/>
+                      <a:tailEnd w="med" len="med"/>
+                    </a:lnB>
+                    <a:solidFill>
+                      <a:schemeClr val="lt1"/>
+                    </a:solidFill>
+                  </a:tcPr>
+                </a:tc>
+                <a:tc>
+                  <a:txBody>
+                    <a:bodyPr vert="horz" wrap="square" lIns="91440" tIns="45720" rIns="91440" bIns="45720" anchor="ctr" anchorCtr="0">
+                      <a:spAutoFit/>
+                    </a:bodyPr>
+                    <a:p>
+                      <a:pPr marL="0" lvl="0" indent="0" algn="ctr" defTabSz="914400" rtl="0" eaLnBrk="1" latinLnBrk="1" hangingPunct="1">
+                        <a:lnSpc>
+                          <a:spcPct val="100000"/>
+                        </a:lnSpc>
+                        <a:spcBef>
+                          <a:spcPts val="0"/>
+                        </a:spcBef>
+                        <a:spcAft>
+                          <a:spcPts val="0"/>
+                        </a:spcAft>
+                        <a:buNone/>
+                        <a:defRPr/>
+                      </a:pPr>
+                      <a:r>
+                        <a:rPr lang="ko-KR" altLang="en-US" sz="3000" b="0">
+                          <a:ln w="9525">
+                            <a:solidFill>
+                              <a:schemeClr val="lt1"/>
+                            </a:solidFill>
+                          </a:ln>
+                          <a:solidFill>
+                            <a:schemeClr val="dk1"/>
+                          </a:solidFill>
+                        </a:rPr>
+                        <a:t>→</a:t>
+                      </a:r>
+                      <a:endParaRPr lang="en-US" altLang="ko-KR" sz="3000">
                         <a:ln w="9525">
                           <a:solidFill>
                             <a:schemeClr val="lt1"/>
@@ -31495,9 +31833,259 @@
                             <a:schemeClr val="dk1"/>
                           </a:solidFill>
                         </a:rPr>
+                        <a:t>←</a:t>
+                      </a:r>
+                      <a:endParaRPr lang="en-US" altLang="ko-KR" sz="3000">
+                        <a:ln w="9525">
+                          <a:solidFill>
+                            <a:schemeClr val="lt1"/>
+                          </a:solidFill>
+                        </a:ln>
+                        <a:solidFill>
+                          <a:schemeClr val="dk1"/>
+                        </a:solidFill>
+                      </a:endParaRPr>
+                    </a:p>
+                  </a:txBody>
+                  <a:tcPr marL="91440" marR="91440" anchor="ctr">
+                    <a:lnL w="12700" cap="flat" cmpd="sng" algn="ctr">
+                      <a:solidFill>
+                        <a:schemeClr val="tx1"/>
+                      </a:solidFill>
+                      <a:prstDash val="solid"/>
+                      <a:round/>
+                      <a:headEnd w="med" len="med"/>
+                      <a:tailEnd w="med" len="med"/>
+                    </a:lnL>
+                    <a:lnR w="12700" cap="flat" cmpd="sng" algn="ctr">
+                      <a:solidFill>
+                        <a:schemeClr val="tx1"/>
+                      </a:solidFill>
+                      <a:prstDash val="solid"/>
+                      <a:round/>
+                      <a:headEnd w="med" len="med"/>
+                      <a:tailEnd w="med" len="med"/>
+                    </a:lnR>
+                    <a:lnT w="12700" cap="flat" cmpd="sng" algn="ctr">
+                      <a:solidFill>
+                        <a:schemeClr val="tx1"/>
+                      </a:solidFill>
+                      <a:prstDash val="solid"/>
+                      <a:round/>
+                      <a:headEnd w="med" len="med"/>
+                      <a:tailEnd w="med" len="med"/>
+                    </a:lnT>
+                    <a:lnB w="12700" cap="flat" cmpd="sng" algn="ctr">
+                      <a:solidFill>
+                        <a:schemeClr val="tx1"/>
+                      </a:solidFill>
+                      <a:prstDash val="solid"/>
+                      <a:round/>
+                      <a:headEnd w="med" len="med"/>
+                      <a:tailEnd w="med" len="med"/>
+                    </a:lnB>
+                    <a:solidFill>
+                      <a:schemeClr val="lt1"/>
+                    </a:solidFill>
+                  </a:tcPr>
+                </a:tc>
+              </a:tr>
+              <a:tr h="726143">
+                <a:tc>
+                  <a:txBody>
+                    <a:bodyPr vert="horz" wrap="square" lIns="91440" tIns="45720" rIns="91440" bIns="45720" anchor="ctr" anchorCtr="0">
+                      <a:spAutoFit/>
+                    </a:bodyPr>
+                    <a:p>
+                      <a:pPr lvl="0" algn="ctr">
+                        <a:defRPr/>
+                      </a:pPr>
+                      <a:r>
+                        <a:rPr lang="ko-KR" altLang="en-US" sz="3000" b="0">
+                          <a:ln w="9525">
+                            <a:solidFill>
+                              <a:schemeClr val="lt1"/>
+                            </a:solidFill>
+                          </a:ln>
+                          <a:solidFill>
+                            <a:schemeClr val="dk1"/>
+                          </a:solidFill>
+                        </a:rPr>
+                        <a:t>↓</a:t>
+                      </a:r>
+                      <a:endParaRPr lang="en-US" altLang="ko-KR" sz="3000">
+                        <a:ln w="9525">
+                          <a:solidFill>
+                            <a:schemeClr val="lt1"/>
+                          </a:solidFill>
+                        </a:ln>
+                        <a:solidFill>
+                          <a:schemeClr val="dk1"/>
+                        </a:solidFill>
+                      </a:endParaRPr>
+                    </a:p>
+                  </a:txBody>
+                  <a:tcPr marL="91440" marR="91440" anchor="ctr">
+                    <a:lnL w="12700" cap="flat" cmpd="sng" algn="ctr">
+                      <a:solidFill>
+                        <a:schemeClr val="tx1"/>
+                      </a:solidFill>
+                      <a:prstDash val="solid"/>
+                      <a:round/>
+                      <a:headEnd w="med" len="med"/>
+                      <a:tailEnd w="med" len="med"/>
+                    </a:lnL>
+                    <a:lnR w="12700" cap="flat" cmpd="sng" algn="ctr">
+                      <a:solidFill>
+                        <a:schemeClr val="tx1"/>
+                      </a:solidFill>
+                      <a:prstDash val="solid"/>
+                      <a:round/>
+                      <a:headEnd w="med" len="med"/>
+                      <a:tailEnd w="med" len="med"/>
+                    </a:lnR>
+                    <a:lnT w="12700" cap="flat" cmpd="sng" algn="ctr">
+                      <a:solidFill>
+                        <a:schemeClr val="tx1"/>
+                      </a:solidFill>
+                      <a:prstDash val="solid"/>
+                      <a:round/>
+                      <a:headEnd w="med" len="med"/>
+                      <a:tailEnd w="med" len="med"/>
+                    </a:lnT>
+                    <a:lnB w="12700" cap="flat" cmpd="sng" algn="ctr">
+                      <a:solidFill>
+                        <a:schemeClr val="tx1"/>
+                      </a:solidFill>
+                      <a:prstDash val="solid"/>
+                      <a:round/>
+                      <a:headEnd w="med" len="med"/>
+                      <a:tailEnd w="med" len="med"/>
+                    </a:lnB>
+                    <a:solidFill>
+                      <a:schemeClr val="lt1"/>
+                    </a:solidFill>
+                  </a:tcPr>
+                </a:tc>
+                <a:tc>
+                  <a:txBody>
+                    <a:bodyPr vert="horz" wrap="square" lIns="91440" tIns="45720" rIns="91440" bIns="45720" anchor="ctr" anchorCtr="0">
+                      <a:spAutoFit/>
+                    </a:bodyPr>
+                    <a:p>
+                      <a:pPr marL="0" lvl="0" indent="0" algn="ctr" defTabSz="914400" rtl="0" eaLnBrk="1" latinLnBrk="1" hangingPunct="1">
+                        <a:lnSpc>
+                          <a:spcPct val="100000"/>
+                        </a:lnSpc>
+                        <a:spcBef>
+                          <a:spcPts val="0"/>
+                        </a:spcBef>
+                        <a:spcAft>
+                          <a:spcPts val="0"/>
+                        </a:spcAft>
+                        <a:buNone/>
+                        <a:defRPr/>
+                      </a:pPr>
+                      <a:r>
+                        <a:rPr lang="ko-KR" altLang="en-US" sz="3000" b="0">
+                          <a:ln w="9525">
+                            <a:solidFill>
+                              <a:schemeClr val="lt1"/>
+                            </a:solidFill>
+                          </a:ln>
+                          <a:solidFill>
+                            <a:schemeClr val="dk1"/>
+                          </a:solidFill>
+                        </a:rPr>
+                        <a:t>→</a:t>
+                      </a:r>
+                      <a:endParaRPr lang="en-US" altLang="ko-KR" sz="3000">
+                        <a:ln w="9525">
+                          <a:solidFill>
+                            <a:schemeClr val="lt1"/>
+                          </a:solidFill>
+                        </a:ln>
+                        <a:solidFill>
+                          <a:schemeClr val="dk1"/>
+                        </a:solidFill>
+                      </a:endParaRPr>
+                    </a:p>
+                  </a:txBody>
+                  <a:tcPr marL="91440" marR="91440" anchor="ctr">
+                    <a:lnL w="12700" cap="flat" cmpd="sng" algn="ctr">
+                      <a:solidFill>
+                        <a:schemeClr val="tx1"/>
+                      </a:solidFill>
+                      <a:prstDash val="solid"/>
+                      <a:round/>
+                      <a:headEnd w="med" len="med"/>
+                      <a:tailEnd w="med" len="med"/>
+                    </a:lnL>
+                    <a:lnR w="12700" cap="flat" cmpd="sng" algn="ctr">
+                      <a:solidFill>
+                        <a:schemeClr val="tx1"/>
+                      </a:solidFill>
+                      <a:prstDash val="solid"/>
+                      <a:round/>
+                      <a:headEnd w="med" len="med"/>
+                      <a:tailEnd w="med" len="med"/>
+                    </a:lnR>
+                    <a:lnT w="12700" cap="flat" cmpd="sng" algn="ctr">
+                      <a:solidFill>
+                        <a:schemeClr val="tx1"/>
+                      </a:solidFill>
+                      <a:prstDash val="solid"/>
+                      <a:round/>
+                      <a:headEnd w="med" len="med"/>
+                      <a:tailEnd w="med" len="med"/>
+                    </a:lnT>
+                    <a:lnB w="12700" cap="flat" cmpd="sng" algn="ctr">
+                      <a:solidFill>
+                        <a:schemeClr val="tx1"/>
+                      </a:solidFill>
+                      <a:prstDash val="solid"/>
+                      <a:round/>
+                      <a:headEnd w="med" len="med"/>
+                      <a:tailEnd w="med" len="med"/>
+                    </a:lnB>
+                    <a:solidFill>
+                      <a:schemeClr val="lt1"/>
+                    </a:solidFill>
+                  </a:tcPr>
+                </a:tc>
+                <a:tc>
+                  <a:txBody>
+                    <a:bodyPr vert="horz" wrap="square" lIns="91440" tIns="45720" rIns="91440" bIns="45720" anchor="ctr" anchorCtr="0">
+                      <a:spAutoFit/>
+                    </a:bodyPr>
+                    <a:p>
+                      <a:pPr marL="0" lvl="0" indent="0" algn="ctr" defTabSz="914400" rtl="0" eaLnBrk="1" latinLnBrk="1" hangingPunct="1">
+                        <a:lnSpc>
+                          <a:spcPct val="100000"/>
+                        </a:lnSpc>
+                        <a:spcBef>
+                          <a:spcPts val="0"/>
+                        </a:spcBef>
+                        <a:spcAft>
+                          <a:spcPts val="0"/>
+                        </a:spcAft>
+                        <a:buNone/>
+                        <a:defRPr/>
+                      </a:pPr>
+                      <a:r>
+                        <a:rPr lang="ko-KR" altLang="en-US" sz="3000" b="0">
+                          <a:ln w="9525">
+                            <a:solidFill>
+                              <a:schemeClr val="lt1"/>
+                            </a:solidFill>
+                          </a:ln>
+                          <a:solidFill>
+                            <a:schemeClr val="dk1"/>
+                          </a:solidFill>
+                        </a:rPr>
                         <a:t>↑</a:t>
                       </a:r>
-                      <a:endParaRPr lang="ko-KR" altLang="en-US" sz="3000" b="0">
+                      <a:endParaRPr lang="en-US" altLang="ko-KR" sz="3000">
                         <a:ln w="9525">
                           <a:solidFill>
                             <a:schemeClr val="lt1"/>
@@ -31573,7 +32161,93 @@
                         </a:rPr>
                         <a:t>↓</a:t>
                       </a:r>
-                      <a:endParaRPr lang="ko-KR" altLang="en-US" sz="3000" b="0">
+                      <a:endParaRPr lang="en-US" altLang="ko-KR" sz="3000">
+                        <a:ln w="9525">
+                          <a:solidFill>
+                            <a:schemeClr val="lt1"/>
+                          </a:solidFill>
+                        </a:ln>
+                        <a:solidFill>
+                          <a:schemeClr val="dk1"/>
+                        </a:solidFill>
+                      </a:endParaRPr>
+                    </a:p>
+                  </a:txBody>
+                  <a:tcPr marL="91440" marR="91440" anchor="ctr">
+                    <a:lnL w="12700" cap="flat" cmpd="sng" algn="ctr">
+                      <a:solidFill>
+                        <a:schemeClr val="tx1"/>
+                      </a:solidFill>
+                      <a:prstDash val="solid"/>
+                      <a:round/>
+                      <a:headEnd w="med" len="med"/>
+                      <a:tailEnd w="med" len="med"/>
+                    </a:lnL>
+                    <a:lnR w="12700" cap="flat" cmpd="sng" algn="ctr">
+                      <a:solidFill>
+                        <a:schemeClr val="tx1"/>
+                      </a:solidFill>
+                      <a:prstDash val="solid"/>
+                      <a:round/>
+                      <a:headEnd w="med" len="med"/>
+                      <a:tailEnd w="med" len="med"/>
+                    </a:lnR>
+                    <a:lnT w="12700" cap="flat" cmpd="sng" algn="ctr">
+                      <a:solidFill>
+                        <a:schemeClr val="tx1"/>
+                      </a:solidFill>
+                      <a:prstDash val="solid"/>
+                      <a:round/>
+                      <a:headEnd w="med" len="med"/>
+                      <a:tailEnd w="med" len="med"/>
+                    </a:lnT>
+                    <a:lnB w="12700" cap="flat" cmpd="sng" algn="ctr">
+                      <a:solidFill>
+                        <a:schemeClr val="tx1"/>
+                      </a:solidFill>
+                      <a:prstDash val="solid"/>
+                      <a:round/>
+                      <a:headEnd w="med" len="med"/>
+                      <a:tailEnd w="med" len="med"/>
+                    </a:lnB>
+                    <a:solidFill>
+                      <a:schemeClr val="lt1"/>
+                    </a:solidFill>
+                  </a:tcPr>
+                </a:tc>
+                <a:tc>
+                  <a:txBody>
+                    <a:bodyPr vert="horz" wrap="square" lIns="91440" tIns="45720" rIns="91440" bIns="45720" anchor="ctr" anchorCtr="0">
+                      <a:spAutoFit/>
+                    </a:bodyPr>
+                    <a:p>
+                      <a:pPr marL="0" lvl="0" indent="0" algn="ctr" defTabSz="914400" rtl="0" eaLnBrk="1" latinLnBrk="1" hangingPunct="1">
+                        <a:lnSpc>
+                          <a:spcPct val="100000"/>
+                        </a:lnSpc>
+                        <a:spcBef>
+                          <a:spcPts val="0"/>
+                        </a:spcBef>
+                        <a:spcAft>
+                          <a:spcPts val="0"/>
+                        </a:spcAft>
+                        <a:buNone/>
+                        <a:defRPr/>
+                      </a:pPr>
+                      <a:r>
+                        <a:rPr lang="ko-KR" altLang="en-US" sz="3000" b="0">
+                          <a:ln w="9525">
+                            <a:solidFill>
+                              <a:schemeClr val="lt1"/>
+                            </a:solidFill>
+                          </a:ln>
+                          <a:solidFill>
+                            <a:schemeClr val="dk1"/>
+                          </a:solidFill>
+                        </a:rPr>
+                        <a:t>→</a:t>
+                      </a:r>
+                      <a:endParaRPr lang="en-US" altLang="ko-KR" sz="3000">
                         <a:ln w="9525">
                           <a:solidFill>
                             <a:schemeClr val="lt1"/>
@@ -31721,17 +32395,7 @@
                       <a:spAutoFit/>
                     </a:bodyPr>
                     <a:p>
-                      <a:pPr marL="0" lvl="0" indent="0" algn="ctr" defTabSz="914400" rtl="0" eaLnBrk="1" latinLnBrk="1" hangingPunct="1">
-                        <a:lnSpc>
-                          <a:spcPct val="100000"/>
-                        </a:lnSpc>
-                        <a:spcBef>
-                          <a:spcPts val="0"/>
-                        </a:spcBef>
-                        <a:spcAft>
-                          <a:spcPts val="0"/>
-                        </a:spcAft>
-                        <a:buNone/>
+                      <a:pPr lvl="0" algn="ctr">
                         <a:defRPr/>
                       </a:pPr>
                       <a:r>
@@ -31745,7 +32409,7 @@
                             <a:schemeClr val="dk1"/>
                           </a:solidFill>
                         </a:rPr>
-                        <a:t>→</a:t>
+                        <a:t>←</a:t>
                       </a:r>
                       <a:endParaRPr lang="en-US" altLang="ko-KR" sz="3000">
                         <a:ln w="9525">
@@ -31893,6 +32557,246 @@
                       <a:spAutoFit/>
                     </a:bodyPr>
                     <a:p>
+                      <a:pPr lvl="0" algn="ctr">
+                        <a:defRPr/>
+                      </a:pPr>
+                      <a:r>
+                        <a:rPr lang="ko-KR" altLang="en-US" sz="3000" b="0">
+                          <a:ln w="9525">
+                            <a:solidFill>
+                              <a:schemeClr val="lt1"/>
+                            </a:solidFill>
+                          </a:ln>
+                          <a:solidFill>
+                            <a:schemeClr val="dk1"/>
+                          </a:solidFill>
+                        </a:rPr>
+                        <a:t>↓</a:t>
+                      </a:r>
+                      <a:endParaRPr lang="en-US" altLang="ko-KR" sz="3000">
+                        <a:ln w="9525">
+                          <a:solidFill>
+                            <a:schemeClr val="lt1"/>
+                          </a:solidFill>
+                        </a:ln>
+                        <a:solidFill>
+                          <a:schemeClr val="dk1"/>
+                        </a:solidFill>
+                      </a:endParaRPr>
+                    </a:p>
+                  </a:txBody>
+                  <a:tcPr marL="91440" marR="91440" anchor="ctr">
+                    <a:lnL w="12700" cap="flat" cmpd="sng" algn="ctr">
+                      <a:solidFill>
+                        <a:schemeClr val="tx1"/>
+                      </a:solidFill>
+                      <a:prstDash val="solid"/>
+                      <a:round/>
+                      <a:headEnd w="med" len="med"/>
+                      <a:tailEnd w="med" len="med"/>
+                    </a:lnL>
+                    <a:lnR w="12700" cap="flat" cmpd="sng" algn="ctr">
+                      <a:solidFill>
+                        <a:schemeClr val="tx1"/>
+                      </a:solidFill>
+                      <a:prstDash val="solid"/>
+                      <a:round/>
+                      <a:headEnd w="med" len="med"/>
+                      <a:tailEnd w="med" len="med"/>
+                    </a:lnR>
+                    <a:lnT w="12700" cap="flat" cmpd="sng" algn="ctr">
+                      <a:solidFill>
+                        <a:schemeClr val="tx1"/>
+                      </a:solidFill>
+                      <a:prstDash val="solid"/>
+                      <a:round/>
+                      <a:headEnd w="med" len="med"/>
+                      <a:tailEnd w="med" len="med"/>
+                    </a:lnT>
+                    <a:lnB w="12700" cap="flat" cmpd="sng" algn="ctr">
+                      <a:solidFill>
+                        <a:schemeClr val="tx1"/>
+                      </a:solidFill>
+                      <a:prstDash val="solid"/>
+                      <a:round/>
+                      <a:headEnd w="med" len="med"/>
+                      <a:tailEnd w="med" len="med"/>
+                    </a:lnB>
+                    <a:solidFill>
+                      <a:schemeClr val="lt1"/>
+                    </a:solidFill>
+                  </a:tcPr>
+                </a:tc>
+                <a:tc>
+                  <a:txBody>
+                    <a:bodyPr vert="horz" wrap="square" lIns="91440" tIns="45720" rIns="91440" bIns="45720" anchor="ctr" anchorCtr="0">
+                      <a:spAutoFit/>
+                    </a:bodyPr>
+                    <a:p>
+                      <a:pPr marL="0" lvl="0" indent="0" algn="ctr" defTabSz="914400" rtl="0" eaLnBrk="1" latinLnBrk="1" hangingPunct="1">
+                        <a:lnSpc>
+                          <a:spcPct val="100000"/>
+                        </a:lnSpc>
+                        <a:spcBef>
+                          <a:spcPts val="0"/>
+                        </a:spcBef>
+                        <a:spcAft>
+                          <a:spcPts val="0"/>
+                        </a:spcAft>
+                        <a:buNone/>
+                        <a:defRPr/>
+                      </a:pPr>
+                      <a:r>
+                        <a:rPr lang="ko-KR" altLang="en-US" sz="3000" b="0">
+                          <a:ln w="9525">
+                            <a:solidFill>
+                              <a:schemeClr val="lt1"/>
+                            </a:solidFill>
+                          </a:ln>
+                          <a:solidFill>
+                            <a:schemeClr val="dk1"/>
+                          </a:solidFill>
+                        </a:rPr>
+                        <a:t>→</a:t>
+                      </a:r>
+                      <a:endParaRPr lang="en-US" altLang="ko-KR" sz="3000">
+                        <a:ln w="9525">
+                          <a:solidFill>
+                            <a:schemeClr val="lt1"/>
+                          </a:solidFill>
+                        </a:ln>
+                        <a:solidFill>
+                          <a:schemeClr val="dk1"/>
+                        </a:solidFill>
+                      </a:endParaRPr>
+                    </a:p>
+                  </a:txBody>
+                  <a:tcPr marL="91440" marR="91440" anchor="ctr">
+                    <a:lnL w="12700" cap="flat" cmpd="sng" algn="ctr">
+                      <a:solidFill>
+                        <a:schemeClr val="tx1"/>
+                      </a:solidFill>
+                      <a:prstDash val="solid"/>
+                      <a:round/>
+                      <a:headEnd w="med" len="med"/>
+                      <a:tailEnd w="med" len="med"/>
+                    </a:lnL>
+                    <a:lnR w="12700" cap="flat" cmpd="sng" algn="ctr">
+                      <a:solidFill>
+                        <a:schemeClr val="tx1"/>
+                      </a:solidFill>
+                      <a:prstDash val="solid"/>
+                      <a:round/>
+                      <a:headEnd w="med" len="med"/>
+                      <a:tailEnd w="med" len="med"/>
+                    </a:lnR>
+                    <a:lnT w="12700" cap="flat" cmpd="sng" algn="ctr">
+                      <a:solidFill>
+                        <a:schemeClr val="tx1"/>
+                      </a:solidFill>
+                      <a:prstDash val="solid"/>
+                      <a:round/>
+                      <a:headEnd w="med" len="med"/>
+                      <a:tailEnd w="med" len="med"/>
+                    </a:lnT>
+                    <a:lnB w="12700" cap="flat" cmpd="sng" algn="ctr">
+                      <a:solidFill>
+                        <a:schemeClr val="tx1"/>
+                      </a:solidFill>
+                      <a:prstDash val="solid"/>
+                      <a:round/>
+                      <a:headEnd w="med" len="med"/>
+                      <a:tailEnd w="med" len="med"/>
+                    </a:lnB>
+                    <a:solidFill>
+                      <a:schemeClr val="lt1"/>
+                    </a:solidFill>
+                  </a:tcPr>
+                </a:tc>
+              </a:tr>
+              <a:tr h="726143">
+                <a:tc>
+                  <a:txBody>
+                    <a:bodyPr vert="horz" wrap="square" lIns="91440" tIns="45720" rIns="91440" bIns="45720" anchor="ctr" anchorCtr="0">
+                      <a:spAutoFit/>
+                    </a:bodyPr>
+                    <a:p>
+                      <a:pPr lvl="0" algn="ctr">
+                        <a:defRPr/>
+                      </a:pPr>
+                      <a:r>
+                        <a:rPr lang="en-US" altLang="ko-KR" sz="3000" b="0">
+                          <a:ln w="9525">
+                            <a:solidFill>
+                              <a:schemeClr val="lt1"/>
+                            </a:solidFill>
+                          </a:ln>
+                          <a:solidFill>
+                            <a:srgbClr val="ff0000"/>
+                          </a:solidFill>
+                        </a:rPr>
+                        <a:t>S</a:t>
+                      </a:r>
+                      <a:endParaRPr lang="en-US" altLang="ko-KR" sz="3000">
+                        <a:ln w="9525">
+                          <a:solidFill>
+                            <a:schemeClr val="lt1"/>
+                          </a:solidFill>
+                        </a:ln>
+                        <a:solidFill>
+                          <a:schemeClr val="dk1"/>
+                        </a:solidFill>
+                      </a:endParaRPr>
+                    </a:p>
+                  </a:txBody>
+                  <a:tcPr marL="91440" marR="91440" anchor="ctr">
+                    <a:lnL w="12700" cap="flat" cmpd="sng" algn="ctr">
+                      <a:solidFill>
+                        <a:schemeClr val="tx1"/>
+                      </a:solidFill>
+                      <a:prstDash val="solid"/>
+                      <a:round/>
+                      <a:headEnd w="med" len="med"/>
+                      <a:tailEnd w="med" len="med"/>
+                    </a:lnL>
+                    <a:lnR w="12700" cap="flat" cmpd="sng" algn="ctr">
+                      <a:solidFill>
+                        <a:schemeClr val="tx1"/>
+                      </a:solidFill>
+                      <a:prstDash val="solid"/>
+                      <a:round/>
+                      <a:headEnd w="med" len="med"/>
+                      <a:tailEnd w="med" len="med"/>
+                    </a:lnR>
+                    <a:lnT w="12700" cap="flat" cmpd="sng" algn="ctr">
+                      <a:solidFill>
+                        <a:schemeClr val="tx1"/>
+                      </a:solidFill>
+                      <a:prstDash val="solid"/>
+                      <a:round/>
+                      <a:headEnd w="med" len="med"/>
+                      <a:tailEnd w="med" len="med"/>
+                    </a:lnT>
+                    <a:lnB w="12700" cap="flat" cmpd="sng" algn="ctr">
+                      <a:solidFill>
+                        <a:schemeClr val="tx1"/>
+                      </a:solidFill>
+                      <a:prstDash val="solid"/>
+                      <a:round/>
+                      <a:headEnd w="med" len="med"/>
+                      <a:tailEnd w="med" len="med"/>
+                    </a:lnB>
+                    <a:solidFill>
+                      <a:schemeClr val="lt1"/>
+                    </a:solidFill>
+                  </a:tcPr>
+                </a:tc>
+                <a:tc>
+                  <a:txBody>
+                    <a:bodyPr vert="horz" wrap="square" lIns="91440" tIns="45720" rIns="91440" bIns="45720" anchor="ctr" anchorCtr="0">
+                      <a:spAutoFit/>
+                    </a:bodyPr>
+                    <a:p>
                       <a:pPr marL="0" lvl="0" indent="0" algn="ctr" defTabSz="914400" rtl="0" eaLnBrk="1" latinLnBrk="1" hangingPunct="1">
                         <a:lnSpc>
                           <a:spcPct val="100000"/>
@@ -31993,7 +32897,1434 @@
                             <a:schemeClr val="dk1"/>
                           </a:solidFill>
                         </a:rPr>
+                        <a:t>↓</a:t>
+                      </a:r>
+                      <a:endParaRPr lang="en-US" altLang="ko-KR" sz="3000">
+                        <a:ln w="9525">
+                          <a:solidFill>
+                            <a:schemeClr val="lt1"/>
+                          </a:solidFill>
+                        </a:ln>
+                        <a:solidFill>
+                          <a:schemeClr val="dk1"/>
+                        </a:solidFill>
+                      </a:endParaRPr>
+                    </a:p>
+                  </a:txBody>
+                  <a:tcPr marL="91440" marR="91440" anchor="ctr">
+                    <a:lnL w="12700" cap="flat" cmpd="sng" algn="ctr">
+                      <a:solidFill>
+                        <a:schemeClr val="tx1"/>
+                      </a:solidFill>
+                      <a:prstDash val="solid"/>
+                      <a:round/>
+                      <a:headEnd w="med" len="med"/>
+                      <a:tailEnd w="med" len="med"/>
+                    </a:lnL>
+                    <a:lnR w="12700" cap="flat" cmpd="sng" algn="ctr">
+                      <a:solidFill>
+                        <a:schemeClr val="tx1"/>
+                      </a:solidFill>
+                      <a:prstDash val="solid"/>
+                      <a:round/>
+                      <a:headEnd w="med" len="med"/>
+                      <a:tailEnd w="med" len="med"/>
+                    </a:lnR>
+                    <a:lnT w="12700" cap="flat" cmpd="sng" algn="ctr">
+                      <a:solidFill>
+                        <a:schemeClr val="tx1"/>
+                      </a:solidFill>
+                      <a:prstDash val="solid"/>
+                      <a:round/>
+                      <a:headEnd w="med" len="med"/>
+                      <a:tailEnd w="med" len="med"/>
+                    </a:lnT>
+                    <a:lnB w="12700" cap="flat" cmpd="sng" algn="ctr">
+                      <a:solidFill>
+                        <a:schemeClr val="tx1"/>
+                      </a:solidFill>
+                      <a:prstDash val="solid"/>
+                      <a:round/>
+                      <a:headEnd w="med" len="med"/>
+                      <a:tailEnd w="med" len="med"/>
+                    </a:lnB>
+                    <a:solidFill>
+                      <a:schemeClr val="lt1"/>
+                    </a:solidFill>
+                  </a:tcPr>
+                </a:tc>
+                <a:tc>
+                  <a:txBody>
+                    <a:bodyPr vert="horz" wrap="square" lIns="91440" tIns="45720" rIns="91440" bIns="45720" anchor="ctr" anchorCtr="0">
+                      <a:spAutoFit/>
+                    </a:bodyPr>
+                    <a:p>
+                      <a:pPr marL="0" lvl="0" indent="0" algn="ctr" defTabSz="914400" rtl="0" eaLnBrk="1" latinLnBrk="1" hangingPunct="1">
+                        <a:lnSpc>
+                          <a:spcPct val="100000"/>
+                        </a:lnSpc>
+                        <a:spcBef>
+                          <a:spcPts val="0"/>
+                        </a:spcBef>
+                        <a:spcAft>
+                          <a:spcPts val="0"/>
+                        </a:spcAft>
+                        <a:buNone/>
+                        <a:defRPr/>
+                      </a:pPr>
+                      <a:r>
+                        <a:rPr lang="ko-KR" altLang="en-US" sz="3000" b="0">
+                          <a:ln w="9525">
+                            <a:solidFill>
+                              <a:schemeClr val="lt1"/>
+                            </a:solidFill>
+                          </a:ln>
+                          <a:solidFill>
+                            <a:schemeClr val="dk1"/>
+                          </a:solidFill>
+                        </a:rPr>
+                        <a:t>→</a:t>
+                      </a:r>
+                      <a:endParaRPr lang="en-US" altLang="ko-KR" sz="3000">
+                        <a:ln w="9525">
+                          <a:solidFill>
+                            <a:schemeClr val="lt1"/>
+                          </a:solidFill>
+                        </a:ln>
+                        <a:solidFill>
+                          <a:schemeClr val="dk1"/>
+                        </a:solidFill>
+                      </a:endParaRPr>
+                    </a:p>
+                  </a:txBody>
+                  <a:tcPr marL="91440" marR="91440" anchor="ctr">
+                    <a:lnL w="12700" cap="flat" cmpd="sng" algn="ctr">
+                      <a:solidFill>
+                        <a:schemeClr val="tx1"/>
+                      </a:solidFill>
+                      <a:prstDash val="solid"/>
+                      <a:round/>
+                      <a:headEnd w="med" len="med"/>
+                      <a:tailEnd w="med" len="med"/>
+                    </a:lnL>
+                    <a:lnR w="12700" cap="flat" cmpd="sng" algn="ctr">
+                      <a:solidFill>
+                        <a:schemeClr val="tx1"/>
+                      </a:solidFill>
+                      <a:prstDash val="solid"/>
+                      <a:round/>
+                      <a:headEnd w="med" len="med"/>
+                      <a:tailEnd w="med" len="med"/>
+                    </a:lnR>
+                    <a:lnT w="12700" cap="flat" cmpd="sng" algn="ctr">
+                      <a:solidFill>
+                        <a:schemeClr val="tx1"/>
+                      </a:solidFill>
+                      <a:prstDash val="solid"/>
+                      <a:round/>
+                      <a:headEnd w="med" len="med"/>
+                      <a:tailEnd w="med" len="med"/>
+                    </a:lnT>
+                    <a:lnB w="12700" cap="flat" cmpd="sng" algn="ctr">
+                      <a:solidFill>
+                        <a:schemeClr val="tx1"/>
+                      </a:solidFill>
+                      <a:prstDash val="solid"/>
+                      <a:round/>
+                      <a:headEnd w="med" len="med"/>
+                      <a:tailEnd w="med" len="med"/>
+                    </a:lnB>
+                    <a:solidFill>
+                      <a:schemeClr val="lt1"/>
+                    </a:solidFill>
+                  </a:tcPr>
+                </a:tc>
+                <a:tc>
+                  <a:txBody>
+                    <a:bodyPr vert="horz" wrap="square" lIns="91440" tIns="45720" rIns="91440" bIns="45720" anchor="ctr" anchorCtr="0">
+                      <a:spAutoFit/>
+                    </a:bodyPr>
+                    <a:p>
+                      <a:pPr lvl="0" algn="ctr">
+                        <a:defRPr/>
+                      </a:pPr>
+                      <a:r>
+                        <a:rPr lang="en-US" altLang="ko-KR" sz="3000">
+                          <a:ln w="9525">
+                            <a:solidFill>
+                              <a:schemeClr val="lt1"/>
+                            </a:solidFill>
+                          </a:ln>
+                          <a:solidFill>
+                            <a:srgbClr val="ff0000"/>
+                          </a:solidFill>
+                        </a:rPr>
+                        <a:t>G</a:t>
+                      </a:r>
+                      <a:endParaRPr lang="en-US" altLang="ko-KR" sz="3000">
+                        <a:ln w="9525">
+                          <a:solidFill>
+                            <a:schemeClr val="lt1"/>
+                          </a:solidFill>
+                        </a:ln>
+                        <a:solidFill>
+                          <a:schemeClr val="dk1"/>
+                        </a:solidFill>
+                      </a:endParaRPr>
+                    </a:p>
+                  </a:txBody>
+                  <a:tcPr marL="91440" marR="91440" anchor="ctr">
+                    <a:lnL w="12700" cap="flat" cmpd="sng" algn="ctr">
+                      <a:solidFill>
+                        <a:schemeClr val="tx1"/>
+                      </a:solidFill>
+                      <a:prstDash val="solid"/>
+                      <a:round/>
+                      <a:headEnd w="med" len="med"/>
+                      <a:tailEnd w="med" len="med"/>
+                    </a:lnL>
+                    <a:lnR w="12700" cap="flat" cmpd="sng" algn="ctr">
+                      <a:solidFill>
+                        <a:schemeClr val="tx1"/>
+                      </a:solidFill>
+                      <a:prstDash val="solid"/>
+                      <a:round/>
+                      <a:headEnd w="med" len="med"/>
+                      <a:tailEnd w="med" len="med"/>
+                    </a:lnR>
+                    <a:lnT w="12700" cap="flat" cmpd="sng" algn="ctr">
+                      <a:solidFill>
+                        <a:schemeClr val="tx1"/>
+                      </a:solidFill>
+                      <a:prstDash val="solid"/>
+                      <a:round/>
+                      <a:headEnd w="med" len="med"/>
+                      <a:tailEnd w="med" len="med"/>
+                    </a:lnT>
+                    <a:lnB w="12700" cap="flat" cmpd="sng" algn="ctr">
+                      <a:solidFill>
+                        <a:schemeClr val="tx1"/>
+                      </a:solidFill>
+                      <a:prstDash val="solid"/>
+                      <a:round/>
+                      <a:headEnd w="med" len="med"/>
+                      <a:tailEnd w="med" len="med"/>
+                    </a:lnB>
+                    <a:solidFill>
+                      <a:schemeClr val="lt1"/>
+                    </a:solidFill>
+                  </a:tcPr>
+                </a:tc>
+              </a:tr>
+            </a:tbl>
+          </a:graphicData>
+        </a:graphic>
+      </p:graphicFrame>
+      <p:graphicFrame>
+        <p:nvGraphicFramePr>
+          <p:cNvPr id="80" name="표 79"/>
+          <p:cNvGraphicFramePr>
+            <a:graphicFrameLocks noGrp="1"/>
+          </p:cNvGraphicFramePr>
+          <p:nvPr/>
+        </p:nvGraphicFramePr>
+        <p:xfrm>
+          <a:off x="5029643" y="2757653"/>
+          <a:ext cx="4273716" cy="3630715"/>
+        </p:xfrm>
+        <a:graphic>
+          <a:graphicData uri="http://schemas.openxmlformats.org/drawingml/2006/table">
+            <a:tbl>
+              <a:tblPr firstRow="1" bandRow="1">
+                <a:tableStyleId>{01A66EDD-3DAB-4C5B-A090-DC80EC1FD486}</a:tableStyleId>
+              </a:tblPr>
+              <a:tblGrid>
+                <a:gridCol w="849630"/>
+                <a:gridCol w="859155"/>
+                <a:gridCol w="854977"/>
+                <a:gridCol w="854977"/>
+                <a:gridCol w="854977"/>
+              </a:tblGrid>
+              <a:tr h="726143">
+                <a:tc>
+                  <a:txBody>
+                    <a:bodyPr vert="horz" wrap="square" lIns="91440" tIns="45720" rIns="91440" bIns="45720" anchor="ctr" anchorCtr="0">
+                      <a:spAutoFit/>
+                    </a:bodyPr>
+                    <a:p>
+                      <a:pPr marL="0" lvl="0" indent="0" algn="ctr" defTabSz="914400" rtl="0" eaLnBrk="1" latinLnBrk="1" hangingPunct="1">
+                        <a:lnSpc>
+                          <a:spcPct val="100000"/>
+                        </a:lnSpc>
+                        <a:spcBef>
+                          <a:spcPts val="0"/>
+                        </a:spcBef>
+                        <a:spcAft>
+                          <a:spcPts val="0"/>
+                        </a:spcAft>
+                        <a:buNone/>
+                        <a:defRPr/>
+                      </a:pPr>
+                      <a:r>
+                        <a:rPr lang="ko-KR" altLang="en-US" sz="3000" b="0">
+                          <a:ln w="9525">
+                            <a:solidFill>
+                              <a:schemeClr val="lt1"/>
+                            </a:solidFill>
+                          </a:ln>
+                          <a:solidFill>
+                            <a:schemeClr val="dk1"/>
+                          </a:solidFill>
+                        </a:rPr>
+                        <a:t>→</a:t>
+                      </a:r>
+                      <a:endParaRPr lang="en-US" altLang="ko-KR" sz="3000" b="0">
+                        <a:ln w="9525">
+                          <a:solidFill>
+                            <a:schemeClr val="lt1"/>
+                          </a:solidFill>
+                        </a:ln>
+                        <a:solidFill>
+                          <a:srgbClr val="ff0000"/>
+                        </a:solidFill>
+                      </a:endParaRPr>
+                    </a:p>
+                  </a:txBody>
+                  <a:tcPr marL="91440" marR="91440" anchor="ctr">
+                    <a:lnL w="12700" cap="flat" cmpd="sng" algn="ctr">
+                      <a:solidFill>
+                        <a:schemeClr val="tx1"/>
+                      </a:solidFill>
+                      <a:prstDash val="solid"/>
+                      <a:round/>
+                      <a:headEnd w="med" len="med"/>
+                      <a:tailEnd w="med" len="med"/>
+                    </a:lnL>
+                    <a:lnR w="12700" cap="flat" cmpd="sng" algn="ctr">
+                      <a:solidFill>
+                        <a:schemeClr val="tx1"/>
+                      </a:solidFill>
+                      <a:prstDash val="solid"/>
+                      <a:round/>
+                      <a:headEnd w="med" len="med"/>
+                      <a:tailEnd w="med" len="med"/>
+                    </a:lnR>
+                    <a:lnT w="12700" cap="flat" cmpd="sng" algn="ctr">
+                      <a:solidFill>
+                        <a:schemeClr val="tx1"/>
+                      </a:solidFill>
+                      <a:prstDash val="solid"/>
+                      <a:round/>
+                      <a:headEnd w="med" len="med"/>
+                      <a:tailEnd w="med" len="med"/>
+                    </a:lnT>
+                    <a:lnB w="12700" cap="flat" cmpd="sng" algn="ctr">
+                      <a:solidFill>
+                        <a:schemeClr val="tx1"/>
+                      </a:solidFill>
+                      <a:prstDash val="solid"/>
+                      <a:round/>
+                      <a:headEnd w="med" len="med"/>
+                      <a:tailEnd w="med" len="med"/>
+                    </a:lnB>
+                    <a:solidFill>
+                      <a:schemeClr val="lt1"/>
+                    </a:solidFill>
+                  </a:tcPr>
+                </a:tc>
+                <a:tc>
+                  <a:txBody>
+                    <a:bodyPr vert="horz" wrap="square" lIns="91440" tIns="45720" rIns="91440" bIns="45720" anchor="ctr" anchorCtr="0">
+                      <a:spAutoFit/>
+                    </a:bodyPr>
+                    <a:p>
+                      <a:pPr marL="0" lvl="0" indent="0" algn="ctr" defTabSz="914400" rtl="0" eaLnBrk="1" latinLnBrk="1" hangingPunct="1">
+                        <a:lnSpc>
+                          <a:spcPct val="100000"/>
+                        </a:lnSpc>
+                        <a:spcBef>
+                          <a:spcPts val="0"/>
+                        </a:spcBef>
+                        <a:spcAft>
+                          <a:spcPts val="0"/>
+                        </a:spcAft>
+                        <a:buNone/>
+                        <a:defRPr/>
+                      </a:pPr>
+                      <a:r>
+                        <a:rPr lang="ko-KR" altLang="en-US" sz="3000" b="0">
+                          <a:ln w="9525">
+                            <a:solidFill>
+                              <a:schemeClr val="lt1"/>
+                            </a:solidFill>
+                          </a:ln>
+                          <a:solidFill>
+                            <a:schemeClr val="dk1"/>
+                          </a:solidFill>
+                        </a:rPr>
+                        <a:t>→</a:t>
+                      </a:r>
+                      <a:endParaRPr lang="ko-KR" altLang="en-US" sz="3000" b="0">
+                        <a:ln w="9525">
+                          <a:solidFill>
+                            <a:schemeClr val="lt1"/>
+                          </a:solidFill>
+                        </a:ln>
+                        <a:solidFill>
+                          <a:schemeClr val="dk1"/>
+                        </a:solidFill>
+                      </a:endParaRPr>
+                    </a:p>
+                  </a:txBody>
+                  <a:tcPr marL="91440" marR="91440" anchor="ctr">
+                    <a:lnL w="12700" cap="flat" cmpd="sng" algn="ctr">
+                      <a:solidFill>
+                        <a:schemeClr val="tx1"/>
+                      </a:solidFill>
+                      <a:prstDash val="solid"/>
+                      <a:round/>
+                      <a:headEnd w="med" len="med"/>
+                      <a:tailEnd w="med" len="med"/>
+                    </a:lnL>
+                    <a:lnR w="12700" cap="flat" cmpd="sng" algn="ctr">
+                      <a:solidFill>
+                        <a:schemeClr val="tx1"/>
+                      </a:solidFill>
+                      <a:prstDash val="solid"/>
+                      <a:round/>
+                      <a:headEnd w="med" len="med"/>
+                      <a:tailEnd w="med" len="med"/>
+                    </a:lnR>
+                    <a:lnT w="12700" cap="flat" cmpd="sng" algn="ctr">
+                      <a:solidFill>
+                        <a:schemeClr val="tx1"/>
+                      </a:solidFill>
+                      <a:prstDash val="solid"/>
+                      <a:round/>
+                      <a:headEnd w="med" len="med"/>
+                      <a:tailEnd w="med" len="med"/>
+                    </a:lnT>
+                    <a:lnB w="12700" cap="flat" cmpd="sng" algn="ctr">
+                      <a:solidFill>
+                        <a:schemeClr val="tx1"/>
+                      </a:solidFill>
+                      <a:prstDash val="solid"/>
+                      <a:round/>
+                      <a:headEnd w="med" len="med"/>
+                      <a:tailEnd w="med" len="med"/>
+                    </a:lnB>
+                    <a:solidFill>
+                      <a:schemeClr val="lt1"/>
+                    </a:solidFill>
+                  </a:tcPr>
+                </a:tc>
+                <a:tc>
+                  <a:txBody>
+                    <a:bodyPr vert="horz" wrap="square" lIns="91440" tIns="45720" rIns="91440" bIns="45720" anchor="ctr" anchorCtr="0">
+                      <a:spAutoFit/>
+                    </a:bodyPr>
+                    <a:p>
+                      <a:pPr marL="0" lvl="0" indent="0" algn="ctr" defTabSz="914400" rtl="0" eaLnBrk="1" latinLnBrk="1" hangingPunct="1">
+                        <a:lnSpc>
+                          <a:spcPct val="100000"/>
+                        </a:lnSpc>
+                        <a:spcBef>
+                          <a:spcPts val="0"/>
+                        </a:spcBef>
+                        <a:spcAft>
+                          <a:spcPts val="0"/>
+                        </a:spcAft>
+                        <a:buNone/>
+                        <a:defRPr/>
+                      </a:pPr>
+                      <a:r>
+                        <a:rPr lang="ko-KR" altLang="en-US" sz="3000" b="0">
+                          <a:ln w="9525">
+                            <a:solidFill>
+                              <a:schemeClr val="lt1"/>
+                            </a:solidFill>
+                          </a:ln>
+                          <a:solidFill>
+                            <a:schemeClr val="dk1"/>
+                          </a:solidFill>
+                        </a:rPr>
                         <a:t>↑</a:t>
+                      </a:r>
+                      <a:endParaRPr lang="ko-KR" altLang="en-US" sz="3000" b="0">
+                        <a:ln w="9525">
+                          <a:solidFill>
+                            <a:schemeClr val="lt1"/>
+                          </a:solidFill>
+                        </a:ln>
+                        <a:solidFill>
+                          <a:schemeClr val="dk1"/>
+                        </a:solidFill>
+                      </a:endParaRPr>
+                    </a:p>
+                  </a:txBody>
+                  <a:tcPr marL="91440" marR="91440" anchor="ctr">
+                    <a:lnL w="12700" cap="flat" cmpd="sng" algn="ctr">
+                      <a:solidFill>
+                        <a:schemeClr val="tx1"/>
+                      </a:solidFill>
+                      <a:prstDash val="solid"/>
+                      <a:round/>
+                      <a:headEnd w="med" len="med"/>
+                      <a:tailEnd w="med" len="med"/>
+                    </a:lnL>
+                    <a:lnR w="12700" cap="flat" cmpd="sng" algn="ctr">
+                      <a:solidFill>
+                        <a:schemeClr val="tx1"/>
+                      </a:solidFill>
+                      <a:prstDash val="solid"/>
+                      <a:round/>
+                      <a:headEnd w="med" len="med"/>
+                      <a:tailEnd w="med" len="med"/>
+                    </a:lnR>
+                    <a:lnT w="12700" cap="flat" cmpd="sng" algn="ctr">
+                      <a:solidFill>
+                        <a:schemeClr val="tx1"/>
+                      </a:solidFill>
+                      <a:prstDash val="solid"/>
+                      <a:round/>
+                      <a:headEnd w="med" len="med"/>
+                      <a:tailEnd w="med" len="med"/>
+                    </a:lnT>
+                    <a:lnB w="12700" cap="flat" cmpd="sng" algn="ctr">
+                      <a:solidFill>
+                        <a:schemeClr val="tx1"/>
+                      </a:solidFill>
+                      <a:prstDash val="solid"/>
+                      <a:round/>
+                      <a:headEnd w="med" len="med"/>
+                      <a:tailEnd w="med" len="med"/>
+                    </a:lnB>
+                    <a:solidFill>
+                      <a:schemeClr val="lt1"/>
+                    </a:solidFill>
+                  </a:tcPr>
+                </a:tc>
+                <a:tc>
+                  <a:txBody>
+                    <a:bodyPr vert="horz" wrap="square" lIns="91440" tIns="45720" rIns="91440" bIns="45720" anchor="ctr" anchorCtr="0">
+                      <a:spAutoFit/>
+                    </a:bodyPr>
+                    <a:p>
+                      <a:pPr lvl="0" algn="ctr">
+                        <a:defRPr/>
+                      </a:pPr>
+                      <a:r>
+                        <a:rPr lang="ko-KR" altLang="en-US" sz="3000" b="0">
+                          <a:ln w="9525">
+                            <a:solidFill>
+                              <a:schemeClr val="lt1"/>
+                            </a:solidFill>
+                          </a:ln>
+                          <a:solidFill>
+                            <a:schemeClr val="dk1"/>
+                          </a:solidFill>
+                        </a:rPr>
+                        <a:t>↓</a:t>
+                      </a:r>
+                      <a:endParaRPr lang="ko-KR" altLang="en-US" sz="3000" b="0">
+                        <a:ln w="9525">
+                          <a:solidFill>
+                            <a:schemeClr val="lt1"/>
+                          </a:solidFill>
+                        </a:ln>
+                        <a:solidFill>
+                          <a:schemeClr val="dk1"/>
+                        </a:solidFill>
+                      </a:endParaRPr>
+                    </a:p>
+                  </a:txBody>
+                  <a:tcPr marL="91440" marR="91440" anchor="ctr">
+                    <a:lnL w="12700" cap="flat" cmpd="sng" algn="ctr">
+                      <a:solidFill>
+                        <a:schemeClr val="tx1"/>
+                      </a:solidFill>
+                      <a:prstDash val="solid"/>
+                      <a:round/>
+                      <a:headEnd w="med" len="med"/>
+                      <a:tailEnd w="med" len="med"/>
+                    </a:lnL>
+                    <a:lnR w="12700" cap="flat" cmpd="sng" algn="ctr">
+                      <a:solidFill>
+                        <a:schemeClr val="tx1"/>
+                      </a:solidFill>
+                      <a:prstDash val="solid"/>
+                      <a:round/>
+                      <a:headEnd w="med" len="med"/>
+                      <a:tailEnd w="med" len="med"/>
+                    </a:lnR>
+                    <a:lnT w="12700" cap="flat" cmpd="sng" algn="ctr">
+                      <a:solidFill>
+                        <a:schemeClr val="tx1"/>
+                      </a:solidFill>
+                      <a:prstDash val="solid"/>
+                      <a:round/>
+                      <a:headEnd w="med" len="med"/>
+                      <a:tailEnd w="med" len="med"/>
+                    </a:lnT>
+                    <a:lnB w="12700" cap="flat" cmpd="sng" algn="ctr">
+                      <a:solidFill>
+                        <a:schemeClr val="tx1"/>
+                      </a:solidFill>
+                      <a:prstDash val="solid"/>
+                      <a:round/>
+                      <a:headEnd w="med" len="med"/>
+                      <a:tailEnd w="med" len="med"/>
+                    </a:lnB>
+                    <a:solidFill>
+                      <a:schemeClr val="lt1"/>
+                    </a:solidFill>
+                  </a:tcPr>
+                </a:tc>
+                <a:tc>
+                  <a:txBody>
+                    <a:bodyPr vert="horz" wrap="square" lIns="91440" tIns="45720" rIns="91440" bIns="45720" anchor="ctr" anchorCtr="0">
+                      <a:spAutoFit/>
+                    </a:bodyPr>
+                    <a:p>
+                      <a:pPr marL="0" lvl="0" indent="0" algn="ctr" defTabSz="914400" rtl="0" eaLnBrk="1" latinLnBrk="1" hangingPunct="1">
+                        <a:lnSpc>
+                          <a:spcPct val="100000"/>
+                        </a:lnSpc>
+                        <a:spcBef>
+                          <a:spcPts val="0"/>
+                        </a:spcBef>
+                        <a:spcAft>
+                          <a:spcPts val="0"/>
+                        </a:spcAft>
+                        <a:buNone/>
+                        <a:defRPr/>
+                      </a:pPr>
+                      <a:r>
+                        <a:rPr lang="ko-KR" altLang="en-US" sz="3000" b="0">
+                          <a:ln w="9525">
+                            <a:solidFill>
+                              <a:schemeClr val="lt1"/>
+                            </a:solidFill>
+                          </a:ln>
+                          <a:solidFill>
+                            <a:schemeClr val="dk1"/>
+                          </a:solidFill>
+                        </a:rPr>
+                        <a:t>↑</a:t>
+                      </a:r>
+                      <a:endParaRPr lang="ko-KR" altLang="en-US" sz="3000" b="0">
+                        <a:ln w="9525">
+                          <a:solidFill>
+                            <a:schemeClr val="lt1"/>
+                          </a:solidFill>
+                        </a:ln>
+                        <a:solidFill>
+                          <a:schemeClr val="dk1"/>
+                        </a:solidFill>
+                      </a:endParaRPr>
+                    </a:p>
+                  </a:txBody>
+                  <a:tcPr marL="91440" marR="91440" anchor="ctr">
+                    <a:lnL w="12700" cap="flat" cmpd="sng" algn="ctr">
+                      <a:solidFill>
+                        <a:schemeClr val="tx1"/>
+                      </a:solidFill>
+                      <a:prstDash val="solid"/>
+                      <a:round/>
+                      <a:headEnd w="med" len="med"/>
+                      <a:tailEnd w="med" len="med"/>
+                    </a:lnL>
+                    <a:lnR w="12700" cap="flat" cmpd="sng" algn="ctr">
+                      <a:solidFill>
+                        <a:schemeClr val="tx1"/>
+                      </a:solidFill>
+                      <a:prstDash val="solid"/>
+                      <a:round/>
+                      <a:headEnd w="med" len="med"/>
+                      <a:tailEnd w="med" len="med"/>
+                    </a:lnR>
+                    <a:lnT w="12700" cap="flat" cmpd="sng" algn="ctr">
+                      <a:solidFill>
+                        <a:schemeClr val="tx1"/>
+                      </a:solidFill>
+                      <a:prstDash val="solid"/>
+                      <a:round/>
+                      <a:headEnd w="med" len="med"/>
+                      <a:tailEnd w="med" len="med"/>
+                    </a:lnT>
+                    <a:lnB w="12700" cap="flat" cmpd="sng" algn="ctr">
+                      <a:solidFill>
+                        <a:schemeClr val="tx1"/>
+                      </a:solidFill>
+                      <a:prstDash val="solid"/>
+                      <a:round/>
+                      <a:headEnd w="med" len="med"/>
+                      <a:tailEnd w="med" len="med"/>
+                    </a:lnB>
+                    <a:solidFill>
+                      <a:schemeClr val="lt1"/>
+                    </a:solidFill>
+                  </a:tcPr>
+                </a:tc>
+              </a:tr>
+              <a:tr h="726143">
+                <a:tc>
+                  <a:txBody>
+                    <a:bodyPr vert="horz" wrap="square" lIns="91440" tIns="45720" rIns="91440" bIns="45720" anchor="ctr" anchorCtr="0">
+                      <a:spAutoFit/>
+                    </a:bodyPr>
+                    <a:p>
+                      <a:pPr lvl="0" algn="ctr">
+                        <a:defRPr/>
+                      </a:pPr>
+                      <a:r>
+                        <a:rPr lang="ko-KR" altLang="en-US" sz="3000" b="0">
+                          <a:ln w="9525">
+                            <a:solidFill>
+                              <a:schemeClr val="lt1"/>
+                            </a:solidFill>
+                          </a:ln>
+                          <a:solidFill>
+                            <a:schemeClr val="dk1"/>
+                          </a:solidFill>
+                        </a:rPr>
+                        <a:t>←</a:t>
+                      </a:r>
+                      <a:endParaRPr lang="en-US" altLang="ko-KR" sz="3000">
+                        <a:ln w="9525">
+                          <a:solidFill>
+                            <a:schemeClr val="lt1"/>
+                          </a:solidFill>
+                        </a:ln>
+                        <a:solidFill>
+                          <a:schemeClr val="dk1"/>
+                        </a:solidFill>
+                      </a:endParaRPr>
+                    </a:p>
+                  </a:txBody>
+                  <a:tcPr marL="91440" marR="91440" anchor="ctr">
+                    <a:lnL w="12700" cap="flat" cmpd="sng" algn="ctr">
+                      <a:solidFill>
+                        <a:schemeClr val="tx1"/>
+                      </a:solidFill>
+                      <a:prstDash val="solid"/>
+                      <a:round/>
+                      <a:headEnd w="med" len="med"/>
+                      <a:tailEnd w="med" len="med"/>
+                    </a:lnL>
+                    <a:lnR w="12700" cap="flat" cmpd="sng" algn="ctr">
+                      <a:solidFill>
+                        <a:schemeClr val="tx1"/>
+                      </a:solidFill>
+                      <a:prstDash val="solid"/>
+                      <a:round/>
+                      <a:headEnd w="med" len="med"/>
+                      <a:tailEnd w="med" len="med"/>
+                    </a:lnR>
+                    <a:lnT w="12700" cap="flat" cmpd="sng" algn="ctr">
+                      <a:solidFill>
+                        <a:schemeClr val="tx1"/>
+                      </a:solidFill>
+                      <a:prstDash val="solid"/>
+                      <a:round/>
+                      <a:headEnd w="med" len="med"/>
+                      <a:tailEnd w="med" len="med"/>
+                    </a:lnT>
+                    <a:lnB w="12700" cap="flat" cmpd="sng" algn="ctr">
+                      <a:solidFill>
+                        <a:schemeClr val="tx1"/>
+                      </a:solidFill>
+                      <a:prstDash val="solid"/>
+                      <a:round/>
+                      <a:headEnd w="med" len="med"/>
+                      <a:tailEnd w="med" len="med"/>
+                    </a:lnB>
+                    <a:solidFill>
+                      <a:schemeClr val="lt1"/>
+                    </a:solidFill>
+                  </a:tcPr>
+                </a:tc>
+                <a:tc>
+                  <a:txBody>
+                    <a:bodyPr vert="horz" wrap="square" lIns="91440" tIns="45720" rIns="91440" bIns="45720" anchor="ctr" anchorCtr="0">
+                      <a:spAutoFit/>
+                    </a:bodyPr>
+                    <a:p>
+                      <a:pPr lvl="0" algn="ctr">
+                        <a:defRPr/>
+                      </a:pPr>
+                      <a:r>
+                        <a:rPr lang="ko-KR" altLang="en-US" sz="3000" b="0">
+                          <a:ln w="9525">
+                            <a:solidFill>
+                              <a:schemeClr val="lt1"/>
+                            </a:solidFill>
+                          </a:ln>
+                          <a:solidFill>
+                            <a:schemeClr val="dk1"/>
+                          </a:solidFill>
+                        </a:rPr>
+                        <a:t>←</a:t>
+                      </a:r>
+                      <a:endParaRPr lang="en-US" altLang="ko-KR" sz="3000">
+                        <a:ln w="9525">
+                          <a:solidFill>
+                            <a:schemeClr val="lt1"/>
+                          </a:solidFill>
+                        </a:ln>
+                        <a:solidFill>
+                          <a:schemeClr val="dk1"/>
+                        </a:solidFill>
+                      </a:endParaRPr>
+                    </a:p>
+                  </a:txBody>
+                  <a:tcPr marL="91440" marR="91440" anchor="ctr">
+                    <a:lnL w="12700" cap="flat" cmpd="sng" algn="ctr">
+                      <a:solidFill>
+                        <a:schemeClr val="tx1"/>
+                      </a:solidFill>
+                      <a:prstDash val="solid"/>
+                      <a:round/>
+                      <a:headEnd w="med" len="med"/>
+                      <a:tailEnd w="med" len="med"/>
+                    </a:lnL>
+                    <a:lnR w="12700" cap="flat" cmpd="sng" algn="ctr">
+                      <a:solidFill>
+                        <a:schemeClr val="tx1"/>
+                      </a:solidFill>
+                      <a:prstDash val="solid"/>
+                      <a:round/>
+                      <a:headEnd w="med" len="med"/>
+                      <a:tailEnd w="med" len="med"/>
+                    </a:lnR>
+                    <a:lnT w="12700" cap="flat" cmpd="sng" algn="ctr">
+                      <a:solidFill>
+                        <a:schemeClr val="tx1"/>
+                      </a:solidFill>
+                      <a:prstDash val="solid"/>
+                      <a:round/>
+                      <a:headEnd w="med" len="med"/>
+                      <a:tailEnd w="med" len="med"/>
+                    </a:lnT>
+                    <a:lnB w="12700" cap="flat" cmpd="sng" algn="ctr">
+                      <a:solidFill>
+                        <a:schemeClr val="tx1"/>
+                      </a:solidFill>
+                      <a:prstDash val="solid"/>
+                      <a:round/>
+                      <a:headEnd w="med" len="med"/>
+                      <a:tailEnd w="med" len="med"/>
+                    </a:lnB>
+                    <a:solidFill>
+                      <a:schemeClr val="lt1"/>
+                    </a:solidFill>
+                  </a:tcPr>
+                </a:tc>
+                <a:tc>
+                  <a:txBody>
+                    <a:bodyPr vert="horz" wrap="square" lIns="91440" tIns="45720" rIns="91440" bIns="45720" anchor="ctr" anchorCtr="0">
+                      <a:spAutoFit/>
+                    </a:bodyPr>
+                    <a:p>
+                      <a:pPr marL="0" lvl="0" indent="0" algn="ctr" defTabSz="914400" rtl="0" eaLnBrk="1" latinLnBrk="1" hangingPunct="1">
+                        <a:lnSpc>
+                          <a:spcPct val="100000"/>
+                        </a:lnSpc>
+                        <a:spcBef>
+                          <a:spcPts val="0"/>
+                        </a:spcBef>
+                        <a:spcAft>
+                          <a:spcPts val="0"/>
+                        </a:spcAft>
+                        <a:buNone/>
+                        <a:defRPr/>
+                      </a:pPr>
+                      <a:r>
+                        <a:rPr lang="ko-KR" altLang="en-US" sz="3000" b="0">
+                          <a:ln w="9525">
+                            <a:solidFill>
+                              <a:schemeClr val="lt1"/>
+                            </a:solidFill>
+                          </a:ln>
+                          <a:solidFill>
+                            <a:schemeClr val="dk1"/>
+                          </a:solidFill>
+                        </a:rPr>
+                        <a:t>→</a:t>
+                      </a:r>
+                      <a:endParaRPr lang="en-US" altLang="ko-KR" sz="3000">
+                        <a:ln w="9525">
+                          <a:solidFill>
+                            <a:schemeClr val="lt1"/>
+                          </a:solidFill>
+                        </a:ln>
+                        <a:solidFill>
+                          <a:schemeClr val="dk1"/>
+                        </a:solidFill>
+                      </a:endParaRPr>
+                    </a:p>
+                  </a:txBody>
+                  <a:tcPr marL="91440" marR="91440" anchor="ctr">
+                    <a:lnL w="12700" cap="flat" cmpd="sng" algn="ctr">
+                      <a:solidFill>
+                        <a:schemeClr val="tx1"/>
+                      </a:solidFill>
+                      <a:prstDash val="solid"/>
+                      <a:round/>
+                      <a:headEnd w="med" len="med"/>
+                      <a:tailEnd w="med" len="med"/>
+                    </a:lnL>
+                    <a:lnR w="12700" cap="flat" cmpd="sng" algn="ctr">
+                      <a:solidFill>
+                        <a:schemeClr val="tx1"/>
+                      </a:solidFill>
+                      <a:prstDash val="solid"/>
+                      <a:round/>
+                      <a:headEnd w="med" len="med"/>
+                      <a:tailEnd w="med" len="med"/>
+                    </a:lnR>
+                    <a:lnT w="12700" cap="flat" cmpd="sng" algn="ctr">
+                      <a:solidFill>
+                        <a:schemeClr val="tx1"/>
+                      </a:solidFill>
+                      <a:prstDash val="solid"/>
+                      <a:round/>
+                      <a:headEnd w="med" len="med"/>
+                      <a:tailEnd w="med" len="med"/>
+                    </a:lnT>
+                    <a:lnB w="12700" cap="flat" cmpd="sng" algn="ctr">
+                      <a:solidFill>
+                        <a:schemeClr val="tx1"/>
+                      </a:solidFill>
+                      <a:prstDash val="solid"/>
+                      <a:round/>
+                      <a:headEnd w="med" len="med"/>
+                      <a:tailEnd w="med" len="med"/>
+                    </a:lnB>
+                    <a:solidFill>
+                      <a:schemeClr val="lt1"/>
+                    </a:solidFill>
+                  </a:tcPr>
+                </a:tc>
+                <a:tc>
+                  <a:txBody>
+                    <a:bodyPr vert="horz" wrap="square" lIns="91440" tIns="45720" rIns="91440" bIns="45720" anchor="ctr" anchorCtr="0">
+                      <a:spAutoFit/>
+                    </a:bodyPr>
+                    <a:p>
+                      <a:pPr marL="0" lvl="0" indent="0" algn="ctr" defTabSz="914400" rtl="0" eaLnBrk="1" latinLnBrk="1" hangingPunct="1">
+                        <a:lnSpc>
+                          <a:spcPct val="100000"/>
+                        </a:lnSpc>
+                        <a:spcBef>
+                          <a:spcPts val="0"/>
+                        </a:spcBef>
+                        <a:spcAft>
+                          <a:spcPts val="0"/>
+                        </a:spcAft>
+                        <a:buNone/>
+                        <a:defRPr/>
+                      </a:pPr>
+                      <a:r>
+                        <a:rPr lang="ko-KR" altLang="en-US" sz="3000" b="0">
+                          <a:ln w="9525">
+                            <a:solidFill>
+                              <a:schemeClr val="lt1"/>
+                            </a:solidFill>
+                          </a:ln>
+                          <a:solidFill>
+                            <a:schemeClr val="dk1"/>
+                          </a:solidFill>
+                        </a:rPr>
+                        <a:t>→</a:t>
+                      </a:r>
+                      <a:endParaRPr lang="en-US" altLang="ko-KR" sz="3000">
+                        <a:ln w="9525">
+                          <a:solidFill>
+                            <a:schemeClr val="lt1"/>
+                          </a:solidFill>
+                        </a:ln>
+                        <a:solidFill>
+                          <a:schemeClr val="dk1"/>
+                        </a:solidFill>
+                      </a:endParaRPr>
+                    </a:p>
+                  </a:txBody>
+                  <a:tcPr marL="91440" marR="91440" anchor="ctr">
+                    <a:lnL w="12700" cap="flat" cmpd="sng" algn="ctr">
+                      <a:solidFill>
+                        <a:schemeClr val="tx1"/>
+                      </a:solidFill>
+                      <a:prstDash val="solid"/>
+                      <a:round/>
+                      <a:headEnd w="med" len="med"/>
+                      <a:tailEnd w="med" len="med"/>
+                    </a:lnL>
+                    <a:lnR w="12700" cap="flat" cmpd="sng" algn="ctr">
+                      <a:solidFill>
+                        <a:schemeClr val="tx1"/>
+                      </a:solidFill>
+                      <a:prstDash val="solid"/>
+                      <a:round/>
+                      <a:headEnd w="med" len="med"/>
+                      <a:tailEnd w="med" len="med"/>
+                    </a:lnR>
+                    <a:lnT w="12700" cap="flat" cmpd="sng" algn="ctr">
+                      <a:solidFill>
+                        <a:schemeClr val="tx1"/>
+                      </a:solidFill>
+                      <a:prstDash val="solid"/>
+                      <a:round/>
+                      <a:headEnd w="med" len="med"/>
+                      <a:tailEnd w="med" len="med"/>
+                    </a:lnT>
+                    <a:lnB w="12700" cap="flat" cmpd="sng" algn="ctr">
+                      <a:solidFill>
+                        <a:schemeClr val="tx1"/>
+                      </a:solidFill>
+                      <a:prstDash val="solid"/>
+                      <a:round/>
+                      <a:headEnd w="med" len="med"/>
+                      <a:tailEnd w="med" len="med"/>
+                    </a:lnB>
+                    <a:solidFill>
+                      <a:schemeClr val="lt1"/>
+                    </a:solidFill>
+                  </a:tcPr>
+                </a:tc>
+                <a:tc>
+                  <a:txBody>
+                    <a:bodyPr vert="horz" wrap="square" lIns="91440" tIns="45720" rIns="91440" bIns="45720" anchor="ctr" anchorCtr="0">
+                      <a:spAutoFit/>
+                    </a:bodyPr>
+                    <a:p>
+                      <a:pPr lvl="0" algn="ctr">
+                        <a:defRPr/>
+                      </a:pPr>
+                      <a:r>
+                        <a:rPr lang="ko-KR" altLang="en-US" sz="3000" b="0">
+                          <a:ln w="9525">
+                            <a:solidFill>
+                              <a:schemeClr val="lt1"/>
+                            </a:solidFill>
+                          </a:ln>
+                          <a:solidFill>
+                            <a:schemeClr val="dk1"/>
+                          </a:solidFill>
+                        </a:rPr>
+                        <a:t>←</a:t>
+                      </a:r>
+                      <a:endParaRPr lang="en-US" altLang="ko-KR" sz="3000">
+                        <a:ln w="9525">
+                          <a:solidFill>
+                            <a:schemeClr val="lt1"/>
+                          </a:solidFill>
+                        </a:ln>
+                        <a:solidFill>
+                          <a:schemeClr val="dk1"/>
+                        </a:solidFill>
+                      </a:endParaRPr>
+                    </a:p>
+                  </a:txBody>
+                  <a:tcPr marL="91440" marR="91440" anchor="ctr">
+                    <a:lnL w="12700" cap="flat" cmpd="sng" algn="ctr">
+                      <a:solidFill>
+                        <a:schemeClr val="tx1"/>
+                      </a:solidFill>
+                      <a:prstDash val="solid"/>
+                      <a:round/>
+                      <a:headEnd w="med" len="med"/>
+                      <a:tailEnd w="med" len="med"/>
+                    </a:lnL>
+                    <a:lnR w="12700" cap="flat" cmpd="sng" algn="ctr">
+                      <a:solidFill>
+                        <a:schemeClr val="tx1"/>
+                      </a:solidFill>
+                      <a:prstDash val="solid"/>
+                      <a:round/>
+                      <a:headEnd w="med" len="med"/>
+                      <a:tailEnd w="med" len="med"/>
+                    </a:lnR>
+                    <a:lnT w="12700" cap="flat" cmpd="sng" algn="ctr">
+                      <a:solidFill>
+                        <a:schemeClr val="tx1"/>
+                      </a:solidFill>
+                      <a:prstDash val="solid"/>
+                      <a:round/>
+                      <a:headEnd w="med" len="med"/>
+                      <a:tailEnd w="med" len="med"/>
+                    </a:lnT>
+                    <a:lnB w="12700" cap="flat" cmpd="sng" algn="ctr">
+                      <a:solidFill>
+                        <a:schemeClr val="tx1"/>
+                      </a:solidFill>
+                      <a:prstDash val="solid"/>
+                      <a:round/>
+                      <a:headEnd w="med" len="med"/>
+                      <a:tailEnd w="med" len="med"/>
+                    </a:lnB>
+                    <a:solidFill>
+                      <a:schemeClr val="lt1"/>
+                    </a:solidFill>
+                  </a:tcPr>
+                </a:tc>
+              </a:tr>
+              <a:tr h="726143">
+                <a:tc>
+                  <a:txBody>
+                    <a:bodyPr vert="horz" wrap="square" lIns="91440" tIns="45720" rIns="91440" bIns="45720" anchor="ctr" anchorCtr="0">
+                      <a:spAutoFit/>
+                    </a:bodyPr>
+                    <a:p>
+                      <a:pPr lvl="0" algn="ctr">
+                        <a:defRPr/>
+                      </a:pPr>
+                      <a:r>
+                        <a:rPr lang="ko-KR" altLang="en-US" sz="3000" b="0">
+                          <a:ln w="9525">
+                            <a:solidFill>
+                              <a:schemeClr val="lt1"/>
+                            </a:solidFill>
+                          </a:ln>
+                          <a:solidFill>
+                            <a:schemeClr val="dk1"/>
+                          </a:solidFill>
+                        </a:rPr>
+                        <a:t>↓</a:t>
+                      </a:r>
+                      <a:endParaRPr lang="en-US" altLang="ko-KR" sz="3000">
+                        <a:ln w="9525">
+                          <a:solidFill>
+                            <a:schemeClr val="lt1"/>
+                          </a:solidFill>
+                        </a:ln>
+                        <a:solidFill>
+                          <a:schemeClr val="dk1"/>
+                        </a:solidFill>
+                      </a:endParaRPr>
+                    </a:p>
+                  </a:txBody>
+                  <a:tcPr marL="91440" marR="91440" anchor="ctr">
+                    <a:lnL w="12700" cap="flat" cmpd="sng" algn="ctr">
+                      <a:solidFill>
+                        <a:schemeClr val="tx1"/>
+                      </a:solidFill>
+                      <a:prstDash val="solid"/>
+                      <a:round/>
+                      <a:headEnd w="med" len="med"/>
+                      <a:tailEnd w="med" len="med"/>
+                    </a:lnL>
+                    <a:lnR w="12700" cap="flat" cmpd="sng" algn="ctr">
+                      <a:solidFill>
+                        <a:schemeClr val="tx1"/>
+                      </a:solidFill>
+                      <a:prstDash val="solid"/>
+                      <a:round/>
+                      <a:headEnd w="med" len="med"/>
+                      <a:tailEnd w="med" len="med"/>
+                    </a:lnR>
+                    <a:lnT w="12700" cap="flat" cmpd="sng" algn="ctr">
+                      <a:solidFill>
+                        <a:schemeClr val="tx1"/>
+                      </a:solidFill>
+                      <a:prstDash val="solid"/>
+                      <a:round/>
+                      <a:headEnd w="med" len="med"/>
+                      <a:tailEnd w="med" len="med"/>
+                    </a:lnT>
+                    <a:lnB w="12700" cap="flat" cmpd="sng" algn="ctr">
+                      <a:solidFill>
+                        <a:schemeClr val="tx1"/>
+                      </a:solidFill>
+                      <a:prstDash val="solid"/>
+                      <a:round/>
+                      <a:headEnd w="med" len="med"/>
+                      <a:tailEnd w="med" len="med"/>
+                    </a:lnB>
+                    <a:solidFill>
+                      <a:schemeClr val="lt1"/>
+                    </a:solidFill>
+                  </a:tcPr>
+                </a:tc>
+                <a:tc>
+                  <a:txBody>
+                    <a:bodyPr vert="horz" wrap="square" lIns="91440" tIns="45720" rIns="91440" bIns="45720" anchor="ctr" anchorCtr="0">
+                      <a:spAutoFit/>
+                    </a:bodyPr>
+                    <a:p>
+                      <a:pPr marL="0" lvl="0" indent="0" algn="ctr" defTabSz="914400" rtl="0" eaLnBrk="1" latinLnBrk="1" hangingPunct="1">
+                        <a:lnSpc>
+                          <a:spcPct val="100000"/>
+                        </a:lnSpc>
+                        <a:spcBef>
+                          <a:spcPts val="0"/>
+                        </a:spcBef>
+                        <a:spcAft>
+                          <a:spcPts val="0"/>
+                        </a:spcAft>
+                        <a:buNone/>
+                        <a:defRPr/>
+                      </a:pPr>
+                      <a:r>
+                        <a:rPr lang="ko-KR" altLang="en-US" sz="3000" b="0">
+                          <a:ln w="9525">
+                            <a:solidFill>
+                              <a:schemeClr val="lt1"/>
+                            </a:solidFill>
+                          </a:ln>
+                          <a:solidFill>
+                            <a:schemeClr val="dk1"/>
+                          </a:solidFill>
+                        </a:rPr>
+                        <a:t>→</a:t>
+                      </a:r>
+                      <a:endParaRPr lang="en-US" altLang="ko-KR" sz="3000">
+                        <a:ln w="9525">
+                          <a:solidFill>
+                            <a:schemeClr val="lt1"/>
+                          </a:solidFill>
+                        </a:ln>
+                        <a:solidFill>
+                          <a:schemeClr val="dk1"/>
+                        </a:solidFill>
+                      </a:endParaRPr>
+                    </a:p>
+                  </a:txBody>
+                  <a:tcPr marL="91440" marR="91440" anchor="ctr">
+                    <a:lnL w="12700" cap="flat" cmpd="sng" algn="ctr">
+                      <a:solidFill>
+                        <a:schemeClr val="tx1"/>
+                      </a:solidFill>
+                      <a:prstDash val="solid"/>
+                      <a:round/>
+                      <a:headEnd w="med" len="med"/>
+                      <a:tailEnd w="med" len="med"/>
+                    </a:lnL>
+                    <a:lnR w="12700" cap="flat" cmpd="sng" algn="ctr">
+                      <a:solidFill>
+                        <a:schemeClr val="tx1"/>
+                      </a:solidFill>
+                      <a:prstDash val="solid"/>
+                      <a:round/>
+                      <a:headEnd w="med" len="med"/>
+                      <a:tailEnd w="med" len="med"/>
+                    </a:lnR>
+                    <a:lnT w="12700" cap="flat" cmpd="sng" algn="ctr">
+                      <a:solidFill>
+                        <a:schemeClr val="tx1"/>
+                      </a:solidFill>
+                      <a:prstDash val="solid"/>
+                      <a:round/>
+                      <a:headEnd w="med" len="med"/>
+                      <a:tailEnd w="med" len="med"/>
+                    </a:lnT>
+                    <a:lnB w="12700" cap="flat" cmpd="sng" algn="ctr">
+                      <a:solidFill>
+                        <a:schemeClr val="tx1"/>
+                      </a:solidFill>
+                      <a:prstDash val="solid"/>
+                      <a:round/>
+                      <a:headEnd w="med" len="med"/>
+                      <a:tailEnd w="med" len="med"/>
+                    </a:lnB>
+                    <a:solidFill>
+                      <a:schemeClr val="lt1"/>
+                    </a:solidFill>
+                  </a:tcPr>
+                </a:tc>
+                <a:tc>
+                  <a:txBody>
+                    <a:bodyPr vert="horz" wrap="square" lIns="91440" tIns="45720" rIns="91440" bIns="45720" anchor="ctr" anchorCtr="0">
+                      <a:spAutoFit/>
+                    </a:bodyPr>
+                    <a:p>
+                      <a:pPr marL="0" lvl="0" indent="0" algn="ctr" defTabSz="914400" rtl="0" eaLnBrk="1" latinLnBrk="1" hangingPunct="1">
+                        <a:lnSpc>
+                          <a:spcPct val="100000"/>
+                        </a:lnSpc>
+                        <a:spcBef>
+                          <a:spcPts val="0"/>
+                        </a:spcBef>
+                        <a:spcAft>
+                          <a:spcPts val="0"/>
+                        </a:spcAft>
+                        <a:buNone/>
+                        <a:defRPr/>
+                      </a:pPr>
+                      <a:r>
+                        <a:rPr lang="ko-KR" altLang="en-US" sz="3000" b="0">
+                          <a:ln w="9525">
+                            <a:solidFill>
+                              <a:schemeClr val="lt1"/>
+                            </a:solidFill>
+                          </a:ln>
+                          <a:solidFill>
+                            <a:schemeClr val="dk1"/>
+                          </a:solidFill>
+                        </a:rPr>
+                        <a:t>↑</a:t>
+                      </a:r>
+                      <a:endParaRPr lang="en-US" altLang="ko-KR" sz="3000">
+                        <a:ln w="9525">
+                          <a:solidFill>
+                            <a:schemeClr val="lt1"/>
+                          </a:solidFill>
+                        </a:ln>
+                        <a:solidFill>
+                          <a:schemeClr val="dk1"/>
+                        </a:solidFill>
+                      </a:endParaRPr>
+                    </a:p>
+                  </a:txBody>
+                  <a:tcPr marL="91440" marR="91440" anchor="ctr">
+                    <a:lnL w="12700" cap="flat" cmpd="sng" algn="ctr">
+                      <a:solidFill>
+                        <a:schemeClr val="tx1"/>
+                      </a:solidFill>
+                      <a:prstDash val="solid"/>
+                      <a:round/>
+                      <a:headEnd w="med" len="med"/>
+                      <a:tailEnd w="med" len="med"/>
+                    </a:lnL>
+                    <a:lnR w="12700" cap="flat" cmpd="sng" algn="ctr">
+                      <a:solidFill>
+                        <a:schemeClr val="tx1"/>
+                      </a:solidFill>
+                      <a:prstDash val="solid"/>
+                      <a:round/>
+                      <a:headEnd w="med" len="med"/>
+                      <a:tailEnd w="med" len="med"/>
+                    </a:lnR>
+                    <a:lnT w="12700" cap="flat" cmpd="sng" algn="ctr">
+                      <a:solidFill>
+                        <a:schemeClr val="tx1"/>
+                      </a:solidFill>
+                      <a:prstDash val="solid"/>
+                      <a:round/>
+                      <a:headEnd w="med" len="med"/>
+                      <a:tailEnd w="med" len="med"/>
+                    </a:lnT>
+                    <a:lnB w="12700" cap="flat" cmpd="sng" algn="ctr">
+                      <a:solidFill>
+                        <a:schemeClr val="tx1"/>
+                      </a:solidFill>
+                      <a:prstDash val="solid"/>
+                      <a:round/>
+                      <a:headEnd w="med" len="med"/>
+                      <a:tailEnd w="med" len="med"/>
+                    </a:lnB>
+                    <a:solidFill>
+                      <a:schemeClr val="lt1"/>
+                    </a:solidFill>
+                  </a:tcPr>
+                </a:tc>
+                <a:tc>
+                  <a:txBody>
+                    <a:bodyPr vert="horz" wrap="square" lIns="91440" tIns="45720" rIns="91440" bIns="45720" anchor="ctr" anchorCtr="0">
+                      <a:spAutoFit/>
+                    </a:bodyPr>
+                    <a:p>
+                      <a:pPr lvl="0" algn="ctr">
+                        <a:defRPr/>
+                      </a:pPr>
+                      <a:r>
+                        <a:rPr lang="ko-KR" altLang="en-US" sz="3000" b="0">
+                          <a:ln w="9525">
+                            <a:solidFill>
+                              <a:schemeClr val="lt1"/>
+                            </a:solidFill>
+                          </a:ln>
+                          <a:solidFill>
+                            <a:schemeClr val="dk1"/>
+                          </a:solidFill>
+                        </a:rPr>
+                        <a:t>↓</a:t>
+                      </a:r>
+                      <a:endParaRPr lang="en-US" altLang="ko-KR" sz="3000">
+                        <a:ln w="9525">
+                          <a:solidFill>
+                            <a:schemeClr val="lt1"/>
+                          </a:solidFill>
+                        </a:ln>
+                        <a:solidFill>
+                          <a:schemeClr val="dk1"/>
+                        </a:solidFill>
+                      </a:endParaRPr>
+                    </a:p>
+                  </a:txBody>
+                  <a:tcPr marL="91440" marR="91440" anchor="ctr">
+                    <a:lnL w="12700" cap="flat" cmpd="sng" algn="ctr">
+                      <a:solidFill>
+                        <a:schemeClr val="tx1"/>
+                      </a:solidFill>
+                      <a:prstDash val="solid"/>
+                      <a:round/>
+                      <a:headEnd w="med" len="med"/>
+                      <a:tailEnd w="med" len="med"/>
+                    </a:lnL>
+                    <a:lnR w="12700" cap="flat" cmpd="sng" algn="ctr">
+                      <a:solidFill>
+                        <a:schemeClr val="tx1"/>
+                      </a:solidFill>
+                      <a:prstDash val="solid"/>
+                      <a:round/>
+                      <a:headEnd w="med" len="med"/>
+                      <a:tailEnd w="med" len="med"/>
+                    </a:lnR>
+                    <a:lnT w="12700" cap="flat" cmpd="sng" algn="ctr">
+                      <a:solidFill>
+                        <a:schemeClr val="tx1"/>
+                      </a:solidFill>
+                      <a:prstDash val="solid"/>
+                      <a:round/>
+                      <a:headEnd w="med" len="med"/>
+                      <a:tailEnd w="med" len="med"/>
+                    </a:lnT>
+                    <a:lnB w="12700" cap="flat" cmpd="sng" algn="ctr">
+                      <a:solidFill>
+                        <a:schemeClr val="tx1"/>
+                      </a:solidFill>
+                      <a:prstDash val="solid"/>
+                      <a:round/>
+                      <a:headEnd w="med" len="med"/>
+                      <a:tailEnd w="med" len="med"/>
+                    </a:lnB>
+                    <a:solidFill>
+                      <a:schemeClr val="lt1"/>
+                    </a:solidFill>
+                  </a:tcPr>
+                </a:tc>
+                <a:tc>
+                  <a:txBody>
+                    <a:bodyPr vert="horz" wrap="square" lIns="91440" tIns="45720" rIns="91440" bIns="45720" anchor="ctr" anchorCtr="0">
+                      <a:spAutoFit/>
+                    </a:bodyPr>
+                    <a:p>
+                      <a:pPr marL="0" lvl="0" indent="0" algn="ctr" defTabSz="914400" rtl="0" eaLnBrk="1" latinLnBrk="1" hangingPunct="1">
+                        <a:lnSpc>
+                          <a:spcPct val="100000"/>
+                        </a:lnSpc>
+                        <a:spcBef>
+                          <a:spcPts val="0"/>
+                        </a:spcBef>
+                        <a:spcAft>
+                          <a:spcPts val="0"/>
+                        </a:spcAft>
+                        <a:buNone/>
+                        <a:defRPr/>
+                      </a:pPr>
+                      <a:r>
+                        <a:rPr lang="ko-KR" altLang="en-US" sz="3000" b="0">
+                          <a:ln w="9525">
+                            <a:solidFill>
+                              <a:schemeClr val="lt1"/>
+                            </a:solidFill>
+                          </a:ln>
+                          <a:solidFill>
+                            <a:schemeClr val="dk1"/>
+                          </a:solidFill>
+                        </a:rPr>
+                        <a:t>→</a:t>
                       </a:r>
                       <a:endParaRPr lang="en-US" altLang="ko-KR" sz="3000">
                         <a:ln w="9525">
@@ -32143,17 +34474,7 @@
                       <a:spAutoFit/>
                     </a:bodyPr>
                     <a:p>
-                      <a:pPr marL="0" lvl="0" indent="0" algn="ctr" defTabSz="914400" rtl="0" eaLnBrk="1" latinLnBrk="1" hangingPunct="1">
-                        <a:lnSpc>
-                          <a:spcPct val="100000"/>
-                        </a:lnSpc>
-                        <a:spcBef>
-                          <a:spcPts val="0"/>
-                        </a:spcBef>
-                        <a:spcAft>
-                          <a:spcPts val="0"/>
-                        </a:spcAft>
-                        <a:buNone/>
+                      <a:pPr lvl="0" algn="ctr">
                         <a:defRPr/>
                       </a:pPr>
                       <a:r>
@@ -32167,7 +34488,7 @@
                             <a:schemeClr val="dk1"/>
                           </a:solidFill>
                         </a:rPr>
-                        <a:t>→</a:t>
+                        <a:t>←</a:t>
                       </a:r>
                       <a:endParaRPr lang="en-US" altLang="ko-KR" sz="3000">
                         <a:ln w="9525">
@@ -32254,2637 +34575,6 @@
                           </a:solidFill>
                         </a:rPr>
                         <a:t>→</a:t>
-                      </a:r>
-                      <a:endParaRPr lang="en-US" altLang="ko-KR" sz="3000">
-                        <a:ln w="9525">
-                          <a:solidFill>
-                            <a:schemeClr val="lt1"/>
-                          </a:solidFill>
-                        </a:ln>
-                        <a:solidFill>
-                          <a:schemeClr val="dk1"/>
-                        </a:solidFill>
-                      </a:endParaRPr>
-                    </a:p>
-                  </a:txBody>
-                  <a:tcPr marL="91440" marR="91440" anchor="ctr">
-                    <a:lnL w="12700" cap="flat" cmpd="sng" algn="ctr">
-                      <a:solidFill>
-                        <a:schemeClr val="tx1"/>
-                      </a:solidFill>
-                      <a:prstDash val="solid"/>
-                      <a:round/>
-                      <a:headEnd w="med" len="med"/>
-                      <a:tailEnd w="med" len="med"/>
-                    </a:lnL>
-                    <a:lnR w="12700" cap="flat" cmpd="sng" algn="ctr">
-                      <a:solidFill>
-                        <a:schemeClr val="tx1"/>
-                      </a:solidFill>
-                      <a:prstDash val="solid"/>
-                      <a:round/>
-                      <a:headEnd w="med" len="med"/>
-                      <a:tailEnd w="med" len="med"/>
-                    </a:lnR>
-                    <a:lnT w="12700" cap="flat" cmpd="sng" algn="ctr">
-                      <a:solidFill>
-                        <a:schemeClr val="tx1"/>
-                      </a:solidFill>
-                      <a:prstDash val="solid"/>
-                      <a:round/>
-                      <a:headEnd w="med" len="med"/>
-                      <a:tailEnd w="med" len="med"/>
-                    </a:lnT>
-                    <a:lnB w="12700" cap="flat" cmpd="sng" algn="ctr">
-                      <a:solidFill>
-                        <a:schemeClr val="tx1"/>
-                      </a:solidFill>
-                      <a:prstDash val="solid"/>
-                      <a:round/>
-                      <a:headEnd w="med" len="med"/>
-                      <a:tailEnd w="med" len="med"/>
-                    </a:lnB>
-                    <a:solidFill>
-                      <a:schemeClr val="lt1"/>
-                    </a:solidFill>
-                  </a:tcPr>
-                </a:tc>
-                <a:tc>
-                  <a:txBody>
-                    <a:bodyPr vert="horz" wrap="square" lIns="91440" tIns="45720" rIns="91440" bIns="45720" anchor="ctr" anchorCtr="0">
-                      <a:spAutoFit/>
-                    </a:bodyPr>
-                    <a:p>
-                      <a:pPr lvl="0" algn="ctr">
-                        <a:defRPr/>
-                      </a:pPr>
-                      <a:r>
-                        <a:rPr lang="ko-KR" altLang="en-US" sz="3000" b="0">
-                          <a:ln w="9525">
-                            <a:solidFill>
-                              <a:schemeClr val="lt1"/>
-                            </a:solidFill>
-                          </a:ln>
-                          <a:solidFill>
-                            <a:schemeClr val="dk1"/>
-                          </a:solidFill>
-                        </a:rPr>
-                        <a:t>↓</a:t>
-                      </a:r>
-                      <a:endParaRPr lang="en-US" altLang="ko-KR" sz="3000">
-                        <a:ln w="9525">
-                          <a:solidFill>
-                            <a:schemeClr val="lt1"/>
-                          </a:solidFill>
-                        </a:ln>
-                        <a:solidFill>
-                          <a:schemeClr val="dk1"/>
-                        </a:solidFill>
-                      </a:endParaRPr>
-                    </a:p>
-                  </a:txBody>
-                  <a:tcPr marL="91440" marR="91440" anchor="ctr">
-                    <a:lnL w="12700" cap="flat" cmpd="sng" algn="ctr">
-                      <a:solidFill>
-                        <a:schemeClr val="tx1"/>
-                      </a:solidFill>
-                      <a:prstDash val="solid"/>
-                      <a:round/>
-                      <a:headEnd w="med" len="med"/>
-                      <a:tailEnd w="med" len="med"/>
-                    </a:lnL>
-                    <a:lnR w="12700" cap="flat" cmpd="sng" algn="ctr">
-                      <a:solidFill>
-                        <a:schemeClr val="tx1"/>
-                      </a:solidFill>
-                      <a:prstDash val="solid"/>
-                      <a:round/>
-                      <a:headEnd w="med" len="med"/>
-                      <a:tailEnd w="med" len="med"/>
-                    </a:lnR>
-                    <a:lnT w="12700" cap="flat" cmpd="sng" algn="ctr">
-                      <a:solidFill>
-                        <a:schemeClr val="tx1"/>
-                      </a:solidFill>
-                      <a:prstDash val="solid"/>
-                      <a:round/>
-                      <a:headEnd w="med" len="med"/>
-                      <a:tailEnd w="med" len="med"/>
-                    </a:lnT>
-                    <a:lnB w="12700" cap="flat" cmpd="sng" algn="ctr">
-                      <a:solidFill>
-                        <a:schemeClr val="tx1"/>
-                      </a:solidFill>
-                      <a:prstDash val="solid"/>
-                      <a:round/>
-                      <a:headEnd w="med" len="med"/>
-                      <a:tailEnd w="med" len="med"/>
-                    </a:lnB>
-                    <a:solidFill>
-                      <a:schemeClr val="lt1"/>
-                    </a:solidFill>
-                  </a:tcPr>
-                </a:tc>
-                <a:tc>
-                  <a:txBody>
-                    <a:bodyPr vert="horz" wrap="square" lIns="91440" tIns="45720" rIns="91440" bIns="45720" anchor="ctr" anchorCtr="0">
-                      <a:spAutoFit/>
-                    </a:bodyPr>
-                    <a:p>
-                      <a:pPr marL="0" lvl="0" indent="0" algn="ctr" defTabSz="914400" rtl="0" eaLnBrk="1" latinLnBrk="1" hangingPunct="1">
-                        <a:lnSpc>
-                          <a:spcPct val="100000"/>
-                        </a:lnSpc>
-                        <a:spcBef>
-                          <a:spcPts val="0"/>
-                        </a:spcBef>
-                        <a:spcAft>
-                          <a:spcPts val="0"/>
-                        </a:spcAft>
-                        <a:buNone/>
-                        <a:defRPr/>
-                      </a:pPr>
-                      <a:r>
-                        <a:rPr lang="ko-KR" altLang="en-US" sz="3000" b="0">
-                          <a:ln w="9525">
-                            <a:solidFill>
-                              <a:schemeClr val="lt1"/>
-                            </a:solidFill>
-                          </a:ln>
-                          <a:solidFill>
-                            <a:schemeClr val="dk1"/>
-                          </a:solidFill>
-                        </a:rPr>
-                        <a:t>→</a:t>
-                      </a:r>
-                      <a:endParaRPr lang="en-US" altLang="ko-KR" sz="3000">
-                        <a:ln w="9525">
-                          <a:solidFill>
-                            <a:schemeClr val="lt1"/>
-                          </a:solidFill>
-                        </a:ln>
-                        <a:solidFill>
-                          <a:schemeClr val="dk1"/>
-                        </a:solidFill>
-                      </a:endParaRPr>
-                    </a:p>
-                  </a:txBody>
-                  <a:tcPr marL="91440" marR="91440" anchor="ctr">
-                    <a:lnL w="12700" cap="flat" cmpd="sng" algn="ctr">
-                      <a:solidFill>
-                        <a:schemeClr val="tx1"/>
-                      </a:solidFill>
-                      <a:prstDash val="solid"/>
-                      <a:round/>
-                      <a:headEnd w="med" len="med"/>
-                      <a:tailEnd w="med" len="med"/>
-                    </a:lnL>
-                    <a:lnR w="12700" cap="flat" cmpd="sng" algn="ctr">
-                      <a:solidFill>
-                        <a:schemeClr val="tx1"/>
-                      </a:solidFill>
-                      <a:prstDash val="solid"/>
-                      <a:round/>
-                      <a:headEnd w="med" len="med"/>
-                      <a:tailEnd w="med" len="med"/>
-                    </a:lnR>
-                    <a:lnT w="12700" cap="flat" cmpd="sng" algn="ctr">
-                      <a:solidFill>
-                        <a:schemeClr val="tx1"/>
-                      </a:solidFill>
-                      <a:prstDash val="solid"/>
-                      <a:round/>
-                      <a:headEnd w="med" len="med"/>
-                      <a:tailEnd w="med" len="med"/>
-                    </a:lnT>
-                    <a:lnB w="12700" cap="flat" cmpd="sng" algn="ctr">
-                      <a:solidFill>
-                        <a:schemeClr val="tx1"/>
-                      </a:solidFill>
-                      <a:prstDash val="solid"/>
-                      <a:round/>
-                      <a:headEnd w="med" len="med"/>
-                      <a:tailEnd w="med" len="med"/>
-                    </a:lnB>
-                    <a:solidFill>
-                      <a:schemeClr val="lt1"/>
-                    </a:solidFill>
-                  </a:tcPr>
-                </a:tc>
-              </a:tr>
-              <a:tr h="726143">
-                <a:tc>
-                  <a:txBody>
-                    <a:bodyPr vert="horz" wrap="square" lIns="91440" tIns="45720" rIns="91440" bIns="45720" anchor="ctr" anchorCtr="0">
-                      <a:spAutoFit/>
-                    </a:bodyPr>
-                    <a:p>
-                      <a:pPr lvl="0" algn="ctr">
-                        <a:defRPr/>
-                      </a:pPr>
-                      <a:r>
-                        <a:rPr lang="ko-KR" altLang="en-US" sz="3000" b="0">
-                          <a:ln w="9525">
-                            <a:solidFill>
-                              <a:schemeClr val="lt1"/>
-                            </a:solidFill>
-                          </a:ln>
-                          <a:solidFill>
-                            <a:schemeClr val="dk1"/>
-                          </a:solidFill>
-                        </a:rPr>
-                        <a:t>←</a:t>
-                      </a:r>
-                      <a:endParaRPr lang="en-US" altLang="ko-KR" sz="3000">
-                        <a:ln w="9525">
-                          <a:solidFill>
-                            <a:schemeClr val="lt1"/>
-                          </a:solidFill>
-                        </a:ln>
-                        <a:solidFill>
-                          <a:schemeClr val="dk1"/>
-                        </a:solidFill>
-                      </a:endParaRPr>
-                    </a:p>
-                  </a:txBody>
-                  <a:tcPr marL="91440" marR="91440" anchor="ctr">
-                    <a:lnL w="12700" cap="flat" cmpd="sng" algn="ctr">
-                      <a:solidFill>
-                        <a:schemeClr val="tx1"/>
-                      </a:solidFill>
-                      <a:prstDash val="solid"/>
-                      <a:round/>
-                      <a:headEnd w="med" len="med"/>
-                      <a:tailEnd w="med" len="med"/>
-                    </a:lnL>
-                    <a:lnR w="12700" cap="flat" cmpd="sng" algn="ctr">
-                      <a:solidFill>
-                        <a:schemeClr val="tx1"/>
-                      </a:solidFill>
-                      <a:prstDash val="solid"/>
-                      <a:round/>
-                      <a:headEnd w="med" len="med"/>
-                      <a:tailEnd w="med" len="med"/>
-                    </a:lnR>
-                    <a:lnT w="12700" cap="flat" cmpd="sng" algn="ctr">
-                      <a:solidFill>
-                        <a:schemeClr val="tx1"/>
-                      </a:solidFill>
-                      <a:prstDash val="solid"/>
-                      <a:round/>
-                      <a:headEnd w="med" len="med"/>
-                      <a:tailEnd w="med" len="med"/>
-                    </a:lnT>
-                    <a:lnB w="12700" cap="flat" cmpd="sng" algn="ctr">
-                      <a:solidFill>
-                        <a:schemeClr val="tx1"/>
-                      </a:solidFill>
-                      <a:prstDash val="solid"/>
-                      <a:round/>
-                      <a:headEnd w="med" len="med"/>
-                      <a:tailEnd w="med" len="med"/>
-                    </a:lnB>
-                    <a:solidFill>
-                      <a:schemeClr val="lt1"/>
-                    </a:solidFill>
-                  </a:tcPr>
-                </a:tc>
-                <a:tc>
-                  <a:txBody>
-                    <a:bodyPr vert="horz" wrap="square" lIns="91440" tIns="45720" rIns="91440" bIns="45720" anchor="ctr" anchorCtr="0">
-                      <a:spAutoFit/>
-                    </a:bodyPr>
-                    <a:p>
-                      <a:pPr lvl="0" algn="ctr">
-                        <a:defRPr/>
-                      </a:pPr>
-                      <a:r>
-                        <a:rPr lang="ko-KR" altLang="en-US" sz="3000" b="0">
-                          <a:ln w="9525">
-                            <a:solidFill>
-                              <a:schemeClr val="lt1"/>
-                            </a:solidFill>
-                          </a:ln>
-                          <a:solidFill>
-                            <a:schemeClr val="dk1"/>
-                          </a:solidFill>
-                        </a:rPr>
-                        <a:t>←</a:t>
-                      </a:r>
-                      <a:endParaRPr lang="en-US" altLang="ko-KR" sz="3000">
-                        <a:ln w="9525">
-                          <a:solidFill>
-                            <a:schemeClr val="lt1"/>
-                          </a:solidFill>
-                        </a:ln>
-                        <a:solidFill>
-                          <a:schemeClr val="dk1"/>
-                        </a:solidFill>
-                      </a:endParaRPr>
-                    </a:p>
-                  </a:txBody>
-                  <a:tcPr marL="91440" marR="91440" anchor="ctr">
-                    <a:lnL w="12700" cap="flat" cmpd="sng" algn="ctr">
-                      <a:solidFill>
-                        <a:schemeClr val="tx1"/>
-                      </a:solidFill>
-                      <a:prstDash val="solid"/>
-                      <a:round/>
-                      <a:headEnd w="med" len="med"/>
-                      <a:tailEnd w="med" len="med"/>
-                    </a:lnL>
-                    <a:lnR w="12700" cap="flat" cmpd="sng" algn="ctr">
-                      <a:solidFill>
-                        <a:schemeClr val="tx1"/>
-                      </a:solidFill>
-                      <a:prstDash val="solid"/>
-                      <a:round/>
-                      <a:headEnd w="med" len="med"/>
-                      <a:tailEnd w="med" len="med"/>
-                    </a:lnR>
-                    <a:lnT w="12700" cap="flat" cmpd="sng" algn="ctr">
-                      <a:solidFill>
-                        <a:schemeClr val="tx1"/>
-                      </a:solidFill>
-                      <a:prstDash val="solid"/>
-                      <a:round/>
-                      <a:headEnd w="med" len="med"/>
-                      <a:tailEnd w="med" len="med"/>
-                    </a:lnT>
-                    <a:lnB w="12700" cap="flat" cmpd="sng" algn="ctr">
-                      <a:solidFill>
-                        <a:schemeClr val="tx1"/>
-                      </a:solidFill>
-                      <a:prstDash val="solid"/>
-                      <a:round/>
-                      <a:headEnd w="med" len="med"/>
-                      <a:tailEnd w="med" len="med"/>
-                    </a:lnB>
-                    <a:solidFill>
-                      <a:schemeClr val="lt1"/>
-                    </a:solidFill>
-                  </a:tcPr>
-                </a:tc>
-                <a:tc>
-                  <a:txBody>
-                    <a:bodyPr vert="horz" wrap="square" lIns="91440" tIns="45720" rIns="91440" bIns="45720" anchor="ctr" anchorCtr="0">
-                      <a:spAutoFit/>
-                    </a:bodyPr>
-                    <a:p>
-                      <a:pPr lvl="0" algn="ctr">
-                        <a:defRPr/>
-                      </a:pPr>
-                      <a:r>
-                        <a:rPr lang="ko-KR" altLang="en-US" sz="3000" b="0">
-                          <a:ln w="9525">
-                            <a:solidFill>
-                              <a:schemeClr val="lt1"/>
-                            </a:solidFill>
-                          </a:ln>
-                          <a:solidFill>
-                            <a:schemeClr val="dk1"/>
-                          </a:solidFill>
-                        </a:rPr>
-                        <a:t>←</a:t>
-                      </a:r>
-                      <a:endParaRPr lang="en-US" altLang="ko-KR" sz="3000">
-                        <a:ln w="9525">
-                          <a:solidFill>
-                            <a:schemeClr val="lt1"/>
-                          </a:solidFill>
-                        </a:ln>
-                        <a:solidFill>
-                          <a:schemeClr val="dk1"/>
-                        </a:solidFill>
-                      </a:endParaRPr>
-                    </a:p>
-                  </a:txBody>
-                  <a:tcPr marL="91440" marR="91440" anchor="ctr">
-                    <a:lnL w="12700" cap="flat" cmpd="sng" algn="ctr">
-                      <a:solidFill>
-                        <a:schemeClr val="tx1"/>
-                      </a:solidFill>
-                      <a:prstDash val="solid"/>
-                      <a:round/>
-                      <a:headEnd w="med" len="med"/>
-                      <a:tailEnd w="med" len="med"/>
-                    </a:lnL>
-                    <a:lnR w="12700" cap="flat" cmpd="sng" algn="ctr">
-                      <a:solidFill>
-                        <a:schemeClr val="tx1"/>
-                      </a:solidFill>
-                      <a:prstDash val="solid"/>
-                      <a:round/>
-                      <a:headEnd w="med" len="med"/>
-                      <a:tailEnd w="med" len="med"/>
-                    </a:lnR>
-                    <a:lnT w="12700" cap="flat" cmpd="sng" algn="ctr">
-                      <a:solidFill>
-                        <a:schemeClr val="tx1"/>
-                      </a:solidFill>
-                      <a:prstDash val="solid"/>
-                      <a:round/>
-                      <a:headEnd w="med" len="med"/>
-                      <a:tailEnd w="med" len="med"/>
-                    </a:lnT>
-                    <a:lnB w="12700" cap="flat" cmpd="sng" algn="ctr">
-                      <a:solidFill>
-                        <a:schemeClr val="tx1"/>
-                      </a:solidFill>
-                      <a:prstDash val="solid"/>
-                      <a:round/>
-                      <a:headEnd w="med" len="med"/>
-                      <a:tailEnd w="med" len="med"/>
-                    </a:lnB>
-                    <a:solidFill>
-                      <a:schemeClr val="lt1"/>
-                    </a:solidFill>
-                  </a:tcPr>
-                </a:tc>
-                <a:tc>
-                  <a:txBody>
-                    <a:bodyPr vert="horz" wrap="square" lIns="91440" tIns="45720" rIns="91440" bIns="45720" anchor="ctr" anchorCtr="0">
-                      <a:spAutoFit/>
-                    </a:bodyPr>
-                    <a:p>
-                      <a:pPr lvl="0" algn="ctr">
-                        <a:defRPr/>
-                      </a:pPr>
-                      <a:r>
-                        <a:rPr lang="ko-KR" altLang="en-US" sz="3000" b="0">
-                          <a:ln w="9525">
-                            <a:solidFill>
-                              <a:schemeClr val="lt1"/>
-                            </a:solidFill>
-                          </a:ln>
-                          <a:solidFill>
-                            <a:schemeClr val="dk1"/>
-                          </a:solidFill>
-                        </a:rPr>
-                        <a:t>↓</a:t>
-                      </a:r>
-                      <a:endParaRPr lang="en-US" altLang="ko-KR" sz="3000">
-                        <a:ln w="9525">
-                          <a:solidFill>
-                            <a:schemeClr val="lt1"/>
-                          </a:solidFill>
-                        </a:ln>
-                        <a:solidFill>
-                          <a:schemeClr val="dk1"/>
-                        </a:solidFill>
-                      </a:endParaRPr>
-                    </a:p>
-                  </a:txBody>
-                  <a:tcPr marL="91440" marR="91440" anchor="ctr">
-                    <a:lnL w="12700" cap="flat" cmpd="sng" algn="ctr">
-                      <a:solidFill>
-                        <a:schemeClr val="tx1"/>
-                      </a:solidFill>
-                      <a:prstDash val="solid"/>
-                      <a:round/>
-                      <a:headEnd w="med" len="med"/>
-                      <a:tailEnd w="med" len="med"/>
-                    </a:lnL>
-                    <a:lnR w="12700" cap="flat" cmpd="sng" algn="ctr">
-                      <a:solidFill>
-                        <a:schemeClr val="tx1"/>
-                      </a:solidFill>
-                      <a:prstDash val="solid"/>
-                      <a:round/>
-                      <a:headEnd w="med" len="med"/>
-                      <a:tailEnd w="med" len="med"/>
-                    </a:lnR>
-                    <a:lnT w="12700" cap="flat" cmpd="sng" algn="ctr">
-                      <a:solidFill>
-                        <a:schemeClr val="tx1"/>
-                      </a:solidFill>
-                      <a:prstDash val="solid"/>
-                      <a:round/>
-                      <a:headEnd w="med" len="med"/>
-                      <a:tailEnd w="med" len="med"/>
-                    </a:lnT>
-                    <a:lnB w="12700" cap="flat" cmpd="sng" algn="ctr">
-                      <a:solidFill>
-                        <a:schemeClr val="tx1"/>
-                      </a:solidFill>
-                      <a:prstDash val="solid"/>
-                      <a:round/>
-                      <a:headEnd w="med" len="med"/>
-                      <a:tailEnd w="med" len="med"/>
-                    </a:lnB>
-                    <a:solidFill>
-                      <a:schemeClr val="lt1"/>
-                    </a:solidFill>
-                  </a:tcPr>
-                </a:tc>
-                <a:tc>
-                  <a:txBody>
-                    <a:bodyPr vert="horz" wrap="square" lIns="91440" tIns="45720" rIns="91440" bIns="45720" anchor="ctr" anchorCtr="0">
-                      <a:spAutoFit/>
-                    </a:bodyPr>
-                    <a:p>
-                      <a:pPr marL="0" lvl="0" indent="0" algn="ctr" defTabSz="914400" rtl="0" eaLnBrk="1" latinLnBrk="1" hangingPunct="1">
-                        <a:lnSpc>
-                          <a:spcPct val="100000"/>
-                        </a:lnSpc>
-                        <a:spcBef>
-                          <a:spcPts val="0"/>
-                        </a:spcBef>
-                        <a:spcAft>
-                          <a:spcPts val="0"/>
-                        </a:spcAft>
-                        <a:buNone/>
-                        <a:defRPr/>
-                      </a:pPr>
-                      <a:r>
-                        <a:rPr lang="ko-KR" altLang="en-US" sz="3000" b="0">
-                          <a:ln w="9525">
-                            <a:solidFill>
-                              <a:schemeClr val="lt1"/>
-                            </a:solidFill>
-                          </a:ln>
-                          <a:solidFill>
-                            <a:schemeClr val="dk1"/>
-                          </a:solidFill>
-                        </a:rPr>
-                        <a:t>→</a:t>
-                      </a:r>
-                      <a:endParaRPr lang="en-US" altLang="ko-KR" sz="3000">
-                        <a:ln w="9525">
-                          <a:solidFill>
-                            <a:schemeClr val="lt1"/>
-                          </a:solidFill>
-                        </a:ln>
-                        <a:solidFill>
-                          <a:schemeClr val="dk1"/>
-                        </a:solidFill>
-                      </a:endParaRPr>
-                    </a:p>
-                  </a:txBody>
-                  <a:tcPr marL="91440" marR="91440" anchor="ctr">
-                    <a:lnL w="12700" cap="flat" cmpd="sng" algn="ctr">
-                      <a:solidFill>
-                        <a:schemeClr val="tx1"/>
-                      </a:solidFill>
-                      <a:prstDash val="solid"/>
-                      <a:round/>
-                      <a:headEnd w="med" len="med"/>
-                      <a:tailEnd w="med" len="med"/>
-                    </a:lnL>
-                    <a:lnR w="12700" cap="flat" cmpd="sng" algn="ctr">
-                      <a:solidFill>
-                        <a:schemeClr val="tx1"/>
-                      </a:solidFill>
-                      <a:prstDash val="solid"/>
-                      <a:round/>
-                      <a:headEnd w="med" len="med"/>
-                      <a:tailEnd w="med" len="med"/>
-                    </a:lnR>
-                    <a:lnT w="12700" cap="flat" cmpd="sng" algn="ctr">
-                      <a:solidFill>
-                        <a:schemeClr val="tx1"/>
-                      </a:solidFill>
-                      <a:prstDash val="solid"/>
-                      <a:round/>
-                      <a:headEnd w="med" len="med"/>
-                      <a:tailEnd w="med" len="med"/>
-                    </a:lnT>
-                    <a:lnB w="12700" cap="flat" cmpd="sng" algn="ctr">
-                      <a:solidFill>
-                        <a:schemeClr val="tx1"/>
-                      </a:solidFill>
-                      <a:prstDash val="solid"/>
-                      <a:round/>
-                      <a:headEnd w="med" len="med"/>
-                      <a:tailEnd w="med" len="med"/>
-                    </a:lnB>
-                    <a:solidFill>
-                      <a:schemeClr val="lt1"/>
-                    </a:solidFill>
-                  </a:tcPr>
-                </a:tc>
-              </a:tr>
-              <a:tr h="726143">
-                <a:tc>
-                  <a:txBody>
-                    <a:bodyPr vert="horz" wrap="square" lIns="91440" tIns="45720" rIns="91440" bIns="45720" anchor="ctr" anchorCtr="0">
-                      <a:spAutoFit/>
-                    </a:bodyPr>
-                    <a:p>
-                      <a:pPr lvl="0" algn="ctr">
-                        <a:defRPr/>
-                      </a:pPr>
-                      <a:r>
-                        <a:rPr lang="en-US" altLang="ko-KR" sz="3000" b="0">
-                          <a:ln w="9525">
-                            <a:solidFill>
-                              <a:schemeClr val="lt1"/>
-                            </a:solidFill>
-                          </a:ln>
-                          <a:solidFill>
-                            <a:srgbClr val="ff0000"/>
-                          </a:solidFill>
-                        </a:rPr>
-                        <a:t>S</a:t>
-                      </a:r>
-                      <a:endParaRPr lang="en-US" altLang="ko-KR" sz="3000">
-                        <a:ln w="9525">
-                          <a:solidFill>
-                            <a:schemeClr val="lt1"/>
-                          </a:solidFill>
-                        </a:ln>
-                        <a:solidFill>
-                          <a:schemeClr val="dk1"/>
-                        </a:solidFill>
-                      </a:endParaRPr>
-                    </a:p>
-                  </a:txBody>
-                  <a:tcPr marL="91440" marR="91440" anchor="ctr">
-                    <a:lnL w="12700" cap="flat" cmpd="sng" algn="ctr">
-                      <a:solidFill>
-                        <a:schemeClr val="tx1"/>
-                      </a:solidFill>
-                      <a:prstDash val="solid"/>
-                      <a:round/>
-                      <a:headEnd w="med" len="med"/>
-                      <a:tailEnd w="med" len="med"/>
-                    </a:lnL>
-                    <a:lnR w="12700" cap="flat" cmpd="sng" algn="ctr">
-                      <a:solidFill>
-                        <a:schemeClr val="tx1"/>
-                      </a:solidFill>
-                      <a:prstDash val="solid"/>
-                      <a:round/>
-                      <a:headEnd w="med" len="med"/>
-                      <a:tailEnd w="med" len="med"/>
-                    </a:lnR>
-                    <a:lnT w="12700" cap="flat" cmpd="sng" algn="ctr">
-                      <a:solidFill>
-                        <a:schemeClr val="tx1"/>
-                      </a:solidFill>
-                      <a:prstDash val="solid"/>
-                      <a:round/>
-                      <a:headEnd w="med" len="med"/>
-                      <a:tailEnd w="med" len="med"/>
-                    </a:lnT>
-                    <a:lnB w="12700" cap="flat" cmpd="sng" algn="ctr">
-                      <a:solidFill>
-                        <a:schemeClr val="tx1"/>
-                      </a:solidFill>
-                      <a:prstDash val="solid"/>
-                      <a:round/>
-                      <a:headEnd w="med" len="med"/>
-                      <a:tailEnd w="med" len="med"/>
-                    </a:lnB>
-                    <a:solidFill>
-                      <a:schemeClr val="lt1"/>
-                    </a:solidFill>
-                  </a:tcPr>
-                </a:tc>
-                <a:tc>
-                  <a:txBody>
-                    <a:bodyPr vert="horz" wrap="square" lIns="91440" tIns="45720" rIns="91440" bIns="45720" anchor="ctr" anchorCtr="0">
-                      <a:spAutoFit/>
-                    </a:bodyPr>
-                    <a:p>
-                      <a:pPr marL="0" lvl="0" indent="0" algn="ctr" defTabSz="914400" rtl="0" eaLnBrk="1" latinLnBrk="1" hangingPunct="1">
-                        <a:lnSpc>
-                          <a:spcPct val="100000"/>
-                        </a:lnSpc>
-                        <a:spcBef>
-                          <a:spcPts val="0"/>
-                        </a:spcBef>
-                        <a:spcAft>
-                          <a:spcPts val="0"/>
-                        </a:spcAft>
-                        <a:buNone/>
-                        <a:defRPr/>
-                      </a:pPr>
-                      <a:r>
-                        <a:rPr lang="ko-KR" altLang="en-US" sz="3000" b="0">
-                          <a:ln w="9525">
-                            <a:solidFill>
-                              <a:schemeClr val="lt1"/>
-                            </a:solidFill>
-                          </a:ln>
-                          <a:solidFill>
-                            <a:schemeClr val="dk1"/>
-                          </a:solidFill>
-                        </a:rPr>
-                        <a:t>→</a:t>
-                      </a:r>
-                      <a:endParaRPr lang="en-US" altLang="ko-KR" sz="3000">
-                        <a:ln w="9525">
-                          <a:solidFill>
-                            <a:schemeClr val="lt1"/>
-                          </a:solidFill>
-                        </a:ln>
-                        <a:solidFill>
-                          <a:schemeClr val="dk1"/>
-                        </a:solidFill>
-                      </a:endParaRPr>
-                    </a:p>
-                  </a:txBody>
-                  <a:tcPr marL="91440" marR="91440" anchor="ctr">
-                    <a:lnL w="12700" cap="flat" cmpd="sng" algn="ctr">
-                      <a:solidFill>
-                        <a:schemeClr val="tx1"/>
-                      </a:solidFill>
-                      <a:prstDash val="solid"/>
-                      <a:round/>
-                      <a:headEnd w="med" len="med"/>
-                      <a:tailEnd w="med" len="med"/>
-                    </a:lnL>
-                    <a:lnR w="12700" cap="flat" cmpd="sng" algn="ctr">
-                      <a:solidFill>
-                        <a:schemeClr val="tx1"/>
-                      </a:solidFill>
-                      <a:prstDash val="solid"/>
-                      <a:round/>
-                      <a:headEnd w="med" len="med"/>
-                      <a:tailEnd w="med" len="med"/>
-                    </a:lnR>
-                    <a:lnT w="12700" cap="flat" cmpd="sng" algn="ctr">
-                      <a:solidFill>
-                        <a:schemeClr val="tx1"/>
-                      </a:solidFill>
-                      <a:prstDash val="solid"/>
-                      <a:round/>
-                      <a:headEnd w="med" len="med"/>
-                      <a:tailEnd w="med" len="med"/>
-                    </a:lnT>
-                    <a:lnB w="12700" cap="flat" cmpd="sng" algn="ctr">
-                      <a:solidFill>
-                        <a:schemeClr val="tx1"/>
-                      </a:solidFill>
-                      <a:prstDash val="solid"/>
-                      <a:round/>
-                      <a:headEnd w="med" len="med"/>
-                      <a:tailEnd w="med" len="med"/>
-                    </a:lnB>
-                    <a:solidFill>
-                      <a:schemeClr val="lt1"/>
-                    </a:solidFill>
-                  </a:tcPr>
-                </a:tc>
-                <a:tc>
-                  <a:txBody>
-                    <a:bodyPr vert="horz" wrap="square" lIns="91440" tIns="45720" rIns="91440" bIns="45720" anchor="ctr" anchorCtr="0">
-                      <a:spAutoFit/>
-                    </a:bodyPr>
-                    <a:p>
-                      <a:pPr lvl="0" algn="ctr">
-                        <a:defRPr/>
-                      </a:pPr>
-                      <a:r>
-                        <a:rPr lang="ko-KR" altLang="en-US" sz="3000" b="0">
-                          <a:ln w="9525">
-                            <a:solidFill>
-                              <a:schemeClr val="lt1"/>
-                            </a:solidFill>
-                          </a:ln>
-                          <a:solidFill>
-                            <a:schemeClr val="dk1"/>
-                          </a:solidFill>
-                        </a:rPr>
-                        <a:t>↓</a:t>
-                      </a:r>
-                      <a:endParaRPr lang="en-US" altLang="ko-KR" sz="3000">
-                        <a:ln w="9525">
-                          <a:solidFill>
-                            <a:schemeClr val="lt1"/>
-                          </a:solidFill>
-                        </a:ln>
-                        <a:solidFill>
-                          <a:schemeClr val="dk1"/>
-                        </a:solidFill>
-                      </a:endParaRPr>
-                    </a:p>
-                  </a:txBody>
-                  <a:tcPr marL="91440" marR="91440" anchor="ctr">
-                    <a:lnL w="12700" cap="flat" cmpd="sng" algn="ctr">
-                      <a:solidFill>
-                        <a:schemeClr val="tx1"/>
-                      </a:solidFill>
-                      <a:prstDash val="solid"/>
-                      <a:round/>
-                      <a:headEnd w="med" len="med"/>
-                      <a:tailEnd w="med" len="med"/>
-                    </a:lnL>
-                    <a:lnR w="12700" cap="flat" cmpd="sng" algn="ctr">
-                      <a:solidFill>
-                        <a:schemeClr val="tx1"/>
-                      </a:solidFill>
-                      <a:prstDash val="solid"/>
-                      <a:round/>
-                      <a:headEnd w="med" len="med"/>
-                      <a:tailEnd w="med" len="med"/>
-                    </a:lnR>
-                    <a:lnT w="12700" cap="flat" cmpd="sng" algn="ctr">
-                      <a:solidFill>
-                        <a:schemeClr val="tx1"/>
-                      </a:solidFill>
-                      <a:prstDash val="solid"/>
-                      <a:round/>
-                      <a:headEnd w="med" len="med"/>
-                      <a:tailEnd w="med" len="med"/>
-                    </a:lnT>
-                    <a:lnB w="12700" cap="flat" cmpd="sng" algn="ctr">
-                      <a:solidFill>
-                        <a:schemeClr val="tx1"/>
-                      </a:solidFill>
-                      <a:prstDash val="solid"/>
-                      <a:round/>
-                      <a:headEnd w="med" len="med"/>
-                      <a:tailEnd w="med" len="med"/>
-                    </a:lnB>
-                    <a:solidFill>
-                      <a:schemeClr val="lt1"/>
-                    </a:solidFill>
-                  </a:tcPr>
-                </a:tc>
-                <a:tc>
-                  <a:txBody>
-                    <a:bodyPr vert="horz" wrap="square" lIns="91440" tIns="45720" rIns="91440" bIns="45720" anchor="ctr" anchorCtr="0">
-                      <a:spAutoFit/>
-                    </a:bodyPr>
-                    <a:p>
-                      <a:pPr marL="0" lvl="0" indent="0" algn="ctr" defTabSz="914400" rtl="0" eaLnBrk="1" latinLnBrk="1" hangingPunct="1">
-                        <a:lnSpc>
-                          <a:spcPct val="100000"/>
-                        </a:lnSpc>
-                        <a:spcBef>
-                          <a:spcPts val="0"/>
-                        </a:spcBef>
-                        <a:spcAft>
-                          <a:spcPts val="0"/>
-                        </a:spcAft>
-                        <a:buNone/>
-                        <a:defRPr/>
-                      </a:pPr>
-                      <a:r>
-                        <a:rPr lang="ko-KR" altLang="en-US" sz="3000" b="0">
-                          <a:ln w="9525">
-                            <a:solidFill>
-                              <a:schemeClr val="lt1"/>
-                            </a:solidFill>
-                          </a:ln>
-                          <a:solidFill>
-                            <a:schemeClr val="dk1"/>
-                          </a:solidFill>
-                        </a:rPr>
-                        <a:t>→</a:t>
-                      </a:r>
-                      <a:endParaRPr lang="en-US" altLang="ko-KR" sz="3000">
-                        <a:ln w="9525">
-                          <a:solidFill>
-                            <a:schemeClr val="lt1"/>
-                          </a:solidFill>
-                        </a:ln>
-                        <a:solidFill>
-                          <a:schemeClr val="dk1"/>
-                        </a:solidFill>
-                      </a:endParaRPr>
-                    </a:p>
-                  </a:txBody>
-                  <a:tcPr marL="91440" marR="91440" anchor="ctr">
-                    <a:lnL w="12700" cap="flat" cmpd="sng" algn="ctr">
-                      <a:solidFill>
-                        <a:schemeClr val="tx1"/>
-                      </a:solidFill>
-                      <a:prstDash val="solid"/>
-                      <a:round/>
-                      <a:headEnd w="med" len="med"/>
-                      <a:tailEnd w="med" len="med"/>
-                    </a:lnL>
-                    <a:lnR w="12700" cap="flat" cmpd="sng" algn="ctr">
-                      <a:solidFill>
-                        <a:schemeClr val="tx1"/>
-                      </a:solidFill>
-                      <a:prstDash val="solid"/>
-                      <a:round/>
-                      <a:headEnd w="med" len="med"/>
-                      <a:tailEnd w="med" len="med"/>
-                    </a:lnR>
-                    <a:lnT w="12700" cap="flat" cmpd="sng" algn="ctr">
-                      <a:solidFill>
-                        <a:schemeClr val="tx1"/>
-                      </a:solidFill>
-                      <a:prstDash val="solid"/>
-                      <a:round/>
-                      <a:headEnd w="med" len="med"/>
-                      <a:tailEnd w="med" len="med"/>
-                    </a:lnT>
-                    <a:lnB w="12700" cap="flat" cmpd="sng" algn="ctr">
-                      <a:solidFill>
-                        <a:schemeClr val="tx1"/>
-                      </a:solidFill>
-                      <a:prstDash val="solid"/>
-                      <a:round/>
-                      <a:headEnd w="med" len="med"/>
-                      <a:tailEnd w="med" len="med"/>
-                    </a:lnB>
-                    <a:solidFill>
-                      <a:schemeClr val="lt1"/>
-                    </a:solidFill>
-                  </a:tcPr>
-                </a:tc>
-                <a:tc>
-                  <a:txBody>
-                    <a:bodyPr vert="horz" wrap="square" lIns="91440" tIns="45720" rIns="91440" bIns="45720" anchor="ctr" anchorCtr="0">
-                      <a:spAutoFit/>
-                    </a:bodyPr>
-                    <a:p>
-                      <a:pPr lvl="0" algn="ctr">
-                        <a:defRPr/>
-                      </a:pPr>
-                      <a:r>
-                        <a:rPr lang="en-US" altLang="ko-KR" sz="3000">
-                          <a:ln w="9525">
-                            <a:solidFill>
-                              <a:schemeClr val="lt1"/>
-                            </a:solidFill>
-                          </a:ln>
-                          <a:solidFill>
-                            <a:srgbClr val="ff0000"/>
-                          </a:solidFill>
-                        </a:rPr>
-                        <a:t>G</a:t>
-                      </a:r>
-                      <a:endParaRPr lang="en-US" altLang="ko-KR" sz="3000">
-                        <a:ln w="9525">
-                          <a:solidFill>
-                            <a:schemeClr val="lt1"/>
-                          </a:solidFill>
-                        </a:ln>
-                        <a:solidFill>
-                          <a:schemeClr val="dk1"/>
-                        </a:solidFill>
-                      </a:endParaRPr>
-                    </a:p>
-                  </a:txBody>
-                  <a:tcPr marL="91440" marR="91440" anchor="ctr">
-                    <a:lnL w="12700" cap="flat" cmpd="sng" algn="ctr">
-                      <a:solidFill>
-                        <a:schemeClr val="tx1"/>
-                      </a:solidFill>
-                      <a:prstDash val="solid"/>
-                      <a:round/>
-                      <a:headEnd w="med" len="med"/>
-                      <a:tailEnd w="med" len="med"/>
-                    </a:lnL>
-                    <a:lnR w="12700" cap="flat" cmpd="sng" algn="ctr">
-                      <a:solidFill>
-                        <a:schemeClr val="tx1"/>
-                      </a:solidFill>
-                      <a:prstDash val="solid"/>
-                      <a:round/>
-                      <a:headEnd w="med" len="med"/>
-                      <a:tailEnd w="med" len="med"/>
-                    </a:lnR>
-                    <a:lnT w="12700" cap="flat" cmpd="sng" algn="ctr">
-                      <a:solidFill>
-                        <a:schemeClr val="tx1"/>
-                      </a:solidFill>
-                      <a:prstDash val="solid"/>
-                      <a:round/>
-                      <a:headEnd w="med" len="med"/>
-                      <a:tailEnd w="med" len="med"/>
-                    </a:lnT>
-                    <a:lnB w="12700" cap="flat" cmpd="sng" algn="ctr">
-                      <a:solidFill>
-                        <a:schemeClr val="tx1"/>
-                      </a:solidFill>
-                      <a:prstDash val="solid"/>
-                      <a:round/>
-                      <a:headEnd w="med" len="med"/>
-                      <a:tailEnd w="med" len="med"/>
-                    </a:lnB>
-                    <a:solidFill>
-                      <a:schemeClr val="lt1"/>
-                    </a:solidFill>
-                  </a:tcPr>
-                </a:tc>
-              </a:tr>
-            </a:tbl>
-          </a:graphicData>
-        </a:graphic>
-      </p:graphicFrame>
-      <p:graphicFrame>
-        <p:nvGraphicFramePr>
-          <p:cNvPr id="80" name="표 79"/>
-          <p:cNvGraphicFramePr>
-            <a:graphicFrameLocks noGrp="1"/>
-          </p:cNvGraphicFramePr>
-          <p:nvPr/>
-        </p:nvGraphicFramePr>
-        <p:xfrm>
-          <a:off x="5029643" y="2757653"/>
-          <a:ext cx="4269538" cy="3630717"/>
-        </p:xfrm>
-        <a:graphic>
-          <a:graphicData uri="http://schemas.openxmlformats.org/drawingml/2006/table">
-            <a:tbl>
-              <a:tblPr firstRow="1" bandRow="1">
-                <a:tableStyle styleId="{01A66EDD-3DAB-4C5B-A090-DC80EC1FD486}" styleName="Normal Style 1 - Accent 1">
-                  <a:wholeTbl>
-                    <a:tcTxStyle>
-                      <a:fontRef idx="minor">
-                        <a:prstClr val="black"/>
-                      </a:fontRef>
-                      <a:schemeClr val="dk1"/>
-                    </a:tcTxStyle>
-                    <a:tcStyle>
-                      <a:tcBdr>
-                        <a:left>
-                          <a:ln w="12700" cmpd="sng">
-                            <a:solidFill>
-                              <a:schemeClr val="lt1"/>
-                            </a:solidFill>
-                          </a:ln>
-                        </a:left>
-                        <a:right>
-                          <a:ln w="12700" cmpd="sng">
-                            <a:solidFill>
-                              <a:schemeClr val="lt1"/>
-                            </a:solidFill>
-                          </a:ln>
-                        </a:right>
-                        <a:top>
-                          <a:ln w="12700" cmpd="sng">
-                            <a:solidFill>
-                              <a:schemeClr val="lt1"/>
-                            </a:solidFill>
-                          </a:ln>
-                        </a:top>
-                        <a:bottom>
-                          <a:ln w="12700" cmpd="sng">
-                            <a:solidFill>
-                              <a:schemeClr val="lt1"/>
-                            </a:solidFill>
-                          </a:ln>
-                        </a:bottom>
-                        <a:insideH>
-                          <a:ln w="12700" cmpd="sng">
-                            <a:solidFill>
-                              <a:schemeClr val="lt1"/>
-                            </a:solidFill>
-                          </a:ln>
-                        </a:insideH>
-                        <a:insideV>
-                          <a:ln w="12700" cmpd="sng">
-                            <a:solidFill>
-                              <a:schemeClr val="lt1"/>
-                            </a:solidFill>
-                          </a:ln>
-                        </a:insideV>
-                      </a:tcBdr>
-                      <a:fill>
-                        <a:solidFill>
-                          <a:schemeClr val="accent1">
-                            <a:lum val="90000"/>
-                          </a:schemeClr>
-                        </a:solidFill>
-                      </a:fill>
-                    </a:tcStyle>
-                  </a:wholeTbl>
-                  <a:band1H>
-                    <a:tcTxStyle/>
-                    <a:tcStyle>
-                      <a:tcBdr/>
-                      <a:fill>
-                        <a:solidFill>
-                          <a:schemeClr val="accent1">
-                            <a:lum val="80000"/>
-                          </a:schemeClr>
-                        </a:solidFill>
-                      </a:fill>
-                    </a:tcStyle>
-                  </a:band1H>
-                  <a:band2H>
-                    <a:tcTxStyle/>
-                    <a:tcStyle>
-                      <a:tcBdr/>
-                    </a:tcStyle>
-                  </a:band2H>
-                  <a:band1V>
-                    <a:tcTxStyle/>
-                    <a:tcStyle>
-                      <a:tcBdr/>
-                      <a:fill>
-                        <a:solidFill>
-                          <a:schemeClr val="accent1">
-                            <a:lum val="80000"/>
-                          </a:schemeClr>
-                        </a:solidFill>
-                      </a:fill>
-                    </a:tcStyle>
-                  </a:band1V>
-                  <a:band2V>
-                    <a:tcTxStyle/>
-                    <a:tcStyle>
-                      <a:tcBdr/>
-                    </a:tcStyle>
-                  </a:band2V>
-                  <a:lastCol>
-                    <a:tcTxStyle b="on">
-                      <a:fontRef idx="minor">
-                        <a:prstClr val="black"/>
-                      </a:fontRef>
-                      <a:schemeClr val="lt1"/>
-                    </a:tcTxStyle>
-                    <a:tcStyle>
-                      <a:tcBdr/>
-                      <a:fill>
-                        <a:solidFill>
-                          <a:schemeClr val="accent1"/>
-                        </a:solidFill>
-                      </a:fill>
-                    </a:tcStyle>
-                  </a:lastCol>
-                  <a:firstCol>
-                    <a:tcTxStyle b="on">
-                      <a:fontRef idx="minor">
-                        <a:prstClr val="black"/>
-                      </a:fontRef>
-                      <a:schemeClr val="lt1"/>
-                    </a:tcTxStyle>
-                    <a:tcStyle>
-                      <a:tcBdr/>
-                      <a:fill>
-                        <a:solidFill>
-                          <a:schemeClr val="accent1"/>
-                        </a:solidFill>
-                      </a:fill>
-                    </a:tcStyle>
-                  </a:firstCol>
-                  <a:lastRow>
-                    <a:tcTxStyle b="on">
-                      <a:fontRef idx="minor">
-                        <a:prstClr val="black"/>
-                      </a:fontRef>
-                      <a:schemeClr val="lt1"/>
-                    </a:tcTxStyle>
-                    <a:tcStyle>
-                      <a:tcBdr>
-                        <a:top>
-                          <a:ln w="38100" cmpd="sng">
-                            <a:solidFill>
-                              <a:schemeClr val="lt1"/>
-                            </a:solidFill>
-                          </a:ln>
-                        </a:top>
-                      </a:tcBdr>
-                      <a:fill>
-                        <a:solidFill>
-                          <a:schemeClr val="accent1"/>
-                        </a:solidFill>
-                      </a:fill>
-                    </a:tcStyle>
-                  </a:lastRow>
-                  <a:firstRow>
-                    <a:tcTxStyle b="on">
-                      <a:fontRef idx="minor">
-                        <a:prstClr val="black"/>
-                      </a:fontRef>
-                      <a:schemeClr val="lt1"/>
-                    </a:tcTxStyle>
-                    <a:tcStyle>
-                      <a:tcBdr>
-                        <a:bottom>
-                          <a:ln w="38100" cmpd="sng">
-                            <a:solidFill>
-                              <a:schemeClr val="lt1"/>
-                            </a:solidFill>
-                          </a:ln>
-                        </a:bottom>
-                      </a:tcBdr>
-                      <a:fill>
-                        <a:solidFill>
-                          <a:schemeClr val="accent1"/>
-                        </a:solidFill>
-                      </a:fill>
-                    </a:tcStyle>
-                  </a:firstRow>
-                </a:tableStyle>
-              </a:tblPr>
-              <a:tblGrid>
-                <a:gridCol w="849630"/>
-                <a:gridCol w="854977"/>
-                <a:gridCol w="854977"/>
-                <a:gridCol w="854977"/>
-                <a:gridCol w="854977"/>
-              </a:tblGrid>
-              <a:tr h="726143">
-                <a:tc>
-                  <a:txBody>
-                    <a:bodyPr vert="horz" wrap="square" lIns="91440" tIns="45720" rIns="91440" bIns="45720" anchor="ctr" anchorCtr="0">
-                      <a:spAutoFit/>
-                    </a:bodyPr>
-                    <a:p>
-                      <a:pPr lvl="0" algn="ctr">
-                        <a:defRPr/>
-                      </a:pPr>
-                      <a:r>
-                        <a:rPr lang="ko-KR" altLang="en-US" sz="3000" b="0">
-                          <a:ln w="9525">
-                            <a:solidFill>
-                              <a:schemeClr val="lt1"/>
-                            </a:solidFill>
-                          </a:ln>
-                          <a:solidFill>
-                            <a:schemeClr val="dk1"/>
-                          </a:solidFill>
-                        </a:rPr>
-                        <a:t>←</a:t>
-                      </a:r>
-                      <a:endParaRPr lang="en-US" altLang="ko-KR" sz="3000" b="0">
-                        <a:ln w="9525">
-                          <a:solidFill>
-                            <a:schemeClr val="lt1"/>
-                          </a:solidFill>
-                        </a:ln>
-                        <a:solidFill>
-                          <a:srgbClr val="ff0000"/>
-                        </a:solidFill>
-                      </a:endParaRPr>
-                    </a:p>
-                  </a:txBody>
-                  <a:tcPr marL="91440" marR="91440" anchor="ctr">
-                    <a:lnL w="12700" cap="flat" cmpd="sng" algn="ctr">
-                      <a:solidFill>
-                        <a:schemeClr val="tx1"/>
-                      </a:solidFill>
-                      <a:prstDash val="solid"/>
-                      <a:round/>
-                      <a:headEnd w="med" len="med"/>
-                      <a:tailEnd w="med" len="med"/>
-                    </a:lnL>
-                    <a:lnR w="12700" cap="flat" cmpd="sng" algn="ctr">
-                      <a:solidFill>
-                        <a:schemeClr val="tx1"/>
-                      </a:solidFill>
-                      <a:prstDash val="solid"/>
-                      <a:round/>
-                      <a:headEnd w="med" len="med"/>
-                      <a:tailEnd w="med" len="med"/>
-                    </a:lnR>
-                    <a:lnT w="12700" cap="flat" cmpd="sng" algn="ctr">
-                      <a:solidFill>
-                        <a:schemeClr val="tx1"/>
-                      </a:solidFill>
-                      <a:prstDash val="solid"/>
-                      <a:round/>
-                      <a:headEnd w="med" len="med"/>
-                      <a:tailEnd w="med" len="med"/>
-                    </a:lnT>
-                    <a:lnB w="12700" cap="flat" cmpd="sng" algn="ctr">
-                      <a:solidFill>
-                        <a:schemeClr val="tx1"/>
-                      </a:solidFill>
-                      <a:prstDash val="solid"/>
-                      <a:round/>
-                      <a:headEnd w="med" len="med"/>
-                      <a:tailEnd w="med" len="med"/>
-                    </a:lnB>
-                    <a:solidFill>
-                      <a:schemeClr val="lt1"/>
-                    </a:solidFill>
-                  </a:tcPr>
-                </a:tc>
-                <a:tc>
-                  <a:txBody>
-                    <a:bodyPr vert="horz" wrap="square" lIns="91440" tIns="45720" rIns="91440" bIns="45720" anchor="ctr" anchorCtr="0">
-                      <a:spAutoFit/>
-                    </a:bodyPr>
-                    <a:p>
-                      <a:pPr lvl="0" algn="ctr">
-                        <a:defRPr/>
-                      </a:pPr>
-                      <a:r>
-                        <a:rPr lang="ko-KR" altLang="en-US" sz="3000" b="0">
-                          <a:ln w="9525">
-                            <a:solidFill>
-                              <a:schemeClr val="lt1"/>
-                            </a:solidFill>
-                          </a:ln>
-                          <a:solidFill>
-                            <a:schemeClr val="dk1"/>
-                          </a:solidFill>
-                        </a:rPr>
-                        <a:t>↑</a:t>
-                      </a:r>
-                      <a:endParaRPr lang="ko-KR" altLang="en-US" sz="3000" b="0">
-                        <a:ln w="9525">
-                          <a:solidFill>
-                            <a:schemeClr val="lt1"/>
-                          </a:solidFill>
-                        </a:ln>
-                        <a:solidFill>
-                          <a:schemeClr val="dk1"/>
-                        </a:solidFill>
-                      </a:endParaRPr>
-                    </a:p>
-                  </a:txBody>
-                  <a:tcPr marL="91440" marR="91440" anchor="ctr">
-                    <a:lnL w="12700" cap="flat" cmpd="sng" algn="ctr">
-                      <a:solidFill>
-                        <a:schemeClr val="tx1"/>
-                      </a:solidFill>
-                      <a:prstDash val="solid"/>
-                      <a:round/>
-                      <a:headEnd w="med" len="med"/>
-                      <a:tailEnd w="med" len="med"/>
-                    </a:lnL>
-                    <a:lnR w="12700" cap="flat" cmpd="sng" algn="ctr">
-                      <a:solidFill>
-                        <a:schemeClr val="tx1"/>
-                      </a:solidFill>
-                      <a:prstDash val="solid"/>
-                      <a:round/>
-                      <a:headEnd w="med" len="med"/>
-                      <a:tailEnd w="med" len="med"/>
-                    </a:lnR>
-                    <a:lnT w="12700" cap="flat" cmpd="sng" algn="ctr">
-                      <a:solidFill>
-                        <a:schemeClr val="tx1"/>
-                      </a:solidFill>
-                      <a:prstDash val="solid"/>
-                      <a:round/>
-                      <a:headEnd w="med" len="med"/>
-                      <a:tailEnd w="med" len="med"/>
-                    </a:lnT>
-                    <a:lnB w="12700" cap="flat" cmpd="sng" algn="ctr">
-                      <a:solidFill>
-                        <a:schemeClr val="tx1"/>
-                      </a:solidFill>
-                      <a:prstDash val="solid"/>
-                      <a:round/>
-                      <a:headEnd w="med" len="med"/>
-                      <a:tailEnd w="med" len="med"/>
-                    </a:lnB>
-                    <a:solidFill>
-                      <a:schemeClr val="lt1"/>
-                    </a:solidFill>
-                  </a:tcPr>
-                </a:tc>
-                <a:tc>
-                  <a:txBody>
-                    <a:bodyPr vert="horz" wrap="square" lIns="91440" tIns="45720" rIns="91440" bIns="45720" anchor="ctr" anchorCtr="0">
-                      <a:spAutoFit/>
-                    </a:bodyPr>
-                    <a:p>
-                      <a:pPr marL="0" lvl="0" indent="0" algn="ctr" defTabSz="914400" rtl="0" eaLnBrk="1" latinLnBrk="1" hangingPunct="1">
-                        <a:lnSpc>
-                          <a:spcPct val="100000"/>
-                        </a:lnSpc>
-                        <a:spcBef>
-                          <a:spcPts val="0"/>
-                        </a:spcBef>
-                        <a:spcAft>
-                          <a:spcPts val="0"/>
-                        </a:spcAft>
-                        <a:buNone/>
-                        <a:defRPr/>
-                      </a:pPr>
-                      <a:r>
-                        <a:rPr lang="ko-KR" altLang="en-US" sz="3000" b="0">
-                          <a:ln w="9525">
-                            <a:solidFill>
-                              <a:schemeClr val="lt1"/>
-                            </a:solidFill>
-                          </a:ln>
-                          <a:solidFill>
-                            <a:schemeClr val="dk1"/>
-                          </a:solidFill>
-                        </a:rPr>
-                        <a:t>→</a:t>
-                      </a:r>
-                      <a:endParaRPr lang="ko-KR" altLang="en-US" sz="3000" b="0">
-                        <a:ln w="9525">
-                          <a:solidFill>
-                            <a:schemeClr val="lt1"/>
-                          </a:solidFill>
-                        </a:ln>
-                        <a:solidFill>
-                          <a:schemeClr val="dk1"/>
-                        </a:solidFill>
-                      </a:endParaRPr>
-                    </a:p>
-                  </a:txBody>
-                  <a:tcPr marL="91440" marR="91440" anchor="ctr">
-                    <a:lnL w="12700" cap="flat" cmpd="sng" algn="ctr">
-                      <a:solidFill>
-                        <a:schemeClr val="tx1"/>
-                      </a:solidFill>
-                      <a:prstDash val="solid"/>
-                      <a:round/>
-                      <a:headEnd w="med" len="med"/>
-                      <a:tailEnd w="med" len="med"/>
-                    </a:lnL>
-                    <a:lnR w="12700" cap="flat" cmpd="sng" algn="ctr">
-                      <a:solidFill>
-                        <a:schemeClr val="tx1"/>
-                      </a:solidFill>
-                      <a:prstDash val="solid"/>
-                      <a:round/>
-                      <a:headEnd w="med" len="med"/>
-                      <a:tailEnd w="med" len="med"/>
-                    </a:lnR>
-                    <a:lnT w="12700" cap="flat" cmpd="sng" algn="ctr">
-                      <a:solidFill>
-                        <a:schemeClr val="tx1"/>
-                      </a:solidFill>
-                      <a:prstDash val="solid"/>
-                      <a:round/>
-                      <a:headEnd w="med" len="med"/>
-                      <a:tailEnd w="med" len="med"/>
-                    </a:lnT>
-                    <a:lnB w="12700" cap="flat" cmpd="sng" algn="ctr">
-                      <a:solidFill>
-                        <a:schemeClr val="tx1"/>
-                      </a:solidFill>
-                      <a:prstDash val="solid"/>
-                      <a:round/>
-                      <a:headEnd w="med" len="med"/>
-                      <a:tailEnd w="med" len="med"/>
-                    </a:lnB>
-                    <a:solidFill>
-                      <a:schemeClr val="lt1"/>
-                    </a:solidFill>
-                  </a:tcPr>
-                </a:tc>
-                <a:tc>
-                  <a:txBody>
-                    <a:bodyPr vert="horz" wrap="square" lIns="91440" tIns="45720" rIns="91440" bIns="45720" anchor="ctr" anchorCtr="0">
-                      <a:spAutoFit/>
-                    </a:bodyPr>
-                    <a:p>
-                      <a:pPr lvl="0" algn="ctr">
-                        <a:defRPr/>
-                      </a:pPr>
-                      <a:r>
-                        <a:rPr lang="ko-KR" altLang="en-US" sz="3000" b="0">
-                          <a:ln w="9525">
-                            <a:solidFill>
-                              <a:schemeClr val="lt1"/>
-                            </a:solidFill>
-                          </a:ln>
-                          <a:solidFill>
-                            <a:schemeClr val="dk1"/>
-                          </a:solidFill>
-                        </a:rPr>
-                        <a:t>↑</a:t>
-                      </a:r>
-                      <a:endParaRPr lang="ko-KR" altLang="en-US" sz="3000" b="0">
-                        <a:ln w="9525">
-                          <a:solidFill>
-                            <a:schemeClr val="lt1"/>
-                          </a:solidFill>
-                        </a:ln>
-                        <a:solidFill>
-                          <a:schemeClr val="dk1"/>
-                        </a:solidFill>
-                      </a:endParaRPr>
-                    </a:p>
-                  </a:txBody>
-                  <a:tcPr marL="91440" marR="91440" anchor="ctr">
-                    <a:lnL w="12700" cap="flat" cmpd="sng" algn="ctr">
-                      <a:solidFill>
-                        <a:schemeClr val="tx1"/>
-                      </a:solidFill>
-                      <a:prstDash val="solid"/>
-                      <a:round/>
-                      <a:headEnd w="med" len="med"/>
-                      <a:tailEnd w="med" len="med"/>
-                    </a:lnL>
-                    <a:lnR w="12700" cap="flat" cmpd="sng" algn="ctr">
-                      <a:solidFill>
-                        <a:schemeClr val="tx1"/>
-                      </a:solidFill>
-                      <a:prstDash val="solid"/>
-                      <a:round/>
-                      <a:headEnd w="med" len="med"/>
-                      <a:tailEnd w="med" len="med"/>
-                    </a:lnR>
-                    <a:lnT w="12700" cap="flat" cmpd="sng" algn="ctr">
-                      <a:solidFill>
-                        <a:schemeClr val="tx1"/>
-                      </a:solidFill>
-                      <a:prstDash val="solid"/>
-                      <a:round/>
-                      <a:headEnd w="med" len="med"/>
-                      <a:tailEnd w="med" len="med"/>
-                    </a:lnT>
-                    <a:lnB w="12700" cap="flat" cmpd="sng" algn="ctr">
-                      <a:solidFill>
-                        <a:schemeClr val="tx1"/>
-                      </a:solidFill>
-                      <a:prstDash val="solid"/>
-                      <a:round/>
-                      <a:headEnd w="med" len="med"/>
-                      <a:tailEnd w="med" len="med"/>
-                    </a:lnB>
-                    <a:solidFill>
-                      <a:schemeClr val="lt1"/>
-                    </a:solidFill>
-                  </a:tcPr>
-                </a:tc>
-                <a:tc>
-                  <a:txBody>
-                    <a:bodyPr vert="horz" wrap="square" lIns="91440" tIns="45720" rIns="91440" bIns="45720" anchor="ctr" anchorCtr="0">
-                      <a:spAutoFit/>
-                    </a:bodyPr>
-                    <a:p>
-                      <a:pPr lvl="0" algn="ctr">
-                        <a:defRPr/>
-                      </a:pPr>
-                      <a:r>
-                        <a:rPr lang="ko-KR" altLang="en-US" sz="3000" b="0">
-                          <a:ln w="9525">
-                            <a:solidFill>
-                              <a:schemeClr val="lt1"/>
-                            </a:solidFill>
-                          </a:ln>
-                          <a:solidFill>
-                            <a:schemeClr val="dk1"/>
-                          </a:solidFill>
-                        </a:rPr>
-                        <a:t>↓</a:t>
-                      </a:r>
-                      <a:endParaRPr lang="ko-KR" altLang="en-US" sz="3000" b="0">
-                        <a:ln w="9525">
-                          <a:solidFill>
-                            <a:schemeClr val="lt1"/>
-                          </a:solidFill>
-                        </a:ln>
-                        <a:solidFill>
-                          <a:schemeClr val="dk1"/>
-                        </a:solidFill>
-                      </a:endParaRPr>
-                    </a:p>
-                  </a:txBody>
-                  <a:tcPr marL="91440" marR="91440" anchor="ctr">
-                    <a:lnL w="12700" cap="flat" cmpd="sng" algn="ctr">
-                      <a:solidFill>
-                        <a:schemeClr val="tx1"/>
-                      </a:solidFill>
-                      <a:prstDash val="solid"/>
-                      <a:round/>
-                      <a:headEnd w="med" len="med"/>
-                      <a:tailEnd w="med" len="med"/>
-                    </a:lnL>
-                    <a:lnR w="12700" cap="flat" cmpd="sng" algn="ctr">
-                      <a:solidFill>
-                        <a:schemeClr val="tx1"/>
-                      </a:solidFill>
-                      <a:prstDash val="solid"/>
-                      <a:round/>
-                      <a:headEnd w="med" len="med"/>
-                      <a:tailEnd w="med" len="med"/>
-                    </a:lnR>
-                    <a:lnT w="12700" cap="flat" cmpd="sng" algn="ctr">
-                      <a:solidFill>
-                        <a:schemeClr val="tx1"/>
-                      </a:solidFill>
-                      <a:prstDash val="solid"/>
-                      <a:round/>
-                      <a:headEnd w="med" len="med"/>
-                      <a:tailEnd w="med" len="med"/>
-                    </a:lnT>
-                    <a:lnB w="12700" cap="flat" cmpd="sng" algn="ctr">
-                      <a:solidFill>
-                        <a:schemeClr val="tx1"/>
-                      </a:solidFill>
-                      <a:prstDash val="solid"/>
-                      <a:round/>
-                      <a:headEnd w="med" len="med"/>
-                      <a:tailEnd w="med" len="med"/>
-                    </a:lnB>
-                    <a:solidFill>
-                      <a:schemeClr val="lt1"/>
-                    </a:solidFill>
-                  </a:tcPr>
-                </a:tc>
-              </a:tr>
-              <a:tr h="726143">
-                <a:tc>
-                  <a:txBody>
-                    <a:bodyPr vert="horz" wrap="square" lIns="91440" tIns="45720" rIns="91440" bIns="45720" anchor="ctr" anchorCtr="0">
-                      <a:spAutoFit/>
-                    </a:bodyPr>
-                    <a:p>
-                      <a:pPr marL="0" lvl="0" indent="0" algn="ctr" defTabSz="914400" rtl="0" eaLnBrk="1" latinLnBrk="1" hangingPunct="1">
-                        <a:lnSpc>
-                          <a:spcPct val="100000"/>
-                        </a:lnSpc>
-                        <a:spcBef>
-                          <a:spcPts val="0"/>
-                        </a:spcBef>
-                        <a:spcAft>
-                          <a:spcPts val="0"/>
-                        </a:spcAft>
-                        <a:buNone/>
-                        <a:defRPr/>
-                      </a:pPr>
-                      <a:r>
-                        <a:rPr lang="ko-KR" altLang="en-US" sz="3000" b="0">
-                          <a:ln w="9525">
-                            <a:solidFill>
-                              <a:schemeClr val="lt1"/>
-                            </a:solidFill>
-                          </a:ln>
-                          <a:solidFill>
-                            <a:schemeClr val="dk1"/>
-                          </a:solidFill>
-                        </a:rPr>
-                        <a:t>→</a:t>
-                      </a:r>
-                      <a:endParaRPr lang="en-US" altLang="ko-KR" sz="3000">
-                        <a:ln w="9525">
-                          <a:solidFill>
-                            <a:schemeClr val="lt1"/>
-                          </a:solidFill>
-                        </a:ln>
-                        <a:solidFill>
-                          <a:schemeClr val="dk1"/>
-                        </a:solidFill>
-                      </a:endParaRPr>
-                    </a:p>
-                  </a:txBody>
-                  <a:tcPr marL="91440" marR="91440" anchor="ctr">
-                    <a:lnL w="12700" cap="flat" cmpd="sng" algn="ctr">
-                      <a:solidFill>
-                        <a:schemeClr val="tx1"/>
-                      </a:solidFill>
-                      <a:prstDash val="solid"/>
-                      <a:round/>
-                      <a:headEnd w="med" len="med"/>
-                      <a:tailEnd w="med" len="med"/>
-                    </a:lnL>
-                    <a:lnR w="12700" cap="flat" cmpd="sng" algn="ctr">
-                      <a:solidFill>
-                        <a:schemeClr val="tx1"/>
-                      </a:solidFill>
-                      <a:prstDash val="solid"/>
-                      <a:round/>
-                      <a:headEnd w="med" len="med"/>
-                      <a:tailEnd w="med" len="med"/>
-                    </a:lnR>
-                    <a:lnT w="12700" cap="flat" cmpd="sng" algn="ctr">
-                      <a:solidFill>
-                        <a:schemeClr val="tx1"/>
-                      </a:solidFill>
-                      <a:prstDash val="solid"/>
-                      <a:round/>
-                      <a:headEnd w="med" len="med"/>
-                      <a:tailEnd w="med" len="med"/>
-                    </a:lnT>
-                    <a:lnB w="12700" cap="flat" cmpd="sng" algn="ctr">
-                      <a:solidFill>
-                        <a:schemeClr val="tx1"/>
-                      </a:solidFill>
-                      <a:prstDash val="solid"/>
-                      <a:round/>
-                      <a:headEnd w="med" len="med"/>
-                      <a:tailEnd w="med" len="med"/>
-                    </a:lnB>
-                    <a:solidFill>
-                      <a:schemeClr val="lt1"/>
-                    </a:solidFill>
-                  </a:tcPr>
-                </a:tc>
-                <a:tc>
-                  <a:txBody>
-                    <a:bodyPr vert="horz" wrap="square" lIns="91440" tIns="45720" rIns="91440" bIns="45720" anchor="ctr" anchorCtr="0">
-                      <a:spAutoFit/>
-                    </a:bodyPr>
-                    <a:p>
-                      <a:pPr marL="0" lvl="0" indent="0" algn="ctr" defTabSz="914400" rtl="0" eaLnBrk="1" latinLnBrk="1" hangingPunct="1">
-                        <a:lnSpc>
-                          <a:spcPct val="100000"/>
-                        </a:lnSpc>
-                        <a:spcBef>
-                          <a:spcPts val="0"/>
-                        </a:spcBef>
-                        <a:spcAft>
-                          <a:spcPts val="0"/>
-                        </a:spcAft>
-                        <a:buNone/>
-                        <a:defRPr/>
-                      </a:pPr>
-                      <a:r>
-                        <a:rPr lang="ko-KR" altLang="en-US" sz="3000" b="0">
-                          <a:ln w="9525">
-                            <a:solidFill>
-                              <a:schemeClr val="lt1"/>
-                            </a:solidFill>
-                          </a:ln>
-                          <a:solidFill>
-                            <a:schemeClr val="dk1"/>
-                          </a:solidFill>
-                        </a:rPr>
-                        <a:t>→</a:t>
-                      </a:r>
-                      <a:endParaRPr lang="en-US" altLang="ko-KR" sz="3000">
-                        <a:ln w="9525">
-                          <a:solidFill>
-                            <a:schemeClr val="lt1"/>
-                          </a:solidFill>
-                        </a:ln>
-                        <a:solidFill>
-                          <a:schemeClr val="dk1"/>
-                        </a:solidFill>
-                      </a:endParaRPr>
-                    </a:p>
-                  </a:txBody>
-                  <a:tcPr marL="91440" marR="91440" anchor="ctr">
-                    <a:lnL w="12700" cap="flat" cmpd="sng" algn="ctr">
-                      <a:solidFill>
-                        <a:schemeClr val="tx1"/>
-                      </a:solidFill>
-                      <a:prstDash val="solid"/>
-                      <a:round/>
-                      <a:headEnd w="med" len="med"/>
-                      <a:tailEnd w="med" len="med"/>
-                    </a:lnL>
-                    <a:lnR w="12700" cap="flat" cmpd="sng" algn="ctr">
-                      <a:solidFill>
-                        <a:schemeClr val="tx1"/>
-                      </a:solidFill>
-                      <a:prstDash val="solid"/>
-                      <a:round/>
-                      <a:headEnd w="med" len="med"/>
-                      <a:tailEnd w="med" len="med"/>
-                    </a:lnR>
-                    <a:lnT w="12700" cap="flat" cmpd="sng" algn="ctr">
-                      <a:solidFill>
-                        <a:schemeClr val="tx1"/>
-                      </a:solidFill>
-                      <a:prstDash val="solid"/>
-                      <a:round/>
-                      <a:headEnd w="med" len="med"/>
-                      <a:tailEnd w="med" len="med"/>
-                    </a:lnT>
-                    <a:lnB w="12700" cap="flat" cmpd="sng" algn="ctr">
-                      <a:solidFill>
-                        <a:schemeClr val="tx1"/>
-                      </a:solidFill>
-                      <a:prstDash val="solid"/>
-                      <a:round/>
-                      <a:headEnd w="med" len="med"/>
-                      <a:tailEnd w="med" len="med"/>
-                    </a:lnB>
-                    <a:solidFill>
-                      <a:schemeClr val="lt1"/>
-                    </a:solidFill>
-                  </a:tcPr>
-                </a:tc>
-                <a:tc>
-                  <a:txBody>
-                    <a:bodyPr vert="horz" wrap="square" lIns="91440" tIns="45720" rIns="91440" bIns="45720" anchor="ctr" anchorCtr="0">
-                      <a:spAutoFit/>
-                    </a:bodyPr>
-                    <a:p>
-                      <a:pPr marL="0" lvl="0" indent="0" algn="ctr" defTabSz="914400" rtl="0" eaLnBrk="1" latinLnBrk="1" hangingPunct="1">
-                        <a:lnSpc>
-                          <a:spcPct val="100000"/>
-                        </a:lnSpc>
-                        <a:spcBef>
-                          <a:spcPts val="0"/>
-                        </a:spcBef>
-                        <a:spcAft>
-                          <a:spcPts val="0"/>
-                        </a:spcAft>
-                        <a:buNone/>
-                        <a:defRPr/>
-                      </a:pPr>
-                      <a:r>
-                        <a:rPr lang="ko-KR" altLang="en-US" sz="3000" b="0">
-                          <a:ln w="9525">
-                            <a:solidFill>
-                              <a:schemeClr val="lt1"/>
-                            </a:solidFill>
-                          </a:ln>
-                          <a:solidFill>
-                            <a:schemeClr val="dk1"/>
-                          </a:solidFill>
-                        </a:rPr>
-                        <a:t>→</a:t>
-                      </a:r>
-                      <a:endParaRPr lang="en-US" altLang="ko-KR" sz="3000">
-                        <a:ln w="9525">
-                          <a:solidFill>
-                            <a:schemeClr val="lt1"/>
-                          </a:solidFill>
-                        </a:ln>
-                        <a:solidFill>
-                          <a:schemeClr val="dk1"/>
-                        </a:solidFill>
-                      </a:endParaRPr>
-                    </a:p>
-                  </a:txBody>
-                  <a:tcPr marL="91440" marR="91440" anchor="ctr">
-                    <a:lnL w="12700" cap="flat" cmpd="sng" algn="ctr">
-                      <a:solidFill>
-                        <a:schemeClr val="tx1"/>
-                      </a:solidFill>
-                      <a:prstDash val="solid"/>
-                      <a:round/>
-                      <a:headEnd w="med" len="med"/>
-                      <a:tailEnd w="med" len="med"/>
-                    </a:lnL>
-                    <a:lnR w="12700" cap="flat" cmpd="sng" algn="ctr">
-                      <a:solidFill>
-                        <a:schemeClr val="tx1"/>
-                      </a:solidFill>
-                      <a:prstDash val="solid"/>
-                      <a:round/>
-                      <a:headEnd w="med" len="med"/>
-                      <a:tailEnd w="med" len="med"/>
-                    </a:lnR>
-                    <a:lnT w="12700" cap="flat" cmpd="sng" algn="ctr">
-                      <a:solidFill>
-                        <a:schemeClr val="tx1"/>
-                      </a:solidFill>
-                      <a:prstDash val="solid"/>
-                      <a:round/>
-                      <a:headEnd w="med" len="med"/>
-                      <a:tailEnd w="med" len="med"/>
-                    </a:lnT>
-                    <a:lnB w="12700" cap="flat" cmpd="sng" algn="ctr">
-                      <a:solidFill>
-                        <a:schemeClr val="tx1"/>
-                      </a:solidFill>
-                      <a:prstDash val="solid"/>
-                      <a:round/>
-                      <a:headEnd w="med" len="med"/>
-                      <a:tailEnd w="med" len="med"/>
-                    </a:lnB>
-                    <a:solidFill>
-                      <a:schemeClr val="lt1"/>
-                    </a:solidFill>
-                  </a:tcPr>
-                </a:tc>
-                <a:tc>
-                  <a:txBody>
-                    <a:bodyPr vert="horz" wrap="square" lIns="91440" tIns="45720" rIns="91440" bIns="45720" anchor="ctr" anchorCtr="0">
-                      <a:spAutoFit/>
-                    </a:bodyPr>
-                    <a:p>
-                      <a:pPr marL="0" lvl="0" indent="0" algn="ctr" defTabSz="914400" rtl="0" eaLnBrk="1" latinLnBrk="1" hangingPunct="1">
-                        <a:lnSpc>
-                          <a:spcPct val="100000"/>
-                        </a:lnSpc>
-                        <a:spcBef>
-                          <a:spcPts val="0"/>
-                        </a:spcBef>
-                        <a:spcAft>
-                          <a:spcPts val="0"/>
-                        </a:spcAft>
-                        <a:buNone/>
-                        <a:defRPr/>
-                      </a:pPr>
-                      <a:r>
-                        <a:rPr lang="ko-KR" altLang="en-US" sz="3000" b="0">
-                          <a:ln w="9525">
-                            <a:solidFill>
-                              <a:schemeClr val="lt1"/>
-                            </a:solidFill>
-                          </a:ln>
-                          <a:solidFill>
-                            <a:schemeClr val="dk1"/>
-                          </a:solidFill>
-                        </a:rPr>
-                        <a:t>→</a:t>
-                      </a:r>
-                      <a:endParaRPr lang="en-US" altLang="ko-KR" sz="3000">
-                        <a:ln w="9525">
-                          <a:solidFill>
-                            <a:schemeClr val="lt1"/>
-                          </a:solidFill>
-                        </a:ln>
-                        <a:solidFill>
-                          <a:schemeClr val="dk1"/>
-                        </a:solidFill>
-                      </a:endParaRPr>
-                    </a:p>
-                  </a:txBody>
-                  <a:tcPr marL="91440" marR="91440" anchor="ctr">
-                    <a:lnL w="12700" cap="flat" cmpd="sng" algn="ctr">
-                      <a:solidFill>
-                        <a:schemeClr val="tx1"/>
-                      </a:solidFill>
-                      <a:prstDash val="solid"/>
-                      <a:round/>
-                      <a:headEnd w="med" len="med"/>
-                      <a:tailEnd w="med" len="med"/>
-                    </a:lnL>
-                    <a:lnR w="12700" cap="flat" cmpd="sng" algn="ctr">
-                      <a:solidFill>
-                        <a:schemeClr val="tx1"/>
-                      </a:solidFill>
-                      <a:prstDash val="solid"/>
-                      <a:round/>
-                      <a:headEnd w="med" len="med"/>
-                      <a:tailEnd w="med" len="med"/>
-                    </a:lnR>
-                    <a:lnT w="12700" cap="flat" cmpd="sng" algn="ctr">
-                      <a:solidFill>
-                        <a:schemeClr val="tx1"/>
-                      </a:solidFill>
-                      <a:prstDash val="solid"/>
-                      <a:round/>
-                      <a:headEnd w="med" len="med"/>
-                      <a:tailEnd w="med" len="med"/>
-                    </a:lnT>
-                    <a:lnB w="12700" cap="flat" cmpd="sng" algn="ctr">
-                      <a:solidFill>
-                        <a:schemeClr val="tx1"/>
-                      </a:solidFill>
-                      <a:prstDash val="solid"/>
-                      <a:round/>
-                      <a:headEnd w="med" len="med"/>
-                      <a:tailEnd w="med" len="med"/>
-                    </a:lnB>
-                    <a:solidFill>
-                      <a:schemeClr val="lt1"/>
-                    </a:solidFill>
-                  </a:tcPr>
-                </a:tc>
-                <a:tc>
-                  <a:txBody>
-                    <a:bodyPr vert="horz" wrap="square" lIns="91440" tIns="45720" rIns="91440" bIns="45720" anchor="ctr" anchorCtr="0">
-                      <a:spAutoFit/>
-                    </a:bodyPr>
-                    <a:p>
-                      <a:pPr lvl="0" algn="ctr">
-                        <a:defRPr/>
-                      </a:pPr>
-                      <a:r>
-                        <a:rPr lang="ko-KR" altLang="en-US" sz="3000" b="0">
-                          <a:ln w="9525">
-                            <a:solidFill>
-                              <a:schemeClr val="lt1"/>
-                            </a:solidFill>
-                          </a:ln>
-                          <a:solidFill>
-                            <a:schemeClr val="dk1"/>
-                          </a:solidFill>
-                        </a:rPr>
-                        <a:t>↑</a:t>
-                      </a:r>
-                      <a:endParaRPr lang="en-US" altLang="ko-KR" sz="3000">
-                        <a:ln w="9525">
-                          <a:solidFill>
-                            <a:schemeClr val="lt1"/>
-                          </a:solidFill>
-                        </a:ln>
-                        <a:solidFill>
-                          <a:schemeClr val="dk1"/>
-                        </a:solidFill>
-                      </a:endParaRPr>
-                    </a:p>
-                  </a:txBody>
-                  <a:tcPr marL="91440" marR="91440" anchor="ctr">
-                    <a:lnL w="12700" cap="flat" cmpd="sng" algn="ctr">
-                      <a:solidFill>
-                        <a:schemeClr val="tx1"/>
-                      </a:solidFill>
-                      <a:prstDash val="solid"/>
-                      <a:round/>
-                      <a:headEnd w="med" len="med"/>
-                      <a:tailEnd w="med" len="med"/>
-                    </a:lnL>
-                    <a:lnR w="12700" cap="flat" cmpd="sng" algn="ctr">
-                      <a:solidFill>
-                        <a:schemeClr val="tx1"/>
-                      </a:solidFill>
-                      <a:prstDash val="solid"/>
-                      <a:round/>
-                      <a:headEnd w="med" len="med"/>
-                      <a:tailEnd w="med" len="med"/>
-                    </a:lnR>
-                    <a:lnT w="12700" cap="flat" cmpd="sng" algn="ctr">
-                      <a:solidFill>
-                        <a:schemeClr val="tx1"/>
-                      </a:solidFill>
-                      <a:prstDash val="solid"/>
-                      <a:round/>
-                      <a:headEnd w="med" len="med"/>
-                      <a:tailEnd w="med" len="med"/>
-                    </a:lnT>
-                    <a:lnB w="12700" cap="flat" cmpd="sng" algn="ctr">
-                      <a:solidFill>
-                        <a:schemeClr val="tx1"/>
-                      </a:solidFill>
-                      <a:prstDash val="solid"/>
-                      <a:round/>
-                      <a:headEnd w="med" len="med"/>
-                      <a:tailEnd w="med" len="med"/>
-                    </a:lnB>
-                    <a:solidFill>
-                      <a:schemeClr val="lt1"/>
-                    </a:solidFill>
-                  </a:tcPr>
-                </a:tc>
-              </a:tr>
-              <a:tr h="726143">
-                <a:tc>
-                  <a:txBody>
-                    <a:bodyPr vert="horz" wrap="square" lIns="91440" tIns="45720" rIns="91440" bIns="45720" anchor="ctr" anchorCtr="0">
-                      <a:spAutoFit/>
-                    </a:bodyPr>
-                    <a:p>
-                      <a:pPr marL="0" lvl="0" indent="0" algn="ctr" defTabSz="914400" rtl="0" eaLnBrk="1" latinLnBrk="1" hangingPunct="1">
-                        <a:lnSpc>
-                          <a:spcPct val="100000"/>
-                        </a:lnSpc>
-                        <a:spcBef>
-                          <a:spcPts val="0"/>
-                        </a:spcBef>
-                        <a:spcAft>
-                          <a:spcPts val="0"/>
-                        </a:spcAft>
-                        <a:buNone/>
-                        <a:defRPr/>
-                      </a:pPr>
-                      <a:r>
-                        <a:rPr lang="ko-KR" altLang="en-US" sz="3000" b="0">
-                          <a:ln w="9525">
-                            <a:solidFill>
-                              <a:schemeClr val="lt1"/>
-                            </a:solidFill>
-                          </a:ln>
-                          <a:solidFill>
-                            <a:schemeClr val="dk1"/>
-                          </a:solidFill>
-                        </a:rPr>
-                        <a:t>→</a:t>
-                      </a:r>
-                      <a:endParaRPr lang="en-US" altLang="ko-KR" sz="3000">
-                        <a:ln w="9525">
-                          <a:solidFill>
-                            <a:schemeClr val="lt1"/>
-                          </a:solidFill>
-                        </a:ln>
-                        <a:solidFill>
-                          <a:schemeClr val="dk1"/>
-                        </a:solidFill>
-                      </a:endParaRPr>
-                    </a:p>
-                  </a:txBody>
-                  <a:tcPr marL="91440" marR="91440" anchor="ctr">
-                    <a:lnL w="12700" cap="flat" cmpd="sng" algn="ctr">
-                      <a:solidFill>
-                        <a:schemeClr val="tx1"/>
-                      </a:solidFill>
-                      <a:prstDash val="solid"/>
-                      <a:round/>
-                      <a:headEnd w="med" len="med"/>
-                      <a:tailEnd w="med" len="med"/>
-                    </a:lnL>
-                    <a:lnR w="12700" cap="flat" cmpd="sng" algn="ctr">
-                      <a:solidFill>
-                        <a:schemeClr val="tx1"/>
-                      </a:solidFill>
-                      <a:prstDash val="solid"/>
-                      <a:round/>
-                      <a:headEnd w="med" len="med"/>
-                      <a:tailEnd w="med" len="med"/>
-                    </a:lnR>
-                    <a:lnT w="12700" cap="flat" cmpd="sng" algn="ctr">
-                      <a:solidFill>
-                        <a:schemeClr val="tx1"/>
-                      </a:solidFill>
-                      <a:prstDash val="solid"/>
-                      <a:round/>
-                      <a:headEnd w="med" len="med"/>
-                      <a:tailEnd w="med" len="med"/>
-                    </a:lnT>
-                    <a:lnB w="12700" cap="flat" cmpd="sng" algn="ctr">
-                      <a:solidFill>
-                        <a:schemeClr val="tx1"/>
-                      </a:solidFill>
-                      <a:prstDash val="solid"/>
-                      <a:round/>
-                      <a:headEnd w="med" len="med"/>
-                      <a:tailEnd w="med" len="med"/>
-                    </a:lnB>
-                    <a:solidFill>
-                      <a:schemeClr val="lt1"/>
-                    </a:solidFill>
-                  </a:tcPr>
-                </a:tc>
-                <a:tc>
-                  <a:txBody>
-                    <a:bodyPr vert="horz" wrap="square" lIns="91440" tIns="45720" rIns="91440" bIns="45720" anchor="ctr" anchorCtr="0">
-                      <a:spAutoFit/>
-                    </a:bodyPr>
-                    <a:p>
-                      <a:pPr marL="0" lvl="0" indent="0" algn="ctr" defTabSz="914400" rtl="0" eaLnBrk="1" latinLnBrk="1" hangingPunct="1">
-                        <a:lnSpc>
-                          <a:spcPct val="100000"/>
-                        </a:lnSpc>
-                        <a:spcBef>
-                          <a:spcPts val="0"/>
-                        </a:spcBef>
-                        <a:spcAft>
-                          <a:spcPts val="0"/>
-                        </a:spcAft>
-                        <a:buNone/>
-                        <a:defRPr/>
-                      </a:pPr>
-                      <a:r>
-                        <a:rPr lang="ko-KR" altLang="en-US" sz="3000" b="0">
-                          <a:ln w="9525">
-                            <a:solidFill>
-                              <a:schemeClr val="lt1"/>
-                            </a:solidFill>
-                          </a:ln>
-                          <a:solidFill>
-                            <a:schemeClr val="dk1"/>
-                          </a:solidFill>
-                        </a:rPr>
-                        <a:t>→</a:t>
-                      </a:r>
-                      <a:endParaRPr lang="en-US" altLang="ko-KR" sz="3000">
-                        <a:ln w="9525">
-                          <a:solidFill>
-                            <a:schemeClr val="lt1"/>
-                          </a:solidFill>
-                        </a:ln>
-                        <a:solidFill>
-                          <a:schemeClr val="dk1"/>
-                        </a:solidFill>
-                      </a:endParaRPr>
-                    </a:p>
-                  </a:txBody>
-                  <a:tcPr marL="91440" marR="91440" anchor="ctr">
-                    <a:lnL w="12700" cap="flat" cmpd="sng" algn="ctr">
-                      <a:solidFill>
-                        <a:schemeClr val="tx1"/>
-                      </a:solidFill>
-                      <a:prstDash val="solid"/>
-                      <a:round/>
-                      <a:headEnd w="med" len="med"/>
-                      <a:tailEnd w="med" len="med"/>
-                    </a:lnL>
-                    <a:lnR w="12700" cap="flat" cmpd="sng" algn="ctr">
-                      <a:solidFill>
-                        <a:schemeClr val="tx1"/>
-                      </a:solidFill>
-                      <a:prstDash val="solid"/>
-                      <a:round/>
-                      <a:headEnd w="med" len="med"/>
-                      <a:tailEnd w="med" len="med"/>
-                    </a:lnR>
-                    <a:lnT w="12700" cap="flat" cmpd="sng" algn="ctr">
-                      <a:solidFill>
-                        <a:schemeClr val="tx1"/>
-                      </a:solidFill>
-                      <a:prstDash val="solid"/>
-                      <a:round/>
-                      <a:headEnd w="med" len="med"/>
-                      <a:tailEnd w="med" len="med"/>
-                    </a:lnT>
-                    <a:lnB w="12700" cap="flat" cmpd="sng" algn="ctr">
-                      <a:solidFill>
-                        <a:schemeClr val="tx1"/>
-                      </a:solidFill>
-                      <a:prstDash val="solid"/>
-                      <a:round/>
-                      <a:headEnd w="med" len="med"/>
-                      <a:tailEnd w="med" len="med"/>
-                    </a:lnB>
-                    <a:solidFill>
-                      <a:schemeClr val="lt1"/>
-                    </a:solidFill>
-                  </a:tcPr>
-                </a:tc>
-                <a:tc>
-                  <a:txBody>
-                    <a:bodyPr vert="horz" wrap="square" lIns="91440" tIns="45720" rIns="91440" bIns="45720" anchor="ctr" anchorCtr="0">
-                      <a:spAutoFit/>
-                    </a:bodyPr>
-                    <a:p>
-                      <a:pPr marL="0" lvl="0" indent="0" algn="ctr" defTabSz="914400" rtl="0" eaLnBrk="1" latinLnBrk="1" hangingPunct="1">
-                        <a:lnSpc>
-                          <a:spcPct val="100000"/>
-                        </a:lnSpc>
-                        <a:spcBef>
-                          <a:spcPts val="0"/>
-                        </a:spcBef>
-                        <a:spcAft>
-                          <a:spcPts val="0"/>
-                        </a:spcAft>
-                        <a:buNone/>
-                        <a:defRPr/>
-                      </a:pPr>
-                      <a:r>
-                        <a:rPr lang="ko-KR" altLang="en-US" sz="3000" b="0">
-                          <a:ln w="9525">
-                            <a:solidFill>
-                              <a:schemeClr val="lt1"/>
-                            </a:solidFill>
-                          </a:ln>
-                          <a:solidFill>
-                            <a:schemeClr val="dk1"/>
-                          </a:solidFill>
-                        </a:rPr>
-                        <a:t>→</a:t>
-                      </a:r>
-                      <a:endParaRPr lang="en-US" altLang="ko-KR" sz="3000">
-                        <a:ln w="9525">
-                          <a:solidFill>
-                            <a:schemeClr val="lt1"/>
-                          </a:solidFill>
-                        </a:ln>
-                        <a:solidFill>
-                          <a:schemeClr val="dk1"/>
-                        </a:solidFill>
-                      </a:endParaRPr>
-                    </a:p>
-                  </a:txBody>
-                  <a:tcPr marL="91440" marR="91440" anchor="ctr">
-                    <a:lnL w="12700" cap="flat" cmpd="sng" algn="ctr">
-                      <a:solidFill>
-                        <a:schemeClr val="tx1"/>
-                      </a:solidFill>
-                      <a:prstDash val="solid"/>
-                      <a:round/>
-                      <a:headEnd w="med" len="med"/>
-                      <a:tailEnd w="med" len="med"/>
-                    </a:lnL>
-                    <a:lnR w="12700" cap="flat" cmpd="sng" algn="ctr">
-                      <a:solidFill>
-                        <a:schemeClr val="tx1"/>
-                      </a:solidFill>
-                      <a:prstDash val="solid"/>
-                      <a:round/>
-                      <a:headEnd w="med" len="med"/>
-                      <a:tailEnd w="med" len="med"/>
-                    </a:lnR>
-                    <a:lnT w="12700" cap="flat" cmpd="sng" algn="ctr">
-                      <a:solidFill>
-                        <a:schemeClr val="tx1"/>
-                      </a:solidFill>
-                      <a:prstDash val="solid"/>
-                      <a:round/>
-                      <a:headEnd w="med" len="med"/>
-                      <a:tailEnd w="med" len="med"/>
-                    </a:lnT>
-                    <a:lnB w="12700" cap="flat" cmpd="sng" algn="ctr">
-                      <a:solidFill>
-                        <a:schemeClr val="tx1"/>
-                      </a:solidFill>
-                      <a:prstDash val="solid"/>
-                      <a:round/>
-                      <a:headEnd w="med" len="med"/>
-                      <a:tailEnd w="med" len="med"/>
-                    </a:lnB>
-                    <a:solidFill>
-                      <a:schemeClr val="lt1"/>
-                    </a:solidFill>
-                  </a:tcPr>
-                </a:tc>
-                <a:tc>
-                  <a:txBody>
-                    <a:bodyPr vert="horz" wrap="square" lIns="91440" tIns="45720" rIns="91440" bIns="45720" anchor="ctr" anchorCtr="0">
-                      <a:spAutoFit/>
-                    </a:bodyPr>
-                    <a:p>
-                      <a:pPr lvl="0" algn="ctr">
-                        <a:defRPr/>
-                      </a:pPr>
-                      <a:r>
-                        <a:rPr lang="ko-KR" altLang="en-US" sz="3000" b="0">
-                          <a:ln w="9525">
-                            <a:solidFill>
-                              <a:schemeClr val="lt1"/>
-                            </a:solidFill>
-                          </a:ln>
-                          <a:solidFill>
-                            <a:schemeClr val="dk1"/>
-                          </a:solidFill>
-                        </a:rPr>
-                        <a:t>↓</a:t>
-                      </a:r>
-                      <a:endParaRPr lang="en-US" altLang="ko-KR" sz="3000">
-                        <a:ln w="9525">
-                          <a:solidFill>
-                            <a:schemeClr val="lt1"/>
-                          </a:solidFill>
-                        </a:ln>
-                        <a:solidFill>
-                          <a:schemeClr val="dk1"/>
-                        </a:solidFill>
-                      </a:endParaRPr>
-                    </a:p>
-                  </a:txBody>
-                  <a:tcPr marL="91440" marR="91440" anchor="ctr">
-                    <a:lnL w="12700" cap="flat" cmpd="sng" algn="ctr">
-                      <a:solidFill>
-                        <a:schemeClr val="tx1"/>
-                      </a:solidFill>
-                      <a:prstDash val="solid"/>
-                      <a:round/>
-                      <a:headEnd w="med" len="med"/>
-                      <a:tailEnd w="med" len="med"/>
-                    </a:lnL>
-                    <a:lnR w="12700" cap="flat" cmpd="sng" algn="ctr">
-                      <a:solidFill>
-                        <a:schemeClr val="tx1"/>
-                      </a:solidFill>
-                      <a:prstDash val="solid"/>
-                      <a:round/>
-                      <a:headEnd w="med" len="med"/>
-                      <a:tailEnd w="med" len="med"/>
-                    </a:lnR>
-                    <a:lnT w="12700" cap="flat" cmpd="sng" algn="ctr">
-                      <a:solidFill>
-                        <a:schemeClr val="tx1"/>
-                      </a:solidFill>
-                      <a:prstDash val="solid"/>
-                      <a:round/>
-                      <a:headEnd w="med" len="med"/>
-                      <a:tailEnd w="med" len="med"/>
-                    </a:lnT>
-                    <a:lnB w="12700" cap="flat" cmpd="sng" algn="ctr">
-                      <a:solidFill>
-                        <a:schemeClr val="tx1"/>
-                      </a:solidFill>
-                      <a:prstDash val="solid"/>
-                      <a:round/>
-                      <a:headEnd w="med" len="med"/>
-                      <a:tailEnd w="med" len="med"/>
-                    </a:lnB>
-                    <a:solidFill>
-                      <a:schemeClr val="lt1"/>
-                    </a:solidFill>
-                  </a:tcPr>
-                </a:tc>
-                <a:tc>
-                  <a:txBody>
-                    <a:bodyPr vert="horz" wrap="square" lIns="91440" tIns="45720" rIns="91440" bIns="45720" anchor="ctr" anchorCtr="0">
-                      <a:spAutoFit/>
-                    </a:bodyPr>
-                    <a:p>
-                      <a:pPr marL="0" lvl="0" indent="0" algn="ctr" defTabSz="914400" rtl="0" eaLnBrk="1" latinLnBrk="1" hangingPunct="1">
-                        <a:lnSpc>
-                          <a:spcPct val="100000"/>
-                        </a:lnSpc>
-                        <a:spcBef>
-                          <a:spcPts val="0"/>
-                        </a:spcBef>
-                        <a:spcAft>
-                          <a:spcPts val="0"/>
-                        </a:spcAft>
-                        <a:buNone/>
-                        <a:defRPr/>
-                      </a:pPr>
-                      <a:r>
-                        <a:rPr lang="ko-KR" altLang="en-US" sz="3000" b="0">
-                          <a:ln w="9525">
-                            <a:solidFill>
-                              <a:schemeClr val="lt1"/>
-                            </a:solidFill>
-                          </a:ln>
-                          <a:solidFill>
-                            <a:schemeClr val="dk1"/>
-                          </a:solidFill>
-                        </a:rPr>
-                        <a:t>→</a:t>
-                      </a:r>
-                      <a:endParaRPr lang="en-US" altLang="ko-KR" sz="3000">
-                        <a:ln w="9525">
-                          <a:solidFill>
-                            <a:schemeClr val="lt1"/>
-                          </a:solidFill>
-                        </a:ln>
-                        <a:solidFill>
-                          <a:schemeClr val="dk1"/>
-                        </a:solidFill>
-                      </a:endParaRPr>
-                    </a:p>
-                  </a:txBody>
-                  <a:tcPr marL="91440" marR="91440" anchor="ctr">
-                    <a:lnL w="12700" cap="flat" cmpd="sng" algn="ctr">
-                      <a:solidFill>
-                        <a:schemeClr val="tx1"/>
-                      </a:solidFill>
-                      <a:prstDash val="solid"/>
-                      <a:round/>
-                      <a:headEnd w="med" len="med"/>
-                      <a:tailEnd w="med" len="med"/>
-                    </a:lnL>
-                    <a:lnR w="12700" cap="flat" cmpd="sng" algn="ctr">
-                      <a:solidFill>
-                        <a:schemeClr val="tx1"/>
-                      </a:solidFill>
-                      <a:prstDash val="solid"/>
-                      <a:round/>
-                      <a:headEnd w="med" len="med"/>
-                      <a:tailEnd w="med" len="med"/>
-                    </a:lnR>
-                    <a:lnT w="12700" cap="flat" cmpd="sng" algn="ctr">
-                      <a:solidFill>
-                        <a:schemeClr val="tx1"/>
-                      </a:solidFill>
-                      <a:prstDash val="solid"/>
-                      <a:round/>
-                      <a:headEnd w="med" len="med"/>
-                      <a:tailEnd w="med" len="med"/>
-                    </a:lnT>
-                    <a:lnB w="12700" cap="flat" cmpd="sng" algn="ctr">
-                      <a:solidFill>
-                        <a:schemeClr val="tx1"/>
-                      </a:solidFill>
-                      <a:prstDash val="solid"/>
-                      <a:round/>
-                      <a:headEnd w="med" len="med"/>
-                      <a:tailEnd w="med" len="med"/>
-                    </a:lnB>
-                    <a:solidFill>
-                      <a:schemeClr val="lt1"/>
-                    </a:solidFill>
-                  </a:tcPr>
-                </a:tc>
-              </a:tr>
-              <a:tr h="726143">
-                <a:tc>
-                  <a:txBody>
-                    <a:bodyPr vert="horz" wrap="square" lIns="91440" tIns="45720" rIns="91440" bIns="45720" anchor="ctr" anchorCtr="0">
-                      <a:spAutoFit/>
-                    </a:bodyPr>
-                    <a:p>
-                      <a:pPr lvl="0" algn="ctr">
-                        <a:defRPr/>
-                      </a:pPr>
-                      <a:r>
-                        <a:rPr lang="ko-KR" altLang="en-US" sz="3000" b="0">
-                          <a:ln w="9525">
-                            <a:solidFill>
-                              <a:schemeClr val="lt1"/>
-                            </a:solidFill>
-                          </a:ln>
-                          <a:solidFill>
-                            <a:schemeClr val="dk1"/>
-                          </a:solidFill>
-                        </a:rPr>
-                        <a:t>←</a:t>
-                      </a:r>
-                      <a:endParaRPr lang="en-US" altLang="ko-KR" sz="3000">
-                        <a:ln w="9525">
-                          <a:solidFill>
-                            <a:schemeClr val="lt1"/>
-                          </a:solidFill>
-                        </a:ln>
-                        <a:solidFill>
-                          <a:schemeClr val="dk1"/>
-                        </a:solidFill>
-                      </a:endParaRPr>
-                    </a:p>
-                  </a:txBody>
-                  <a:tcPr marL="91440" marR="91440" anchor="ctr">
-                    <a:lnL w="12700" cap="flat" cmpd="sng" algn="ctr">
-                      <a:solidFill>
-                        <a:schemeClr val="tx1"/>
-                      </a:solidFill>
-                      <a:prstDash val="solid"/>
-                      <a:round/>
-                      <a:headEnd w="med" len="med"/>
-                      <a:tailEnd w="med" len="med"/>
-                    </a:lnL>
-                    <a:lnR w="12700" cap="flat" cmpd="sng" algn="ctr">
-                      <a:solidFill>
-                        <a:schemeClr val="tx1"/>
-                      </a:solidFill>
-                      <a:prstDash val="solid"/>
-                      <a:round/>
-                      <a:headEnd w="med" len="med"/>
-                      <a:tailEnd w="med" len="med"/>
-                    </a:lnR>
-                    <a:lnT w="12700" cap="flat" cmpd="sng" algn="ctr">
-                      <a:solidFill>
-                        <a:schemeClr val="tx1"/>
-                      </a:solidFill>
-                      <a:prstDash val="solid"/>
-                      <a:round/>
-                      <a:headEnd w="med" len="med"/>
-                      <a:tailEnd w="med" len="med"/>
-                    </a:lnT>
-                    <a:lnB w="12700" cap="flat" cmpd="sng" algn="ctr">
-                      <a:solidFill>
-                        <a:schemeClr val="tx1"/>
-                      </a:solidFill>
-                      <a:prstDash val="solid"/>
-                      <a:round/>
-                      <a:headEnd w="med" len="med"/>
-                      <a:tailEnd w="med" len="med"/>
-                    </a:lnB>
-                    <a:solidFill>
-                      <a:schemeClr val="lt1"/>
-                    </a:solidFill>
-                  </a:tcPr>
-                </a:tc>
-                <a:tc>
-                  <a:txBody>
-                    <a:bodyPr vert="horz" wrap="square" lIns="91440" tIns="45720" rIns="91440" bIns="45720" anchor="ctr" anchorCtr="0">
-                      <a:spAutoFit/>
-                    </a:bodyPr>
-                    <a:p>
-                      <a:pPr lvl="0" algn="ctr">
-                        <a:defRPr/>
-                      </a:pPr>
-                      <a:r>
-                        <a:rPr lang="ko-KR" altLang="en-US" sz="3000" b="0">
-                          <a:ln w="9525">
-                            <a:solidFill>
-                              <a:schemeClr val="lt1"/>
-                            </a:solidFill>
-                          </a:ln>
-                          <a:solidFill>
-                            <a:schemeClr val="dk1"/>
-                          </a:solidFill>
-                        </a:rPr>
-                        <a:t>←</a:t>
-                      </a:r>
-                      <a:endParaRPr lang="en-US" altLang="ko-KR" sz="3000">
-                        <a:ln w="9525">
-                          <a:solidFill>
-                            <a:schemeClr val="lt1"/>
-                          </a:solidFill>
-                        </a:ln>
-                        <a:solidFill>
-                          <a:schemeClr val="dk1"/>
-                        </a:solidFill>
-                      </a:endParaRPr>
-                    </a:p>
-                  </a:txBody>
-                  <a:tcPr marL="91440" marR="91440" anchor="ctr">
-                    <a:lnL w="12700" cap="flat" cmpd="sng" algn="ctr">
-                      <a:solidFill>
-                        <a:schemeClr val="tx1"/>
-                      </a:solidFill>
-                      <a:prstDash val="solid"/>
-                      <a:round/>
-                      <a:headEnd w="med" len="med"/>
-                      <a:tailEnd w="med" len="med"/>
-                    </a:lnL>
-                    <a:lnR w="12700" cap="flat" cmpd="sng" algn="ctr">
-                      <a:solidFill>
-                        <a:schemeClr val="tx1"/>
-                      </a:solidFill>
-                      <a:prstDash val="solid"/>
-                      <a:round/>
-                      <a:headEnd w="med" len="med"/>
-                      <a:tailEnd w="med" len="med"/>
-                    </a:lnR>
-                    <a:lnT w="12700" cap="flat" cmpd="sng" algn="ctr">
-                      <a:solidFill>
-                        <a:schemeClr val="tx1"/>
-                      </a:solidFill>
-                      <a:prstDash val="solid"/>
-                      <a:round/>
-                      <a:headEnd w="med" len="med"/>
-                      <a:tailEnd w="med" len="med"/>
-                    </a:lnT>
-                    <a:lnB w="12700" cap="flat" cmpd="sng" algn="ctr">
-                      <a:solidFill>
-                        <a:schemeClr val="tx1"/>
-                      </a:solidFill>
-                      <a:prstDash val="solid"/>
-                      <a:round/>
-                      <a:headEnd w="med" len="med"/>
-                      <a:tailEnd w="med" len="med"/>
-                    </a:lnB>
-                    <a:solidFill>
-                      <a:schemeClr val="lt1"/>
-                    </a:solidFill>
-                  </a:tcPr>
-                </a:tc>
-                <a:tc>
-                  <a:txBody>
-                    <a:bodyPr vert="horz" wrap="square" lIns="91440" tIns="45720" rIns="91440" bIns="45720" anchor="ctr" anchorCtr="0">
-                      <a:spAutoFit/>
-                    </a:bodyPr>
-                    <a:p>
-                      <a:pPr lvl="0" algn="ctr">
-                        <a:defRPr/>
-                      </a:pPr>
-                      <a:r>
-                        <a:rPr lang="ko-KR" altLang="en-US" sz="3000" b="0">
-                          <a:ln w="9525">
-                            <a:solidFill>
-                              <a:schemeClr val="lt1"/>
-                            </a:solidFill>
-                          </a:ln>
-                          <a:solidFill>
-                            <a:schemeClr val="dk1"/>
-                          </a:solidFill>
-                        </a:rPr>
-                        <a:t>←</a:t>
                       </a:r>
                       <a:endParaRPr lang="en-US" altLang="ko-KR" sz="3000">
                         <a:ln w="9525">
@@ -35756,48 +35446,13 @@
       </p:cxnSp>
       <p:cxnSp>
         <p:nvCxnSpPr>
-          <p:cNvPr id="88" name="꺾인 연결선 87"/>
-          <p:cNvCxnSpPr/>
-          <p:nvPr/>
-        </p:nvCxnSpPr>
-        <p:spPr>
-          <a:xfrm>
-            <a:off x="5821653" y="3877774"/>
-            <a:ext cx="293952" cy="0"/>
-          </a:xfrm>
-          <a:prstGeom prst="bentConnector3">
-            <a:avLst>
-              <a:gd name="adj1" fmla="val 50000"/>
-            </a:avLst>
-          </a:prstGeom>
-          <a:ln>
-            <a:tailEnd type="arrow"/>
-          </a:ln>
-        </p:spPr>
-        <p:style>
-          <a:lnRef idx="1">
-            <a:schemeClr val="accent1"/>
-          </a:lnRef>
-          <a:fillRef idx="0">
-            <a:schemeClr val="accent1"/>
-          </a:fillRef>
-          <a:effectRef idx="0">
-            <a:schemeClr val="accent1"/>
-          </a:effectRef>
-          <a:fontRef idx="minor">
-            <a:schemeClr val="tx1"/>
-          </a:fontRef>
-        </p:style>
-      </p:cxnSp>
-      <p:cxnSp>
-        <p:nvCxnSpPr>
           <p:cNvPr id="97" name="꺾인 연결선 96"/>
           <p:cNvCxnSpPr/>
           <p:nvPr/>
         </p:nvCxnSpPr>
         <p:spPr>
           <a:xfrm rot="16200000">
-            <a:off x="6171035" y="3444246"/>
+            <a:off x="5337597" y="3429000"/>
             <a:ext cx="289548" cy="0"/>
           </a:xfrm>
           <a:prstGeom prst="bentConnector3">
@@ -36044,6 +35699,41 @@
           <a:xfrm rot="16200000" flipH="1">
             <a:off x="8773236" y="5678119"/>
             <a:ext cx="287270" cy="0"/>
+          </a:xfrm>
+          <a:prstGeom prst="bentConnector3">
+            <a:avLst>
+              <a:gd name="adj1" fmla="val 50000"/>
+            </a:avLst>
+          </a:prstGeom>
+          <a:ln>
+            <a:tailEnd type="arrow"/>
+          </a:ln>
+        </p:spPr>
+        <p:style>
+          <a:lnRef idx="1">
+            <a:schemeClr val="accent1"/>
+          </a:lnRef>
+          <a:fillRef idx="0">
+            <a:schemeClr val="accent1"/>
+          </a:fillRef>
+          <a:effectRef idx="0">
+            <a:schemeClr val="accent1"/>
+          </a:effectRef>
+          <a:fontRef idx="minor">
+            <a:schemeClr val="tx1"/>
+          </a:fontRef>
+        </p:style>
+      </p:cxnSp>
+      <p:cxnSp>
+        <p:nvCxnSpPr>
+          <p:cNvPr id="105" name="꺾인 연결선 104"/>
+          <p:cNvCxnSpPr/>
+          <p:nvPr/>
+        </p:nvCxnSpPr>
+        <p:spPr>
+          <a:xfrm>
+            <a:off x="5697974" y="3107897"/>
+            <a:ext cx="398026" cy="0"/>
           </a:xfrm>
           <a:prstGeom prst="bentConnector3">
             <a:avLst>

--- a/etc/레벨디자인.pptx
+++ b/etc/레벨디자인.pptx
@@ -8,14 +8,17 @@
     <p:notesMasterId r:id="rId2"/>
   </p:notesMasterIdLst>
   <p:sldIdLst>
-    <p:sldId id="256" r:id="rId3"/>
-    <p:sldId id="258" r:id="rId4"/>
-    <p:sldId id="266" r:id="rId5"/>
-    <p:sldId id="259" r:id="rId6"/>
-    <p:sldId id="268" r:id="rId7"/>
-    <p:sldId id="267" r:id="rId8"/>
-    <p:sldId id="270" r:id="rId9"/>
-    <p:sldId id="269" r:id="rId10"/>
+    <p:sldId id="271" r:id="rId3"/>
+    <p:sldId id="256" r:id="rId4"/>
+    <p:sldId id="258" r:id="rId5"/>
+    <p:sldId id="266" r:id="rId6"/>
+    <p:sldId id="259" r:id="rId7"/>
+    <p:sldId id="268" r:id="rId8"/>
+    <p:sldId id="267" r:id="rId9"/>
+    <p:sldId id="270" r:id="rId10"/>
+    <p:sldId id="269" r:id="rId11"/>
+    <p:sldId id="272" r:id="rId12"/>
+    <p:sldId id="273" r:id="rId13"/>
   </p:sldIdLst>
   <p:sldSz cx="12192000" cy="6858000"/>
   <p:notesSz cx="6858000" cy="9144000"/>
@@ -159,14 +162,16 @@
           </a:prstGeom>
         </p:spPr>
         <p:txBody>
-          <a:bodyPr vert="horz" lIns="91440" tIns="45720" rIns="91440" bIns="45720" rtlCol="0"/>
+          <a:bodyPr vert="horz" lIns="91440" tIns="45720" rIns="91440" bIns="45720"/>
           <a:lstStyle>
             <a:lvl1pPr algn="l">
               <a:defRPr sz="1200"/>
             </a:lvl1pPr>
           </a:lstStyle>
           <a:p>
-            <a:pPr lvl="0"/>
+            <a:pPr lvl="0">
+              <a:defRPr/>
+            </a:pPr>
             <a:endParaRPr lang="ko-KR" altLang="en-US"/>
           </a:p>
         </p:txBody>
@@ -191,18 +196,22 @@
           </a:prstGeom>
         </p:spPr>
         <p:txBody>
-          <a:bodyPr vert="horz" lIns="91440" tIns="45720" rIns="91440" bIns="45720" rtlCol="0"/>
+          <a:bodyPr vert="horz" lIns="91440" tIns="45720" rIns="91440" bIns="45720"/>
           <a:lstStyle>
             <a:lvl1pPr algn="r">
               <a:defRPr sz="1200"/>
             </a:lvl1pPr>
           </a:lstStyle>
           <a:p>
-            <a:pPr lvl="0"/>
+            <a:pPr lvl="0">
+              <a:defRPr/>
+            </a:pPr>
             <a:fld id="{E2B2BC9D-A816-4D0A-858B-1D023B3A8ACA}" type="datetime1">
-              <a:rPr lang="ko-KR" altLang="en-US" smtClean="0"/>
-              <a:pPr/>
-              <a:t>2009-03-26</a:t>
+              <a:rPr lang="ko-KR" altLang="en-US"/>
+              <a:pPr lvl="0">
+                <a:defRPr/>
+              </a:pPr>
+              <a:t>2024-02-19</a:t>
             </a:fld>
             <a:endParaRPr lang="ko-KR" altLang="en-US"/>
           </a:p>
@@ -234,10 +243,12 @@
           </a:ln>
         </p:spPr>
         <p:txBody>
-          <a:bodyPr vert="horz" lIns="91440" tIns="45720" rIns="91440" bIns="45720" rtlCol="0" anchor="ctr"/>
+          <a:bodyPr vert="horz" lIns="91440" tIns="45720" rIns="91440" bIns="45720" anchor="ctr"/>
           <a:lstStyle/>
           <a:p>
-            <a:pPr lvl="0"/>
+            <a:pPr lvl="0">
+              <a:defRPr/>
+            </a:pPr>
             <a:endParaRPr lang="ko-KR" altLang="en-US"/>
           </a:p>
         </p:txBody>
@@ -338,14 +349,16 @@
           </a:prstGeom>
         </p:spPr>
         <p:txBody>
-          <a:bodyPr vert="horz" lIns="91440" tIns="45720" rIns="91440" bIns="45720" rtlCol="0" anchor="b"/>
+          <a:bodyPr vert="horz" lIns="91440" tIns="45720" rIns="91440" bIns="45720" anchor="b"/>
           <a:lstStyle>
             <a:lvl1pPr algn="l">
               <a:defRPr sz="1200"/>
             </a:lvl1pPr>
           </a:lstStyle>
           <a:p>
-            <a:pPr lvl="0"/>
+            <a:pPr lvl="0">
+              <a:defRPr/>
+            </a:pPr>
             <a:endParaRPr lang="ko-KR" altLang="en-US"/>
           </a:p>
         </p:txBody>
@@ -370,17 +383,21 @@
           </a:prstGeom>
         </p:spPr>
         <p:txBody>
-          <a:bodyPr vert="horz" lIns="91440" tIns="45720" rIns="91440" bIns="45720" rtlCol="0" anchor="b"/>
+          <a:bodyPr vert="horz" lIns="91440" tIns="45720" rIns="91440" bIns="45720" anchor="b"/>
           <a:lstStyle>
             <a:lvl1pPr algn="r">
               <a:defRPr sz="1200"/>
             </a:lvl1pPr>
           </a:lstStyle>
           <a:p>
-            <a:pPr lvl="0"/>
+            <a:pPr lvl="0">
+              <a:defRPr/>
+            </a:pPr>
             <a:fld id="{09F4262C-968C-4EE9-8164-CE16364706B3}" type="slidenum">
-              <a:rPr lang="ko-KR" altLang="en-US" smtClean="0"/>
-              <a:pPr/>
+              <a:rPr lang="ko-KR" altLang="en-US"/>
+              <a:pPr lvl="0">
+                <a:defRPr/>
+              </a:pPr>
               <a:t>‹#›</a:t>
             </a:fld>
             <a:endParaRPr lang="ko-KR" altLang="en-US"/>
@@ -3933,6 +3950,3601 @@
           <a:chExt cx="0" cy="0"/>
         </a:xfrm>
       </p:grpSpPr>
+      <p:sp>
+        <p:nvSpPr>
+          <p:cNvPr id="2" name="제목 1"/>
+          <p:cNvSpPr>
+            <a:spLocks noGrp="1"/>
+          </p:cNvSpPr>
+          <p:nvPr>
+            <p:ph type="title" idx="0"/>
+          </p:nvPr>
+        </p:nvSpPr>
+        <p:spPr>
+          <a:xfrm>
+            <a:off x="609600" y="2857500"/>
+            <a:ext cx="10972798" cy="1143000"/>
+          </a:xfrm>
+        </p:spPr>
+        <p:txBody>
+          <a:bodyPr/>
+          <a:p>
+            <a:pPr lvl="0">
+              <a:defRPr/>
+            </a:pPr>
+            <a:r>
+              <a:rPr lang="en-US" altLang="ko-KR"/>
+              <a:t>1</a:t>
+            </a:r>
+            <a:r>
+              <a:rPr lang="ko-KR" altLang="en-US"/>
+              <a:t>월드 </a:t>
+            </a:r>
+            <a:r>
+              <a:rPr lang="en-US" altLang="ko-KR"/>
+              <a:t>-</a:t>
+            </a:r>
+            <a:r>
+              <a:rPr lang="ko-KR" altLang="en-US"/>
+              <a:t> 기본</a:t>
+            </a:r>
+            <a:endParaRPr lang="ko-KR" altLang="en-US"/>
+          </a:p>
+        </p:txBody>
+      </p:sp>
+    </p:spTree>
+    <p:extLst>
+      <p:ext uri="{BB962C8B-B14F-4D97-AF65-F5344CB8AC3E}">
+        <p14:creationId xmlns:p14="http://schemas.microsoft.com/office/powerpoint/2010/main" val="2168627467"/>
+      </p:ext>
+    </p:extLst>
+  </p:cSld>
+  <p:clrMapOvr>
+    <a:masterClrMapping/>
+  </p:clrMapOvr>
+</p:sld>
+</file>
+
+<file path=ppt/slides/slide10.xml><?xml version="1.0" encoding="utf-8"?>
+<p:sld xmlns:r="http://schemas.openxmlformats.org/officeDocument/2006/relationships" xmlns:c="http://schemas.openxmlformats.org/drawingml/2006/chart" xmlns:a="http://schemas.openxmlformats.org/drawingml/2006/main" xmlns:dgm="http://schemas.openxmlformats.org/drawingml/2006/diagram" xmlns:dsp="http://schemas.microsoft.com/office/drawing/2008/diagram" xmlns:p="http://schemas.openxmlformats.org/presentationml/2006/main">
+  <p:cSld>
+    <p:spTree>
+      <p:nvGrpSpPr>
+        <p:cNvPr id="1" name=""/>
+        <p:cNvGrpSpPr/>
+        <p:nvPr/>
+      </p:nvGrpSpPr>
+      <p:grpSpPr>
+        <a:xfrm>
+          <a:off x="0" y="0"/>
+          <a:ext cx="0" cy="0"/>
+          <a:chOff x="0" y="0"/>
+          <a:chExt cx="0" cy="0"/>
+        </a:xfrm>
+      </p:grpSpPr>
+      <p:sp>
+        <p:nvSpPr>
+          <p:cNvPr id="2" name="제목 1"/>
+          <p:cNvSpPr>
+            <a:spLocks noGrp="1"/>
+          </p:cNvSpPr>
+          <p:nvPr>
+            <p:ph type="title" idx="0"/>
+          </p:nvPr>
+        </p:nvSpPr>
+        <p:spPr>
+          <a:xfrm>
+            <a:off x="609600" y="2857500"/>
+            <a:ext cx="10972798" cy="1143000"/>
+          </a:xfrm>
+        </p:spPr>
+        <p:txBody>
+          <a:bodyPr/>
+          <a:p>
+            <a:pPr lvl="0">
+              <a:defRPr/>
+            </a:pPr>
+            <a:r>
+              <a:rPr lang="en-US" altLang="ko-KR"/>
+              <a:t>2</a:t>
+            </a:r>
+            <a:r>
+              <a:rPr lang="ko-KR" altLang="en-US"/>
+              <a:t>월드 </a:t>
+            </a:r>
+            <a:r>
+              <a:rPr lang="en-US" altLang="ko-KR"/>
+              <a:t>-</a:t>
+            </a:r>
+            <a:r>
+              <a:rPr lang="ko-KR" altLang="en-US"/>
+              <a:t> 미로</a:t>
+            </a:r>
+            <a:endParaRPr lang="ko-KR" altLang="en-US"/>
+          </a:p>
+        </p:txBody>
+      </p:sp>
+    </p:spTree>
+    <p:extLst>
+      <p:ext uri="{BB962C8B-B14F-4D97-AF65-F5344CB8AC3E}">
+        <p14:creationId xmlns:p14="http://schemas.microsoft.com/office/powerpoint/2010/main" val="2875479687"/>
+      </p:ext>
+    </p:extLst>
+  </p:cSld>
+  <p:clrMapOvr>
+    <a:masterClrMapping/>
+  </p:clrMapOvr>
+</p:sld>
+</file>
+
+<file path=ppt/slides/slide11.xml><?xml version="1.0" encoding="utf-8"?>
+<p:sld xmlns:r="http://schemas.openxmlformats.org/officeDocument/2006/relationships" xmlns:c="http://schemas.openxmlformats.org/drawingml/2006/chart" xmlns:a="http://schemas.openxmlformats.org/drawingml/2006/main" xmlns:dgm="http://schemas.openxmlformats.org/drawingml/2006/diagram" xmlns:dsp="http://schemas.microsoft.com/office/drawing/2008/diagram" xmlns:p="http://schemas.openxmlformats.org/presentationml/2006/main">
+  <p:cSld>
+    <p:spTree>
+      <p:nvGrpSpPr>
+        <p:cNvPr id="1" name=""/>
+        <p:cNvGrpSpPr/>
+        <p:nvPr/>
+      </p:nvGrpSpPr>
+      <p:grpSpPr>
+        <a:xfrm>
+          <a:off x="0" y="0"/>
+          <a:ext cx="0" cy="0"/>
+          <a:chOff x="0" y="0"/>
+          <a:chExt cx="0" cy="0"/>
+        </a:xfrm>
+      </p:grpSpPr>
+      <p:graphicFrame>
+        <p:nvGraphicFramePr>
+          <p:cNvPr id="2" name="표 1"/>
+          <p:cNvGraphicFramePr>
+            <a:graphicFrameLocks noGrp="1"/>
+          </p:cNvGraphicFramePr>
+          <p:nvPr/>
+        </p:nvGraphicFramePr>
+        <p:xfrm>
+          <a:off x="1957844" y="420777"/>
+          <a:ext cx="8276301" cy="1793838"/>
+        </p:xfrm>
+        <a:graphic>
+          <a:graphicData uri="http://schemas.openxmlformats.org/drawingml/2006/table">
+            <a:tbl>
+              <a:tblPr firstRow="1" bandRow="1">
+                <a:tableStyle styleId="{01A66EDD-3DAB-4C5B-A090-DC80EC1FD486}" styleName="Normal Style 1 - Accent 1">
+                  <a:wholeTbl>
+                    <a:tcTxStyle>
+                      <a:fontRef idx="minor">
+                        <a:prstClr val="black"/>
+                      </a:fontRef>
+                      <a:schemeClr val="dk1"/>
+                    </a:tcTxStyle>
+                    <a:tcStyle>
+                      <a:tcBdr>
+                        <a:left>
+                          <a:ln w="12700" cmpd="sng">
+                            <a:solidFill>
+                              <a:schemeClr val="lt1"/>
+                            </a:solidFill>
+                          </a:ln>
+                        </a:left>
+                        <a:right>
+                          <a:ln w="12700" cmpd="sng">
+                            <a:solidFill>
+                              <a:schemeClr val="lt1"/>
+                            </a:solidFill>
+                          </a:ln>
+                        </a:right>
+                        <a:top>
+                          <a:ln w="12700" cmpd="sng">
+                            <a:solidFill>
+                              <a:schemeClr val="lt1"/>
+                            </a:solidFill>
+                          </a:ln>
+                        </a:top>
+                        <a:bottom>
+                          <a:ln w="12700" cmpd="sng">
+                            <a:solidFill>
+                              <a:schemeClr val="lt1"/>
+                            </a:solidFill>
+                          </a:ln>
+                        </a:bottom>
+                        <a:insideH>
+                          <a:ln w="12700" cmpd="sng">
+                            <a:solidFill>
+                              <a:schemeClr val="lt1"/>
+                            </a:solidFill>
+                          </a:ln>
+                        </a:insideH>
+                        <a:insideV>
+                          <a:ln w="12700" cmpd="sng">
+                            <a:solidFill>
+                              <a:schemeClr val="lt1"/>
+                            </a:solidFill>
+                          </a:ln>
+                        </a:insideV>
+                      </a:tcBdr>
+                      <a:fill>
+                        <a:solidFill>
+                          <a:schemeClr val="accent1">
+                            <a:lum val="90000"/>
+                          </a:schemeClr>
+                        </a:solidFill>
+                      </a:fill>
+                    </a:tcStyle>
+                  </a:wholeTbl>
+                  <a:band1H>
+                    <a:tcTxStyle/>
+                    <a:tcStyle>
+                      <a:tcBdr/>
+                      <a:fill>
+                        <a:solidFill>
+                          <a:schemeClr val="accent1">
+                            <a:lum val="80000"/>
+                          </a:schemeClr>
+                        </a:solidFill>
+                      </a:fill>
+                    </a:tcStyle>
+                  </a:band1H>
+                  <a:band2H>
+                    <a:tcTxStyle/>
+                    <a:tcStyle>
+                      <a:tcBdr/>
+                    </a:tcStyle>
+                  </a:band2H>
+                  <a:band1V>
+                    <a:tcTxStyle/>
+                    <a:tcStyle>
+                      <a:tcBdr/>
+                      <a:fill>
+                        <a:solidFill>
+                          <a:schemeClr val="accent1">
+                            <a:lum val="80000"/>
+                          </a:schemeClr>
+                        </a:solidFill>
+                      </a:fill>
+                    </a:tcStyle>
+                  </a:band1V>
+                  <a:band2V>
+                    <a:tcTxStyle/>
+                    <a:tcStyle>
+                      <a:tcBdr/>
+                    </a:tcStyle>
+                  </a:band2V>
+                  <a:lastCol>
+                    <a:tcTxStyle b="on">
+                      <a:fontRef idx="minor">
+                        <a:prstClr val="black"/>
+                      </a:fontRef>
+                      <a:schemeClr val="lt1"/>
+                    </a:tcTxStyle>
+                    <a:tcStyle>
+                      <a:tcBdr/>
+                      <a:fill>
+                        <a:solidFill>
+                          <a:schemeClr val="accent1"/>
+                        </a:solidFill>
+                      </a:fill>
+                    </a:tcStyle>
+                  </a:lastCol>
+                  <a:firstCol>
+                    <a:tcTxStyle b="on">
+                      <a:fontRef idx="minor">
+                        <a:prstClr val="black"/>
+                      </a:fontRef>
+                      <a:schemeClr val="lt1"/>
+                    </a:tcTxStyle>
+                    <a:tcStyle>
+                      <a:tcBdr/>
+                      <a:fill>
+                        <a:solidFill>
+                          <a:schemeClr val="accent1"/>
+                        </a:solidFill>
+                      </a:fill>
+                    </a:tcStyle>
+                  </a:firstCol>
+                  <a:lastRow>
+                    <a:tcTxStyle b="on">
+                      <a:fontRef idx="minor">
+                        <a:prstClr val="black"/>
+                      </a:fontRef>
+                      <a:schemeClr val="lt1"/>
+                    </a:tcTxStyle>
+                    <a:tcStyle>
+                      <a:tcBdr>
+                        <a:top>
+                          <a:ln w="38100" cmpd="sng">
+                            <a:solidFill>
+                              <a:schemeClr val="lt1"/>
+                            </a:solidFill>
+                          </a:ln>
+                        </a:top>
+                      </a:tcBdr>
+                      <a:fill>
+                        <a:solidFill>
+                          <a:schemeClr val="accent1"/>
+                        </a:solidFill>
+                      </a:fill>
+                    </a:tcStyle>
+                  </a:lastRow>
+                  <a:firstRow>
+                    <a:tcTxStyle b="on">
+                      <a:fontRef idx="minor">
+                        <a:prstClr val="black"/>
+                      </a:fontRef>
+                      <a:schemeClr val="lt1"/>
+                    </a:tcTxStyle>
+                    <a:tcStyle>
+                      <a:tcBdr>
+                        <a:bottom>
+                          <a:ln w="38100" cmpd="sng">
+                            <a:solidFill>
+                              <a:schemeClr val="lt1"/>
+                            </a:solidFill>
+                          </a:ln>
+                        </a:bottom>
+                      </a:tcBdr>
+                      <a:fill>
+                        <a:solidFill>
+                          <a:schemeClr val="accent1"/>
+                        </a:solidFill>
+                      </a:fill>
+                    </a:tcStyle>
+                  </a:firstRow>
+                </a:tableStyle>
+              </a:tblPr>
+              <a:tblGrid>
+                <a:gridCol w="919589"/>
+                <a:gridCol w="919589"/>
+                <a:gridCol w="919589"/>
+                <a:gridCol w="919589"/>
+                <a:gridCol w="919589"/>
+                <a:gridCol w="919589"/>
+                <a:gridCol w="919589"/>
+                <a:gridCol w="919589"/>
+                <a:gridCol w="919589"/>
+              </a:tblGrid>
+              <a:tr h="896919">
+                <a:tc>
+                  <a:txBody>
+                    <a:bodyPr vert="horz" wrap="square" lIns="91440" tIns="45720" rIns="91440" bIns="45720" anchor="ctr" anchorCtr="0">
+                      <a:spAutoFit/>
+                    </a:bodyPr>
+                    <a:p>
+                      <a:pPr lvl="0" algn="ctr">
+                        <a:defRPr/>
+                      </a:pPr>
+                      <a:r>
+                        <a:rPr lang="en-US" altLang="ko-KR" sz="5000" u="sng">
+                          <a:solidFill>
+                            <a:schemeClr val="tx1"/>
+                          </a:solidFill>
+                        </a:rPr>
+                        <a:t>P</a:t>
+                      </a:r>
+                      <a:endParaRPr lang="en-US" altLang="ko-KR" sz="5000" u="sng">
+                        <a:solidFill>
+                          <a:schemeClr val="tx1"/>
+                        </a:solidFill>
+                      </a:endParaRPr>
+                    </a:p>
+                  </a:txBody>
+                  <a:tcPr marL="91440" marR="91440" anchor="ctr">
+                    <a:lnL w="12700" cap="flat" cmpd="sng" algn="ctr">
+                      <a:solidFill>
+                        <a:schemeClr val="tx1"/>
+                      </a:solidFill>
+                      <a:prstDash val="solid"/>
+                      <a:round/>
+                      <a:headEnd w="med" len="med"/>
+                      <a:tailEnd w="med" len="med"/>
+                    </a:lnL>
+                    <a:lnR w="12700" cap="flat" cmpd="sng" algn="ctr">
+                      <a:solidFill>
+                        <a:schemeClr val="tx1"/>
+                      </a:solidFill>
+                      <a:prstDash val="solid"/>
+                      <a:round/>
+                      <a:headEnd w="med" len="med"/>
+                      <a:tailEnd w="med" len="med"/>
+                    </a:lnR>
+                    <a:lnT w="12700" cap="flat" cmpd="sng" algn="ctr">
+                      <a:solidFill>
+                        <a:schemeClr val="tx1"/>
+                      </a:solidFill>
+                      <a:prstDash val="solid"/>
+                      <a:round/>
+                      <a:headEnd w="med" len="med"/>
+                      <a:tailEnd w="med" len="med"/>
+                    </a:lnT>
+                    <a:lnB w="12700" cap="flat" cmpd="sng" algn="ctr">
+                      <a:solidFill>
+                        <a:schemeClr val="tx1"/>
+                      </a:solidFill>
+                      <a:prstDash val="solid"/>
+                      <a:round/>
+                      <a:headEnd w="med" len="med"/>
+                      <a:tailEnd w="med" len="med"/>
+                    </a:lnB>
+                    <a:solidFill>
+                      <a:schemeClr val="lt1"/>
+                    </a:solidFill>
+                  </a:tcPr>
+                </a:tc>
+                <a:tc>
+                  <a:txBody>
+                    <a:bodyPr vert="horz" wrap="square" lIns="91440" tIns="45720" rIns="91440" bIns="45720" anchor="ctr" anchorCtr="0">
+                      <a:spAutoFit/>
+                    </a:bodyPr>
+                    <a:p>
+                      <a:pPr lvl="0" algn="ctr">
+                        <a:defRPr/>
+                      </a:pPr>
+                      <a:r>
+                        <a:rPr lang="en-US" altLang="ko-KR" sz="5000">
+                          <a:solidFill>
+                            <a:schemeClr val="tx1"/>
+                          </a:solidFill>
+                        </a:rPr>
+                        <a:t>L</a:t>
+                      </a:r>
+                      <a:endParaRPr lang="en-US" altLang="ko-KR" sz="5000">
+                        <a:solidFill>
+                          <a:schemeClr val="tx1"/>
+                        </a:solidFill>
+                      </a:endParaRPr>
+                    </a:p>
+                  </a:txBody>
+                  <a:tcPr marL="91440" marR="91440" anchor="ctr">
+                    <a:lnL w="12700" cap="flat" cmpd="sng" algn="ctr">
+                      <a:solidFill>
+                        <a:schemeClr val="tx1"/>
+                      </a:solidFill>
+                      <a:prstDash val="solid"/>
+                      <a:round/>
+                      <a:headEnd w="med" len="med"/>
+                      <a:tailEnd w="med" len="med"/>
+                    </a:lnL>
+                    <a:lnR w="12700" cap="flat" cmpd="sng" algn="ctr">
+                      <a:solidFill>
+                        <a:schemeClr val="tx1"/>
+                      </a:solidFill>
+                      <a:prstDash val="solid"/>
+                      <a:round/>
+                      <a:headEnd w="med" len="med"/>
+                      <a:tailEnd w="med" len="med"/>
+                    </a:lnR>
+                    <a:lnT w="12700" cap="flat" cmpd="sng" algn="ctr">
+                      <a:solidFill>
+                        <a:schemeClr val="tx1"/>
+                      </a:solidFill>
+                      <a:prstDash val="solid"/>
+                      <a:round/>
+                      <a:headEnd w="med" len="med"/>
+                      <a:tailEnd w="med" len="med"/>
+                    </a:lnT>
+                    <a:lnB w="12700" cap="flat" cmpd="sng" algn="ctr">
+                      <a:solidFill>
+                        <a:schemeClr val="tx1"/>
+                      </a:solidFill>
+                      <a:prstDash val="solid"/>
+                      <a:round/>
+                      <a:headEnd w="med" len="med"/>
+                      <a:tailEnd w="med" len="med"/>
+                    </a:lnB>
+                    <a:solidFill>
+                      <a:schemeClr val="lt1"/>
+                    </a:solidFill>
+                  </a:tcPr>
+                </a:tc>
+                <a:tc>
+                  <a:txBody>
+                    <a:bodyPr vert="horz" wrap="square" lIns="91440" tIns="45720" rIns="91440" bIns="45720" anchor="ctr" anchorCtr="0">
+                      <a:spAutoFit/>
+                    </a:bodyPr>
+                    <a:p>
+                      <a:pPr lvl="0" algn="ctr">
+                        <a:defRPr/>
+                      </a:pPr>
+                      <a:endParaRPr lang="en-US" altLang="ko-KR" sz="5000">
+                        <a:solidFill>
+                          <a:schemeClr val="tx1"/>
+                        </a:solidFill>
+                      </a:endParaRPr>
+                    </a:p>
+                  </a:txBody>
+                  <a:tcPr marL="91440" marR="91440" anchor="ctr">
+                    <a:lnL w="12700" cap="flat" cmpd="sng" algn="ctr">
+                      <a:solidFill>
+                        <a:schemeClr val="tx1"/>
+                      </a:solidFill>
+                      <a:prstDash val="solid"/>
+                      <a:round/>
+                      <a:headEnd w="med" len="med"/>
+                      <a:tailEnd w="med" len="med"/>
+                    </a:lnL>
+                    <a:lnR w="12700" cap="flat" cmpd="sng" algn="ctr">
+                      <a:solidFill>
+                        <a:schemeClr val="tx1"/>
+                      </a:solidFill>
+                      <a:prstDash val="solid"/>
+                      <a:round/>
+                      <a:headEnd w="med" len="med"/>
+                      <a:tailEnd w="med" len="med"/>
+                    </a:lnR>
+                    <a:lnT w="12700" cap="flat" cmpd="sng" algn="ctr">
+                      <a:solidFill>
+                        <a:schemeClr val="tx1"/>
+                      </a:solidFill>
+                      <a:prstDash val="solid"/>
+                      <a:round/>
+                      <a:headEnd w="med" len="med"/>
+                      <a:tailEnd w="med" len="med"/>
+                    </a:lnT>
+                    <a:lnB w="12700" cap="flat" cmpd="sng" algn="ctr">
+                      <a:solidFill>
+                        <a:schemeClr val="tx1"/>
+                      </a:solidFill>
+                      <a:prstDash val="solid"/>
+                      <a:round/>
+                      <a:headEnd w="med" len="med"/>
+                      <a:tailEnd w="med" len="med"/>
+                    </a:lnB>
+                    <a:solidFill>
+                      <a:schemeClr val="lt1"/>
+                    </a:solidFill>
+                  </a:tcPr>
+                </a:tc>
+                <a:tc>
+                  <a:txBody>
+                    <a:bodyPr vert="horz" wrap="square" lIns="91440" tIns="45720" rIns="91440" bIns="45720" anchor="ctr" anchorCtr="0">
+                      <a:spAutoFit/>
+                    </a:bodyPr>
+                    <a:p>
+                      <a:pPr lvl="0" algn="ctr">
+                        <a:defRPr/>
+                      </a:pPr>
+                      <a:r>
+                        <a:rPr lang="en-US" altLang="ko-KR" sz="5000" u="sng">
+                          <a:solidFill>
+                            <a:schemeClr val="tx1"/>
+                          </a:solidFill>
+                        </a:rPr>
+                        <a:t>_</a:t>
+                      </a:r>
+                      <a:endParaRPr lang="en-US" altLang="ko-KR" sz="5000" u="sng">
+                        <a:solidFill>
+                          <a:schemeClr val="tx1"/>
+                        </a:solidFill>
+                      </a:endParaRPr>
+                    </a:p>
+                  </a:txBody>
+                  <a:tcPr marL="91440" marR="91440" anchor="ctr">
+                    <a:lnL w="12700" cap="flat" cmpd="sng" algn="ctr">
+                      <a:solidFill>
+                        <a:schemeClr val="tx1"/>
+                      </a:solidFill>
+                      <a:prstDash val="solid"/>
+                      <a:round/>
+                      <a:headEnd w="med" len="med"/>
+                      <a:tailEnd w="med" len="med"/>
+                    </a:lnL>
+                    <a:lnR w="12700" cap="flat" cmpd="sng" algn="ctr">
+                      <a:solidFill>
+                        <a:schemeClr val="tx1"/>
+                      </a:solidFill>
+                      <a:prstDash val="solid"/>
+                      <a:round/>
+                      <a:headEnd w="med" len="med"/>
+                      <a:tailEnd w="med" len="med"/>
+                    </a:lnR>
+                    <a:lnT w="12700" cap="flat" cmpd="sng" algn="ctr">
+                      <a:solidFill>
+                        <a:schemeClr val="tx1"/>
+                      </a:solidFill>
+                      <a:prstDash val="solid"/>
+                      <a:round/>
+                      <a:headEnd w="med" len="med"/>
+                      <a:tailEnd w="med" len="med"/>
+                    </a:lnT>
+                    <a:lnB w="12700" cap="flat" cmpd="sng" algn="ctr">
+                      <a:solidFill>
+                        <a:schemeClr val="tx1"/>
+                      </a:solidFill>
+                      <a:prstDash val="solid"/>
+                      <a:round/>
+                      <a:headEnd w="med" len="med"/>
+                      <a:tailEnd w="med" len="med"/>
+                    </a:lnB>
+                    <a:solidFill>
+                      <a:schemeClr val="lt1"/>
+                    </a:solidFill>
+                  </a:tcPr>
+                </a:tc>
+                <a:tc>
+                  <a:txBody>
+                    <a:bodyPr vert="horz" wrap="square" lIns="91440" tIns="45720" rIns="91440" bIns="45720" anchor="ctr" anchorCtr="0">
+                      <a:spAutoFit/>
+                    </a:bodyPr>
+                    <a:p>
+                      <a:pPr lvl="0" algn="ctr">
+                        <a:defRPr/>
+                      </a:pPr>
+                      <a:r>
+                        <a:rPr lang="en-US" altLang="ko-KR" sz="5000">
+                          <a:solidFill>
+                            <a:schemeClr val="tx1"/>
+                          </a:solidFill>
+                        </a:rPr>
+                        <a:t>L</a:t>
+                      </a:r>
+                      <a:endParaRPr lang="en-US" altLang="ko-KR" sz="5000">
+                        <a:solidFill>
+                          <a:schemeClr val="tx1"/>
+                        </a:solidFill>
+                      </a:endParaRPr>
+                    </a:p>
+                  </a:txBody>
+                  <a:tcPr marL="91440" marR="91440" anchor="ctr">
+                    <a:lnL w="12700" cap="flat" cmpd="sng" algn="ctr">
+                      <a:solidFill>
+                        <a:schemeClr val="tx1"/>
+                      </a:solidFill>
+                      <a:prstDash val="solid"/>
+                      <a:round/>
+                      <a:headEnd w="med" len="med"/>
+                      <a:tailEnd w="med" len="med"/>
+                    </a:lnL>
+                    <a:lnR w="12700" cap="flat" cmpd="sng" algn="ctr">
+                      <a:solidFill>
+                        <a:schemeClr val="tx1"/>
+                      </a:solidFill>
+                      <a:prstDash val="solid"/>
+                      <a:round/>
+                      <a:headEnd w="med" len="med"/>
+                      <a:tailEnd w="med" len="med"/>
+                    </a:lnR>
+                    <a:lnT w="12700" cap="flat" cmpd="sng" algn="ctr">
+                      <a:solidFill>
+                        <a:schemeClr val="tx1"/>
+                      </a:solidFill>
+                      <a:prstDash val="solid"/>
+                      <a:round/>
+                      <a:headEnd w="med" len="med"/>
+                      <a:tailEnd w="med" len="med"/>
+                    </a:lnT>
+                    <a:lnB w="12700" cap="flat" cmpd="sng" algn="ctr">
+                      <a:solidFill>
+                        <a:schemeClr val="tx1"/>
+                      </a:solidFill>
+                      <a:prstDash val="solid"/>
+                      <a:round/>
+                      <a:headEnd w="med" len="med"/>
+                      <a:tailEnd w="med" len="med"/>
+                    </a:lnB>
+                    <a:solidFill>
+                      <a:schemeClr val="lt1"/>
+                    </a:solidFill>
+                  </a:tcPr>
+                </a:tc>
+                <a:tc>
+                  <a:txBody>
+                    <a:bodyPr vert="horz" wrap="square" lIns="91440" tIns="45720" rIns="91440" bIns="45720" anchor="ctr" anchorCtr="0">
+                      <a:spAutoFit/>
+                    </a:bodyPr>
+                    <a:p>
+                      <a:pPr lvl="0" algn="ctr">
+                        <a:defRPr/>
+                      </a:pPr>
+                      <a:r>
+                        <a:rPr lang="en-US" altLang="ko-KR" sz="5000">
+                          <a:solidFill>
+                            <a:schemeClr val="tx1"/>
+                          </a:solidFill>
+                        </a:rPr>
+                        <a:t>_</a:t>
+                      </a:r>
+                      <a:endParaRPr lang="en-US" altLang="ko-KR" sz="5000">
+                        <a:solidFill>
+                          <a:schemeClr val="tx1"/>
+                        </a:solidFill>
+                      </a:endParaRPr>
+                    </a:p>
+                  </a:txBody>
+                  <a:tcPr marL="91440" marR="91440" anchor="ctr">
+                    <a:lnL w="12700" cap="flat" cmpd="sng" algn="ctr">
+                      <a:solidFill>
+                        <a:schemeClr val="tx1"/>
+                      </a:solidFill>
+                      <a:prstDash val="solid"/>
+                      <a:round/>
+                      <a:headEnd w="med" len="med"/>
+                      <a:tailEnd w="med" len="med"/>
+                    </a:lnL>
+                    <a:lnR w="12700" cap="flat" cmpd="sng" algn="ctr">
+                      <a:solidFill>
+                        <a:schemeClr val="tx1"/>
+                      </a:solidFill>
+                      <a:prstDash val="solid"/>
+                      <a:round/>
+                      <a:headEnd w="med" len="med"/>
+                      <a:tailEnd w="med" len="med"/>
+                    </a:lnR>
+                    <a:lnT w="12700" cap="flat" cmpd="sng" algn="ctr">
+                      <a:solidFill>
+                        <a:schemeClr val="tx1"/>
+                      </a:solidFill>
+                      <a:prstDash val="solid"/>
+                      <a:round/>
+                      <a:headEnd w="med" len="med"/>
+                      <a:tailEnd w="med" len="med"/>
+                    </a:lnT>
+                    <a:lnB w="12700" cap="flat" cmpd="sng" algn="ctr">
+                      <a:solidFill>
+                        <a:schemeClr val="tx1"/>
+                      </a:solidFill>
+                      <a:prstDash val="solid"/>
+                      <a:round/>
+                      <a:headEnd w="med" len="med"/>
+                      <a:tailEnd w="med" len="med"/>
+                    </a:lnB>
+                    <a:solidFill>
+                      <a:schemeClr val="lt1"/>
+                    </a:solidFill>
+                  </a:tcPr>
+                </a:tc>
+                <a:tc>
+                  <a:txBody>
+                    <a:bodyPr vert="horz" wrap="square" lIns="91440" tIns="45720" rIns="91440" bIns="45720" anchor="ctr" anchorCtr="0">
+                      <a:spAutoFit/>
+                    </a:bodyPr>
+                    <a:p>
+                      <a:pPr lvl="0" algn="ctr">
+                        <a:defRPr/>
+                      </a:pPr>
+                      <a:r>
+                        <a:rPr lang="en-US" altLang="ko-KR" sz="5000">
+                          <a:solidFill>
+                            <a:schemeClr val="tx1"/>
+                          </a:solidFill>
+                        </a:rPr>
+                        <a:t>L</a:t>
+                      </a:r>
+                      <a:endParaRPr lang="en-US" altLang="ko-KR" sz="5000">
+                        <a:solidFill>
+                          <a:schemeClr val="tx1"/>
+                        </a:solidFill>
+                      </a:endParaRPr>
+                    </a:p>
+                  </a:txBody>
+                  <a:tcPr marL="91440" marR="91440" anchor="ctr">
+                    <a:lnL w="12700" cap="flat" cmpd="sng" algn="ctr">
+                      <a:solidFill>
+                        <a:schemeClr val="tx1"/>
+                      </a:solidFill>
+                      <a:prstDash val="solid"/>
+                      <a:round/>
+                      <a:headEnd w="med" len="med"/>
+                      <a:tailEnd w="med" len="med"/>
+                    </a:lnL>
+                    <a:lnR w="12700" cap="flat" cmpd="sng" algn="ctr">
+                      <a:solidFill>
+                        <a:schemeClr val="tx1"/>
+                      </a:solidFill>
+                      <a:prstDash val="solid"/>
+                      <a:round/>
+                      <a:headEnd w="med" len="med"/>
+                      <a:tailEnd w="med" len="med"/>
+                    </a:lnR>
+                    <a:lnT w="12700" cap="flat" cmpd="sng" algn="ctr">
+                      <a:solidFill>
+                        <a:schemeClr val="tx1"/>
+                      </a:solidFill>
+                      <a:prstDash val="solid"/>
+                      <a:round/>
+                      <a:headEnd w="med" len="med"/>
+                      <a:tailEnd w="med" len="med"/>
+                    </a:lnT>
+                    <a:lnB w="12700" cap="flat" cmpd="sng" algn="ctr">
+                      <a:solidFill>
+                        <a:schemeClr val="tx1"/>
+                      </a:solidFill>
+                      <a:prstDash val="solid"/>
+                      <a:round/>
+                      <a:headEnd w="med" len="med"/>
+                      <a:tailEnd w="med" len="med"/>
+                    </a:lnB>
+                    <a:solidFill>
+                      <a:schemeClr val="lt1"/>
+                    </a:solidFill>
+                  </a:tcPr>
+                </a:tc>
+                <a:tc>
+                  <a:txBody>
+                    <a:bodyPr vert="horz" wrap="square" lIns="91440" tIns="45720" rIns="91440" bIns="45720" anchor="ctr" anchorCtr="0">
+                      <a:spAutoFit/>
+                    </a:bodyPr>
+                    <a:p>
+                      <a:pPr lvl="0" algn="ctr">
+                        <a:defRPr/>
+                      </a:pPr>
+                      <a:r>
+                        <a:rPr lang="en-US" altLang="ko-KR" sz="5000">
+                          <a:solidFill>
+                            <a:schemeClr val="tx1"/>
+                          </a:solidFill>
+                        </a:rPr>
+                        <a:t>_</a:t>
+                      </a:r>
+                      <a:endParaRPr lang="en-US" altLang="ko-KR" sz="5000">
+                        <a:solidFill>
+                          <a:schemeClr val="tx1"/>
+                        </a:solidFill>
+                      </a:endParaRPr>
+                    </a:p>
+                  </a:txBody>
+                  <a:tcPr marL="91440" marR="91440" anchor="ctr">
+                    <a:lnL w="12700" cap="flat" cmpd="sng" algn="ctr">
+                      <a:solidFill>
+                        <a:schemeClr val="tx1"/>
+                      </a:solidFill>
+                      <a:prstDash val="solid"/>
+                      <a:round/>
+                      <a:headEnd w="med" len="med"/>
+                      <a:tailEnd w="med" len="med"/>
+                    </a:lnL>
+                    <a:lnR w="12700" cap="flat" cmpd="sng" algn="ctr">
+                      <a:solidFill>
+                        <a:schemeClr val="tx1"/>
+                      </a:solidFill>
+                      <a:prstDash val="solid"/>
+                      <a:round/>
+                      <a:headEnd w="med" len="med"/>
+                      <a:tailEnd w="med" len="med"/>
+                    </a:lnR>
+                    <a:lnT w="12700" cap="flat" cmpd="sng" algn="ctr">
+                      <a:solidFill>
+                        <a:schemeClr val="tx1"/>
+                      </a:solidFill>
+                      <a:prstDash val="solid"/>
+                      <a:round/>
+                      <a:headEnd w="med" len="med"/>
+                      <a:tailEnd w="med" len="med"/>
+                    </a:lnT>
+                    <a:lnB w="12700" cap="flat" cmpd="sng" algn="ctr">
+                      <a:solidFill>
+                        <a:schemeClr val="tx1"/>
+                      </a:solidFill>
+                      <a:prstDash val="solid"/>
+                      <a:round/>
+                      <a:headEnd w="med" len="med"/>
+                      <a:tailEnd w="med" len="med"/>
+                    </a:lnB>
+                    <a:solidFill>
+                      <a:schemeClr val="lt1"/>
+                    </a:solidFill>
+                  </a:tcPr>
+                </a:tc>
+                <a:tc>
+                  <a:txBody>
+                    <a:bodyPr vert="horz" wrap="square" lIns="91440" tIns="45720" rIns="91440" bIns="45720" anchor="ctr" anchorCtr="0">
+                      <a:spAutoFit/>
+                    </a:bodyPr>
+                    <a:p>
+                      <a:pPr lvl="0" algn="ctr">
+                        <a:defRPr/>
+                      </a:pPr>
+                      <a:endParaRPr lang="en-US" altLang="ko-KR" sz="5000">
+                        <a:solidFill>
+                          <a:schemeClr val="tx1"/>
+                        </a:solidFill>
+                      </a:endParaRPr>
+                    </a:p>
+                  </a:txBody>
+                  <a:tcPr marL="91440" marR="91440" anchor="ctr">
+                    <a:lnL w="12700" cap="flat" cmpd="sng" algn="ctr">
+                      <a:solidFill>
+                        <a:schemeClr val="tx1"/>
+                      </a:solidFill>
+                      <a:prstDash val="solid"/>
+                      <a:round/>
+                      <a:headEnd w="med" len="med"/>
+                      <a:tailEnd w="med" len="med"/>
+                    </a:lnL>
+                    <a:lnR w="12700" cap="flat" cmpd="sng" algn="ctr">
+                      <a:solidFill>
+                        <a:schemeClr val="tx1"/>
+                      </a:solidFill>
+                      <a:prstDash val="solid"/>
+                      <a:round/>
+                      <a:headEnd w="med" len="med"/>
+                      <a:tailEnd w="med" len="med"/>
+                    </a:lnR>
+                    <a:lnT w="12700" cap="flat" cmpd="sng" algn="ctr">
+                      <a:solidFill>
+                        <a:schemeClr val="tx1"/>
+                      </a:solidFill>
+                      <a:prstDash val="solid"/>
+                      <a:round/>
+                      <a:headEnd w="med" len="med"/>
+                      <a:tailEnd w="med" len="med"/>
+                    </a:lnT>
+                    <a:lnB w="12700" cap="flat" cmpd="sng" algn="ctr">
+                      <a:solidFill>
+                        <a:schemeClr val="tx1"/>
+                      </a:solidFill>
+                      <a:prstDash val="solid"/>
+                      <a:round/>
+                      <a:headEnd w="med" len="med"/>
+                      <a:tailEnd w="med" len="med"/>
+                    </a:lnB>
+                    <a:solidFill>
+                      <a:schemeClr val="lt1"/>
+                    </a:solidFill>
+                  </a:tcPr>
+                </a:tc>
+              </a:tr>
+              <a:tr h="896919">
+                <a:tc>
+                  <a:txBody>
+                    <a:bodyPr vert="horz" wrap="square" lIns="91440" tIns="45720" rIns="91440" bIns="45720" anchor="ctr" anchorCtr="0">
+                      <a:spAutoFit/>
+                    </a:bodyPr>
+                    <a:p>
+                      <a:pPr lvl="0" algn="ctr">
+                        <a:defRPr/>
+                      </a:pPr>
+                      <a:r>
+                        <a:rPr lang="en-US" altLang="ko-KR" sz="5000" b="1" u="none">
+                          <a:solidFill>
+                            <a:schemeClr val="tx1"/>
+                          </a:solidFill>
+                        </a:rPr>
+                        <a:t>_</a:t>
+                      </a:r>
+                      <a:endParaRPr lang="en-US" altLang="ko-KR" sz="5000" b="1" u="none">
+                        <a:solidFill>
+                          <a:schemeClr val="tx1"/>
+                        </a:solidFill>
+                      </a:endParaRPr>
+                    </a:p>
+                  </a:txBody>
+                  <a:tcPr marL="91440" marR="91440" anchor="ctr">
+                    <a:lnL w="12700" cap="flat" cmpd="sng" algn="ctr">
+                      <a:solidFill>
+                        <a:schemeClr val="tx1"/>
+                      </a:solidFill>
+                      <a:prstDash val="solid"/>
+                      <a:round/>
+                      <a:headEnd w="med" len="med"/>
+                      <a:tailEnd w="med" len="med"/>
+                    </a:lnL>
+                    <a:lnR w="12700" cap="flat" cmpd="sng" algn="ctr">
+                      <a:solidFill>
+                        <a:schemeClr val="tx1"/>
+                      </a:solidFill>
+                      <a:prstDash val="solid"/>
+                      <a:round/>
+                      <a:headEnd w="med" len="med"/>
+                      <a:tailEnd w="med" len="med"/>
+                    </a:lnR>
+                    <a:lnT w="12700" cap="flat" cmpd="sng" algn="ctr">
+                      <a:solidFill>
+                        <a:schemeClr val="tx1"/>
+                      </a:solidFill>
+                      <a:prstDash val="solid"/>
+                      <a:round/>
+                      <a:headEnd w="med" len="med"/>
+                      <a:tailEnd w="med" len="med"/>
+                    </a:lnT>
+                    <a:lnB w="12700" cap="flat" cmpd="sng" algn="ctr">
+                      <a:solidFill>
+                        <a:schemeClr val="tx1"/>
+                      </a:solidFill>
+                      <a:prstDash val="solid"/>
+                      <a:round/>
+                      <a:headEnd w="med" len="med"/>
+                      <a:tailEnd w="med" len="med"/>
+                    </a:lnB>
+                    <a:solidFill>
+                      <a:schemeClr val="lt1"/>
+                    </a:solidFill>
+                  </a:tcPr>
+                </a:tc>
+                <a:tc>
+                  <a:txBody>
+                    <a:bodyPr vert="horz" wrap="square" lIns="91440" tIns="45720" rIns="91440" bIns="45720" anchor="ctr" anchorCtr="0">
+                      <a:spAutoFit/>
+                    </a:bodyPr>
+                    <a:p>
+                      <a:pPr lvl="0" algn="ctr">
+                        <a:defRPr/>
+                      </a:pPr>
+                      <a:r>
+                        <a:rPr lang="en-US" altLang="ko-KR" sz="5000" b="1" u="none">
+                          <a:solidFill>
+                            <a:schemeClr val="tx1"/>
+                          </a:solidFill>
+                        </a:rPr>
+                        <a:t>L</a:t>
+                      </a:r>
+                      <a:endParaRPr lang="en-US" altLang="ko-KR" sz="5000" b="1" u="none">
+                        <a:solidFill>
+                          <a:schemeClr val="tx1"/>
+                        </a:solidFill>
+                      </a:endParaRPr>
+                    </a:p>
+                  </a:txBody>
+                  <a:tcPr marL="91440" marR="91440" anchor="ctr">
+                    <a:lnL w="12700" cap="flat" cmpd="sng" algn="ctr">
+                      <a:solidFill>
+                        <a:schemeClr val="tx1"/>
+                      </a:solidFill>
+                      <a:prstDash val="solid"/>
+                      <a:round/>
+                      <a:headEnd w="med" len="med"/>
+                      <a:tailEnd w="med" len="med"/>
+                    </a:lnL>
+                    <a:lnR w="12700" cap="flat" cmpd="sng" algn="ctr">
+                      <a:solidFill>
+                        <a:schemeClr val="tx1"/>
+                      </a:solidFill>
+                      <a:prstDash val="solid"/>
+                      <a:round/>
+                      <a:headEnd w="med" len="med"/>
+                      <a:tailEnd w="med" len="med"/>
+                    </a:lnR>
+                    <a:lnT w="12700" cap="flat" cmpd="sng" algn="ctr">
+                      <a:solidFill>
+                        <a:schemeClr val="tx1"/>
+                      </a:solidFill>
+                      <a:prstDash val="solid"/>
+                      <a:round/>
+                      <a:headEnd w="med" len="med"/>
+                      <a:tailEnd w="med" len="med"/>
+                    </a:lnT>
+                    <a:lnB w="12700" cap="flat" cmpd="sng" algn="ctr">
+                      <a:solidFill>
+                        <a:schemeClr val="tx1"/>
+                      </a:solidFill>
+                      <a:prstDash val="solid"/>
+                      <a:round/>
+                      <a:headEnd w="med" len="med"/>
+                      <a:tailEnd w="med" len="med"/>
+                    </a:lnB>
+                    <a:solidFill>
+                      <a:schemeClr val="lt1"/>
+                    </a:solidFill>
+                  </a:tcPr>
+                </a:tc>
+                <a:tc>
+                  <a:txBody>
+                    <a:bodyPr vert="horz" wrap="square" lIns="91440" tIns="45720" rIns="91440" bIns="45720" anchor="ctr" anchorCtr="0">
+                      <a:spAutoFit/>
+                    </a:bodyPr>
+                    <a:p>
+                      <a:pPr lvl="0" algn="ctr">
+                        <a:defRPr/>
+                      </a:pPr>
+                      <a:r>
+                        <a:rPr lang="en-US" altLang="ko-KR" sz="5000" b="1" u="none">
+                          <a:solidFill>
+                            <a:schemeClr val="tx1"/>
+                          </a:solidFill>
+                        </a:rPr>
+                        <a:t>_</a:t>
+                      </a:r>
+                      <a:endParaRPr lang="en-US" altLang="ko-KR" sz="5000" b="1" u="none">
+                        <a:solidFill>
+                          <a:schemeClr val="tx1"/>
+                        </a:solidFill>
+                      </a:endParaRPr>
+                    </a:p>
+                  </a:txBody>
+                  <a:tcPr marL="91440" marR="91440" anchor="ctr">
+                    <a:lnL w="12700" cap="flat" cmpd="sng" algn="ctr">
+                      <a:solidFill>
+                        <a:schemeClr val="tx1"/>
+                      </a:solidFill>
+                      <a:prstDash val="solid"/>
+                      <a:round/>
+                      <a:headEnd w="med" len="med"/>
+                      <a:tailEnd w="med" len="med"/>
+                    </a:lnL>
+                    <a:lnR w="12700" cap="flat" cmpd="sng" algn="ctr">
+                      <a:solidFill>
+                        <a:schemeClr val="tx1"/>
+                      </a:solidFill>
+                      <a:prstDash val="solid"/>
+                      <a:round/>
+                      <a:headEnd w="med" len="med"/>
+                      <a:tailEnd w="med" len="med"/>
+                    </a:lnR>
+                    <a:lnT w="12700" cap="flat" cmpd="sng" algn="ctr">
+                      <a:solidFill>
+                        <a:schemeClr val="tx1"/>
+                      </a:solidFill>
+                      <a:prstDash val="solid"/>
+                      <a:round/>
+                      <a:headEnd w="med" len="med"/>
+                      <a:tailEnd w="med" len="med"/>
+                    </a:lnT>
+                    <a:lnB w="12700" cap="flat" cmpd="sng" algn="ctr">
+                      <a:solidFill>
+                        <a:schemeClr val="tx1"/>
+                      </a:solidFill>
+                      <a:prstDash val="solid"/>
+                      <a:round/>
+                      <a:headEnd w="med" len="med"/>
+                      <a:tailEnd w="med" len="med"/>
+                    </a:lnB>
+                    <a:solidFill>
+                      <a:schemeClr val="lt1"/>
+                    </a:solidFill>
+                  </a:tcPr>
+                </a:tc>
+                <a:tc>
+                  <a:txBody>
+                    <a:bodyPr vert="horz" wrap="square" lIns="91440" tIns="45720" rIns="91440" bIns="45720" anchor="ctr" anchorCtr="0">
+                      <a:spAutoFit/>
+                    </a:bodyPr>
+                    <a:p>
+                      <a:pPr lvl="0" algn="ctr">
+                        <a:defRPr/>
+                      </a:pPr>
+                      <a:r>
+                        <a:rPr lang="en-US" altLang="ko-KR" sz="5000" b="1" u="none">
+                          <a:solidFill>
+                            <a:schemeClr val="tx1"/>
+                          </a:solidFill>
+                        </a:rPr>
+                        <a:t>_</a:t>
+                      </a:r>
+                      <a:endParaRPr lang="en-US" altLang="ko-KR" sz="5000" b="1" u="none">
+                        <a:solidFill>
+                          <a:schemeClr val="tx1"/>
+                        </a:solidFill>
+                      </a:endParaRPr>
+                    </a:p>
+                  </a:txBody>
+                  <a:tcPr marL="91440" marR="91440" anchor="ctr">
+                    <a:lnL w="12700" cap="flat" cmpd="sng" algn="ctr">
+                      <a:solidFill>
+                        <a:schemeClr val="tx1"/>
+                      </a:solidFill>
+                      <a:prstDash val="solid"/>
+                      <a:round/>
+                      <a:headEnd w="med" len="med"/>
+                      <a:tailEnd w="med" len="med"/>
+                    </a:lnL>
+                    <a:lnR w="12700" cap="flat" cmpd="sng" algn="ctr">
+                      <a:solidFill>
+                        <a:schemeClr val="tx1"/>
+                      </a:solidFill>
+                      <a:prstDash val="solid"/>
+                      <a:round/>
+                      <a:headEnd w="med" len="med"/>
+                      <a:tailEnd w="med" len="med"/>
+                    </a:lnR>
+                    <a:lnT w="12700" cap="flat" cmpd="sng" algn="ctr">
+                      <a:solidFill>
+                        <a:schemeClr val="tx1"/>
+                      </a:solidFill>
+                      <a:prstDash val="solid"/>
+                      <a:round/>
+                      <a:headEnd w="med" len="med"/>
+                      <a:tailEnd w="med" len="med"/>
+                    </a:lnT>
+                    <a:lnB w="12700" cap="flat" cmpd="sng" algn="ctr">
+                      <a:solidFill>
+                        <a:schemeClr val="tx1"/>
+                      </a:solidFill>
+                      <a:prstDash val="solid"/>
+                      <a:round/>
+                      <a:headEnd w="med" len="med"/>
+                      <a:tailEnd w="med" len="med"/>
+                    </a:lnB>
+                    <a:solidFill>
+                      <a:schemeClr val="lt1"/>
+                    </a:solidFill>
+                  </a:tcPr>
+                </a:tc>
+                <a:tc>
+                  <a:txBody>
+                    <a:bodyPr vert="horz" wrap="square" lIns="91440" tIns="45720" rIns="91440" bIns="45720" anchor="ctr" anchorCtr="0">
+                      <a:spAutoFit/>
+                    </a:bodyPr>
+                    <a:p>
+                      <a:pPr lvl="0" algn="ctr">
+                        <a:defRPr/>
+                      </a:pPr>
+                      <a:r>
+                        <a:rPr lang="en-US" altLang="ko-KR" sz="5000" b="1">
+                          <a:solidFill>
+                            <a:schemeClr val="tx1"/>
+                          </a:solidFill>
+                        </a:rPr>
+                        <a:t>L</a:t>
+                      </a:r>
+                      <a:endParaRPr lang="en-US" altLang="ko-KR" sz="5000" b="1">
+                        <a:solidFill>
+                          <a:schemeClr val="tx1"/>
+                        </a:solidFill>
+                      </a:endParaRPr>
+                    </a:p>
+                  </a:txBody>
+                  <a:tcPr marL="91440" marR="91440" anchor="ctr">
+                    <a:lnL w="12700" cap="flat" cmpd="sng" algn="ctr">
+                      <a:solidFill>
+                        <a:schemeClr val="tx1"/>
+                      </a:solidFill>
+                      <a:prstDash val="solid"/>
+                      <a:round/>
+                      <a:headEnd w="med" len="med"/>
+                      <a:tailEnd w="med" len="med"/>
+                    </a:lnL>
+                    <a:lnR w="12700" cap="flat" cmpd="sng" algn="ctr">
+                      <a:solidFill>
+                        <a:schemeClr val="tx1"/>
+                      </a:solidFill>
+                      <a:prstDash val="solid"/>
+                      <a:round/>
+                      <a:headEnd w="med" len="med"/>
+                      <a:tailEnd w="med" len="med"/>
+                    </a:lnR>
+                    <a:lnT w="12700" cap="flat" cmpd="sng" algn="ctr">
+                      <a:solidFill>
+                        <a:schemeClr val="tx1"/>
+                      </a:solidFill>
+                      <a:prstDash val="solid"/>
+                      <a:round/>
+                      <a:headEnd w="med" len="med"/>
+                      <a:tailEnd w="med" len="med"/>
+                    </a:lnT>
+                    <a:lnB w="12700" cap="flat" cmpd="sng" algn="ctr">
+                      <a:solidFill>
+                        <a:schemeClr val="tx1"/>
+                      </a:solidFill>
+                      <a:prstDash val="solid"/>
+                      <a:round/>
+                      <a:headEnd w="med" len="med"/>
+                      <a:tailEnd w="med" len="med"/>
+                    </a:lnB>
+                    <a:solidFill>
+                      <a:schemeClr val="lt1"/>
+                    </a:solidFill>
+                  </a:tcPr>
+                </a:tc>
+                <a:tc>
+                  <a:txBody>
+                    <a:bodyPr vert="horz" wrap="square" lIns="91440" tIns="45720" rIns="91440" bIns="45720" anchor="ctr" anchorCtr="0">
+                      <a:spAutoFit/>
+                    </a:bodyPr>
+                    <a:p>
+                      <a:pPr lvl="0" algn="ctr">
+                        <a:defRPr/>
+                      </a:pPr>
+                      <a:endParaRPr lang="en-US" altLang="ko-KR" sz="5000" b="1">
+                        <a:solidFill>
+                          <a:schemeClr val="tx1"/>
+                        </a:solidFill>
+                      </a:endParaRPr>
+                    </a:p>
+                  </a:txBody>
+                  <a:tcPr marL="91440" marR="91440" anchor="ctr">
+                    <a:lnL w="12700" cap="flat" cmpd="sng" algn="ctr">
+                      <a:solidFill>
+                        <a:schemeClr val="tx1"/>
+                      </a:solidFill>
+                      <a:prstDash val="solid"/>
+                      <a:round/>
+                      <a:headEnd w="med" len="med"/>
+                      <a:tailEnd w="med" len="med"/>
+                    </a:lnL>
+                    <a:lnR w="12700" cap="flat" cmpd="sng" algn="ctr">
+                      <a:solidFill>
+                        <a:schemeClr val="tx1"/>
+                      </a:solidFill>
+                      <a:prstDash val="solid"/>
+                      <a:round/>
+                      <a:headEnd w="med" len="med"/>
+                      <a:tailEnd w="med" len="med"/>
+                    </a:lnR>
+                    <a:lnT w="12700" cap="flat" cmpd="sng" algn="ctr">
+                      <a:solidFill>
+                        <a:schemeClr val="tx1"/>
+                      </a:solidFill>
+                      <a:prstDash val="solid"/>
+                      <a:round/>
+                      <a:headEnd w="med" len="med"/>
+                      <a:tailEnd w="med" len="med"/>
+                    </a:lnT>
+                    <a:lnB w="12700" cap="flat" cmpd="sng" algn="ctr">
+                      <a:solidFill>
+                        <a:schemeClr val="tx1"/>
+                      </a:solidFill>
+                      <a:prstDash val="solid"/>
+                      <a:round/>
+                      <a:headEnd w="med" len="med"/>
+                      <a:tailEnd w="med" len="med"/>
+                    </a:lnB>
+                    <a:solidFill>
+                      <a:schemeClr val="lt1"/>
+                    </a:solidFill>
+                  </a:tcPr>
+                </a:tc>
+                <a:tc>
+                  <a:txBody>
+                    <a:bodyPr vert="horz" wrap="square" lIns="91440" tIns="45720" rIns="91440" bIns="45720" anchor="ctr" anchorCtr="0">
+                      <a:spAutoFit/>
+                    </a:bodyPr>
+                    <a:p>
+                      <a:pPr lvl="0" algn="ctr">
+                        <a:defRPr/>
+                      </a:pPr>
+                      <a:r>
+                        <a:rPr lang="en-US" altLang="ko-KR" sz="5000" b="1">
+                          <a:solidFill>
+                            <a:schemeClr val="tx1"/>
+                          </a:solidFill>
+                        </a:rPr>
+                        <a:t>L</a:t>
+                      </a:r>
+                      <a:endParaRPr lang="en-US" altLang="ko-KR" sz="5000" b="1">
+                        <a:solidFill>
+                          <a:schemeClr val="tx1"/>
+                        </a:solidFill>
+                      </a:endParaRPr>
+                    </a:p>
+                  </a:txBody>
+                  <a:tcPr marL="91440" marR="91440" anchor="ctr">
+                    <a:lnL w="12700" cap="flat" cmpd="sng" algn="ctr">
+                      <a:solidFill>
+                        <a:schemeClr val="tx1"/>
+                      </a:solidFill>
+                      <a:prstDash val="solid"/>
+                      <a:round/>
+                      <a:headEnd w="med" len="med"/>
+                      <a:tailEnd w="med" len="med"/>
+                    </a:lnL>
+                    <a:lnR w="12700" cap="flat" cmpd="sng" algn="ctr">
+                      <a:solidFill>
+                        <a:schemeClr val="tx1"/>
+                      </a:solidFill>
+                      <a:prstDash val="solid"/>
+                      <a:round/>
+                      <a:headEnd w="med" len="med"/>
+                      <a:tailEnd w="med" len="med"/>
+                    </a:lnR>
+                    <a:lnT w="12700" cap="flat" cmpd="sng" algn="ctr">
+                      <a:solidFill>
+                        <a:schemeClr val="tx1"/>
+                      </a:solidFill>
+                      <a:prstDash val="solid"/>
+                      <a:round/>
+                      <a:headEnd w="med" len="med"/>
+                      <a:tailEnd w="med" len="med"/>
+                    </a:lnT>
+                    <a:lnB w="12700" cap="flat" cmpd="sng" algn="ctr">
+                      <a:solidFill>
+                        <a:schemeClr val="tx1"/>
+                      </a:solidFill>
+                      <a:prstDash val="solid"/>
+                      <a:round/>
+                      <a:headEnd w="med" len="med"/>
+                      <a:tailEnd w="med" len="med"/>
+                    </a:lnB>
+                    <a:solidFill>
+                      <a:schemeClr val="lt1"/>
+                    </a:solidFill>
+                  </a:tcPr>
+                </a:tc>
+                <a:tc>
+                  <a:txBody>
+                    <a:bodyPr vert="horz" wrap="square" lIns="91440" tIns="45720" rIns="91440" bIns="45720" anchor="ctr" anchorCtr="0">
+                      <a:spAutoFit/>
+                    </a:bodyPr>
+                    <a:p>
+                      <a:pPr lvl="0" algn="ctr">
+                        <a:defRPr/>
+                      </a:pPr>
+                      <a:r>
+                        <a:rPr lang="en-US" altLang="ko-KR" sz="5000" b="1" u="sng">
+                          <a:solidFill>
+                            <a:schemeClr val="tx1"/>
+                          </a:solidFill>
+                        </a:rPr>
+                        <a:t>_</a:t>
+                      </a:r>
+                      <a:endParaRPr lang="en-US" altLang="ko-KR" sz="5000" b="1" u="sng">
+                        <a:solidFill>
+                          <a:schemeClr val="tx1"/>
+                        </a:solidFill>
+                      </a:endParaRPr>
+                    </a:p>
+                  </a:txBody>
+                  <a:tcPr marL="91440" marR="91440" anchor="ctr">
+                    <a:lnL w="12700" cap="flat" cmpd="sng" algn="ctr">
+                      <a:solidFill>
+                        <a:schemeClr val="tx1"/>
+                      </a:solidFill>
+                      <a:prstDash val="solid"/>
+                      <a:round/>
+                      <a:headEnd w="med" len="med"/>
+                      <a:tailEnd w="med" len="med"/>
+                    </a:lnL>
+                    <a:lnR w="12700" cap="flat" cmpd="sng" algn="ctr">
+                      <a:solidFill>
+                        <a:schemeClr val="tx1"/>
+                      </a:solidFill>
+                      <a:prstDash val="solid"/>
+                      <a:round/>
+                      <a:headEnd w="med" len="med"/>
+                      <a:tailEnd w="med" len="med"/>
+                    </a:lnR>
+                    <a:lnT w="12700" cap="flat" cmpd="sng" algn="ctr">
+                      <a:solidFill>
+                        <a:schemeClr val="tx1"/>
+                      </a:solidFill>
+                      <a:prstDash val="solid"/>
+                      <a:round/>
+                      <a:headEnd w="med" len="med"/>
+                      <a:tailEnd w="med" len="med"/>
+                    </a:lnT>
+                    <a:lnB w="12700" cap="flat" cmpd="sng" algn="ctr">
+                      <a:solidFill>
+                        <a:schemeClr val="tx1"/>
+                      </a:solidFill>
+                      <a:prstDash val="solid"/>
+                      <a:round/>
+                      <a:headEnd w="med" len="med"/>
+                      <a:tailEnd w="med" len="med"/>
+                    </a:lnB>
+                    <a:solidFill>
+                      <a:schemeClr val="lt1"/>
+                    </a:solidFill>
+                  </a:tcPr>
+                </a:tc>
+                <a:tc>
+                  <a:txBody>
+                    <a:bodyPr vert="horz" wrap="square" lIns="91440" tIns="45720" rIns="91440" bIns="45720" anchor="ctr" anchorCtr="0">
+                      <a:spAutoFit/>
+                    </a:bodyPr>
+                    <a:p>
+                      <a:pPr lvl="0" algn="ctr">
+                        <a:defRPr/>
+                      </a:pPr>
+                      <a:r>
+                        <a:rPr lang="en-US" altLang="ko-KR" sz="5000" b="1" u="sng">
+                          <a:solidFill>
+                            <a:schemeClr val="tx1"/>
+                          </a:solidFill>
+                        </a:rPr>
+                        <a:t>G</a:t>
+                      </a:r>
+                      <a:endParaRPr lang="en-US" altLang="ko-KR" sz="5000" b="1" u="sng">
+                        <a:solidFill>
+                          <a:schemeClr val="tx1"/>
+                        </a:solidFill>
+                      </a:endParaRPr>
+                    </a:p>
+                  </a:txBody>
+                  <a:tcPr marL="91440" marR="91440" anchor="ctr">
+                    <a:lnL w="12700" cap="flat" cmpd="sng" algn="ctr">
+                      <a:solidFill>
+                        <a:schemeClr val="tx1"/>
+                      </a:solidFill>
+                      <a:prstDash val="solid"/>
+                      <a:round/>
+                      <a:headEnd w="med" len="med"/>
+                      <a:tailEnd w="med" len="med"/>
+                    </a:lnL>
+                    <a:lnR w="12700" cap="flat" cmpd="sng" algn="ctr">
+                      <a:solidFill>
+                        <a:schemeClr val="tx1"/>
+                      </a:solidFill>
+                      <a:prstDash val="solid"/>
+                      <a:round/>
+                      <a:headEnd w="med" len="med"/>
+                      <a:tailEnd w="med" len="med"/>
+                    </a:lnR>
+                    <a:lnT w="12700" cap="flat" cmpd="sng" algn="ctr">
+                      <a:solidFill>
+                        <a:schemeClr val="tx1"/>
+                      </a:solidFill>
+                      <a:prstDash val="solid"/>
+                      <a:round/>
+                      <a:headEnd w="med" len="med"/>
+                      <a:tailEnd w="med" len="med"/>
+                    </a:lnT>
+                    <a:lnB w="12700" cap="flat" cmpd="sng" algn="ctr">
+                      <a:solidFill>
+                        <a:schemeClr val="tx1"/>
+                      </a:solidFill>
+                      <a:prstDash val="solid"/>
+                      <a:round/>
+                      <a:headEnd w="med" len="med"/>
+                      <a:tailEnd w="med" len="med"/>
+                    </a:lnB>
+                    <a:solidFill>
+                      <a:schemeClr val="lt1"/>
+                    </a:solidFill>
+                  </a:tcPr>
+                </a:tc>
+              </a:tr>
+            </a:tbl>
+          </a:graphicData>
+        </a:graphic>
+      </p:graphicFrame>
+      <p:graphicFrame>
+        <p:nvGraphicFramePr>
+          <p:cNvPr id="3" name="표 2"/>
+          <p:cNvGraphicFramePr>
+            <a:graphicFrameLocks noGrp="1"/>
+          </p:cNvGraphicFramePr>
+          <p:nvPr/>
+        </p:nvGraphicFramePr>
+        <p:xfrm>
+          <a:off x="352989" y="2698107"/>
+          <a:ext cx="4064845" cy="3436030"/>
+        </p:xfrm>
+        <a:graphic>
+          <a:graphicData uri="http://schemas.openxmlformats.org/drawingml/2006/table">
+            <a:tbl>
+              <a:tblPr firstRow="1" bandRow="1">
+                <a:tableStyle styleId="{01A66EDD-3DAB-4C5B-A090-DC80EC1FD486}" styleName="Normal Style 1 - Accent 1">
+                  <a:wholeTbl>
+                    <a:tcTxStyle>
+                      <a:fontRef idx="minor">
+                        <a:prstClr val="black"/>
+                      </a:fontRef>
+                      <a:schemeClr val="dk1"/>
+                    </a:tcTxStyle>
+                    <a:tcStyle>
+                      <a:tcBdr>
+                        <a:left>
+                          <a:ln w="12700" cmpd="sng">
+                            <a:solidFill>
+                              <a:schemeClr val="lt1"/>
+                            </a:solidFill>
+                          </a:ln>
+                        </a:left>
+                        <a:right>
+                          <a:ln w="12700" cmpd="sng">
+                            <a:solidFill>
+                              <a:schemeClr val="lt1"/>
+                            </a:solidFill>
+                          </a:ln>
+                        </a:right>
+                        <a:top>
+                          <a:ln w="12700" cmpd="sng">
+                            <a:solidFill>
+                              <a:schemeClr val="lt1"/>
+                            </a:solidFill>
+                          </a:ln>
+                        </a:top>
+                        <a:bottom>
+                          <a:ln w="12700" cmpd="sng">
+                            <a:solidFill>
+                              <a:schemeClr val="lt1"/>
+                            </a:solidFill>
+                          </a:ln>
+                        </a:bottom>
+                        <a:insideH>
+                          <a:ln w="12700" cmpd="sng">
+                            <a:solidFill>
+                              <a:schemeClr val="lt1"/>
+                            </a:solidFill>
+                          </a:ln>
+                        </a:insideH>
+                        <a:insideV>
+                          <a:ln w="12700" cmpd="sng">
+                            <a:solidFill>
+                              <a:schemeClr val="lt1"/>
+                            </a:solidFill>
+                          </a:ln>
+                        </a:insideV>
+                      </a:tcBdr>
+                      <a:fill>
+                        <a:solidFill>
+                          <a:schemeClr val="accent1">
+                            <a:lum val="90000"/>
+                          </a:schemeClr>
+                        </a:solidFill>
+                      </a:fill>
+                    </a:tcStyle>
+                  </a:wholeTbl>
+                  <a:band1H>
+                    <a:tcTxStyle/>
+                    <a:tcStyle>
+                      <a:tcBdr/>
+                      <a:fill>
+                        <a:solidFill>
+                          <a:schemeClr val="accent1">
+                            <a:lum val="80000"/>
+                          </a:schemeClr>
+                        </a:solidFill>
+                      </a:fill>
+                    </a:tcStyle>
+                  </a:band1H>
+                  <a:band2H>
+                    <a:tcTxStyle/>
+                    <a:tcStyle>
+                      <a:tcBdr/>
+                    </a:tcStyle>
+                  </a:band2H>
+                  <a:band1V>
+                    <a:tcTxStyle/>
+                    <a:tcStyle>
+                      <a:tcBdr/>
+                      <a:fill>
+                        <a:solidFill>
+                          <a:schemeClr val="accent1">
+                            <a:lum val="80000"/>
+                          </a:schemeClr>
+                        </a:solidFill>
+                      </a:fill>
+                    </a:tcStyle>
+                  </a:band1V>
+                  <a:band2V>
+                    <a:tcTxStyle/>
+                    <a:tcStyle>
+                      <a:tcBdr/>
+                    </a:tcStyle>
+                  </a:band2V>
+                  <a:lastCol>
+                    <a:tcTxStyle b="on">
+                      <a:fontRef idx="minor">
+                        <a:prstClr val="black"/>
+                      </a:fontRef>
+                      <a:schemeClr val="lt1"/>
+                    </a:tcTxStyle>
+                    <a:tcStyle>
+                      <a:tcBdr/>
+                      <a:fill>
+                        <a:solidFill>
+                          <a:schemeClr val="accent1"/>
+                        </a:solidFill>
+                      </a:fill>
+                    </a:tcStyle>
+                  </a:lastCol>
+                  <a:firstCol>
+                    <a:tcTxStyle b="on">
+                      <a:fontRef idx="minor">
+                        <a:prstClr val="black"/>
+                      </a:fontRef>
+                      <a:schemeClr val="lt1"/>
+                    </a:tcTxStyle>
+                    <a:tcStyle>
+                      <a:tcBdr/>
+                      <a:fill>
+                        <a:solidFill>
+                          <a:schemeClr val="accent1"/>
+                        </a:solidFill>
+                      </a:fill>
+                    </a:tcStyle>
+                  </a:firstCol>
+                  <a:lastRow>
+                    <a:tcTxStyle b="on">
+                      <a:fontRef idx="minor">
+                        <a:prstClr val="black"/>
+                      </a:fontRef>
+                      <a:schemeClr val="lt1"/>
+                    </a:tcTxStyle>
+                    <a:tcStyle>
+                      <a:tcBdr>
+                        <a:top>
+                          <a:ln w="38100" cmpd="sng">
+                            <a:solidFill>
+                              <a:schemeClr val="lt1"/>
+                            </a:solidFill>
+                          </a:ln>
+                        </a:top>
+                      </a:tcBdr>
+                      <a:fill>
+                        <a:solidFill>
+                          <a:schemeClr val="accent1"/>
+                        </a:solidFill>
+                      </a:fill>
+                    </a:tcStyle>
+                  </a:lastRow>
+                  <a:firstRow>
+                    <a:tcTxStyle b="on">
+                      <a:fontRef idx="minor">
+                        <a:prstClr val="black"/>
+                      </a:fontRef>
+                      <a:schemeClr val="lt1"/>
+                    </a:tcTxStyle>
+                    <a:tcStyle>
+                      <a:tcBdr>
+                        <a:bottom>
+                          <a:ln w="38100" cmpd="sng">
+                            <a:solidFill>
+                              <a:schemeClr val="lt1"/>
+                            </a:solidFill>
+                          </a:ln>
+                        </a:bottom>
+                      </a:tcBdr>
+                      <a:fill>
+                        <a:solidFill>
+                          <a:schemeClr val="accent1"/>
+                        </a:solidFill>
+                      </a:fill>
+                    </a:tcStyle>
+                  </a:firstRow>
+                </a:tableStyle>
+              </a:tblPr>
+              <a:tblGrid>
+                <a:gridCol w="678180"/>
+                <a:gridCol w="677333"/>
+                <a:gridCol w="677333"/>
+                <a:gridCol w="677333"/>
+                <a:gridCol w="677333"/>
+                <a:gridCol w="677333"/>
+              </a:tblGrid>
+              <a:tr h="687206">
+                <a:tc>
+                  <a:txBody>
+                    <a:bodyPr vert="horz" wrap="square" lIns="91440" tIns="45720" rIns="91440" bIns="45720" anchor="ctr" anchorCtr="0">
+                      <a:spAutoFit/>
+                    </a:bodyPr>
+                    <a:p>
+                      <a:pPr lvl="0" algn="ctr">
+                        <a:defRPr/>
+                      </a:pPr>
+                      <a:endParaRPr lang="ko-KR" altLang="en-US" sz="2400" b="0">
+                        <a:solidFill>
+                          <a:schemeClr val="tx1"/>
+                        </a:solidFill>
+                        <a:latin typeface="맑은 고딕"/>
+                      </a:endParaRPr>
+                    </a:p>
+                  </a:txBody>
+                  <a:tcPr marL="91440" marR="91440" anchor="ctr">
+                    <a:lnL w="12700" cap="flat" cmpd="sng" algn="ctr">
+                      <a:solidFill>
+                        <a:schemeClr val="tx1"/>
+                      </a:solidFill>
+                      <a:prstDash val="solid"/>
+                      <a:round/>
+                      <a:headEnd w="med" len="med"/>
+                      <a:tailEnd w="med" len="med"/>
+                    </a:lnL>
+                    <a:lnR w="12700" cap="flat" cmpd="sng" algn="ctr">
+                      <a:solidFill>
+                        <a:schemeClr val="tx1"/>
+                      </a:solidFill>
+                      <a:prstDash val="solid"/>
+                      <a:round/>
+                      <a:headEnd w="med" len="med"/>
+                      <a:tailEnd w="med" len="med"/>
+                    </a:lnR>
+                    <a:lnT w="12700" cap="flat" cmpd="sng" algn="ctr">
+                      <a:solidFill>
+                        <a:schemeClr val="tx1"/>
+                      </a:solidFill>
+                      <a:prstDash val="solid"/>
+                      <a:round/>
+                      <a:headEnd w="med" len="med"/>
+                      <a:tailEnd w="med" len="med"/>
+                    </a:lnT>
+                    <a:lnB w="12700" cap="flat" cmpd="sng" algn="ctr">
+                      <a:solidFill>
+                        <a:schemeClr val="tx1"/>
+                      </a:solidFill>
+                      <a:prstDash val="solid"/>
+                      <a:round/>
+                      <a:headEnd w="med" len="med"/>
+                      <a:tailEnd w="med" len="med"/>
+                    </a:lnB>
+                    <a:noFill/>
+                  </a:tcPr>
+                </a:tc>
+                <a:tc>
+                  <a:txBody>
+                    <a:bodyPr vert="horz" wrap="square" lIns="91440" tIns="45720" rIns="91440" bIns="45720" anchor="ctr" anchorCtr="0">
+                      <a:spAutoFit/>
+                    </a:bodyPr>
+                    <a:p>
+                      <a:pPr lvl="0" algn="ctr">
+                        <a:defRPr/>
+                      </a:pPr>
+                      <a:endParaRPr lang="ko-KR" altLang="en-US" sz="2400" b="0">
+                        <a:solidFill>
+                          <a:schemeClr val="tx1"/>
+                        </a:solidFill>
+                        <a:latin typeface="맑은 고딕"/>
+                      </a:endParaRPr>
+                    </a:p>
+                  </a:txBody>
+                  <a:tcPr marL="91440" marR="91440" anchor="ctr">
+                    <a:lnL w="12700" cap="flat" cmpd="sng" algn="ctr">
+                      <a:solidFill>
+                        <a:schemeClr val="tx1"/>
+                      </a:solidFill>
+                      <a:prstDash val="solid"/>
+                      <a:round/>
+                      <a:headEnd w="med" len="med"/>
+                      <a:tailEnd w="med" len="med"/>
+                    </a:lnL>
+                    <a:lnR w="12700" cap="flat" cmpd="sng" algn="ctr">
+                      <a:solidFill>
+                        <a:schemeClr val="tx1"/>
+                      </a:solidFill>
+                      <a:prstDash val="solid"/>
+                      <a:round/>
+                      <a:headEnd w="med" len="med"/>
+                      <a:tailEnd w="med" len="med"/>
+                    </a:lnR>
+                    <a:lnT w="12700" cap="flat" cmpd="sng" algn="ctr">
+                      <a:solidFill>
+                        <a:schemeClr val="tx1"/>
+                      </a:solidFill>
+                      <a:prstDash val="solid"/>
+                      <a:round/>
+                      <a:headEnd w="med" len="med"/>
+                      <a:tailEnd w="med" len="med"/>
+                    </a:lnT>
+                    <a:lnB w="12700" cap="flat" cmpd="sng" algn="ctr">
+                      <a:solidFill>
+                        <a:schemeClr val="tx1"/>
+                      </a:solidFill>
+                      <a:prstDash val="solid"/>
+                      <a:round/>
+                      <a:headEnd w="med" len="med"/>
+                      <a:tailEnd w="med" len="med"/>
+                    </a:lnB>
+                    <a:noFill/>
+                  </a:tcPr>
+                </a:tc>
+                <a:tc>
+                  <a:txBody>
+                    <a:bodyPr vert="horz" wrap="square" lIns="91440" tIns="45720" rIns="91440" bIns="45720" anchor="ctr" anchorCtr="0">
+                      <a:spAutoFit/>
+                    </a:bodyPr>
+                    <a:p>
+                      <a:pPr lvl="0" algn="ctr">
+                        <a:defRPr/>
+                      </a:pPr>
+                      <a:endParaRPr lang="ko-KR" altLang="en-US" sz="2400" b="0">
+                        <a:solidFill>
+                          <a:schemeClr val="tx1"/>
+                        </a:solidFill>
+                        <a:latin typeface="맑은 고딕"/>
+                      </a:endParaRPr>
+                    </a:p>
+                  </a:txBody>
+                  <a:tcPr marL="91440" marR="91440" anchor="ctr">
+                    <a:lnL w="12700" cap="flat" cmpd="sng" algn="ctr">
+                      <a:solidFill>
+                        <a:schemeClr val="tx1"/>
+                      </a:solidFill>
+                      <a:prstDash val="solid"/>
+                      <a:round/>
+                      <a:headEnd w="med" len="med"/>
+                      <a:tailEnd w="med" len="med"/>
+                    </a:lnL>
+                    <a:lnR w="12700" cap="flat" cmpd="sng" algn="ctr">
+                      <a:solidFill>
+                        <a:schemeClr val="tx1"/>
+                      </a:solidFill>
+                      <a:prstDash val="solid"/>
+                      <a:round/>
+                      <a:headEnd w="med" len="med"/>
+                      <a:tailEnd w="med" len="med"/>
+                    </a:lnR>
+                    <a:lnT w="12700" cap="flat" cmpd="sng" algn="ctr">
+                      <a:solidFill>
+                        <a:schemeClr val="tx1"/>
+                      </a:solidFill>
+                      <a:prstDash val="solid"/>
+                      <a:round/>
+                      <a:headEnd w="med" len="med"/>
+                      <a:tailEnd w="med" len="med"/>
+                    </a:lnT>
+                    <a:lnB w="12700" cap="flat" cmpd="sng" algn="ctr">
+                      <a:solidFill>
+                        <a:schemeClr val="tx1"/>
+                      </a:solidFill>
+                      <a:prstDash val="solid"/>
+                      <a:round/>
+                      <a:headEnd w="med" len="med"/>
+                      <a:tailEnd w="med" len="med"/>
+                    </a:lnB>
+                    <a:noFill/>
+                  </a:tcPr>
+                </a:tc>
+                <a:tc>
+                  <a:txBody>
+                    <a:bodyPr vert="horz" wrap="square" lIns="91440" tIns="45720" rIns="91440" bIns="45720" anchor="ctr" anchorCtr="0">
+                      <a:spAutoFit/>
+                    </a:bodyPr>
+                    <a:p>
+                      <a:pPr marL="0" lvl="0" indent="0" algn="ctr" defTabSz="914400" rtl="0" eaLnBrk="1" latinLnBrk="1" hangingPunct="1">
+                        <a:lnSpc>
+                          <a:spcPct val="100000"/>
+                        </a:lnSpc>
+                        <a:spcBef>
+                          <a:spcPts val="0"/>
+                        </a:spcBef>
+                        <a:spcAft>
+                          <a:spcPts val="0"/>
+                        </a:spcAft>
+                        <a:buNone/>
+                        <a:defRPr/>
+                      </a:pPr>
+                      <a:endParaRPr lang="ko-KR" altLang="en-US" sz="2400" b="0">
+                        <a:solidFill>
+                          <a:schemeClr val="tx1"/>
+                        </a:solidFill>
+                        <a:latin typeface="맑은 고딕"/>
+                      </a:endParaRPr>
+                    </a:p>
+                  </a:txBody>
+                  <a:tcPr marL="91440" marR="91440" anchor="ctr">
+                    <a:lnL w="12700" cap="flat" cmpd="sng" algn="ctr">
+                      <a:solidFill>
+                        <a:schemeClr val="tx1"/>
+                      </a:solidFill>
+                      <a:prstDash val="solid"/>
+                      <a:round/>
+                      <a:headEnd w="med" len="med"/>
+                      <a:tailEnd w="med" len="med"/>
+                    </a:lnL>
+                    <a:lnR w="12700" cap="flat" cmpd="sng" algn="ctr">
+                      <a:solidFill>
+                        <a:schemeClr val="tx1"/>
+                      </a:solidFill>
+                      <a:prstDash val="solid"/>
+                      <a:round/>
+                      <a:headEnd w="med" len="med"/>
+                      <a:tailEnd w="med" len="med"/>
+                    </a:lnR>
+                    <a:lnT w="12700" cap="flat" cmpd="sng" algn="ctr">
+                      <a:solidFill>
+                        <a:schemeClr val="tx1"/>
+                      </a:solidFill>
+                      <a:prstDash val="solid"/>
+                      <a:round/>
+                      <a:headEnd w="med" len="med"/>
+                      <a:tailEnd w="med" len="med"/>
+                    </a:lnT>
+                    <a:lnB w="12700" cap="flat" cmpd="sng" algn="ctr">
+                      <a:solidFill>
+                        <a:schemeClr val="tx1"/>
+                      </a:solidFill>
+                      <a:prstDash val="solid"/>
+                      <a:round/>
+                      <a:headEnd w="med" len="med"/>
+                      <a:tailEnd w="med" len="med"/>
+                    </a:lnB>
+                    <a:noFill/>
+                  </a:tcPr>
+                </a:tc>
+                <a:tc>
+                  <a:txBody>
+                    <a:bodyPr vert="horz" wrap="square" lIns="91440" tIns="45720" rIns="91440" bIns="45720" anchor="ctr" anchorCtr="0">
+                      <a:spAutoFit/>
+                    </a:bodyPr>
+                    <a:p>
+                      <a:pPr lvl="0" algn="ctr">
+                        <a:defRPr/>
+                      </a:pPr>
+                      <a:endParaRPr lang="ko-KR" altLang="en-US" sz="2400" b="0">
+                        <a:solidFill>
+                          <a:schemeClr val="tx1"/>
+                        </a:solidFill>
+                        <a:latin typeface="맑은 고딕"/>
+                      </a:endParaRPr>
+                    </a:p>
+                  </a:txBody>
+                  <a:tcPr marL="91440" marR="91440" anchor="ctr">
+                    <a:lnL w="12700" cap="flat" cmpd="sng" algn="ctr">
+                      <a:solidFill>
+                        <a:schemeClr val="tx1"/>
+                      </a:solidFill>
+                      <a:prstDash val="solid"/>
+                      <a:round/>
+                      <a:headEnd w="med" len="med"/>
+                      <a:tailEnd w="med" len="med"/>
+                    </a:lnL>
+                    <a:lnR w="12700" cap="flat" cmpd="sng" algn="ctr">
+                      <a:solidFill>
+                        <a:schemeClr val="tx1"/>
+                      </a:solidFill>
+                      <a:prstDash val="solid"/>
+                      <a:round/>
+                      <a:headEnd w="med" len="med"/>
+                      <a:tailEnd w="med" len="med"/>
+                    </a:lnR>
+                    <a:lnT w="12700" cap="flat" cmpd="sng" algn="ctr">
+                      <a:solidFill>
+                        <a:schemeClr val="tx1"/>
+                      </a:solidFill>
+                      <a:prstDash val="solid"/>
+                      <a:round/>
+                      <a:headEnd w="med" len="med"/>
+                      <a:tailEnd w="med" len="med"/>
+                    </a:lnT>
+                    <a:lnB w="12700" cap="flat" cmpd="sng" algn="ctr">
+                      <a:solidFill>
+                        <a:schemeClr val="tx1"/>
+                      </a:solidFill>
+                      <a:prstDash val="solid"/>
+                      <a:round/>
+                      <a:headEnd w="med" len="med"/>
+                      <a:tailEnd w="med" len="med"/>
+                    </a:lnB>
+                    <a:noFill/>
+                  </a:tcPr>
+                </a:tc>
+                <a:tc>
+                  <a:txBody>
+                    <a:bodyPr vert="horz" wrap="square" lIns="91440" tIns="45720" rIns="91440" bIns="45720" anchor="ctr" anchorCtr="0">
+                      <a:spAutoFit/>
+                    </a:bodyPr>
+                    <a:p>
+                      <a:pPr lvl="0" algn="ctr">
+                        <a:defRPr/>
+                      </a:pPr>
+                      <a:endParaRPr lang="ko-KR" altLang="en-US" sz="2400" b="0">
+                        <a:solidFill>
+                          <a:schemeClr val="tx1"/>
+                        </a:solidFill>
+                        <a:latin typeface="맑은 고딕"/>
+                      </a:endParaRPr>
+                    </a:p>
+                  </a:txBody>
+                  <a:tcPr marL="91440" marR="91440" anchor="ctr">
+                    <a:lnL w="12700" cap="flat" cmpd="sng" algn="ctr">
+                      <a:solidFill>
+                        <a:schemeClr val="tx1"/>
+                      </a:solidFill>
+                      <a:prstDash val="solid"/>
+                      <a:round/>
+                      <a:headEnd w="med" len="med"/>
+                      <a:tailEnd w="med" len="med"/>
+                    </a:lnL>
+                    <a:lnR w="12700" cap="flat" cmpd="sng" algn="ctr">
+                      <a:solidFill>
+                        <a:schemeClr val="tx1"/>
+                      </a:solidFill>
+                      <a:prstDash val="solid"/>
+                      <a:round/>
+                      <a:headEnd w="med" len="med"/>
+                      <a:tailEnd w="med" len="med"/>
+                    </a:lnR>
+                    <a:lnT w="12700" cap="flat" cmpd="sng" algn="ctr">
+                      <a:solidFill>
+                        <a:schemeClr val="tx1"/>
+                      </a:solidFill>
+                      <a:prstDash val="solid"/>
+                      <a:round/>
+                      <a:headEnd w="med" len="med"/>
+                      <a:tailEnd w="med" len="med"/>
+                    </a:lnT>
+                    <a:lnB w="12700" cap="flat" cmpd="sng" algn="ctr">
+                      <a:solidFill>
+                        <a:schemeClr val="tx1"/>
+                      </a:solidFill>
+                      <a:prstDash val="solid"/>
+                      <a:round/>
+                      <a:headEnd w="med" len="med"/>
+                      <a:tailEnd w="med" len="med"/>
+                    </a:lnB>
+                    <a:noFill/>
+                  </a:tcPr>
+                </a:tc>
+              </a:tr>
+              <a:tr h="687206">
+                <a:tc>
+                  <a:txBody>
+                    <a:bodyPr vert="horz" wrap="square" lIns="91440" tIns="45720" rIns="91440" bIns="45720" anchor="ctr" anchorCtr="0">
+                      <a:spAutoFit/>
+                    </a:bodyPr>
+                    <a:p>
+                      <a:pPr lvl="0" algn="ctr">
+                        <a:defRPr/>
+                      </a:pPr>
+                      <a:endParaRPr lang="ko-KR" altLang="en-US" sz="2400">
+                        <a:solidFill>
+                          <a:schemeClr val="tx1"/>
+                        </a:solidFill>
+                        <a:latin typeface="맑은 고딕"/>
+                      </a:endParaRPr>
+                    </a:p>
+                  </a:txBody>
+                  <a:tcPr marL="91440" marR="91440" anchor="ctr">
+                    <a:lnL w="12700" cap="flat" cmpd="sng" algn="ctr">
+                      <a:solidFill>
+                        <a:schemeClr val="tx1"/>
+                      </a:solidFill>
+                      <a:prstDash val="solid"/>
+                      <a:round/>
+                      <a:headEnd w="med" len="med"/>
+                      <a:tailEnd w="med" len="med"/>
+                    </a:lnL>
+                    <a:lnR w="12700" cap="flat" cmpd="sng" algn="ctr">
+                      <a:solidFill>
+                        <a:schemeClr val="tx1"/>
+                      </a:solidFill>
+                      <a:prstDash val="solid"/>
+                      <a:round/>
+                      <a:headEnd w="med" len="med"/>
+                      <a:tailEnd w="med" len="med"/>
+                    </a:lnR>
+                    <a:lnT w="12700" cap="flat" cmpd="sng" algn="ctr">
+                      <a:solidFill>
+                        <a:schemeClr val="tx1"/>
+                      </a:solidFill>
+                      <a:prstDash val="solid"/>
+                      <a:round/>
+                      <a:headEnd w="med" len="med"/>
+                      <a:tailEnd w="med" len="med"/>
+                    </a:lnT>
+                    <a:lnB w="12700" cap="flat" cmpd="sng" algn="ctr">
+                      <a:solidFill>
+                        <a:schemeClr val="tx1"/>
+                      </a:solidFill>
+                      <a:prstDash val="solid"/>
+                      <a:round/>
+                      <a:headEnd w="med" len="med"/>
+                      <a:tailEnd w="med" len="med"/>
+                    </a:lnB>
+                    <a:noFill/>
+                  </a:tcPr>
+                </a:tc>
+                <a:tc>
+                  <a:txBody>
+                    <a:bodyPr vert="horz" wrap="square" lIns="91440" tIns="45720" rIns="91440" bIns="45720" anchor="ctr" anchorCtr="0">
+                      <a:spAutoFit/>
+                    </a:bodyPr>
+                    <a:p>
+                      <a:pPr marL="0" lvl="0" indent="0" algn="ctr" defTabSz="914400" rtl="0" eaLnBrk="1" latinLnBrk="1" hangingPunct="1">
+                        <a:lnSpc>
+                          <a:spcPct val="100000"/>
+                        </a:lnSpc>
+                        <a:spcBef>
+                          <a:spcPts val="0"/>
+                        </a:spcBef>
+                        <a:spcAft>
+                          <a:spcPts val="0"/>
+                        </a:spcAft>
+                        <a:buNone/>
+                        <a:defRPr/>
+                      </a:pPr>
+                      <a:endParaRPr lang="ko-KR" altLang="en-US" sz="2400">
+                        <a:solidFill>
+                          <a:schemeClr val="tx1"/>
+                        </a:solidFill>
+                        <a:latin typeface="맑은 고딕"/>
+                      </a:endParaRPr>
+                    </a:p>
+                  </a:txBody>
+                  <a:tcPr marL="91440" marR="91440" anchor="ctr">
+                    <a:lnL w="12700" cap="flat" cmpd="sng" algn="ctr">
+                      <a:solidFill>
+                        <a:schemeClr val="tx1"/>
+                      </a:solidFill>
+                      <a:prstDash val="solid"/>
+                      <a:round/>
+                      <a:headEnd w="med" len="med"/>
+                      <a:tailEnd w="med" len="med"/>
+                    </a:lnL>
+                    <a:lnR w="12700" cap="flat" cmpd="sng" algn="ctr">
+                      <a:solidFill>
+                        <a:schemeClr val="tx1"/>
+                      </a:solidFill>
+                      <a:prstDash val="solid"/>
+                      <a:round/>
+                      <a:headEnd w="med" len="med"/>
+                      <a:tailEnd w="med" len="med"/>
+                    </a:lnR>
+                    <a:lnT w="12700" cap="flat" cmpd="sng" algn="ctr">
+                      <a:solidFill>
+                        <a:schemeClr val="tx1"/>
+                      </a:solidFill>
+                      <a:prstDash val="solid"/>
+                      <a:round/>
+                      <a:headEnd w="med" len="med"/>
+                      <a:tailEnd w="med" len="med"/>
+                    </a:lnT>
+                    <a:lnB w="12700" cap="flat" cmpd="sng" algn="ctr">
+                      <a:solidFill>
+                        <a:schemeClr val="tx1"/>
+                      </a:solidFill>
+                      <a:prstDash val="solid"/>
+                      <a:round/>
+                      <a:headEnd w="med" len="med"/>
+                      <a:tailEnd w="med" len="med"/>
+                    </a:lnB>
+                    <a:noFill/>
+                  </a:tcPr>
+                </a:tc>
+                <a:tc>
+                  <a:txBody>
+                    <a:bodyPr vert="horz" wrap="square" lIns="91440" tIns="45720" rIns="91440" bIns="45720" anchor="ctr" anchorCtr="0">
+                      <a:spAutoFit/>
+                    </a:bodyPr>
+                    <a:p>
+                      <a:pPr marL="0" lvl="0" indent="0" algn="ctr" defTabSz="914400" rtl="0" eaLnBrk="1" latinLnBrk="1" hangingPunct="1">
+                        <a:lnSpc>
+                          <a:spcPct val="100000"/>
+                        </a:lnSpc>
+                        <a:spcBef>
+                          <a:spcPts val="0"/>
+                        </a:spcBef>
+                        <a:spcAft>
+                          <a:spcPts val="0"/>
+                        </a:spcAft>
+                        <a:buNone/>
+                        <a:defRPr/>
+                      </a:pPr>
+                      <a:endParaRPr lang="ko-KR" altLang="en-US" sz="2400">
+                        <a:solidFill>
+                          <a:schemeClr val="tx1"/>
+                        </a:solidFill>
+                        <a:latin typeface="맑은 고딕"/>
+                      </a:endParaRPr>
+                    </a:p>
+                  </a:txBody>
+                  <a:tcPr marL="91440" marR="91440" anchor="ctr">
+                    <a:lnL w="12700" cap="flat" cmpd="sng" algn="ctr">
+                      <a:solidFill>
+                        <a:schemeClr val="tx1"/>
+                      </a:solidFill>
+                      <a:prstDash val="solid"/>
+                      <a:round/>
+                      <a:headEnd w="med" len="med"/>
+                      <a:tailEnd w="med" len="med"/>
+                    </a:lnL>
+                    <a:lnR w="12700" cap="flat" cmpd="sng" algn="ctr">
+                      <a:solidFill>
+                        <a:schemeClr val="tx1"/>
+                      </a:solidFill>
+                      <a:prstDash val="solid"/>
+                      <a:round/>
+                      <a:headEnd w="med" len="med"/>
+                      <a:tailEnd w="med" len="med"/>
+                    </a:lnR>
+                    <a:lnT w="12700" cap="flat" cmpd="sng" algn="ctr">
+                      <a:solidFill>
+                        <a:schemeClr val="tx1"/>
+                      </a:solidFill>
+                      <a:prstDash val="solid"/>
+                      <a:round/>
+                      <a:headEnd w="med" len="med"/>
+                      <a:tailEnd w="med" len="med"/>
+                    </a:lnT>
+                    <a:lnB w="12700" cap="flat" cmpd="sng" algn="ctr">
+                      <a:solidFill>
+                        <a:schemeClr val="tx1"/>
+                      </a:solidFill>
+                      <a:prstDash val="solid"/>
+                      <a:round/>
+                      <a:headEnd w="med" len="med"/>
+                      <a:tailEnd w="med" len="med"/>
+                    </a:lnB>
+                    <a:noFill/>
+                  </a:tcPr>
+                </a:tc>
+                <a:tc>
+                  <a:txBody>
+                    <a:bodyPr vert="horz" wrap="square" lIns="91440" tIns="45720" rIns="91440" bIns="45720" anchor="ctr" anchorCtr="0">
+                      <a:spAutoFit/>
+                    </a:bodyPr>
+                    <a:p>
+                      <a:pPr lvl="0" algn="ctr">
+                        <a:defRPr/>
+                      </a:pPr>
+                      <a:endParaRPr lang="ko-KR" altLang="en-US" sz="2400">
+                        <a:solidFill>
+                          <a:schemeClr val="tx1"/>
+                        </a:solidFill>
+                        <a:latin typeface="맑은 고딕"/>
+                      </a:endParaRPr>
+                    </a:p>
+                  </a:txBody>
+                  <a:tcPr marL="91440" marR="91440" anchor="ctr">
+                    <a:lnL w="12700" cap="flat" cmpd="sng" algn="ctr">
+                      <a:solidFill>
+                        <a:schemeClr val="tx1"/>
+                      </a:solidFill>
+                      <a:prstDash val="solid"/>
+                      <a:round/>
+                      <a:headEnd w="med" len="med"/>
+                      <a:tailEnd w="med" len="med"/>
+                    </a:lnL>
+                    <a:lnR w="12700" cap="flat" cmpd="sng" algn="ctr">
+                      <a:solidFill>
+                        <a:schemeClr val="tx1"/>
+                      </a:solidFill>
+                      <a:prstDash val="solid"/>
+                      <a:round/>
+                      <a:headEnd w="med" len="med"/>
+                      <a:tailEnd w="med" len="med"/>
+                    </a:lnR>
+                    <a:lnT w="12700" cap="flat" cmpd="sng" algn="ctr">
+                      <a:solidFill>
+                        <a:schemeClr val="tx1"/>
+                      </a:solidFill>
+                      <a:prstDash val="solid"/>
+                      <a:round/>
+                      <a:headEnd w="med" len="med"/>
+                      <a:tailEnd w="med" len="med"/>
+                    </a:lnT>
+                    <a:lnB w="12700" cap="flat" cmpd="sng" algn="ctr">
+                      <a:solidFill>
+                        <a:schemeClr val="tx1"/>
+                      </a:solidFill>
+                      <a:prstDash val="solid"/>
+                      <a:round/>
+                      <a:headEnd w="med" len="med"/>
+                      <a:tailEnd w="med" len="med"/>
+                    </a:lnB>
+                    <a:noFill/>
+                  </a:tcPr>
+                </a:tc>
+                <a:tc>
+                  <a:txBody>
+                    <a:bodyPr vert="horz" wrap="square" lIns="91440" tIns="45720" rIns="91440" bIns="45720" anchor="ctr" anchorCtr="0">
+                      <a:spAutoFit/>
+                    </a:bodyPr>
+                    <a:p>
+                      <a:pPr lvl="0" algn="ctr">
+                        <a:defRPr/>
+                      </a:pPr>
+                      <a:endParaRPr lang="ko-KR" altLang="en-US" sz="2400">
+                        <a:solidFill>
+                          <a:schemeClr val="tx1"/>
+                        </a:solidFill>
+                        <a:latin typeface="맑은 고딕"/>
+                      </a:endParaRPr>
+                    </a:p>
+                  </a:txBody>
+                  <a:tcPr marL="91440" marR="91440" anchor="ctr">
+                    <a:lnL w="12700" cap="flat" cmpd="sng" algn="ctr">
+                      <a:solidFill>
+                        <a:schemeClr val="tx1"/>
+                      </a:solidFill>
+                      <a:prstDash val="solid"/>
+                      <a:round/>
+                      <a:headEnd w="med" len="med"/>
+                      <a:tailEnd w="med" len="med"/>
+                    </a:lnL>
+                    <a:lnR w="12700" cap="flat" cmpd="sng" algn="ctr">
+                      <a:solidFill>
+                        <a:schemeClr val="tx1"/>
+                      </a:solidFill>
+                      <a:prstDash val="solid"/>
+                      <a:round/>
+                      <a:headEnd w="med" len="med"/>
+                      <a:tailEnd w="med" len="med"/>
+                    </a:lnR>
+                    <a:lnT w="12700" cap="flat" cmpd="sng" algn="ctr">
+                      <a:solidFill>
+                        <a:schemeClr val="tx1"/>
+                      </a:solidFill>
+                      <a:prstDash val="solid"/>
+                      <a:round/>
+                      <a:headEnd w="med" len="med"/>
+                      <a:tailEnd w="med" len="med"/>
+                    </a:lnT>
+                    <a:lnB w="12700" cap="flat" cmpd="sng" algn="ctr">
+                      <a:solidFill>
+                        <a:schemeClr val="tx1"/>
+                      </a:solidFill>
+                      <a:prstDash val="solid"/>
+                      <a:round/>
+                      <a:headEnd w="med" len="med"/>
+                      <a:tailEnd w="med" len="med"/>
+                    </a:lnB>
+                    <a:noFill/>
+                  </a:tcPr>
+                </a:tc>
+                <a:tc>
+                  <a:txBody>
+                    <a:bodyPr vert="horz" wrap="square" lIns="91440" tIns="45720" rIns="91440" bIns="45720" anchor="ctr" anchorCtr="0">
+                      <a:spAutoFit/>
+                    </a:bodyPr>
+                    <a:p>
+                      <a:pPr marL="0" lvl="0" indent="0" algn="ctr" defTabSz="914400" rtl="0" eaLnBrk="1" latinLnBrk="1" hangingPunct="1">
+                        <a:lnSpc>
+                          <a:spcPct val="100000"/>
+                        </a:lnSpc>
+                        <a:spcBef>
+                          <a:spcPts val="0"/>
+                        </a:spcBef>
+                        <a:spcAft>
+                          <a:spcPts val="0"/>
+                        </a:spcAft>
+                        <a:buNone/>
+                        <a:defRPr/>
+                      </a:pPr>
+                      <a:endParaRPr lang="ko-KR" altLang="en-US" sz="2400">
+                        <a:solidFill>
+                          <a:schemeClr val="tx1"/>
+                        </a:solidFill>
+                        <a:latin typeface="맑은 고딕"/>
+                      </a:endParaRPr>
+                    </a:p>
+                  </a:txBody>
+                  <a:tcPr marL="91440" marR="91440" anchor="ctr">
+                    <a:lnL w="12700" cap="flat" cmpd="sng" algn="ctr">
+                      <a:solidFill>
+                        <a:schemeClr val="tx1"/>
+                      </a:solidFill>
+                      <a:prstDash val="solid"/>
+                      <a:round/>
+                      <a:headEnd w="med" len="med"/>
+                      <a:tailEnd w="med" len="med"/>
+                    </a:lnL>
+                    <a:lnR w="12700" cap="flat" cmpd="sng" algn="ctr">
+                      <a:solidFill>
+                        <a:schemeClr val="tx1"/>
+                      </a:solidFill>
+                      <a:prstDash val="solid"/>
+                      <a:round/>
+                      <a:headEnd w="med" len="med"/>
+                      <a:tailEnd w="med" len="med"/>
+                    </a:lnR>
+                    <a:lnT w="12700" cap="flat" cmpd="sng" algn="ctr">
+                      <a:solidFill>
+                        <a:schemeClr val="tx1"/>
+                      </a:solidFill>
+                      <a:prstDash val="solid"/>
+                      <a:round/>
+                      <a:headEnd w="med" len="med"/>
+                      <a:tailEnd w="med" len="med"/>
+                    </a:lnT>
+                    <a:lnB w="12700" cap="flat" cmpd="sng" algn="ctr">
+                      <a:solidFill>
+                        <a:schemeClr val="tx1"/>
+                      </a:solidFill>
+                      <a:prstDash val="solid"/>
+                      <a:round/>
+                      <a:headEnd w="med" len="med"/>
+                      <a:tailEnd w="med" len="med"/>
+                    </a:lnB>
+                    <a:noFill/>
+                  </a:tcPr>
+                </a:tc>
+              </a:tr>
+              <a:tr h="687206">
+                <a:tc>
+                  <a:txBody>
+                    <a:bodyPr vert="horz" wrap="square" lIns="91440" tIns="45720" rIns="91440" bIns="45720" anchor="ctr" anchorCtr="0">
+                      <a:spAutoFit/>
+                    </a:bodyPr>
+                    <a:p>
+                      <a:pPr lvl="0" algn="ctr">
+                        <a:defRPr/>
+                      </a:pPr>
+                      <a:endParaRPr lang="ko-KR" altLang="en-US" sz="2400">
+                        <a:solidFill>
+                          <a:schemeClr val="tx1"/>
+                        </a:solidFill>
+                        <a:latin typeface="맑은 고딕"/>
+                      </a:endParaRPr>
+                    </a:p>
+                  </a:txBody>
+                  <a:tcPr marL="91440" marR="91440" anchor="ctr">
+                    <a:lnL w="12700" cap="flat" cmpd="sng" algn="ctr">
+                      <a:solidFill>
+                        <a:schemeClr val="tx1"/>
+                      </a:solidFill>
+                      <a:prstDash val="solid"/>
+                      <a:round/>
+                      <a:headEnd w="med" len="med"/>
+                      <a:tailEnd w="med" len="med"/>
+                    </a:lnL>
+                    <a:lnR w="12700" cap="flat" cmpd="sng" algn="ctr">
+                      <a:solidFill>
+                        <a:schemeClr val="tx1"/>
+                      </a:solidFill>
+                      <a:prstDash val="solid"/>
+                      <a:round/>
+                      <a:headEnd w="med" len="med"/>
+                      <a:tailEnd w="med" len="med"/>
+                    </a:lnR>
+                    <a:lnT w="12700" cap="flat" cmpd="sng" algn="ctr">
+                      <a:solidFill>
+                        <a:schemeClr val="tx1"/>
+                      </a:solidFill>
+                      <a:prstDash val="solid"/>
+                      <a:round/>
+                      <a:headEnd w="med" len="med"/>
+                      <a:tailEnd w="med" len="med"/>
+                    </a:lnT>
+                    <a:lnB w="12700" cap="flat" cmpd="sng" algn="ctr">
+                      <a:solidFill>
+                        <a:schemeClr val="tx1"/>
+                      </a:solidFill>
+                      <a:prstDash val="solid"/>
+                      <a:round/>
+                      <a:headEnd w="med" len="med"/>
+                      <a:tailEnd w="med" len="med"/>
+                    </a:lnB>
+                    <a:noFill/>
+                  </a:tcPr>
+                </a:tc>
+                <a:tc>
+                  <a:txBody>
+                    <a:bodyPr vert="horz" wrap="square" lIns="91440" tIns="45720" rIns="91440" bIns="45720" anchor="ctr" anchorCtr="0">
+                      <a:spAutoFit/>
+                    </a:bodyPr>
+                    <a:p>
+                      <a:pPr marL="0" lvl="0" indent="0" algn="ctr" defTabSz="914400" rtl="0" eaLnBrk="1" latinLnBrk="1" hangingPunct="1">
+                        <a:lnSpc>
+                          <a:spcPct val="100000"/>
+                        </a:lnSpc>
+                        <a:spcBef>
+                          <a:spcPts val="0"/>
+                        </a:spcBef>
+                        <a:spcAft>
+                          <a:spcPts val="0"/>
+                        </a:spcAft>
+                        <a:buNone/>
+                        <a:defRPr/>
+                      </a:pPr>
+                      <a:endParaRPr lang="ko-KR" altLang="en-US" sz="2400">
+                        <a:solidFill>
+                          <a:schemeClr val="tx1"/>
+                        </a:solidFill>
+                        <a:latin typeface="맑은 고딕"/>
+                      </a:endParaRPr>
+                    </a:p>
+                  </a:txBody>
+                  <a:tcPr marL="91440" marR="91440" anchor="ctr">
+                    <a:lnL w="12700" cap="flat" cmpd="sng" algn="ctr">
+                      <a:solidFill>
+                        <a:schemeClr val="tx1"/>
+                      </a:solidFill>
+                      <a:prstDash val="solid"/>
+                      <a:round/>
+                      <a:headEnd w="med" len="med"/>
+                      <a:tailEnd w="med" len="med"/>
+                    </a:lnL>
+                    <a:lnR w="12700" cap="flat" cmpd="sng" algn="ctr">
+                      <a:solidFill>
+                        <a:schemeClr val="tx1"/>
+                      </a:solidFill>
+                      <a:prstDash val="solid"/>
+                      <a:round/>
+                      <a:headEnd w="med" len="med"/>
+                      <a:tailEnd w="med" len="med"/>
+                    </a:lnR>
+                    <a:lnT w="12700" cap="flat" cmpd="sng" algn="ctr">
+                      <a:solidFill>
+                        <a:schemeClr val="tx1"/>
+                      </a:solidFill>
+                      <a:prstDash val="solid"/>
+                      <a:round/>
+                      <a:headEnd w="med" len="med"/>
+                      <a:tailEnd w="med" len="med"/>
+                    </a:lnT>
+                    <a:lnB w="12700" cap="flat" cmpd="sng" algn="ctr">
+                      <a:solidFill>
+                        <a:schemeClr val="tx1"/>
+                      </a:solidFill>
+                      <a:prstDash val="solid"/>
+                      <a:round/>
+                      <a:headEnd w="med" len="med"/>
+                      <a:tailEnd w="med" len="med"/>
+                    </a:lnB>
+                    <a:noFill/>
+                  </a:tcPr>
+                </a:tc>
+                <a:tc>
+                  <a:txBody>
+                    <a:bodyPr vert="horz" wrap="square" lIns="91440" tIns="45720" rIns="91440" bIns="45720" anchor="ctr" anchorCtr="0">
+                      <a:spAutoFit/>
+                    </a:bodyPr>
+                    <a:p>
+                      <a:pPr lvl="0" algn="ctr">
+                        <a:defRPr/>
+                      </a:pPr>
+                      <a:endParaRPr lang="ko-KR" altLang="en-US" sz="2400">
+                        <a:solidFill>
+                          <a:schemeClr val="tx1"/>
+                        </a:solidFill>
+                        <a:latin typeface="맑은 고딕"/>
+                      </a:endParaRPr>
+                    </a:p>
+                  </a:txBody>
+                  <a:tcPr marL="91440" marR="91440" anchor="ctr">
+                    <a:lnL w="12700" cap="flat" cmpd="sng" algn="ctr">
+                      <a:solidFill>
+                        <a:schemeClr val="tx1"/>
+                      </a:solidFill>
+                      <a:prstDash val="solid"/>
+                      <a:round/>
+                      <a:headEnd w="med" len="med"/>
+                      <a:tailEnd w="med" len="med"/>
+                    </a:lnL>
+                    <a:lnR w="12700" cap="flat" cmpd="sng" algn="ctr">
+                      <a:solidFill>
+                        <a:schemeClr val="tx1"/>
+                      </a:solidFill>
+                      <a:prstDash val="solid"/>
+                      <a:round/>
+                      <a:headEnd w="med" len="med"/>
+                      <a:tailEnd w="med" len="med"/>
+                    </a:lnR>
+                    <a:lnT w="12700" cap="flat" cmpd="sng" algn="ctr">
+                      <a:solidFill>
+                        <a:schemeClr val="tx1"/>
+                      </a:solidFill>
+                      <a:prstDash val="solid"/>
+                      <a:round/>
+                      <a:headEnd w="med" len="med"/>
+                      <a:tailEnd w="med" len="med"/>
+                    </a:lnT>
+                    <a:lnB w="12700" cap="flat" cmpd="sng" algn="ctr">
+                      <a:solidFill>
+                        <a:schemeClr val="tx1"/>
+                      </a:solidFill>
+                      <a:prstDash val="solid"/>
+                      <a:round/>
+                      <a:headEnd w="med" len="med"/>
+                      <a:tailEnd w="med" len="med"/>
+                    </a:lnB>
+                    <a:noFill/>
+                  </a:tcPr>
+                </a:tc>
+                <a:tc>
+                  <a:txBody>
+                    <a:bodyPr vert="horz" wrap="square" lIns="91440" tIns="45720" rIns="91440" bIns="45720" anchor="ctr" anchorCtr="0">
+                      <a:spAutoFit/>
+                    </a:bodyPr>
+                    <a:p>
+                      <a:pPr marL="0" lvl="0" indent="0" algn="ctr" defTabSz="914400" rtl="0" eaLnBrk="1" latinLnBrk="1" hangingPunct="1">
+                        <a:lnSpc>
+                          <a:spcPct val="100000"/>
+                        </a:lnSpc>
+                        <a:spcBef>
+                          <a:spcPts val="0"/>
+                        </a:spcBef>
+                        <a:spcAft>
+                          <a:spcPts val="0"/>
+                        </a:spcAft>
+                        <a:buNone/>
+                        <a:defRPr/>
+                      </a:pPr>
+                      <a:endParaRPr lang="ko-KR" altLang="en-US" sz="2400">
+                        <a:solidFill>
+                          <a:schemeClr val="tx1"/>
+                        </a:solidFill>
+                        <a:latin typeface="맑은 고딕"/>
+                      </a:endParaRPr>
+                    </a:p>
+                  </a:txBody>
+                  <a:tcPr marL="91440" marR="91440" anchor="ctr">
+                    <a:lnL w="12700" cap="flat" cmpd="sng" algn="ctr">
+                      <a:solidFill>
+                        <a:schemeClr val="tx1"/>
+                      </a:solidFill>
+                      <a:prstDash val="solid"/>
+                      <a:round/>
+                      <a:headEnd w="med" len="med"/>
+                      <a:tailEnd w="med" len="med"/>
+                    </a:lnL>
+                    <a:lnR w="12700" cap="flat" cmpd="sng" algn="ctr">
+                      <a:solidFill>
+                        <a:schemeClr val="tx1"/>
+                      </a:solidFill>
+                      <a:prstDash val="solid"/>
+                      <a:round/>
+                      <a:headEnd w="med" len="med"/>
+                      <a:tailEnd w="med" len="med"/>
+                    </a:lnR>
+                    <a:lnT w="12700" cap="flat" cmpd="sng" algn="ctr">
+                      <a:solidFill>
+                        <a:schemeClr val="tx1"/>
+                      </a:solidFill>
+                      <a:prstDash val="solid"/>
+                      <a:round/>
+                      <a:headEnd w="med" len="med"/>
+                      <a:tailEnd w="med" len="med"/>
+                    </a:lnT>
+                    <a:lnB w="12700" cap="flat" cmpd="sng" algn="ctr">
+                      <a:solidFill>
+                        <a:schemeClr val="tx1"/>
+                      </a:solidFill>
+                      <a:prstDash val="solid"/>
+                      <a:round/>
+                      <a:headEnd w="med" len="med"/>
+                      <a:tailEnd w="med" len="med"/>
+                    </a:lnB>
+                    <a:noFill/>
+                  </a:tcPr>
+                </a:tc>
+                <a:tc>
+                  <a:txBody>
+                    <a:bodyPr vert="horz" wrap="square" lIns="91440" tIns="45720" rIns="91440" bIns="45720" anchor="ctr" anchorCtr="0">
+                      <a:spAutoFit/>
+                    </a:bodyPr>
+                    <a:p>
+                      <a:pPr marL="0" lvl="0" indent="0" algn="ctr" defTabSz="914400" rtl="0" eaLnBrk="1" latinLnBrk="1" hangingPunct="1">
+                        <a:lnSpc>
+                          <a:spcPct val="100000"/>
+                        </a:lnSpc>
+                        <a:spcBef>
+                          <a:spcPts val="0"/>
+                        </a:spcBef>
+                        <a:spcAft>
+                          <a:spcPts val="0"/>
+                        </a:spcAft>
+                        <a:buNone/>
+                        <a:defRPr/>
+                      </a:pPr>
+                      <a:endParaRPr lang="ko-KR" altLang="en-US" sz="2400">
+                        <a:solidFill>
+                          <a:schemeClr val="tx1"/>
+                        </a:solidFill>
+                        <a:latin typeface="맑은 고딕"/>
+                      </a:endParaRPr>
+                    </a:p>
+                  </a:txBody>
+                  <a:tcPr marL="91440" marR="91440" anchor="ctr">
+                    <a:lnL w="12700" cap="flat" cmpd="sng" algn="ctr">
+                      <a:solidFill>
+                        <a:schemeClr val="tx1"/>
+                      </a:solidFill>
+                      <a:prstDash val="solid"/>
+                      <a:round/>
+                      <a:headEnd w="med" len="med"/>
+                      <a:tailEnd w="med" len="med"/>
+                    </a:lnL>
+                    <a:lnR w="12700" cap="flat" cmpd="sng" algn="ctr">
+                      <a:solidFill>
+                        <a:schemeClr val="tx1"/>
+                      </a:solidFill>
+                      <a:prstDash val="solid"/>
+                      <a:round/>
+                      <a:headEnd w="med" len="med"/>
+                      <a:tailEnd w="med" len="med"/>
+                    </a:lnR>
+                    <a:lnT w="12700" cap="flat" cmpd="sng" algn="ctr">
+                      <a:solidFill>
+                        <a:schemeClr val="tx1"/>
+                      </a:solidFill>
+                      <a:prstDash val="solid"/>
+                      <a:round/>
+                      <a:headEnd w="med" len="med"/>
+                      <a:tailEnd w="med" len="med"/>
+                    </a:lnT>
+                    <a:lnB w="12700" cap="flat" cmpd="sng" algn="ctr">
+                      <a:solidFill>
+                        <a:schemeClr val="tx1"/>
+                      </a:solidFill>
+                      <a:prstDash val="solid"/>
+                      <a:round/>
+                      <a:headEnd w="med" len="med"/>
+                      <a:tailEnd w="med" len="med"/>
+                    </a:lnB>
+                    <a:noFill/>
+                  </a:tcPr>
+                </a:tc>
+                <a:tc>
+                  <a:txBody>
+                    <a:bodyPr vert="horz" wrap="square" lIns="91440" tIns="45720" rIns="91440" bIns="45720" anchor="ctr" anchorCtr="0">
+                      <a:spAutoFit/>
+                    </a:bodyPr>
+                    <a:p>
+                      <a:pPr lvl="0" algn="ctr">
+                        <a:defRPr/>
+                      </a:pPr>
+                      <a:endParaRPr lang="ko-KR" altLang="en-US" sz="2400">
+                        <a:solidFill>
+                          <a:schemeClr val="tx1"/>
+                        </a:solidFill>
+                        <a:latin typeface="맑은 고딕"/>
+                      </a:endParaRPr>
+                    </a:p>
+                  </a:txBody>
+                  <a:tcPr marL="91440" marR="91440" anchor="ctr">
+                    <a:lnL w="12700" cap="flat" cmpd="sng" algn="ctr">
+                      <a:solidFill>
+                        <a:schemeClr val="tx1"/>
+                      </a:solidFill>
+                      <a:prstDash val="solid"/>
+                      <a:round/>
+                      <a:headEnd w="med" len="med"/>
+                      <a:tailEnd w="med" len="med"/>
+                    </a:lnL>
+                    <a:lnR w="12700" cap="flat" cmpd="sng" algn="ctr">
+                      <a:solidFill>
+                        <a:schemeClr val="tx1"/>
+                      </a:solidFill>
+                      <a:prstDash val="solid"/>
+                      <a:round/>
+                      <a:headEnd w="med" len="med"/>
+                      <a:tailEnd w="med" len="med"/>
+                    </a:lnR>
+                    <a:lnT w="12700" cap="flat" cmpd="sng" algn="ctr">
+                      <a:solidFill>
+                        <a:schemeClr val="tx1"/>
+                      </a:solidFill>
+                      <a:prstDash val="solid"/>
+                      <a:round/>
+                      <a:headEnd w="med" len="med"/>
+                      <a:tailEnd w="med" len="med"/>
+                    </a:lnT>
+                    <a:lnB w="12700" cap="flat" cmpd="sng" algn="ctr">
+                      <a:solidFill>
+                        <a:schemeClr val="tx1"/>
+                      </a:solidFill>
+                      <a:prstDash val="solid"/>
+                      <a:round/>
+                      <a:headEnd w="med" len="med"/>
+                      <a:tailEnd w="med" len="med"/>
+                    </a:lnB>
+                    <a:noFill/>
+                  </a:tcPr>
+                </a:tc>
+              </a:tr>
+              <a:tr h="687206">
+                <a:tc>
+                  <a:txBody>
+                    <a:bodyPr vert="horz" wrap="square" lIns="91440" tIns="45720" rIns="91440" bIns="45720" anchor="ctr" anchorCtr="0">
+                      <a:spAutoFit/>
+                    </a:bodyPr>
+                    <a:p>
+                      <a:pPr lvl="0" algn="ctr">
+                        <a:defRPr/>
+                      </a:pPr>
+                      <a:endParaRPr lang="ko-KR" altLang="en-US" sz="2400">
+                        <a:solidFill>
+                          <a:schemeClr val="tx1"/>
+                        </a:solidFill>
+                        <a:latin typeface="맑은 고딕"/>
+                      </a:endParaRPr>
+                    </a:p>
+                  </a:txBody>
+                  <a:tcPr marL="91440" marR="91440" anchor="ctr">
+                    <a:lnL w="12700" cap="flat" cmpd="sng" algn="ctr">
+                      <a:solidFill>
+                        <a:schemeClr val="tx1"/>
+                      </a:solidFill>
+                      <a:prstDash val="solid"/>
+                      <a:round/>
+                      <a:headEnd w="med" len="med"/>
+                      <a:tailEnd w="med" len="med"/>
+                    </a:lnL>
+                    <a:lnR w="12700" cap="flat" cmpd="sng" algn="ctr">
+                      <a:solidFill>
+                        <a:schemeClr val="tx1"/>
+                      </a:solidFill>
+                      <a:prstDash val="solid"/>
+                      <a:round/>
+                      <a:headEnd w="med" len="med"/>
+                      <a:tailEnd w="med" len="med"/>
+                    </a:lnR>
+                    <a:lnT w="12700" cap="flat" cmpd="sng" algn="ctr">
+                      <a:solidFill>
+                        <a:schemeClr val="tx1"/>
+                      </a:solidFill>
+                      <a:prstDash val="solid"/>
+                      <a:round/>
+                      <a:headEnd w="med" len="med"/>
+                      <a:tailEnd w="med" len="med"/>
+                    </a:lnT>
+                    <a:lnB w="12700" cap="flat" cmpd="sng" algn="ctr">
+                      <a:solidFill>
+                        <a:schemeClr val="tx1"/>
+                      </a:solidFill>
+                      <a:prstDash val="solid"/>
+                      <a:round/>
+                      <a:headEnd w="med" len="med"/>
+                      <a:tailEnd w="med" len="med"/>
+                    </a:lnB>
+                    <a:noFill/>
+                  </a:tcPr>
+                </a:tc>
+                <a:tc>
+                  <a:txBody>
+                    <a:bodyPr vert="horz" wrap="square" lIns="91440" tIns="45720" rIns="91440" bIns="45720" anchor="ctr" anchorCtr="0">
+                      <a:spAutoFit/>
+                    </a:bodyPr>
+                    <a:p>
+                      <a:pPr marL="0" lvl="0" indent="0" algn="ctr" defTabSz="914400" rtl="0" eaLnBrk="1" latinLnBrk="1" hangingPunct="1">
+                        <a:lnSpc>
+                          <a:spcPct val="100000"/>
+                        </a:lnSpc>
+                        <a:spcBef>
+                          <a:spcPts val="0"/>
+                        </a:spcBef>
+                        <a:spcAft>
+                          <a:spcPts val="0"/>
+                        </a:spcAft>
+                        <a:buNone/>
+                        <a:defRPr/>
+                      </a:pPr>
+                      <a:endParaRPr lang="ko-KR" altLang="en-US" sz="2400">
+                        <a:solidFill>
+                          <a:schemeClr val="tx1"/>
+                        </a:solidFill>
+                        <a:latin typeface="맑은 고딕"/>
+                      </a:endParaRPr>
+                    </a:p>
+                  </a:txBody>
+                  <a:tcPr marL="91440" marR="91440" anchor="ctr">
+                    <a:lnL w="12700" cap="flat" cmpd="sng" algn="ctr">
+                      <a:solidFill>
+                        <a:schemeClr val="tx1"/>
+                      </a:solidFill>
+                      <a:prstDash val="solid"/>
+                      <a:round/>
+                      <a:headEnd w="med" len="med"/>
+                      <a:tailEnd w="med" len="med"/>
+                    </a:lnL>
+                    <a:lnR w="12700" cap="flat" cmpd="sng" algn="ctr">
+                      <a:solidFill>
+                        <a:schemeClr val="tx1"/>
+                      </a:solidFill>
+                      <a:prstDash val="solid"/>
+                      <a:round/>
+                      <a:headEnd w="med" len="med"/>
+                      <a:tailEnd w="med" len="med"/>
+                    </a:lnR>
+                    <a:lnT w="12700" cap="flat" cmpd="sng" algn="ctr">
+                      <a:solidFill>
+                        <a:schemeClr val="tx1"/>
+                      </a:solidFill>
+                      <a:prstDash val="solid"/>
+                      <a:round/>
+                      <a:headEnd w="med" len="med"/>
+                      <a:tailEnd w="med" len="med"/>
+                    </a:lnT>
+                    <a:lnB w="12700" cap="flat" cmpd="sng" algn="ctr">
+                      <a:solidFill>
+                        <a:schemeClr val="tx1"/>
+                      </a:solidFill>
+                      <a:prstDash val="solid"/>
+                      <a:round/>
+                      <a:headEnd w="med" len="med"/>
+                      <a:tailEnd w="med" len="med"/>
+                    </a:lnB>
+                    <a:noFill/>
+                  </a:tcPr>
+                </a:tc>
+                <a:tc>
+                  <a:txBody>
+                    <a:bodyPr vert="horz" wrap="square" lIns="91440" tIns="45720" rIns="91440" bIns="45720" anchor="ctr" anchorCtr="0">
+                      <a:spAutoFit/>
+                    </a:bodyPr>
+                    <a:p>
+                      <a:pPr marL="0" lvl="0" indent="0" algn="ctr" defTabSz="914400" rtl="0" eaLnBrk="1" latinLnBrk="1" hangingPunct="1">
+                        <a:lnSpc>
+                          <a:spcPct val="100000"/>
+                        </a:lnSpc>
+                        <a:spcBef>
+                          <a:spcPts val="0"/>
+                        </a:spcBef>
+                        <a:spcAft>
+                          <a:spcPts val="0"/>
+                        </a:spcAft>
+                        <a:buNone/>
+                        <a:defRPr/>
+                      </a:pPr>
+                      <a:endParaRPr lang="ko-KR" altLang="en-US" sz="2400">
+                        <a:solidFill>
+                          <a:schemeClr val="tx1"/>
+                        </a:solidFill>
+                        <a:latin typeface="맑은 고딕"/>
+                      </a:endParaRPr>
+                    </a:p>
+                  </a:txBody>
+                  <a:tcPr marL="91440" marR="91440" anchor="ctr">
+                    <a:lnL w="12700" cap="flat" cmpd="sng" algn="ctr">
+                      <a:solidFill>
+                        <a:schemeClr val="tx1"/>
+                      </a:solidFill>
+                      <a:prstDash val="solid"/>
+                      <a:round/>
+                      <a:headEnd w="med" len="med"/>
+                      <a:tailEnd w="med" len="med"/>
+                    </a:lnL>
+                    <a:lnR w="12700" cap="flat" cmpd="sng" algn="ctr">
+                      <a:solidFill>
+                        <a:schemeClr val="tx1"/>
+                      </a:solidFill>
+                      <a:prstDash val="solid"/>
+                      <a:round/>
+                      <a:headEnd w="med" len="med"/>
+                      <a:tailEnd w="med" len="med"/>
+                    </a:lnR>
+                    <a:lnT w="12700" cap="flat" cmpd="sng" algn="ctr">
+                      <a:solidFill>
+                        <a:schemeClr val="tx1"/>
+                      </a:solidFill>
+                      <a:prstDash val="solid"/>
+                      <a:round/>
+                      <a:headEnd w="med" len="med"/>
+                      <a:tailEnd w="med" len="med"/>
+                    </a:lnT>
+                    <a:lnB w="12700" cap="flat" cmpd="sng" algn="ctr">
+                      <a:solidFill>
+                        <a:schemeClr val="tx1"/>
+                      </a:solidFill>
+                      <a:prstDash val="solid"/>
+                      <a:round/>
+                      <a:headEnd w="med" len="med"/>
+                      <a:tailEnd w="med" len="med"/>
+                    </a:lnB>
+                    <a:noFill/>
+                  </a:tcPr>
+                </a:tc>
+                <a:tc>
+                  <a:txBody>
+                    <a:bodyPr vert="horz" wrap="square" lIns="91440" tIns="45720" rIns="91440" bIns="45720" anchor="ctr" anchorCtr="0">
+                      <a:spAutoFit/>
+                    </a:bodyPr>
+                    <a:p>
+                      <a:pPr marL="0" lvl="0" indent="0" algn="ctr" defTabSz="914400" rtl="0" eaLnBrk="1" latinLnBrk="1" hangingPunct="1">
+                        <a:lnSpc>
+                          <a:spcPct val="100000"/>
+                        </a:lnSpc>
+                        <a:spcBef>
+                          <a:spcPts val="0"/>
+                        </a:spcBef>
+                        <a:spcAft>
+                          <a:spcPts val="0"/>
+                        </a:spcAft>
+                        <a:buNone/>
+                        <a:defRPr/>
+                      </a:pPr>
+                      <a:endParaRPr lang="ko-KR" altLang="en-US" sz="2400">
+                        <a:solidFill>
+                          <a:schemeClr val="tx1"/>
+                        </a:solidFill>
+                        <a:latin typeface="맑은 고딕"/>
+                      </a:endParaRPr>
+                    </a:p>
+                  </a:txBody>
+                  <a:tcPr marL="91440" marR="91440" anchor="ctr">
+                    <a:lnL w="12700" cap="flat" cmpd="sng" algn="ctr">
+                      <a:solidFill>
+                        <a:schemeClr val="tx1"/>
+                      </a:solidFill>
+                      <a:prstDash val="solid"/>
+                      <a:round/>
+                      <a:headEnd w="med" len="med"/>
+                      <a:tailEnd w="med" len="med"/>
+                    </a:lnL>
+                    <a:lnR w="12700" cap="flat" cmpd="sng" algn="ctr">
+                      <a:solidFill>
+                        <a:schemeClr val="tx1"/>
+                      </a:solidFill>
+                      <a:prstDash val="solid"/>
+                      <a:round/>
+                      <a:headEnd w="med" len="med"/>
+                      <a:tailEnd w="med" len="med"/>
+                    </a:lnR>
+                    <a:lnT w="12700" cap="flat" cmpd="sng" algn="ctr">
+                      <a:solidFill>
+                        <a:schemeClr val="tx1"/>
+                      </a:solidFill>
+                      <a:prstDash val="solid"/>
+                      <a:round/>
+                      <a:headEnd w="med" len="med"/>
+                      <a:tailEnd w="med" len="med"/>
+                    </a:lnT>
+                    <a:lnB w="12700" cap="flat" cmpd="sng" algn="ctr">
+                      <a:solidFill>
+                        <a:schemeClr val="tx1"/>
+                      </a:solidFill>
+                      <a:prstDash val="solid"/>
+                      <a:round/>
+                      <a:headEnd w="med" len="med"/>
+                      <a:tailEnd w="med" len="med"/>
+                    </a:lnB>
+                    <a:noFill/>
+                  </a:tcPr>
+                </a:tc>
+                <a:tc>
+                  <a:txBody>
+                    <a:bodyPr vert="horz" wrap="square" lIns="91440" tIns="45720" rIns="91440" bIns="45720" anchor="ctr" anchorCtr="0">
+                      <a:spAutoFit/>
+                    </a:bodyPr>
+                    <a:p>
+                      <a:pPr lvl="0" algn="ctr">
+                        <a:defRPr/>
+                      </a:pPr>
+                      <a:endParaRPr lang="ko-KR" altLang="en-US" sz="2400">
+                        <a:solidFill>
+                          <a:schemeClr val="tx1"/>
+                        </a:solidFill>
+                        <a:latin typeface="맑은 고딕"/>
+                      </a:endParaRPr>
+                    </a:p>
+                  </a:txBody>
+                  <a:tcPr marL="91440" marR="91440" anchor="ctr">
+                    <a:lnL w="12700" cap="flat" cmpd="sng" algn="ctr">
+                      <a:solidFill>
+                        <a:schemeClr val="tx1"/>
+                      </a:solidFill>
+                      <a:prstDash val="solid"/>
+                      <a:round/>
+                      <a:headEnd w="med" len="med"/>
+                      <a:tailEnd w="med" len="med"/>
+                    </a:lnL>
+                    <a:lnR w="12700" cap="flat" cmpd="sng" algn="ctr">
+                      <a:solidFill>
+                        <a:schemeClr val="tx1"/>
+                      </a:solidFill>
+                      <a:prstDash val="solid"/>
+                      <a:round/>
+                      <a:headEnd w="med" len="med"/>
+                      <a:tailEnd w="med" len="med"/>
+                    </a:lnR>
+                    <a:lnT w="12700" cap="flat" cmpd="sng" algn="ctr">
+                      <a:solidFill>
+                        <a:schemeClr val="tx1"/>
+                      </a:solidFill>
+                      <a:prstDash val="solid"/>
+                      <a:round/>
+                      <a:headEnd w="med" len="med"/>
+                      <a:tailEnd w="med" len="med"/>
+                    </a:lnT>
+                    <a:lnB w="12700" cap="flat" cmpd="sng" algn="ctr">
+                      <a:solidFill>
+                        <a:schemeClr val="tx1"/>
+                      </a:solidFill>
+                      <a:prstDash val="solid"/>
+                      <a:round/>
+                      <a:headEnd w="med" len="med"/>
+                      <a:tailEnd w="med" len="med"/>
+                    </a:lnB>
+                    <a:noFill/>
+                  </a:tcPr>
+                </a:tc>
+                <a:tc>
+                  <a:txBody>
+                    <a:bodyPr vert="horz" wrap="square" lIns="91440" tIns="45720" rIns="91440" bIns="45720" anchor="ctr" anchorCtr="0">
+                      <a:spAutoFit/>
+                    </a:bodyPr>
+                    <a:p>
+                      <a:pPr lvl="0" algn="ctr">
+                        <a:defRPr/>
+                      </a:pPr>
+                      <a:endParaRPr lang="ko-KR" altLang="en-US" sz="2400">
+                        <a:solidFill>
+                          <a:schemeClr val="tx1"/>
+                        </a:solidFill>
+                        <a:latin typeface="맑은 고딕"/>
+                      </a:endParaRPr>
+                    </a:p>
+                  </a:txBody>
+                  <a:tcPr marL="91440" marR="91440" anchor="ctr">
+                    <a:lnL w="12700" cap="flat" cmpd="sng" algn="ctr">
+                      <a:solidFill>
+                        <a:schemeClr val="tx1"/>
+                      </a:solidFill>
+                      <a:prstDash val="solid"/>
+                      <a:round/>
+                      <a:headEnd w="med" len="med"/>
+                      <a:tailEnd w="med" len="med"/>
+                    </a:lnL>
+                    <a:lnR w="12700" cap="flat" cmpd="sng" algn="ctr">
+                      <a:solidFill>
+                        <a:schemeClr val="tx1"/>
+                      </a:solidFill>
+                      <a:prstDash val="solid"/>
+                      <a:round/>
+                      <a:headEnd w="med" len="med"/>
+                      <a:tailEnd w="med" len="med"/>
+                    </a:lnR>
+                    <a:lnT w="12700" cap="flat" cmpd="sng" algn="ctr">
+                      <a:solidFill>
+                        <a:schemeClr val="tx1"/>
+                      </a:solidFill>
+                      <a:prstDash val="solid"/>
+                      <a:round/>
+                      <a:headEnd w="med" len="med"/>
+                      <a:tailEnd w="med" len="med"/>
+                    </a:lnT>
+                    <a:lnB w="12700" cap="flat" cmpd="sng" algn="ctr">
+                      <a:solidFill>
+                        <a:schemeClr val="tx1"/>
+                      </a:solidFill>
+                      <a:prstDash val="solid"/>
+                      <a:round/>
+                      <a:headEnd w="med" len="med"/>
+                      <a:tailEnd w="med" len="med"/>
+                    </a:lnB>
+                    <a:noFill/>
+                  </a:tcPr>
+                </a:tc>
+              </a:tr>
+              <a:tr h="687206">
+                <a:tc>
+                  <a:txBody>
+                    <a:bodyPr vert="horz" wrap="square" lIns="91440" tIns="45720" rIns="91440" bIns="45720" anchor="ctr" anchorCtr="0">
+                      <a:spAutoFit/>
+                    </a:bodyPr>
+                    <a:p>
+                      <a:pPr lvl="0" algn="ctr">
+                        <a:defRPr/>
+                      </a:pPr>
+                      <a:endParaRPr lang="ko-KR" altLang="en-US" sz="2400">
+                        <a:solidFill>
+                          <a:schemeClr val="tx1"/>
+                        </a:solidFill>
+                        <a:latin typeface="맑은 고딕"/>
+                      </a:endParaRPr>
+                    </a:p>
+                  </a:txBody>
+                  <a:tcPr marL="91440" marR="91440" anchor="ctr">
+                    <a:lnL w="12700" cap="flat" cmpd="sng" algn="ctr">
+                      <a:solidFill>
+                        <a:schemeClr val="tx1"/>
+                      </a:solidFill>
+                      <a:prstDash val="solid"/>
+                      <a:round/>
+                      <a:headEnd w="med" len="med"/>
+                      <a:tailEnd w="med" len="med"/>
+                    </a:lnL>
+                    <a:lnR w="12700" cap="flat" cmpd="sng" algn="ctr">
+                      <a:solidFill>
+                        <a:schemeClr val="tx1"/>
+                      </a:solidFill>
+                      <a:prstDash val="solid"/>
+                      <a:round/>
+                      <a:headEnd w="med" len="med"/>
+                      <a:tailEnd w="med" len="med"/>
+                    </a:lnR>
+                    <a:lnT w="12700" cap="flat" cmpd="sng" algn="ctr">
+                      <a:solidFill>
+                        <a:schemeClr val="tx1"/>
+                      </a:solidFill>
+                      <a:prstDash val="solid"/>
+                      <a:round/>
+                      <a:headEnd w="med" len="med"/>
+                      <a:tailEnd w="med" len="med"/>
+                    </a:lnT>
+                    <a:lnB w="12700" cap="flat" cmpd="sng" algn="ctr">
+                      <a:solidFill>
+                        <a:schemeClr val="tx1"/>
+                      </a:solidFill>
+                      <a:prstDash val="solid"/>
+                      <a:round/>
+                      <a:headEnd w="med" len="med"/>
+                      <a:tailEnd w="med" len="med"/>
+                    </a:lnB>
+                    <a:noFill/>
+                  </a:tcPr>
+                </a:tc>
+                <a:tc>
+                  <a:txBody>
+                    <a:bodyPr vert="horz" wrap="square" lIns="91440" tIns="45720" rIns="91440" bIns="45720" anchor="ctr" anchorCtr="0">
+                      <a:spAutoFit/>
+                    </a:bodyPr>
+                    <a:p>
+                      <a:pPr marL="0" lvl="0" indent="0" algn="ctr" defTabSz="914400" rtl="0" eaLnBrk="1" latinLnBrk="1" hangingPunct="1">
+                        <a:lnSpc>
+                          <a:spcPct val="100000"/>
+                        </a:lnSpc>
+                        <a:spcBef>
+                          <a:spcPts val="0"/>
+                        </a:spcBef>
+                        <a:spcAft>
+                          <a:spcPts val="0"/>
+                        </a:spcAft>
+                        <a:buNone/>
+                        <a:defRPr/>
+                      </a:pPr>
+                      <a:endParaRPr lang="ko-KR" altLang="en-US" sz="2400">
+                        <a:solidFill>
+                          <a:schemeClr val="tx1"/>
+                        </a:solidFill>
+                        <a:latin typeface="맑은 고딕"/>
+                      </a:endParaRPr>
+                    </a:p>
+                  </a:txBody>
+                  <a:tcPr marL="91440" marR="91440" anchor="ctr">
+                    <a:lnL w="12700" cap="flat" cmpd="sng" algn="ctr">
+                      <a:solidFill>
+                        <a:schemeClr val="tx1"/>
+                      </a:solidFill>
+                      <a:prstDash val="solid"/>
+                      <a:round/>
+                      <a:headEnd w="med" len="med"/>
+                      <a:tailEnd w="med" len="med"/>
+                    </a:lnL>
+                    <a:lnR w="12700" cap="flat" cmpd="sng" algn="ctr">
+                      <a:solidFill>
+                        <a:schemeClr val="tx1"/>
+                      </a:solidFill>
+                      <a:prstDash val="solid"/>
+                      <a:round/>
+                      <a:headEnd w="med" len="med"/>
+                      <a:tailEnd w="med" len="med"/>
+                    </a:lnR>
+                    <a:lnT w="12700" cap="flat" cmpd="sng" algn="ctr">
+                      <a:solidFill>
+                        <a:schemeClr val="tx1"/>
+                      </a:solidFill>
+                      <a:prstDash val="solid"/>
+                      <a:round/>
+                      <a:headEnd w="med" len="med"/>
+                      <a:tailEnd w="med" len="med"/>
+                    </a:lnT>
+                    <a:lnB w="12700" cap="flat" cmpd="sng" algn="ctr">
+                      <a:solidFill>
+                        <a:schemeClr val="tx1"/>
+                      </a:solidFill>
+                      <a:prstDash val="solid"/>
+                      <a:round/>
+                      <a:headEnd w="med" len="med"/>
+                      <a:tailEnd w="med" len="med"/>
+                    </a:lnB>
+                    <a:noFill/>
+                  </a:tcPr>
+                </a:tc>
+                <a:tc>
+                  <a:txBody>
+                    <a:bodyPr vert="horz" wrap="square" lIns="91440" tIns="45720" rIns="91440" bIns="45720" anchor="ctr" anchorCtr="0">
+                      <a:spAutoFit/>
+                    </a:bodyPr>
+                    <a:p>
+                      <a:pPr lvl="0" algn="ctr">
+                        <a:defRPr/>
+                      </a:pPr>
+                      <a:endParaRPr lang="ko-KR" altLang="en-US" sz="2400">
+                        <a:solidFill>
+                          <a:schemeClr val="tx1"/>
+                        </a:solidFill>
+                        <a:latin typeface="맑은 고딕"/>
+                      </a:endParaRPr>
+                    </a:p>
+                  </a:txBody>
+                  <a:tcPr marL="91440" marR="91440" anchor="ctr">
+                    <a:lnL w="12700" cap="flat" cmpd="sng" algn="ctr">
+                      <a:solidFill>
+                        <a:schemeClr val="tx1"/>
+                      </a:solidFill>
+                      <a:prstDash val="solid"/>
+                      <a:round/>
+                      <a:headEnd w="med" len="med"/>
+                      <a:tailEnd w="med" len="med"/>
+                    </a:lnL>
+                    <a:lnR w="12700" cap="flat" cmpd="sng" algn="ctr">
+                      <a:solidFill>
+                        <a:schemeClr val="tx1"/>
+                      </a:solidFill>
+                      <a:prstDash val="solid"/>
+                      <a:round/>
+                      <a:headEnd w="med" len="med"/>
+                      <a:tailEnd w="med" len="med"/>
+                    </a:lnR>
+                    <a:lnT w="12700" cap="flat" cmpd="sng" algn="ctr">
+                      <a:solidFill>
+                        <a:schemeClr val="tx1"/>
+                      </a:solidFill>
+                      <a:prstDash val="solid"/>
+                      <a:round/>
+                      <a:headEnd w="med" len="med"/>
+                      <a:tailEnd w="med" len="med"/>
+                    </a:lnT>
+                    <a:lnB w="12700" cap="flat" cmpd="sng" algn="ctr">
+                      <a:solidFill>
+                        <a:schemeClr val="tx1"/>
+                      </a:solidFill>
+                      <a:prstDash val="solid"/>
+                      <a:round/>
+                      <a:headEnd w="med" len="med"/>
+                      <a:tailEnd w="med" len="med"/>
+                    </a:lnB>
+                    <a:noFill/>
+                  </a:tcPr>
+                </a:tc>
+                <a:tc>
+                  <a:txBody>
+                    <a:bodyPr vert="horz" wrap="square" lIns="91440" tIns="45720" rIns="91440" bIns="45720" anchor="ctr" anchorCtr="0">
+                      <a:spAutoFit/>
+                    </a:bodyPr>
+                    <a:p>
+                      <a:pPr lvl="0" algn="ctr">
+                        <a:defRPr/>
+                      </a:pPr>
+                      <a:endParaRPr lang="ko-KR" altLang="en-US" sz="2400">
+                        <a:solidFill>
+                          <a:schemeClr val="tx1"/>
+                        </a:solidFill>
+                        <a:latin typeface="맑은 고딕"/>
+                      </a:endParaRPr>
+                    </a:p>
+                  </a:txBody>
+                  <a:tcPr marL="91440" marR="91440" anchor="ctr">
+                    <a:lnL w="12700" cap="flat" cmpd="sng" algn="ctr">
+                      <a:solidFill>
+                        <a:schemeClr val="tx1"/>
+                      </a:solidFill>
+                      <a:prstDash val="solid"/>
+                      <a:round/>
+                      <a:headEnd w="med" len="med"/>
+                      <a:tailEnd w="med" len="med"/>
+                    </a:lnL>
+                    <a:lnR w="12700" cap="flat" cmpd="sng" algn="ctr">
+                      <a:solidFill>
+                        <a:schemeClr val="tx1"/>
+                      </a:solidFill>
+                      <a:prstDash val="solid"/>
+                      <a:round/>
+                      <a:headEnd w="med" len="med"/>
+                      <a:tailEnd w="med" len="med"/>
+                    </a:lnR>
+                    <a:lnT w="12700" cap="flat" cmpd="sng" algn="ctr">
+                      <a:solidFill>
+                        <a:schemeClr val="tx1"/>
+                      </a:solidFill>
+                      <a:prstDash val="solid"/>
+                      <a:round/>
+                      <a:headEnd w="med" len="med"/>
+                      <a:tailEnd w="med" len="med"/>
+                    </a:lnT>
+                    <a:lnB w="12700" cap="flat" cmpd="sng" algn="ctr">
+                      <a:solidFill>
+                        <a:schemeClr val="tx1"/>
+                      </a:solidFill>
+                      <a:prstDash val="solid"/>
+                      <a:round/>
+                      <a:headEnd w="med" len="med"/>
+                      <a:tailEnd w="med" len="med"/>
+                    </a:lnB>
+                    <a:noFill/>
+                  </a:tcPr>
+                </a:tc>
+                <a:tc>
+                  <a:txBody>
+                    <a:bodyPr vert="horz" wrap="square" lIns="91440" tIns="45720" rIns="91440" bIns="45720" anchor="ctr" anchorCtr="0">
+                      <a:spAutoFit/>
+                    </a:bodyPr>
+                    <a:p>
+                      <a:pPr lvl="0" algn="ctr">
+                        <a:defRPr/>
+                      </a:pPr>
+                      <a:endParaRPr lang="ko-KR" altLang="en-US" sz="2400">
+                        <a:solidFill>
+                          <a:schemeClr val="tx1"/>
+                        </a:solidFill>
+                        <a:latin typeface="맑은 고딕"/>
+                      </a:endParaRPr>
+                    </a:p>
+                  </a:txBody>
+                  <a:tcPr marL="91440" marR="91440" anchor="ctr">
+                    <a:lnL w="12700" cap="flat" cmpd="sng" algn="ctr">
+                      <a:solidFill>
+                        <a:schemeClr val="tx1"/>
+                      </a:solidFill>
+                      <a:prstDash val="solid"/>
+                      <a:round/>
+                      <a:headEnd w="med" len="med"/>
+                      <a:tailEnd w="med" len="med"/>
+                    </a:lnL>
+                    <a:lnR w="12700" cap="flat" cmpd="sng" algn="ctr">
+                      <a:solidFill>
+                        <a:schemeClr val="tx1"/>
+                      </a:solidFill>
+                      <a:prstDash val="solid"/>
+                      <a:round/>
+                      <a:headEnd w="med" len="med"/>
+                      <a:tailEnd w="med" len="med"/>
+                    </a:lnR>
+                    <a:lnT w="12700" cap="flat" cmpd="sng" algn="ctr">
+                      <a:solidFill>
+                        <a:schemeClr val="tx1"/>
+                      </a:solidFill>
+                      <a:prstDash val="solid"/>
+                      <a:round/>
+                      <a:headEnd w="med" len="med"/>
+                      <a:tailEnd w="med" len="med"/>
+                    </a:lnT>
+                    <a:lnB w="12700" cap="flat" cmpd="sng" algn="ctr">
+                      <a:solidFill>
+                        <a:schemeClr val="tx1"/>
+                      </a:solidFill>
+                      <a:prstDash val="solid"/>
+                      <a:round/>
+                      <a:headEnd w="med" len="med"/>
+                      <a:tailEnd w="med" len="med"/>
+                    </a:lnB>
+                    <a:noFill/>
+                  </a:tcPr>
+                </a:tc>
+                <a:tc>
+                  <a:txBody>
+                    <a:bodyPr vert="horz" wrap="square" lIns="91440" tIns="45720" rIns="91440" bIns="45720" anchor="ctr" anchorCtr="0">
+                      <a:spAutoFit/>
+                    </a:bodyPr>
+                    <a:p>
+                      <a:pPr lvl="0" algn="ctr">
+                        <a:defRPr/>
+                      </a:pPr>
+                      <a:endParaRPr lang="en-US" altLang="ko-KR" sz="2400">
+                        <a:solidFill>
+                          <a:schemeClr val="tx1"/>
+                        </a:solidFill>
+                        <a:latin typeface="맑은 고딕"/>
+                      </a:endParaRPr>
+                    </a:p>
+                  </a:txBody>
+                  <a:tcPr marL="91440" marR="91440" anchor="ctr">
+                    <a:lnL w="12700" cap="flat" cmpd="sng" algn="ctr">
+                      <a:solidFill>
+                        <a:schemeClr val="tx1"/>
+                      </a:solidFill>
+                      <a:prstDash val="solid"/>
+                      <a:round/>
+                      <a:headEnd w="med" len="med"/>
+                      <a:tailEnd w="med" len="med"/>
+                    </a:lnL>
+                    <a:lnR w="12700" cap="flat" cmpd="sng" algn="ctr">
+                      <a:solidFill>
+                        <a:schemeClr val="tx1"/>
+                      </a:solidFill>
+                      <a:prstDash val="solid"/>
+                      <a:round/>
+                      <a:headEnd w="med" len="med"/>
+                      <a:tailEnd w="med" len="med"/>
+                    </a:lnR>
+                    <a:lnT w="12700" cap="flat" cmpd="sng" algn="ctr">
+                      <a:solidFill>
+                        <a:schemeClr val="tx1"/>
+                      </a:solidFill>
+                      <a:prstDash val="solid"/>
+                      <a:round/>
+                      <a:headEnd w="med" len="med"/>
+                      <a:tailEnd w="med" len="med"/>
+                    </a:lnT>
+                    <a:lnB w="12700" cap="flat" cmpd="sng" algn="ctr">
+                      <a:solidFill>
+                        <a:schemeClr val="tx1"/>
+                      </a:solidFill>
+                      <a:prstDash val="solid"/>
+                      <a:round/>
+                      <a:headEnd w="med" len="med"/>
+                      <a:tailEnd w="med" len="med"/>
+                    </a:lnB>
+                    <a:noFill/>
+                  </a:tcPr>
+                </a:tc>
+              </a:tr>
+            </a:tbl>
+          </a:graphicData>
+        </a:graphic>
+      </p:graphicFrame>
+    </p:spTree>
+    <p:extLst>
+      <p:ext uri="{BB962C8B-B14F-4D97-AF65-F5344CB8AC3E}">
+        <p14:creationId xmlns:p14="http://schemas.microsoft.com/office/powerpoint/2010/main" val="2978912068"/>
+      </p:ext>
+    </p:extLst>
+  </p:cSld>
+  <p:clrMapOvr>
+    <a:masterClrMapping/>
+  </p:clrMapOvr>
+</p:sld>
+</file>
+
+<file path=ppt/slides/slide2.xml><?xml version="1.0" encoding="utf-8"?>
+<p:sld xmlns:r="http://schemas.openxmlformats.org/officeDocument/2006/relationships" xmlns:c="http://schemas.openxmlformats.org/drawingml/2006/chart" xmlns:a="http://schemas.openxmlformats.org/drawingml/2006/main" xmlns:dgm="http://schemas.openxmlformats.org/drawingml/2006/diagram" xmlns:dsp="http://schemas.microsoft.com/office/drawing/2008/diagram" xmlns:p="http://schemas.openxmlformats.org/presentationml/2006/main">
+  <p:cSld>
+    <p:spTree>
+      <p:nvGrpSpPr>
+        <p:cNvPr id="1" name=""/>
+        <p:cNvGrpSpPr/>
+        <p:nvPr/>
+      </p:nvGrpSpPr>
+      <p:grpSpPr>
+        <a:xfrm>
+          <a:off x="0" y="0"/>
+          <a:ext cx="0" cy="0"/>
+          <a:chOff x="0" y="0"/>
+          <a:chExt cx="0" cy="0"/>
+        </a:xfrm>
+      </p:grpSpPr>
       <p:cxnSp>
         <p:nvCxnSpPr>
           <p:cNvPr id="7" name="선 6"/>
@@ -7406,7 +11018,7 @@
 </p:sld>
 </file>
 
-<file path=ppt/slides/slide2.xml><?xml version="1.0" encoding="utf-8"?>
+<file path=ppt/slides/slide3.xml><?xml version="1.0" encoding="utf-8"?>
 <p:sld xmlns:r="http://schemas.openxmlformats.org/officeDocument/2006/relationships" xmlns:c="http://schemas.openxmlformats.org/drawingml/2006/chart" xmlns:a="http://schemas.openxmlformats.org/drawingml/2006/main" xmlns:dgm="http://schemas.openxmlformats.org/drawingml/2006/diagram" xmlns:dsp="http://schemas.microsoft.com/office/drawing/2008/diagram" xmlns:p="http://schemas.openxmlformats.org/presentationml/2006/main">
   <p:cSld>
     <p:spTree>
@@ -11243,7 +14855,7 @@
 </p:sld>
 </file>
 
-<file path=ppt/slides/slide3.xml><?xml version="1.0" encoding="utf-8"?>
+<file path=ppt/slides/slide4.xml><?xml version="1.0" encoding="utf-8"?>
 <p:sld xmlns:r="http://schemas.openxmlformats.org/officeDocument/2006/relationships" xmlns:c="http://schemas.openxmlformats.org/drawingml/2006/chart" xmlns:a="http://schemas.openxmlformats.org/drawingml/2006/main" xmlns:dgm="http://schemas.openxmlformats.org/drawingml/2006/diagram" xmlns:dsp="http://schemas.microsoft.com/office/drawing/2008/diagram" xmlns:p="http://schemas.openxmlformats.org/presentationml/2006/main">
   <p:cSld>
     <p:spTree>
@@ -15934,7 +19546,7 @@
 </p:sld>
 </file>
 
-<file path=ppt/slides/slide4.xml><?xml version="1.0" encoding="utf-8"?>
+<file path=ppt/slides/slide5.xml><?xml version="1.0" encoding="utf-8"?>
 <p:sld xmlns:r="http://schemas.openxmlformats.org/officeDocument/2006/relationships" xmlns:c="http://schemas.openxmlformats.org/drawingml/2006/chart" xmlns:a="http://schemas.openxmlformats.org/drawingml/2006/main" xmlns:dgm="http://schemas.openxmlformats.org/drawingml/2006/diagram" xmlns:dsp="http://schemas.microsoft.com/office/drawing/2008/diagram" xmlns:p="http://schemas.openxmlformats.org/presentationml/2006/main">
   <p:cSld>
     <p:spTree>
@@ -20546,7 +24158,7 @@
 </p:sld>
 </file>
 
-<file path=ppt/slides/slide5.xml><?xml version="1.0" encoding="utf-8"?>
+<file path=ppt/slides/slide6.xml><?xml version="1.0" encoding="utf-8"?>
 <p:sld xmlns:r="http://schemas.openxmlformats.org/officeDocument/2006/relationships" xmlns:c="http://schemas.openxmlformats.org/drawingml/2006/chart" xmlns:a="http://schemas.openxmlformats.org/drawingml/2006/main" xmlns:dgm="http://schemas.openxmlformats.org/drawingml/2006/diagram" xmlns:dsp="http://schemas.microsoft.com/office/drawing/2008/diagram" xmlns:p="http://schemas.openxmlformats.org/presentationml/2006/main">
   <p:cSld>
     <p:spTree>
@@ -24440,7 +28052,7 @@
 </p:sld>
 </file>
 
-<file path=ppt/slides/slide6.xml><?xml version="1.0" encoding="utf-8"?>
+<file path=ppt/slides/slide7.xml><?xml version="1.0" encoding="utf-8"?>
 <p:sld xmlns:r="http://schemas.openxmlformats.org/officeDocument/2006/relationships" xmlns:c="http://schemas.openxmlformats.org/drawingml/2006/chart" xmlns:a="http://schemas.openxmlformats.org/drawingml/2006/main" xmlns:dgm="http://schemas.openxmlformats.org/drawingml/2006/diagram" xmlns:dsp="http://schemas.microsoft.com/office/drawing/2008/diagram" xmlns:p="http://schemas.openxmlformats.org/presentationml/2006/main">
   <p:cSld>
     <p:spTree>
@@ -29496,7 +33108,7 @@
 </p:sld>
 </file>
 
-<file path=ppt/slides/slide7.xml><?xml version="1.0" encoding="utf-8"?>
+<file path=ppt/slides/slide8.xml><?xml version="1.0" encoding="utf-8"?>
 <p:sld xmlns:r="http://schemas.openxmlformats.org/officeDocument/2006/relationships" xmlns:c="http://schemas.openxmlformats.org/drawingml/2006/chart" xmlns:a="http://schemas.openxmlformats.org/drawingml/2006/main" xmlns:dgm="http://schemas.openxmlformats.org/drawingml/2006/diagram" xmlns:dsp="http://schemas.microsoft.com/office/drawing/2008/diagram" xmlns:p="http://schemas.openxmlformats.org/presentationml/2006/main">
   <p:cSld>
     <p:spTree>
@@ -35772,7 +39384,7 @@
 </p:sld>
 </file>
 
-<file path=ppt/slides/slide8.xml><?xml version="1.0" encoding="utf-8"?>
+<file path=ppt/slides/slide9.xml><?xml version="1.0" encoding="utf-8"?>
 <p:sld xmlns:r="http://schemas.openxmlformats.org/officeDocument/2006/relationships" xmlns:c="http://schemas.openxmlformats.org/drawingml/2006/chart" xmlns:a="http://schemas.openxmlformats.org/drawingml/2006/main" xmlns:dgm="http://schemas.openxmlformats.org/drawingml/2006/diagram" xmlns:dsp="http://schemas.microsoft.com/office/drawing/2008/diagram" xmlns:p="http://schemas.openxmlformats.org/presentationml/2006/main">
   <p:cSld>
     <p:spTree>
@@ -35938,7 +39550,7 @@
           <p:nvPr/>
         </p:nvGraphicFramePr>
         <p:xfrm>
-          <a:off x="1684948" y="47625"/>
+          <a:off x="1133566" y="47625"/>
           <a:ext cx="9924867" cy="2560320"/>
         </p:xfrm>
         <a:graphic>
@@ -37819,7 +41431,7 @@
         <p:spPr>
           <a:xfrm>
             <a:off x="9619226" y="2816543"/>
-            <a:ext cx="2161046" cy="315277"/>
+            <a:ext cx="2161046" cy="543877"/>
           </a:xfrm>
           <a:prstGeom prst="rect">
             <a:avLst/>
@@ -37836,6 +41448,16 @@
             <a:r>
               <a:rPr lang="en-US" altLang="ko-KR" sz="1500"/>
               <a:t>1-8</a:t>
+            </a:r>
+            <a:endParaRPr lang="en-US" altLang="ko-KR" sz="1500"/>
+          </a:p>
+          <a:p>
+            <a:pPr lvl="0">
+              <a:defRPr/>
+            </a:pPr>
+            <a:r>
+              <a:rPr lang="en-US" altLang="ko-KR" sz="1500"/>
+              <a:t>6x5</a:t>
             </a:r>
             <a:endParaRPr lang="en-US" altLang="ko-KR" sz="1500"/>
           </a:p>
